--- a/memoire/reports/DÉTECTION SEMI-AUTOMATISÉE DES INFECTIONS POST-OPÉRATOIRES.pptx
+++ b/memoire/reports/DÉTECTION SEMI-AUTOMATISÉE DES INFECTIONS POST-OPÉRATOIRES.pptx
@@ -7475,6 +7475,13 @@
         </dgm:presLayoutVars>
       </dgm:prSet>
       <dgm:spPr/>
+      <dgm:t>
+        <a:bodyPr/>
+        <a:lstStyle/>
+        <a:p>
+          <a:endParaRPr lang="fr-FR"/>
+        </a:p>
+      </dgm:t>
     </dgm:pt>
     <dgm:pt modelId="{BE1558F8-005E-49AD-9F2B-772B57176E06}" type="pres">
       <dgm:prSet presAssocID="{31404B3A-79A4-4C59-93F4-2E44556D3CDB}" presName="parSpace" presStyleCnt="0"/>
@@ -7487,6 +7494,13 @@
         </dgm:presLayoutVars>
       </dgm:prSet>
       <dgm:spPr/>
+      <dgm:t>
+        <a:bodyPr/>
+        <a:lstStyle/>
+        <a:p>
+          <a:endParaRPr lang="fr-FR"/>
+        </a:p>
+      </dgm:t>
     </dgm:pt>
     <dgm:pt modelId="{F100EED1-637D-473A-8321-A273282E1E6A}" type="pres">
       <dgm:prSet presAssocID="{B8F9E771-0AC1-420C-990F-B648B068A717}" presName="parSpace" presStyleCnt="0"/>
@@ -7499,6 +7513,13 @@
         </dgm:presLayoutVars>
       </dgm:prSet>
       <dgm:spPr/>
+      <dgm:t>
+        <a:bodyPr/>
+        <a:lstStyle/>
+        <a:p>
+          <a:endParaRPr lang="fr-FR"/>
+        </a:p>
+      </dgm:t>
     </dgm:pt>
     <dgm:pt modelId="{A39C6B59-85B3-45A7-999A-07F1069B953B}" type="pres">
       <dgm:prSet presAssocID="{54D050C3-3533-4E2A-B36D-D3BA51B65B6A}" presName="parSpace" presStyleCnt="0"/>
@@ -7511,6 +7532,13 @@
         </dgm:presLayoutVars>
       </dgm:prSet>
       <dgm:spPr/>
+      <dgm:t>
+        <a:bodyPr/>
+        <a:lstStyle/>
+        <a:p>
+          <a:endParaRPr lang="fr-FR"/>
+        </a:p>
+      </dgm:t>
     </dgm:pt>
     <dgm:pt modelId="{2E11CDE2-58EB-4E3F-A022-1BE6BA2360BE}" type="pres">
       <dgm:prSet presAssocID="{1210CE54-9F84-413C-B25E-DEFF7308D27D}" presName="parSpace" presStyleCnt="0"/>
@@ -7523,20 +7551,27 @@
         </dgm:presLayoutVars>
       </dgm:prSet>
       <dgm:spPr/>
+      <dgm:t>
+        <a:bodyPr/>
+        <a:lstStyle/>
+        <a:p>
+          <a:endParaRPr lang="fr-FR"/>
+        </a:p>
+      </dgm:t>
     </dgm:pt>
   </dgm:ptLst>
   <dgm:cxnLst>
+    <dgm:cxn modelId="{F9F9BA7C-BE7E-47E6-A025-24B8E409C2F9}" type="presOf" srcId="{3D789325-8366-4553-A4C0-C02A9CF0F1AA}" destId="{A2C63A07-CD9F-40A7-8330-BCAEA232B8DA}" srcOrd="0" destOrd="0" presId="urn:microsoft.com/office/officeart/2005/8/layout/hChevron3"/>
+    <dgm:cxn modelId="{15E2F7EB-4B92-40EB-A186-64B9F8DF6AA1}" type="presOf" srcId="{02F169A3-994F-4CA4-96E5-97452CF9A7F1}" destId="{EB1209FE-7F27-4E14-8C2E-22F3DF986852}" srcOrd="0" destOrd="0" presId="urn:microsoft.com/office/officeart/2005/8/layout/hChevron3"/>
+    <dgm:cxn modelId="{CFF69217-1D87-4A8C-919E-3827F1BF4C30}" srcId="{02F169A3-994F-4CA4-96E5-97452CF9A7F1}" destId="{92EEEDD4-85AB-4E4B-B1E4-52EB1C86AF54}" srcOrd="2" destOrd="0" parTransId="{22649B0E-CDA2-4BF7-A2EC-F864A77A7139}" sibTransId="{54D050C3-3533-4E2A-B36D-D3BA51B65B6A}"/>
+    <dgm:cxn modelId="{0E167BEE-88C2-4149-95EF-A0AFBCC56BB4}" type="presOf" srcId="{446301A8-ED7F-4E78-8077-275912139C05}" destId="{7175A4EC-3B24-40FB-93A3-B207D4B401A3}" srcOrd="0" destOrd="0" presId="urn:microsoft.com/office/officeart/2005/8/layout/hChevron3"/>
+    <dgm:cxn modelId="{B3672BAD-7231-44A7-AD98-7BD4D2E8CA1E}" srcId="{02F169A3-994F-4CA4-96E5-97452CF9A7F1}" destId="{446301A8-ED7F-4E78-8077-275912139C05}" srcOrd="0" destOrd="0" parTransId="{9F85059D-EED4-44C3-8FF7-D0A45D4F5C03}" sibTransId="{31404B3A-79A4-4C59-93F4-2E44556D3CDB}"/>
+    <dgm:cxn modelId="{30245C3F-0CE2-400C-A20B-1661F19FC34B}" srcId="{02F169A3-994F-4CA4-96E5-97452CF9A7F1}" destId="{3D789325-8366-4553-A4C0-C02A9CF0F1AA}" srcOrd="1" destOrd="0" parTransId="{05B1D693-45F4-4853-9B9E-D00278225319}" sibTransId="{B8F9E771-0AC1-420C-990F-B648B068A717}"/>
+    <dgm:cxn modelId="{2EF46230-FB31-4EDB-B6CE-3D5FEAB5AEF6}" srcId="{02F169A3-994F-4CA4-96E5-97452CF9A7F1}" destId="{8D454871-913E-4B9F-A973-DB5CB8BD8BEA}" srcOrd="3" destOrd="0" parTransId="{EA714446-FA7F-43CA-9D18-6A9B5EE89135}" sibTransId="{1210CE54-9F84-413C-B25E-DEFF7308D27D}"/>
     <dgm:cxn modelId="{8682260E-DB89-4747-A073-85CE617C8CC2}" type="presOf" srcId="{92EEEDD4-85AB-4E4B-B1E4-52EB1C86AF54}" destId="{F404437D-A1B4-4AD2-A610-9F1A17DFC22C}" srcOrd="0" destOrd="0" presId="urn:microsoft.com/office/officeart/2005/8/layout/hChevron3"/>
-    <dgm:cxn modelId="{CFF69217-1D87-4A8C-919E-3827F1BF4C30}" srcId="{02F169A3-994F-4CA4-96E5-97452CF9A7F1}" destId="{92EEEDD4-85AB-4E4B-B1E4-52EB1C86AF54}" srcOrd="2" destOrd="0" parTransId="{22649B0E-CDA2-4BF7-A2EC-F864A77A7139}" sibTransId="{54D050C3-3533-4E2A-B36D-D3BA51B65B6A}"/>
     <dgm:cxn modelId="{67F6ED2C-7E87-4EF2-9A53-D8AA2A102D53}" type="presOf" srcId="{75DEAC54-37E1-4C9D-9BCA-3A7439FC30FE}" destId="{27470EFD-CEEB-44EC-A75A-B13AC67F5115}" srcOrd="0" destOrd="0" presId="urn:microsoft.com/office/officeart/2005/8/layout/hChevron3"/>
-    <dgm:cxn modelId="{2EF46230-FB31-4EDB-B6CE-3D5FEAB5AEF6}" srcId="{02F169A3-994F-4CA4-96E5-97452CF9A7F1}" destId="{8D454871-913E-4B9F-A973-DB5CB8BD8BEA}" srcOrd="3" destOrd="0" parTransId="{EA714446-FA7F-43CA-9D18-6A9B5EE89135}" sibTransId="{1210CE54-9F84-413C-B25E-DEFF7308D27D}"/>
-    <dgm:cxn modelId="{30245C3F-0CE2-400C-A20B-1661F19FC34B}" srcId="{02F169A3-994F-4CA4-96E5-97452CF9A7F1}" destId="{3D789325-8366-4553-A4C0-C02A9CF0F1AA}" srcOrd="1" destOrd="0" parTransId="{05B1D693-45F4-4853-9B9E-D00278225319}" sibTransId="{B8F9E771-0AC1-420C-990F-B648B068A717}"/>
-    <dgm:cxn modelId="{F9F9BA7C-BE7E-47E6-A025-24B8E409C2F9}" type="presOf" srcId="{3D789325-8366-4553-A4C0-C02A9CF0F1AA}" destId="{A2C63A07-CD9F-40A7-8330-BCAEA232B8DA}" srcOrd="0" destOrd="0" presId="urn:microsoft.com/office/officeart/2005/8/layout/hChevron3"/>
     <dgm:cxn modelId="{CDDE76A6-F36B-4998-8331-16E5B5CFED98}" type="presOf" srcId="{8D454871-913E-4B9F-A973-DB5CB8BD8BEA}" destId="{FB49EF4F-DBAA-45C9-8294-1B438078060D}" srcOrd="0" destOrd="0" presId="urn:microsoft.com/office/officeart/2005/8/layout/hChevron3"/>
-    <dgm:cxn modelId="{B3672BAD-7231-44A7-AD98-7BD4D2E8CA1E}" srcId="{02F169A3-994F-4CA4-96E5-97452CF9A7F1}" destId="{446301A8-ED7F-4E78-8077-275912139C05}" srcOrd="0" destOrd="0" parTransId="{9F85059D-EED4-44C3-8FF7-D0A45D4F5C03}" sibTransId="{31404B3A-79A4-4C59-93F4-2E44556D3CDB}"/>
     <dgm:cxn modelId="{07A459AF-EF09-433A-8C60-17F38366BB28}" srcId="{02F169A3-994F-4CA4-96E5-97452CF9A7F1}" destId="{75DEAC54-37E1-4C9D-9BCA-3A7439FC30FE}" srcOrd="4" destOrd="0" parTransId="{ED3597F5-F21F-496B-A436-FB2357A17A9E}" sibTransId="{9DF78E47-B100-4966-8DFF-DDAA0100EB7A}"/>
-    <dgm:cxn modelId="{15E2F7EB-4B92-40EB-A186-64B9F8DF6AA1}" type="presOf" srcId="{02F169A3-994F-4CA4-96E5-97452CF9A7F1}" destId="{EB1209FE-7F27-4E14-8C2E-22F3DF986852}" srcOrd="0" destOrd="0" presId="urn:microsoft.com/office/officeart/2005/8/layout/hChevron3"/>
-    <dgm:cxn modelId="{0E167BEE-88C2-4149-95EF-A0AFBCC56BB4}" type="presOf" srcId="{446301A8-ED7F-4E78-8077-275912139C05}" destId="{7175A4EC-3B24-40FB-93A3-B207D4B401A3}" srcOrd="0" destOrd="0" presId="urn:microsoft.com/office/officeart/2005/8/layout/hChevron3"/>
     <dgm:cxn modelId="{1775AD88-0672-4666-BAB0-E951615AAFBC}" type="presParOf" srcId="{EB1209FE-7F27-4E14-8C2E-22F3DF986852}" destId="{7175A4EC-3B24-40FB-93A3-B207D4B401A3}" srcOrd="0" destOrd="0" presId="urn:microsoft.com/office/officeart/2005/8/layout/hChevron3"/>
     <dgm:cxn modelId="{565F419F-3D93-403E-B847-A0D17D31C918}" type="presParOf" srcId="{EB1209FE-7F27-4E14-8C2E-22F3DF986852}" destId="{BE1558F8-005E-49AD-9F2B-772B57176E06}" srcOrd="1" destOrd="0" presId="urn:microsoft.com/office/officeart/2005/8/layout/hChevron3"/>
     <dgm:cxn modelId="{BE2F8260-8CED-4E22-AC6C-F1B2B4A005BC}" type="presParOf" srcId="{EB1209FE-7F27-4E14-8C2E-22F3DF986852}" destId="{A2C63A07-CD9F-40A7-8330-BCAEA232B8DA}" srcOrd="2" destOrd="0" presId="urn:microsoft.com/office/officeart/2005/8/layout/hChevron3"/>
@@ -7830,6 +7865,13 @@
         </dgm:presLayoutVars>
       </dgm:prSet>
       <dgm:spPr/>
+      <dgm:t>
+        <a:bodyPr/>
+        <a:lstStyle/>
+        <a:p>
+          <a:endParaRPr lang="fr-FR"/>
+        </a:p>
+      </dgm:t>
     </dgm:pt>
     <dgm:pt modelId="{BE1558F8-005E-49AD-9F2B-772B57176E06}" type="pres">
       <dgm:prSet presAssocID="{31404B3A-79A4-4C59-93F4-2E44556D3CDB}" presName="parSpace" presStyleCnt="0"/>
@@ -7842,6 +7884,13 @@
         </dgm:presLayoutVars>
       </dgm:prSet>
       <dgm:spPr/>
+      <dgm:t>
+        <a:bodyPr/>
+        <a:lstStyle/>
+        <a:p>
+          <a:endParaRPr lang="fr-FR"/>
+        </a:p>
+      </dgm:t>
     </dgm:pt>
     <dgm:pt modelId="{F100EED1-637D-473A-8321-A273282E1E6A}" type="pres">
       <dgm:prSet presAssocID="{B8F9E771-0AC1-420C-990F-B648B068A717}" presName="parSpace" presStyleCnt="0"/>
@@ -7854,6 +7903,13 @@
         </dgm:presLayoutVars>
       </dgm:prSet>
       <dgm:spPr/>
+      <dgm:t>
+        <a:bodyPr/>
+        <a:lstStyle/>
+        <a:p>
+          <a:endParaRPr lang="fr-FR"/>
+        </a:p>
+      </dgm:t>
     </dgm:pt>
     <dgm:pt modelId="{A39C6B59-85B3-45A7-999A-07F1069B953B}" type="pres">
       <dgm:prSet presAssocID="{54D050C3-3533-4E2A-B36D-D3BA51B65B6A}" presName="parSpace" presStyleCnt="0"/>
@@ -7866,6 +7922,13 @@
         </dgm:presLayoutVars>
       </dgm:prSet>
       <dgm:spPr/>
+      <dgm:t>
+        <a:bodyPr/>
+        <a:lstStyle/>
+        <a:p>
+          <a:endParaRPr lang="fr-FR"/>
+        </a:p>
+      </dgm:t>
     </dgm:pt>
     <dgm:pt modelId="{2E11CDE2-58EB-4E3F-A022-1BE6BA2360BE}" type="pres">
       <dgm:prSet presAssocID="{1210CE54-9F84-413C-B25E-DEFF7308D27D}" presName="parSpace" presStyleCnt="0"/>
@@ -7878,20 +7941,27 @@
         </dgm:presLayoutVars>
       </dgm:prSet>
       <dgm:spPr/>
+      <dgm:t>
+        <a:bodyPr/>
+        <a:lstStyle/>
+        <a:p>
+          <a:endParaRPr lang="fr-FR"/>
+        </a:p>
+      </dgm:t>
     </dgm:pt>
   </dgm:ptLst>
   <dgm:cxnLst>
+    <dgm:cxn modelId="{F9F9BA7C-BE7E-47E6-A025-24B8E409C2F9}" type="presOf" srcId="{3D789325-8366-4553-A4C0-C02A9CF0F1AA}" destId="{A2C63A07-CD9F-40A7-8330-BCAEA232B8DA}" srcOrd="0" destOrd="0" presId="urn:microsoft.com/office/officeart/2005/8/layout/hChevron3"/>
+    <dgm:cxn modelId="{15E2F7EB-4B92-40EB-A186-64B9F8DF6AA1}" type="presOf" srcId="{02F169A3-994F-4CA4-96E5-97452CF9A7F1}" destId="{EB1209FE-7F27-4E14-8C2E-22F3DF986852}" srcOrd="0" destOrd="0" presId="urn:microsoft.com/office/officeart/2005/8/layout/hChevron3"/>
+    <dgm:cxn modelId="{CFF69217-1D87-4A8C-919E-3827F1BF4C30}" srcId="{02F169A3-994F-4CA4-96E5-97452CF9A7F1}" destId="{92EEEDD4-85AB-4E4B-B1E4-52EB1C86AF54}" srcOrd="2" destOrd="0" parTransId="{22649B0E-CDA2-4BF7-A2EC-F864A77A7139}" sibTransId="{54D050C3-3533-4E2A-B36D-D3BA51B65B6A}"/>
+    <dgm:cxn modelId="{0E167BEE-88C2-4149-95EF-A0AFBCC56BB4}" type="presOf" srcId="{446301A8-ED7F-4E78-8077-275912139C05}" destId="{7175A4EC-3B24-40FB-93A3-B207D4B401A3}" srcOrd="0" destOrd="0" presId="urn:microsoft.com/office/officeart/2005/8/layout/hChevron3"/>
+    <dgm:cxn modelId="{B3672BAD-7231-44A7-AD98-7BD4D2E8CA1E}" srcId="{02F169A3-994F-4CA4-96E5-97452CF9A7F1}" destId="{446301A8-ED7F-4E78-8077-275912139C05}" srcOrd="0" destOrd="0" parTransId="{9F85059D-EED4-44C3-8FF7-D0A45D4F5C03}" sibTransId="{31404B3A-79A4-4C59-93F4-2E44556D3CDB}"/>
+    <dgm:cxn modelId="{30245C3F-0CE2-400C-A20B-1661F19FC34B}" srcId="{02F169A3-994F-4CA4-96E5-97452CF9A7F1}" destId="{3D789325-8366-4553-A4C0-C02A9CF0F1AA}" srcOrd="1" destOrd="0" parTransId="{05B1D693-45F4-4853-9B9E-D00278225319}" sibTransId="{B8F9E771-0AC1-420C-990F-B648B068A717}"/>
+    <dgm:cxn modelId="{2EF46230-FB31-4EDB-B6CE-3D5FEAB5AEF6}" srcId="{02F169A3-994F-4CA4-96E5-97452CF9A7F1}" destId="{8D454871-913E-4B9F-A973-DB5CB8BD8BEA}" srcOrd="3" destOrd="0" parTransId="{EA714446-FA7F-43CA-9D18-6A9B5EE89135}" sibTransId="{1210CE54-9F84-413C-B25E-DEFF7308D27D}"/>
     <dgm:cxn modelId="{8682260E-DB89-4747-A073-85CE617C8CC2}" type="presOf" srcId="{92EEEDD4-85AB-4E4B-B1E4-52EB1C86AF54}" destId="{F404437D-A1B4-4AD2-A610-9F1A17DFC22C}" srcOrd="0" destOrd="0" presId="urn:microsoft.com/office/officeart/2005/8/layout/hChevron3"/>
-    <dgm:cxn modelId="{CFF69217-1D87-4A8C-919E-3827F1BF4C30}" srcId="{02F169A3-994F-4CA4-96E5-97452CF9A7F1}" destId="{92EEEDD4-85AB-4E4B-B1E4-52EB1C86AF54}" srcOrd="2" destOrd="0" parTransId="{22649B0E-CDA2-4BF7-A2EC-F864A77A7139}" sibTransId="{54D050C3-3533-4E2A-B36D-D3BA51B65B6A}"/>
     <dgm:cxn modelId="{67F6ED2C-7E87-4EF2-9A53-D8AA2A102D53}" type="presOf" srcId="{75DEAC54-37E1-4C9D-9BCA-3A7439FC30FE}" destId="{27470EFD-CEEB-44EC-A75A-B13AC67F5115}" srcOrd="0" destOrd="0" presId="urn:microsoft.com/office/officeart/2005/8/layout/hChevron3"/>
-    <dgm:cxn modelId="{2EF46230-FB31-4EDB-B6CE-3D5FEAB5AEF6}" srcId="{02F169A3-994F-4CA4-96E5-97452CF9A7F1}" destId="{8D454871-913E-4B9F-A973-DB5CB8BD8BEA}" srcOrd="3" destOrd="0" parTransId="{EA714446-FA7F-43CA-9D18-6A9B5EE89135}" sibTransId="{1210CE54-9F84-413C-B25E-DEFF7308D27D}"/>
-    <dgm:cxn modelId="{30245C3F-0CE2-400C-A20B-1661F19FC34B}" srcId="{02F169A3-994F-4CA4-96E5-97452CF9A7F1}" destId="{3D789325-8366-4553-A4C0-C02A9CF0F1AA}" srcOrd="1" destOrd="0" parTransId="{05B1D693-45F4-4853-9B9E-D00278225319}" sibTransId="{B8F9E771-0AC1-420C-990F-B648B068A717}"/>
-    <dgm:cxn modelId="{F9F9BA7C-BE7E-47E6-A025-24B8E409C2F9}" type="presOf" srcId="{3D789325-8366-4553-A4C0-C02A9CF0F1AA}" destId="{A2C63A07-CD9F-40A7-8330-BCAEA232B8DA}" srcOrd="0" destOrd="0" presId="urn:microsoft.com/office/officeart/2005/8/layout/hChevron3"/>
     <dgm:cxn modelId="{CDDE76A6-F36B-4998-8331-16E5B5CFED98}" type="presOf" srcId="{8D454871-913E-4B9F-A973-DB5CB8BD8BEA}" destId="{FB49EF4F-DBAA-45C9-8294-1B438078060D}" srcOrd="0" destOrd="0" presId="urn:microsoft.com/office/officeart/2005/8/layout/hChevron3"/>
-    <dgm:cxn modelId="{B3672BAD-7231-44A7-AD98-7BD4D2E8CA1E}" srcId="{02F169A3-994F-4CA4-96E5-97452CF9A7F1}" destId="{446301A8-ED7F-4E78-8077-275912139C05}" srcOrd="0" destOrd="0" parTransId="{9F85059D-EED4-44C3-8FF7-D0A45D4F5C03}" sibTransId="{31404B3A-79A4-4C59-93F4-2E44556D3CDB}"/>
     <dgm:cxn modelId="{07A459AF-EF09-433A-8C60-17F38366BB28}" srcId="{02F169A3-994F-4CA4-96E5-97452CF9A7F1}" destId="{75DEAC54-37E1-4C9D-9BCA-3A7439FC30FE}" srcOrd="4" destOrd="0" parTransId="{ED3597F5-F21F-496B-A436-FB2357A17A9E}" sibTransId="{9DF78E47-B100-4966-8DFF-DDAA0100EB7A}"/>
-    <dgm:cxn modelId="{15E2F7EB-4B92-40EB-A186-64B9F8DF6AA1}" type="presOf" srcId="{02F169A3-994F-4CA4-96E5-97452CF9A7F1}" destId="{EB1209FE-7F27-4E14-8C2E-22F3DF986852}" srcOrd="0" destOrd="0" presId="urn:microsoft.com/office/officeart/2005/8/layout/hChevron3"/>
-    <dgm:cxn modelId="{0E167BEE-88C2-4149-95EF-A0AFBCC56BB4}" type="presOf" srcId="{446301A8-ED7F-4E78-8077-275912139C05}" destId="{7175A4EC-3B24-40FB-93A3-B207D4B401A3}" srcOrd="0" destOrd="0" presId="urn:microsoft.com/office/officeart/2005/8/layout/hChevron3"/>
     <dgm:cxn modelId="{1775AD88-0672-4666-BAB0-E951615AAFBC}" type="presParOf" srcId="{EB1209FE-7F27-4E14-8C2E-22F3DF986852}" destId="{7175A4EC-3B24-40FB-93A3-B207D4B401A3}" srcOrd="0" destOrd="0" presId="urn:microsoft.com/office/officeart/2005/8/layout/hChevron3"/>
     <dgm:cxn modelId="{565F419F-3D93-403E-B847-A0D17D31C918}" type="presParOf" srcId="{EB1209FE-7F27-4E14-8C2E-22F3DF986852}" destId="{BE1558F8-005E-49AD-9F2B-772B57176E06}" srcOrd="1" destOrd="0" presId="urn:microsoft.com/office/officeart/2005/8/layout/hChevron3"/>
     <dgm:cxn modelId="{BE2F8260-8CED-4E22-AC6C-F1B2B4A005BC}" type="presParOf" srcId="{EB1209FE-7F27-4E14-8C2E-22F3DF986852}" destId="{A2C63A07-CD9F-40A7-8330-BCAEA232B8DA}" srcOrd="2" destOrd="0" presId="urn:microsoft.com/office/officeart/2005/8/layout/hChevron3"/>
@@ -8135,6 +8205,13 @@
         </dgm:presLayoutVars>
       </dgm:prSet>
       <dgm:spPr/>
+      <dgm:t>
+        <a:bodyPr/>
+        <a:lstStyle/>
+        <a:p>
+          <a:endParaRPr lang="fr-FR"/>
+        </a:p>
+      </dgm:t>
     </dgm:pt>
     <dgm:pt modelId="{BE1558F8-005E-49AD-9F2B-772B57176E06}" type="pres">
       <dgm:prSet presAssocID="{31404B3A-79A4-4C59-93F4-2E44556D3CDB}" presName="parSpace" presStyleCnt="0"/>
@@ -8147,6 +8224,13 @@
         </dgm:presLayoutVars>
       </dgm:prSet>
       <dgm:spPr/>
+      <dgm:t>
+        <a:bodyPr/>
+        <a:lstStyle/>
+        <a:p>
+          <a:endParaRPr lang="fr-FR"/>
+        </a:p>
+      </dgm:t>
     </dgm:pt>
     <dgm:pt modelId="{F100EED1-637D-473A-8321-A273282E1E6A}" type="pres">
       <dgm:prSet presAssocID="{B8F9E771-0AC1-420C-990F-B648B068A717}" presName="parSpace" presStyleCnt="0"/>
@@ -8159,6 +8243,13 @@
         </dgm:presLayoutVars>
       </dgm:prSet>
       <dgm:spPr/>
+      <dgm:t>
+        <a:bodyPr/>
+        <a:lstStyle/>
+        <a:p>
+          <a:endParaRPr lang="fr-FR"/>
+        </a:p>
+      </dgm:t>
     </dgm:pt>
     <dgm:pt modelId="{A39C6B59-85B3-45A7-999A-07F1069B953B}" type="pres">
       <dgm:prSet presAssocID="{54D050C3-3533-4E2A-B36D-D3BA51B65B6A}" presName="parSpace" presStyleCnt="0"/>
@@ -8171,6 +8262,13 @@
         </dgm:presLayoutVars>
       </dgm:prSet>
       <dgm:spPr/>
+      <dgm:t>
+        <a:bodyPr/>
+        <a:lstStyle/>
+        <a:p>
+          <a:endParaRPr lang="fr-FR"/>
+        </a:p>
+      </dgm:t>
     </dgm:pt>
     <dgm:pt modelId="{2E11CDE2-58EB-4E3F-A022-1BE6BA2360BE}" type="pres">
       <dgm:prSet presAssocID="{1210CE54-9F84-413C-B25E-DEFF7308D27D}" presName="parSpace" presStyleCnt="0"/>
@@ -8183,20 +8281,27 @@
         </dgm:presLayoutVars>
       </dgm:prSet>
       <dgm:spPr/>
+      <dgm:t>
+        <a:bodyPr/>
+        <a:lstStyle/>
+        <a:p>
+          <a:endParaRPr lang="fr-FR"/>
+        </a:p>
+      </dgm:t>
     </dgm:pt>
   </dgm:ptLst>
   <dgm:cxnLst>
+    <dgm:cxn modelId="{F9F9BA7C-BE7E-47E6-A025-24B8E409C2F9}" type="presOf" srcId="{3D789325-8366-4553-A4C0-C02A9CF0F1AA}" destId="{A2C63A07-CD9F-40A7-8330-BCAEA232B8DA}" srcOrd="0" destOrd="0" presId="urn:microsoft.com/office/officeart/2005/8/layout/hChevron3"/>
+    <dgm:cxn modelId="{15E2F7EB-4B92-40EB-A186-64B9F8DF6AA1}" type="presOf" srcId="{02F169A3-994F-4CA4-96E5-97452CF9A7F1}" destId="{EB1209FE-7F27-4E14-8C2E-22F3DF986852}" srcOrd="0" destOrd="0" presId="urn:microsoft.com/office/officeart/2005/8/layout/hChevron3"/>
+    <dgm:cxn modelId="{CFF69217-1D87-4A8C-919E-3827F1BF4C30}" srcId="{02F169A3-994F-4CA4-96E5-97452CF9A7F1}" destId="{92EEEDD4-85AB-4E4B-B1E4-52EB1C86AF54}" srcOrd="2" destOrd="0" parTransId="{22649B0E-CDA2-4BF7-A2EC-F864A77A7139}" sibTransId="{54D050C3-3533-4E2A-B36D-D3BA51B65B6A}"/>
+    <dgm:cxn modelId="{0E167BEE-88C2-4149-95EF-A0AFBCC56BB4}" type="presOf" srcId="{446301A8-ED7F-4E78-8077-275912139C05}" destId="{7175A4EC-3B24-40FB-93A3-B207D4B401A3}" srcOrd="0" destOrd="0" presId="urn:microsoft.com/office/officeart/2005/8/layout/hChevron3"/>
+    <dgm:cxn modelId="{B3672BAD-7231-44A7-AD98-7BD4D2E8CA1E}" srcId="{02F169A3-994F-4CA4-96E5-97452CF9A7F1}" destId="{446301A8-ED7F-4E78-8077-275912139C05}" srcOrd="0" destOrd="0" parTransId="{9F85059D-EED4-44C3-8FF7-D0A45D4F5C03}" sibTransId="{31404B3A-79A4-4C59-93F4-2E44556D3CDB}"/>
+    <dgm:cxn modelId="{30245C3F-0CE2-400C-A20B-1661F19FC34B}" srcId="{02F169A3-994F-4CA4-96E5-97452CF9A7F1}" destId="{3D789325-8366-4553-A4C0-C02A9CF0F1AA}" srcOrd="1" destOrd="0" parTransId="{05B1D693-45F4-4853-9B9E-D00278225319}" sibTransId="{B8F9E771-0AC1-420C-990F-B648B068A717}"/>
+    <dgm:cxn modelId="{2EF46230-FB31-4EDB-B6CE-3D5FEAB5AEF6}" srcId="{02F169A3-994F-4CA4-96E5-97452CF9A7F1}" destId="{8D454871-913E-4B9F-A973-DB5CB8BD8BEA}" srcOrd="3" destOrd="0" parTransId="{EA714446-FA7F-43CA-9D18-6A9B5EE89135}" sibTransId="{1210CE54-9F84-413C-B25E-DEFF7308D27D}"/>
     <dgm:cxn modelId="{8682260E-DB89-4747-A073-85CE617C8CC2}" type="presOf" srcId="{92EEEDD4-85AB-4E4B-B1E4-52EB1C86AF54}" destId="{F404437D-A1B4-4AD2-A610-9F1A17DFC22C}" srcOrd="0" destOrd="0" presId="urn:microsoft.com/office/officeart/2005/8/layout/hChevron3"/>
-    <dgm:cxn modelId="{CFF69217-1D87-4A8C-919E-3827F1BF4C30}" srcId="{02F169A3-994F-4CA4-96E5-97452CF9A7F1}" destId="{92EEEDD4-85AB-4E4B-B1E4-52EB1C86AF54}" srcOrd="2" destOrd="0" parTransId="{22649B0E-CDA2-4BF7-A2EC-F864A77A7139}" sibTransId="{54D050C3-3533-4E2A-B36D-D3BA51B65B6A}"/>
     <dgm:cxn modelId="{67F6ED2C-7E87-4EF2-9A53-D8AA2A102D53}" type="presOf" srcId="{75DEAC54-37E1-4C9D-9BCA-3A7439FC30FE}" destId="{27470EFD-CEEB-44EC-A75A-B13AC67F5115}" srcOrd="0" destOrd="0" presId="urn:microsoft.com/office/officeart/2005/8/layout/hChevron3"/>
-    <dgm:cxn modelId="{2EF46230-FB31-4EDB-B6CE-3D5FEAB5AEF6}" srcId="{02F169A3-994F-4CA4-96E5-97452CF9A7F1}" destId="{8D454871-913E-4B9F-A973-DB5CB8BD8BEA}" srcOrd="3" destOrd="0" parTransId="{EA714446-FA7F-43CA-9D18-6A9B5EE89135}" sibTransId="{1210CE54-9F84-413C-B25E-DEFF7308D27D}"/>
-    <dgm:cxn modelId="{30245C3F-0CE2-400C-A20B-1661F19FC34B}" srcId="{02F169A3-994F-4CA4-96E5-97452CF9A7F1}" destId="{3D789325-8366-4553-A4C0-C02A9CF0F1AA}" srcOrd="1" destOrd="0" parTransId="{05B1D693-45F4-4853-9B9E-D00278225319}" sibTransId="{B8F9E771-0AC1-420C-990F-B648B068A717}"/>
-    <dgm:cxn modelId="{F9F9BA7C-BE7E-47E6-A025-24B8E409C2F9}" type="presOf" srcId="{3D789325-8366-4553-A4C0-C02A9CF0F1AA}" destId="{A2C63A07-CD9F-40A7-8330-BCAEA232B8DA}" srcOrd="0" destOrd="0" presId="urn:microsoft.com/office/officeart/2005/8/layout/hChevron3"/>
     <dgm:cxn modelId="{CDDE76A6-F36B-4998-8331-16E5B5CFED98}" type="presOf" srcId="{8D454871-913E-4B9F-A973-DB5CB8BD8BEA}" destId="{FB49EF4F-DBAA-45C9-8294-1B438078060D}" srcOrd="0" destOrd="0" presId="urn:microsoft.com/office/officeart/2005/8/layout/hChevron3"/>
-    <dgm:cxn modelId="{B3672BAD-7231-44A7-AD98-7BD4D2E8CA1E}" srcId="{02F169A3-994F-4CA4-96E5-97452CF9A7F1}" destId="{446301A8-ED7F-4E78-8077-275912139C05}" srcOrd="0" destOrd="0" parTransId="{9F85059D-EED4-44C3-8FF7-D0A45D4F5C03}" sibTransId="{31404B3A-79A4-4C59-93F4-2E44556D3CDB}"/>
     <dgm:cxn modelId="{07A459AF-EF09-433A-8C60-17F38366BB28}" srcId="{02F169A3-994F-4CA4-96E5-97452CF9A7F1}" destId="{75DEAC54-37E1-4C9D-9BCA-3A7439FC30FE}" srcOrd="4" destOrd="0" parTransId="{ED3597F5-F21F-496B-A436-FB2357A17A9E}" sibTransId="{9DF78E47-B100-4966-8DFF-DDAA0100EB7A}"/>
-    <dgm:cxn modelId="{15E2F7EB-4B92-40EB-A186-64B9F8DF6AA1}" type="presOf" srcId="{02F169A3-994F-4CA4-96E5-97452CF9A7F1}" destId="{EB1209FE-7F27-4E14-8C2E-22F3DF986852}" srcOrd="0" destOrd="0" presId="urn:microsoft.com/office/officeart/2005/8/layout/hChevron3"/>
-    <dgm:cxn modelId="{0E167BEE-88C2-4149-95EF-A0AFBCC56BB4}" type="presOf" srcId="{446301A8-ED7F-4E78-8077-275912139C05}" destId="{7175A4EC-3B24-40FB-93A3-B207D4B401A3}" srcOrd="0" destOrd="0" presId="urn:microsoft.com/office/officeart/2005/8/layout/hChevron3"/>
     <dgm:cxn modelId="{1775AD88-0672-4666-BAB0-E951615AAFBC}" type="presParOf" srcId="{EB1209FE-7F27-4E14-8C2E-22F3DF986852}" destId="{7175A4EC-3B24-40FB-93A3-B207D4B401A3}" srcOrd="0" destOrd="0" presId="urn:microsoft.com/office/officeart/2005/8/layout/hChevron3"/>
     <dgm:cxn modelId="{565F419F-3D93-403E-B847-A0D17D31C918}" type="presParOf" srcId="{EB1209FE-7F27-4E14-8C2E-22F3DF986852}" destId="{BE1558F8-005E-49AD-9F2B-772B57176E06}" srcOrd="1" destOrd="0" presId="urn:microsoft.com/office/officeart/2005/8/layout/hChevron3"/>
     <dgm:cxn modelId="{BE2F8260-8CED-4E22-AC6C-F1B2B4A005BC}" type="presParOf" srcId="{EB1209FE-7F27-4E14-8C2E-22F3DF986852}" destId="{A2C63A07-CD9F-40A7-8330-BCAEA232B8DA}" srcOrd="2" destOrd="0" presId="urn:microsoft.com/office/officeart/2005/8/layout/hChevron3"/>
@@ -8436,6 +8541,13 @@
         </dgm:presLayoutVars>
       </dgm:prSet>
       <dgm:spPr/>
+      <dgm:t>
+        <a:bodyPr/>
+        <a:lstStyle/>
+        <a:p>
+          <a:endParaRPr lang="fr-FR"/>
+        </a:p>
+      </dgm:t>
     </dgm:pt>
     <dgm:pt modelId="{BE1558F8-005E-49AD-9F2B-772B57176E06}" type="pres">
       <dgm:prSet presAssocID="{31404B3A-79A4-4C59-93F4-2E44556D3CDB}" presName="parSpace" presStyleCnt="0"/>
@@ -8448,6 +8560,13 @@
         </dgm:presLayoutVars>
       </dgm:prSet>
       <dgm:spPr/>
+      <dgm:t>
+        <a:bodyPr/>
+        <a:lstStyle/>
+        <a:p>
+          <a:endParaRPr lang="fr-FR"/>
+        </a:p>
+      </dgm:t>
     </dgm:pt>
     <dgm:pt modelId="{F100EED1-637D-473A-8321-A273282E1E6A}" type="pres">
       <dgm:prSet presAssocID="{B8F9E771-0AC1-420C-990F-B648B068A717}" presName="parSpace" presStyleCnt="0"/>
@@ -8460,6 +8579,13 @@
         </dgm:presLayoutVars>
       </dgm:prSet>
       <dgm:spPr/>
+      <dgm:t>
+        <a:bodyPr/>
+        <a:lstStyle/>
+        <a:p>
+          <a:endParaRPr lang="fr-FR"/>
+        </a:p>
+      </dgm:t>
     </dgm:pt>
     <dgm:pt modelId="{A39C6B59-85B3-45A7-999A-07F1069B953B}" type="pres">
       <dgm:prSet presAssocID="{54D050C3-3533-4E2A-B36D-D3BA51B65B6A}" presName="parSpace" presStyleCnt="0"/>
@@ -8472,6 +8598,13 @@
         </dgm:presLayoutVars>
       </dgm:prSet>
       <dgm:spPr/>
+      <dgm:t>
+        <a:bodyPr/>
+        <a:lstStyle/>
+        <a:p>
+          <a:endParaRPr lang="fr-FR"/>
+        </a:p>
+      </dgm:t>
     </dgm:pt>
     <dgm:pt modelId="{2E11CDE2-58EB-4E3F-A022-1BE6BA2360BE}" type="pres">
       <dgm:prSet presAssocID="{1210CE54-9F84-413C-B25E-DEFF7308D27D}" presName="parSpace" presStyleCnt="0"/>
@@ -8484,20 +8617,27 @@
         </dgm:presLayoutVars>
       </dgm:prSet>
       <dgm:spPr/>
+      <dgm:t>
+        <a:bodyPr/>
+        <a:lstStyle/>
+        <a:p>
+          <a:endParaRPr lang="fr-FR"/>
+        </a:p>
+      </dgm:t>
     </dgm:pt>
   </dgm:ptLst>
   <dgm:cxnLst>
+    <dgm:cxn modelId="{F9F9BA7C-BE7E-47E6-A025-24B8E409C2F9}" type="presOf" srcId="{3D789325-8366-4553-A4C0-C02A9CF0F1AA}" destId="{A2C63A07-CD9F-40A7-8330-BCAEA232B8DA}" srcOrd="0" destOrd="0" presId="urn:microsoft.com/office/officeart/2005/8/layout/hChevron3"/>
+    <dgm:cxn modelId="{15E2F7EB-4B92-40EB-A186-64B9F8DF6AA1}" type="presOf" srcId="{02F169A3-994F-4CA4-96E5-97452CF9A7F1}" destId="{EB1209FE-7F27-4E14-8C2E-22F3DF986852}" srcOrd="0" destOrd="0" presId="urn:microsoft.com/office/officeart/2005/8/layout/hChevron3"/>
+    <dgm:cxn modelId="{CFF69217-1D87-4A8C-919E-3827F1BF4C30}" srcId="{02F169A3-994F-4CA4-96E5-97452CF9A7F1}" destId="{92EEEDD4-85AB-4E4B-B1E4-52EB1C86AF54}" srcOrd="2" destOrd="0" parTransId="{22649B0E-CDA2-4BF7-A2EC-F864A77A7139}" sibTransId="{54D050C3-3533-4E2A-B36D-D3BA51B65B6A}"/>
+    <dgm:cxn modelId="{0E167BEE-88C2-4149-95EF-A0AFBCC56BB4}" type="presOf" srcId="{446301A8-ED7F-4E78-8077-275912139C05}" destId="{7175A4EC-3B24-40FB-93A3-B207D4B401A3}" srcOrd="0" destOrd="0" presId="urn:microsoft.com/office/officeart/2005/8/layout/hChevron3"/>
+    <dgm:cxn modelId="{B3672BAD-7231-44A7-AD98-7BD4D2E8CA1E}" srcId="{02F169A3-994F-4CA4-96E5-97452CF9A7F1}" destId="{446301A8-ED7F-4E78-8077-275912139C05}" srcOrd="0" destOrd="0" parTransId="{9F85059D-EED4-44C3-8FF7-D0A45D4F5C03}" sibTransId="{31404B3A-79A4-4C59-93F4-2E44556D3CDB}"/>
+    <dgm:cxn modelId="{30245C3F-0CE2-400C-A20B-1661F19FC34B}" srcId="{02F169A3-994F-4CA4-96E5-97452CF9A7F1}" destId="{3D789325-8366-4553-A4C0-C02A9CF0F1AA}" srcOrd="1" destOrd="0" parTransId="{05B1D693-45F4-4853-9B9E-D00278225319}" sibTransId="{B8F9E771-0AC1-420C-990F-B648B068A717}"/>
+    <dgm:cxn modelId="{2EF46230-FB31-4EDB-B6CE-3D5FEAB5AEF6}" srcId="{02F169A3-994F-4CA4-96E5-97452CF9A7F1}" destId="{8D454871-913E-4B9F-A973-DB5CB8BD8BEA}" srcOrd="3" destOrd="0" parTransId="{EA714446-FA7F-43CA-9D18-6A9B5EE89135}" sibTransId="{1210CE54-9F84-413C-B25E-DEFF7308D27D}"/>
     <dgm:cxn modelId="{8682260E-DB89-4747-A073-85CE617C8CC2}" type="presOf" srcId="{92EEEDD4-85AB-4E4B-B1E4-52EB1C86AF54}" destId="{F404437D-A1B4-4AD2-A610-9F1A17DFC22C}" srcOrd="0" destOrd="0" presId="urn:microsoft.com/office/officeart/2005/8/layout/hChevron3"/>
-    <dgm:cxn modelId="{CFF69217-1D87-4A8C-919E-3827F1BF4C30}" srcId="{02F169A3-994F-4CA4-96E5-97452CF9A7F1}" destId="{92EEEDD4-85AB-4E4B-B1E4-52EB1C86AF54}" srcOrd="2" destOrd="0" parTransId="{22649B0E-CDA2-4BF7-A2EC-F864A77A7139}" sibTransId="{54D050C3-3533-4E2A-B36D-D3BA51B65B6A}"/>
     <dgm:cxn modelId="{67F6ED2C-7E87-4EF2-9A53-D8AA2A102D53}" type="presOf" srcId="{75DEAC54-37E1-4C9D-9BCA-3A7439FC30FE}" destId="{27470EFD-CEEB-44EC-A75A-B13AC67F5115}" srcOrd="0" destOrd="0" presId="urn:microsoft.com/office/officeart/2005/8/layout/hChevron3"/>
-    <dgm:cxn modelId="{2EF46230-FB31-4EDB-B6CE-3D5FEAB5AEF6}" srcId="{02F169A3-994F-4CA4-96E5-97452CF9A7F1}" destId="{8D454871-913E-4B9F-A973-DB5CB8BD8BEA}" srcOrd="3" destOrd="0" parTransId="{EA714446-FA7F-43CA-9D18-6A9B5EE89135}" sibTransId="{1210CE54-9F84-413C-B25E-DEFF7308D27D}"/>
-    <dgm:cxn modelId="{30245C3F-0CE2-400C-A20B-1661F19FC34B}" srcId="{02F169A3-994F-4CA4-96E5-97452CF9A7F1}" destId="{3D789325-8366-4553-A4C0-C02A9CF0F1AA}" srcOrd="1" destOrd="0" parTransId="{05B1D693-45F4-4853-9B9E-D00278225319}" sibTransId="{B8F9E771-0AC1-420C-990F-B648B068A717}"/>
-    <dgm:cxn modelId="{F9F9BA7C-BE7E-47E6-A025-24B8E409C2F9}" type="presOf" srcId="{3D789325-8366-4553-A4C0-C02A9CF0F1AA}" destId="{A2C63A07-CD9F-40A7-8330-BCAEA232B8DA}" srcOrd="0" destOrd="0" presId="urn:microsoft.com/office/officeart/2005/8/layout/hChevron3"/>
     <dgm:cxn modelId="{CDDE76A6-F36B-4998-8331-16E5B5CFED98}" type="presOf" srcId="{8D454871-913E-4B9F-A973-DB5CB8BD8BEA}" destId="{FB49EF4F-DBAA-45C9-8294-1B438078060D}" srcOrd="0" destOrd="0" presId="urn:microsoft.com/office/officeart/2005/8/layout/hChevron3"/>
-    <dgm:cxn modelId="{B3672BAD-7231-44A7-AD98-7BD4D2E8CA1E}" srcId="{02F169A3-994F-4CA4-96E5-97452CF9A7F1}" destId="{446301A8-ED7F-4E78-8077-275912139C05}" srcOrd="0" destOrd="0" parTransId="{9F85059D-EED4-44C3-8FF7-D0A45D4F5C03}" sibTransId="{31404B3A-79A4-4C59-93F4-2E44556D3CDB}"/>
     <dgm:cxn modelId="{07A459AF-EF09-433A-8C60-17F38366BB28}" srcId="{02F169A3-994F-4CA4-96E5-97452CF9A7F1}" destId="{75DEAC54-37E1-4C9D-9BCA-3A7439FC30FE}" srcOrd="4" destOrd="0" parTransId="{ED3597F5-F21F-496B-A436-FB2357A17A9E}" sibTransId="{9DF78E47-B100-4966-8DFF-DDAA0100EB7A}"/>
-    <dgm:cxn modelId="{15E2F7EB-4B92-40EB-A186-64B9F8DF6AA1}" type="presOf" srcId="{02F169A3-994F-4CA4-96E5-97452CF9A7F1}" destId="{EB1209FE-7F27-4E14-8C2E-22F3DF986852}" srcOrd="0" destOrd="0" presId="urn:microsoft.com/office/officeart/2005/8/layout/hChevron3"/>
-    <dgm:cxn modelId="{0E167BEE-88C2-4149-95EF-A0AFBCC56BB4}" type="presOf" srcId="{446301A8-ED7F-4E78-8077-275912139C05}" destId="{7175A4EC-3B24-40FB-93A3-B207D4B401A3}" srcOrd="0" destOrd="0" presId="urn:microsoft.com/office/officeart/2005/8/layout/hChevron3"/>
     <dgm:cxn modelId="{1775AD88-0672-4666-BAB0-E951615AAFBC}" type="presParOf" srcId="{EB1209FE-7F27-4E14-8C2E-22F3DF986852}" destId="{7175A4EC-3B24-40FB-93A3-B207D4B401A3}" srcOrd="0" destOrd="0" presId="urn:microsoft.com/office/officeart/2005/8/layout/hChevron3"/>
     <dgm:cxn modelId="{565F419F-3D93-403E-B847-A0D17D31C918}" type="presParOf" srcId="{EB1209FE-7F27-4E14-8C2E-22F3DF986852}" destId="{BE1558F8-005E-49AD-9F2B-772B57176E06}" srcOrd="1" destOrd="0" presId="urn:microsoft.com/office/officeart/2005/8/layout/hChevron3"/>
     <dgm:cxn modelId="{BE2F8260-8CED-4E22-AC6C-F1B2B4A005BC}" type="presParOf" srcId="{EB1209FE-7F27-4E14-8C2E-22F3DF986852}" destId="{A2C63A07-CD9F-40A7-8330-BCAEA232B8DA}" srcOrd="2" destOrd="0" presId="urn:microsoft.com/office/officeart/2005/8/layout/hChevron3"/>
@@ -8737,6 +8877,13 @@
         </dgm:presLayoutVars>
       </dgm:prSet>
       <dgm:spPr/>
+      <dgm:t>
+        <a:bodyPr/>
+        <a:lstStyle/>
+        <a:p>
+          <a:endParaRPr lang="fr-FR"/>
+        </a:p>
+      </dgm:t>
     </dgm:pt>
     <dgm:pt modelId="{BE1558F8-005E-49AD-9F2B-772B57176E06}" type="pres">
       <dgm:prSet presAssocID="{31404B3A-79A4-4C59-93F4-2E44556D3CDB}" presName="parSpace" presStyleCnt="0"/>
@@ -8749,6 +8896,13 @@
         </dgm:presLayoutVars>
       </dgm:prSet>
       <dgm:spPr/>
+      <dgm:t>
+        <a:bodyPr/>
+        <a:lstStyle/>
+        <a:p>
+          <a:endParaRPr lang="fr-FR"/>
+        </a:p>
+      </dgm:t>
     </dgm:pt>
     <dgm:pt modelId="{F100EED1-637D-473A-8321-A273282E1E6A}" type="pres">
       <dgm:prSet presAssocID="{B8F9E771-0AC1-420C-990F-B648B068A717}" presName="parSpace" presStyleCnt="0"/>
@@ -8761,6 +8915,13 @@
         </dgm:presLayoutVars>
       </dgm:prSet>
       <dgm:spPr/>
+      <dgm:t>
+        <a:bodyPr/>
+        <a:lstStyle/>
+        <a:p>
+          <a:endParaRPr lang="fr-FR"/>
+        </a:p>
+      </dgm:t>
     </dgm:pt>
     <dgm:pt modelId="{A39C6B59-85B3-45A7-999A-07F1069B953B}" type="pres">
       <dgm:prSet presAssocID="{54D050C3-3533-4E2A-B36D-D3BA51B65B6A}" presName="parSpace" presStyleCnt="0"/>
@@ -8773,6 +8934,13 @@
         </dgm:presLayoutVars>
       </dgm:prSet>
       <dgm:spPr/>
+      <dgm:t>
+        <a:bodyPr/>
+        <a:lstStyle/>
+        <a:p>
+          <a:endParaRPr lang="fr-FR"/>
+        </a:p>
+      </dgm:t>
     </dgm:pt>
     <dgm:pt modelId="{2E11CDE2-58EB-4E3F-A022-1BE6BA2360BE}" type="pres">
       <dgm:prSet presAssocID="{1210CE54-9F84-413C-B25E-DEFF7308D27D}" presName="parSpace" presStyleCnt="0"/>
@@ -8785,20 +8953,27 @@
         </dgm:presLayoutVars>
       </dgm:prSet>
       <dgm:spPr/>
+      <dgm:t>
+        <a:bodyPr/>
+        <a:lstStyle/>
+        <a:p>
+          <a:endParaRPr lang="fr-FR"/>
+        </a:p>
+      </dgm:t>
     </dgm:pt>
   </dgm:ptLst>
   <dgm:cxnLst>
+    <dgm:cxn modelId="{F9F9BA7C-BE7E-47E6-A025-24B8E409C2F9}" type="presOf" srcId="{3D789325-8366-4553-A4C0-C02A9CF0F1AA}" destId="{A2C63A07-CD9F-40A7-8330-BCAEA232B8DA}" srcOrd="0" destOrd="0" presId="urn:microsoft.com/office/officeart/2005/8/layout/hChevron3"/>
+    <dgm:cxn modelId="{15E2F7EB-4B92-40EB-A186-64B9F8DF6AA1}" type="presOf" srcId="{02F169A3-994F-4CA4-96E5-97452CF9A7F1}" destId="{EB1209FE-7F27-4E14-8C2E-22F3DF986852}" srcOrd="0" destOrd="0" presId="urn:microsoft.com/office/officeart/2005/8/layout/hChevron3"/>
+    <dgm:cxn modelId="{CFF69217-1D87-4A8C-919E-3827F1BF4C30}" srcId="{02F169A3-994F-4CA4-96E5-97452CF9A7F1}" destId="{92EEEDD4-85AB-4E4B-B1E4-52EB1C86AF54}" srcOrd="2" destOrd="0" parTransId="{22649B0E-CDA2-4BF7-A2EC-F864A77A7139}" sibTransId="{54D050C3-3533-4E2A-B36D-D3BA51B65B6A}"/>
+    <dgm:cxn modelId="{0E167BEE-88C2-4149-95EF-A0AFBCC56BB4}" type="presOf" srcId="{446301A8-ED7F-4E78-8077-275912139C05}" destId="{7175A4EC-3B24-40FB-93A3-B207D4B401A3}" srcOrd="0" destOrd="0" presId="urn:microsoft.com/office/officeart/2005/8/layout/hChevron3"/>
+    <dgm:cxn modelId="{B3672BAD-7231-44A7-AD98-7BD4D2E8CA1E}" srcId="{02F169A3-994F-4CA4-96E5-97452CF9A7F1}" destId="{446301A8-ED7F-4E78-8077-275912139C05}" srcOrd="0" destOrd="0" parTransId="{9F85059D-EED4-44C3-8FF7-D0A45D4F5C03}" sibTransId="{31404B3A-79A4-4C59-93F4-2E44556D3CDB}"/>
+    <dgm:cxn modelId="{30245C3F-0CE2-400C-A20B-1661F19FC34B}" srcId="{02F169A3-994F-4CA4-96E5-97452CF9A7F1}" destId="{3D789325-8366-4553-A4C0-C02A9CF0F1AA}" srcOrd="1" destOrd="0" parTransId="{05B1D693-45F4-4853-9B9E-D00278225319}" sibTransId="{B8F9E771-0AC1-420C-990F-B648B068A717}"/>
+    <dgm:cxn modelId="{2EF46230-FB31-4EDB-B6CE-3D5FEAB5AEF6}" srcId="{02F169A3-994F-4CA4-96E5-97452CF9A7F1}" destId="{8D454871-913E-4B9F-A973-DB5CB8BD8BEA}" srcOrd="3" destOrd="0" parTransId="{EA714446-FA7F-43CA-9D18-6A9B5EE89135}" sibTransId="{1210CE54-9F84-413C-B25E-DEFF7308D27D}"/>
     <dgm:cxn modelId="{8682260E-DB89-4747-A073-85CE617C8CC2}" type="presOf" srcId="{92EEEDD4-85AB-4E4B-B1E4-52EB1C86AF54}" destId="{F404437D-A1B4-4AD2-A610-9F1A17DFC22C}" srcOrd="0" destOrd="0" presId="urn:microsoft.com/office/officeart/2005/8/layout/hChevron3"/>
-    <dgm:cxn modelId="{CFF69217-1D87-4A8C-919E-3827F1BF4C30}" srcId="{02F169A3-994F-4CA4-96E5-97452CF9A7F1}" destId="{92EEEDD4-85AB-4E4B-B1E4-52EB1C86AF54}" srcOrd="2" destOrd="0" parTransId="{22649B0E-CDA2-4BF7-A2EC-F864A77A7139}" sibTransId="{54D050C3-3533-4E2A-B36D-D3BA51B65B6A}"/>
     <dgm:cxn modelId="{67F6ED2C-7E87-4EF2-9A53-D8AA2A102D53}" type="presOf" srcId="{75DEAC54-37E1-4C9D-9BCA-3A7439FC30FE}" destId="{27470EFD-CEEB-44EC-A75A-B13AC67F5115}" srcOrd="0" destOrd="0" presId="urn:microsoft.com/office/officeart/2005/8/layout/hChevron3"/>
-    <dgm:cxn modelId="{2EF46230-FB31-4EDB-B6CE-3D5FEAB5AEF6}" srcId="{02F169A3-994F-4CA4-96E5-97452CF9A7F1}" destId="{8D454871-913E-4B9F-A973-DB5CB8BD8BEA}" srcOrd="3" destOrd="0" parTransId="{EA714446-FA7F-43CA-9D18-6A9B5EE89135}" sibTransId="{1210CE54-9F84-413C-B25E-DEFF7308D27D}"/>
-    <dgm:cxn modelId="{30245C3F-0CE2-400C-A20B-1661F19FC34B}" srcId="{02F169A3-994F-4CA4-96E5-97452CF9A7F1}" destId="{3D789325-8366-4553-A4C0-C02A9CF0F1AA}" srcOrd="1" destOrd="0" parTransId="{05B1D693-45F4-4853-9B9E-D00278225319}" sibTransId="{B8F9E771-0AC1-420C-990F-B648B068A717}"/>
-    <dgm:cxn modelId="{F9F9BA7C-BE7E-47E6-A025-24B8E409C2F9}" type="presOf" srcId="{3D789325-8366-4553-A4C0-C02A9CF0F1AA}" destId="{A2C63A07-CD9F-40A7-8330-BCAEA232B8DA}" srcOrd="0" destOrd="0" presId="urn:microsoft.com/office/officeart/2005/8/layout/hChevron3"/>
     <dgm:cxn modelId="{CDDE76A6-F36B-4998-8331-16E5B5CFED98}" type="presOf" srcId="{8D454871-913E-4B9F-A973-DB5CB8BD8BEA}" destId="{FB49EF4F-DBAA-45C9-8294-1B438078060D}" srcOrd="0" destOrd="0" presId="urn:microsoft.com/office/officeart/2005/8/layout/hChevron3"/>
-    <dgm:cxn modelId="{B3672BAD-7231-44A7-AD98-7BD4D2E8CA1E}" srcId="{02F169A3-994F-4CA4-96E5-97452CF9A7F1}" destId="{446301A8-ED7F-4E78-8077-275912139C05}" srcOrd="0" destOrd="0" parTransId="{9F85059D-EED4-44C3-8FF7-D0A45D4F5C03}" sibTransId="{31404B3A-79A4-4C59-93F4-2E44556D3CDB}"/>
     <dgm:cxn modelId="{07A459AF-EF09-433A-8C60-17F38366BB28}" srcId="{02F169A3-994F-4CA4-96E5-97452CF9A7F1}" destId="{75DEAC54-37E1-4C9D-9BCA-3A7439FC30FE}" srcOrd="4" destOrd="0" parTransId="{ED3597F5-F21F-496B-A436-FB2357A17A9E}" sibTransId="{9DF78E47-B100-4966-8DFF-DDAA0100EB7A}"/>
-    <dgm:cxn modelId="{15E2F7EB-4B92-40EB-A186-64B9F8DF6AA1}" type="presOf" srcId="{02F169A3-994F-4CA4-96E5-97452CF9A7F1}" destId="{EB1209FE-7F27-4E14-8C2E-22F3DF986852}" srcOrd="0" destOrd="0" presId="urn:microsoft.com/office/officeart/2005/8/layout/hChevron3"/>
-    <dgm:cxn modelId="{0E167BEE-88C2-4149-95EF-A0AFBCC56BB4}" type="presOf" srcId="{446301A8-ED7F-4E78-8077-275912139C05}" destId="{7175A4EC-3B24-40FB-93A3-B207D4B401A3}" srcOrd="0" destOrd="0" presId="urn:microsoft.com/office/officeart/2005/8/layout/hChevron3"/>
     <dgm:cxn modelId="{1775AD88-0672-4666-BAB0-E951615AAFBC}" type="presParOf" srcId="{EB1209FE-7F27-4E14-8C2E-22F3DF986852}" destId="{7175A4EC-3B24-40FB-93A3-B207D4B401A3}" srcOrd="0" destOrd="0" presId="urn:microsoft.com/office/officeart/2005/8/layout/hChevron3"/>
     <dgm:cxn modelId="{565F419F-3D93-403E-B847-A0D17D31C918}" type="presParOf" srcId="{EB1209FE-7F27-4E14-8C2E-22F3DF986852}" destId="{BE1558F8-005E-49AD-9F2B-772B57176E06}" srcOrd="1" destOrd="0" presId="urn:microsoft.com/office/officeart/2005/8/layout/hChevron3"/>
     <dgm:cxn modelId="{BE2F8260-8CED-4E22-AC6C-F1B2B4A005BC}" type="presParOf" srcId="{EB1209FE-7F27-4E14-8C2E-22F3DF986852}" destId="{A2C63A07-CD9F-40A7-8330-BCAEA232B8DA}" srcOrd="2" destOrd="0" presId="urn:microsoft.com/office/officeart/2005/8/layout/hChevron3"/>
@@ -9092,6 +9267,13 @@
         </dgm:presLayoutVars>
       </dgm:prSet>
       <dgm:spPr/>
+      <dgm:t>
+        <a:bodyPr/>
+        <a:lstStyle/>
+        <a:p>
+          <a:endParaRPr lang="fr-FR"/>
+        </a:p>
+      </dgm:t>
     </dgm:pt>
     <dgm:pt modelId="{BE1558F8-005E-49AD-9F2B-772B57176E06}" type="pres">
       <dgm:prSet presAssocID="{31404B3A-79A4-4C59-93F4-2E44556D3CDB}" presName="parSpace" presStyleCnt="0"/>
@@ -9104,6 +9286,13 @@
         </dgm:presLayoutVars>
       </dgm:prSet>
       <dgm:spPr/>
+      <dgm:t>
+        <a:bodyPr/>
+        <a:lstStyle/>
+        <a:p>
+          <a:endParaRPr lang="fr-FR"/>
+        </a:p>
+      </dgm:t>
     </dgm:pt>
     <dgm:pt modelId="{F100EED1-637D-473A-8321-A273282E1E6A}" type="pres">
       <dgm:prSet presAssocID="{B8F9E771-0AC1-420C-990F-B648B068A717}" presName="parSpace" presStyleCnt="0"/>
@@ -9116,6 +9305,13 @@
         </dgm:presLayoutVars>
       </dgm:prSet>
       <dgm:spPr/>
+      <dgm:t>
+        <a:bodyPr/>
+        <a:lstStyle/>
+        <a:p>
+          <a:endParaRPr lang="fr-FR"/>
+        </a:p>
+      </dgm:t>
     </dgm:pt>
     <dgm:pt modelId="{A39C6B59-85B3-45A7-999A-07F1069B953B}" type="pres">
       <dgm:prSet presAssocID="{54D050C3-3533-4E2A-B36D-D3BA51B65B6A}" presName="parSpace" presStyleCnt="0"/>
@@ -9128,6 +9324,13 @@
         </dgm:presLayoutVars>
       </dgm:prSet>
       <dgm:spPr/>
+      <dgm:t>
+        <a:bodyPr/>
+        <a:lstStyle/>
+        <a:p>
+          <a:endParaRPr lang="fr-FR"/>
+        </a:p>
+      </dgm:t>
     </dgm:pt>
     <dgm:pt modelId="{2E11CDE2-58EB-4E3F-A022-1BE6BA2360BE}" type="pres">
       <dgm:prSet presAssocID="{1210CE54-9F84-413C-B25E-DEFF7308D27D}" presName="parSpace" presStyleCnt="0"/>
@@ -9140,20 +9343,27 @@
         </dgm:presLayoutVars>
       </dgm:prSet>
       <dgm:spPr/>
+      <dgm:t>
+        <a:bodyPr/>
+        <a:lstStyle/>
+        <a:p>
+          <a:endParaRPr lang="fr-FR"/>
+        </a:p>
+      </dgm:t>
     </dgm:pt>
   </dgm:ptLst>
   <dgm:cxnLst>
+    <dgm:cxn modelId="{F9F9BA7C-BE7E-47E6-A025-24B8E409C2F9}" type="presOf" srcId="{3D789325-8366-4553-A4C0-C02A9CF0F1AA}" destId="{A2C63A07-CD9F-40A7-8330-BCAEA232B8DA}" srcOrd="0" destOrd="0" presId="urn:microsoft.com/office/officeart/2005/8/layout/hChevron3"/>
+    <dgm:cxn modelId="{15E2F7EB-4B92-40EB-A186-64B9F8DF6AA1}" type="presOf" srcId="{02F169A3-994F-4CA4-96E5-97452CF9A7F1}" destId="{EB1209FE-7F27-4E14-8C2E-22F3DF986852}" srcOrd="0" destOrd="0" presId="urn:microsoft.com/office/officeart/2005/8/layout/hChevron3"/>
+    <dgm:cxn modelId="{CFF69217-1D87-4A8C-919E-3827F1BF4C30}" srcId="{02F169A3-994F-4CA4-96E5-97452CF9A7F1}" destId="{92EEEDD4-85AB-4E4B-B1E4-52EB1C86AF54}" srcOrd="2" destOrd="0" parTransId="{22649B0E-CDA2-4BF7-A2EC-F864A77A7139}" sibTransId="{54D050C3-3533-4E2A-B36D-D3BA51B65B6A}"/>
+    <dgm:cxn modelId="{0E167BEE-88C2-4149-95EF-A0AFBCC56BB4}" type="presOf" srcId="{446301A8-ED7F-4E78-8077-275912139C05}" destId="{7175A4EC-3B24-40FB-93A3-B207D4B401A3}" srcOrd="0" destOrd="0" presId="urn:microsoft.com/office/officeart/2005/8/layout/hChevron3"/>
+    <dgm:cxn modelId="{B3672BAD-7231-44A7-AD98-7BD4D2E8CA1E}" srcId="{02F169A3-994F-4CA4-96E5-97452CF9A7F1}" destId="{446301A8-ED7F-4E78-8077-275912139C05}" srcOrd="0" destOrd="0" parTransId="{9F85059D-EED4-44C3-8FF7-D0A45D4F5C03}" sibTransId="{31404B3A-79A4-4C59-93F4-2E44556D3CDB}"/>
+    <dgm:cxn modelId="{30245C3F-0CE2-400C-A20B-1661F19FC34B}" srcId="{02F169A3-994F-4CA4-96E5-97452CF9A7F1}" destId="{3D789325-8366-4553-A4C0-C02A9CF0F1AA}" srcOrd="1" destOrd="0" parTransId="{05B1D693-45F4-4853-9B9E-D00278225319}" sibTransId="{B8F9E771-0AC1-420C-990F-B648B068A717}"/>
+    <dgm:cxn modelId="{2EF46230-FB31-4EDB-B6CE-3D5FEAB5AEF6}" srcId="{02F169A3-994F-4CA4-96E5-97452CF9A7F1}" destId="{8D454871-913E-4B9F-A973-DB5CB8BD8BEA}" srcOrd="3" destOrd="0" parTransId="{EA714446-FA7F-43CA-9D18-6A9B5EE89135}" sibTransId="{1210CE54-9F84-413C-B25E-DEFF7308D27D}"/>
     <dgm:cxn modelId="{8682260E-DB89-4747-A073-85CE617C8CC2}" type="presOf" srcId="{92EEEDD4-85AB-4E4B-B1E4-52EB1C86AF54}" destId="{F404437D-A1B4-4AD2-A610-9F1A17DFC22C}" srcOrd="0" destOrd="0" presId="urn:microsoft.com/office/officeart/2005/8/layout/hChevron3"/>
-    <dgm:cxn modelId="{CFF69217-1D87-4A8C-919E-3827F1BF4C30}" srcId="{02F169A3-994F-4CA4-96E5-97452CF9A7F1}" destId="{92EEEDD4-85AB-4E4B-B1E4-52EB1C86AF54}" srcOrd="2" destOrd="0" parTransId="{22649B0E-CDA2-4BF7-A2EC-F864A77A7139}" sibTransId="{54D050C3-3533-4E2A-B36D-D3BA51B65B6A}"/>
     <dgm:cxn modelId="{67F6ED2C-7E87-4EF2-9A53-D8AA2A102D53}" type="presOf" srcId="{75DEAC54-37E1-4C9D-9BCA-3A7439FC30FE}" destId="{27470EFD-CEEB-44EC-A75A-B13AC67F5115}" srcOrd="0" destOrd="0" presId="urn:microsoft.com/office/officeart/2005/8/layout/hChevron3"/>
-    <dgm:cxn modelId="{2EF46230-FB31-4EDB-B6CE-3D5FEAB5AEF6}" srcId="{02F169A3-994F-4CA4-96E5-97452CF9A7F1}" destId="{8D454871-913E-4B9F-A973-DB5CB8BD8BEA}" srcOrd="3" destOrd="0" parTransId="{EA714446-FA7F-43CA-9D18-6A9B5EE89135}" sibTransId="{1210CE54-9F84-413C-B25E-DEFF7308D27D}"/>
-    <dgm:cxn modelId="{30245C3F-0CE2-400C-A20B-1661F19FC34B}" srcId="{02F169A3-994F-4CA4-96E5-97452CF9A7F1}" destId="{3D789325-8366-4553-A4C0-C02A9CF0F1AA}" srcOrd="1" destOrd="0" parTransId="{05B1D693-45F4-4853-9B9E-D00278225319}" sibTransId="{B8F9E771-0AC1-420C-990F-B648B068A717}"/>
-    <dgm:cxn modelId="{F9F9BA7C-BE7E-47E6-A025-24B8E409C2F9}" type="presOf" srcId="{3D789325-8366-4553-A4C0-C02A9CF0F1AA}" destId="{A2C63A07-CD9F-40A7-8330-BCAEA232B8DA}" srcOrd="0" destOrd="0" presId="urn:microsoft.com/office/officeart/2005/8/layout/hChevron3"/>
     <dgm:cxn modelId="{CDDE76A6-F36B-4998-8331-16E5B5CFED98}" type="presOf" srcId="{8D454871-913E-4B9F-A973-DB5CB8BD8BEA}" destId="{FB49EF4F-DBAA-45C9-8294-1B438078060D}" srcOrd="0" destOrd="0" presId="urn:microsoft.com/office/officeart/2005/8/layout/hChevron3"/>
-    <dgm:cxn modelId="{B3672BAD-7231-44A7-AD98-7BD4D2E8CA1E}" srcId="{02F169A3-994F-4CA4-96E5-97452CF9A7F1}" destId="{446301A8-ED7F-4E78-8077-275912139C05}" srcOrd="0" destOrd="0" parTransId="{9F85059D-EED4-44C3-8FF7-D0A45D4F5C03}" sibTransId="{31404B3A-79A4-4C59-93F4-2E44556D3CDB}"/>
     <dgm:cxn modelId="{07A459AF-EF09-433A-8C60-17F38366BB28}" srcId="{02F169A3-994F-4CA4-96E5-97452CF9A7F1}" destId="{75DEAC54-37E1-4C9D-9BCA-3A7439FC30FE}" srcOrd="4" destOrd="0" parTransId="{ED3597F5-F21F-496B-A436-FB2357A17A9E}" sibTransId="{9DF78E47-B100-4966-8DFF-DDAA0100EB7A}"/>
-    <dgm:cxn modelId="{15E2F7EB-4B92-40EB-A186-64B9F8DF6AA1}" type="presOf" srcId="{02F169A3-994F-4CA4-96E5-97452CF9A7F1}" destId="{EB1209FE-7F27-4E14-8C2E-22F3DF986852}" srcOrd="0" destOrd="0" presId="urn:microsoft.com/office/officeart/2005/8/layout/hChevron3"/>
-    <dgm:cxn modelId="{0E167BEE-88C2-4149-95EF-A0AFBCC56BB4}" type="presOf" srcId="{446301A8-ED7F-4E78-8077-275912139C05}" destId="{7175A4EC-3B24-40FB-93A3-B207D4B401A3}" srcOrd="0" destOrd="0" presId="urn:microsoft.com/office/officeart/2005/8/layout/hChevron3"/>
     <dgm:cxn modelId="{1775AD88-0672-4666-BAB0-E951615AAFBC}" type="presParOf" srcId="{EB1209FE-7F27-4E14-8C2E-22F3DF986852}" destId="{7175A4EC-3B24-40FB-93A3-B207D4B401A3}" srcOrd="0" destOrd="0" presId="urn:microsoft.com/office/officeart/2005/8/layout/hChevron3"/>
     <dgm:cxn modelId="{565F419F-3D93-403E-B847-A0D17D31C918}" type="presParOf" srcId="{EB1209FE-7F27-4E14-8C2E-22F3DF986852}" destId="{BE1558F8-005E-49AD-9F2B-772B57176E06}" srcOrd="1" destOrd="0" presId="urn:microsoft.com/office/officeart/2005/8/layout/hChevron3"/>
     <dgm:cxn modelId="{BE2F8260-8CED-4E22-AC6C-F1B2B4A005BC}" type="presParOf" srcId="{EB1209FE-7F27-4E14-8C2E-22F3DF986852}" destId="{A2C63A07-CD9F-40A7-8330-BCAEA232B8DA}" srcOrd="2" destOrd="0" presId="urn:microsoft.com/office/officeart/2005/8/layout/hChevron3"/>
@@ -9393,6 +9603,13 @@
         </dgm:presLayoutVars>
       </dgm:prSet>
       <dgm:spPr/>
+      <dgm:t>
+        <a:bodyPr/>
+        <a:lstStyle/>
+        <a:p>
+          <a:endParaRPr lang="fr-FR"/>
+        </a:p>
+      </dgm:t>
     </dgm:pt>
     <dgm:pt modelId="{BE1558F8-005E-49AD-9F2B-772B57176E06}" type="pres">
       <dgm:prSet presAssocID="{31404B3A-79A4-4C59-93F4-2E44556D3CDB}" presName="parSpace" presStyleCnt="0"/>
@@ -9405,6 +9622,13 @@
         </dgm:presLayoutVars>
       </dgm:prSet>
       <dgm:spPr/>
+      <dgm:t>
+        <a:bodyPr/>
+        <a:lstStyle/>
+        <a:p>
+          <a:endParaRPr lang="fr-FR"/>
+        </a:p>
+      </dgm:t>
     </dgm:pt>
     <dgm:pt modelId="{F100EED1-637D-473A-8321-A273282E1E6A}" type="pres">
       <dgm:prSet presAssocID="{B8F9E771-0AC1-420C-990F-B648B068A717}" presName="parSpace" presStyleCnt="0"/>
@@ -9417,6 +9641,13 @@
         </dgm:presLayoutVars>
       </dgm:prSet>
       <dgm:spPr/>
+      <dgm:t>
+        <a:bodyPr/>
+        <a:lstStyle/>
+        <a:p>
+          <a:endParaRPr lang="fr-FR"/>
+        </a:p>
+      </dgm:t>
     </dgm:pt>
     <dgm:pt modelId="{A39C6B59-85B3-45A7-999A-07F1069B953B}" type="pres">
       <dgm:prSet presAssocID="{54D050C3-3533-4E2A-B36D-D3BA51B65B6A}" presName="parSpace" presStyleCnt="0"/>
@@ -9429,6 +9660,13 @@
         </dgm:presLayoutVars>
       </dgm:prSet>
       <dgm:spPr/>
+      <dgm:t>
+        <a:bodyPr/>
+        <a:lstStyle/>
+        <a:p>
+          <a:endParaRPr lang="fr-FR"/>
+        </a:p>
+      </dgm:t>
     </dgm:pt>
     <dgm:pt modelId="{2E11CDE2-58EB-4E3F-A022-1BE6BA2360BE}" type="pres">
       <dgm:prSet presAssocID="{1210CE54-9F84-413C-B25E-DEFF7308D27D}" presName="parSpace" presStyleCnt="0"/>
@@ -9441,20 +9679,27 @@
         </dgm:presLayoutVars>
       </dgm:prSet>
       <dgm:spPr/>
+      <dgm:t>
+        <a:bodyPr/>
+        <a:lstStyle/>
+        <a:p>
+          <a:endParaRPr lang="fr-FR"/>
+        </a:p>
+      </dgm:t>
     </dgm:pt>
   </dgm:ptLst>
   <dgm:cxnLst>
+    <dgm:cxn modelId="{F9F9BA7C-BE7E-47E6-A025-24B8E409C2F9}" type="presOf" srcId="{3D789325-8366-4553-A4C0-C02A9CF0F1AA}" destId="{A2C63A07-CD9F-40A7-8330-BCAEA232B8DA}" srcOrd="0" destOrd="0" presId="urn:microsoft.com/office/officeart/2005/8/layout/hChevron3"/>
+    <dgm:cxn modelId="{15E2F7EB-4B92-40EB-A186-64B9F8DF6AA1}" type="presOf" srcId="{02F169A3-994F-4CA4-96E5-97452CF9A7F1}" destId="{EB1209FE-7F27-4E14-8C2E-22F3DF986852}" srcOrd="0" destOrd="0" presId="urn:microsoft.com/office/officeart/2005/8/layout/hChevron3"/>
+    <dgm:cxn modelId="{CFF69217-1D87-4A8C-919E-3827F1BF4C30}" srcId="{02F169A3-994F-4CA4-96E5-97452CF9A7F1}" destId="{92EEEDD4-85AB-4E4B-B1E4-52EB1C86AF54}" srcOrd="2" destOrd="0" parTransId="{22649B0E-CDA2-4BF7-A2EC-F864A77A7139}" sibTransId="{54D050C3-3533-4E2A-B36D-D3BA51B65B6A}"/>
+    <dgm:cxn modelId="{0E167BEE-88C2-4149-95EF-A0AFBCC56BB4}" type="presOf" srcId="{446301A8-ED7F-4E78-8077-275912139C05}" destId="{7175A4EC-3B24-40FB-93A3-B207D4B401A3}" srcOrd="0" destOrd="0" presId="urn:microsoft.com/office/officeart/2005/8/layout/hChevron3"/>
+    <dgm:cxn modelId="{B3672BAD-7231-44A7-AD98-7BD4D2E8CA1E}" srcId="{02F169A3-994F-4CA4-96E5-97452CF9A7F1}" destId="{446301A8-ED7F-4E78-8077-275912139C05}" srcOrd="0" destOrd="0" parTransId="{9F85059D-EED4-44C3-8FF7-D0A45D4F5C03}" sibTransId="{31404B3A-79A4-4C59-93F4-2E44556D3CDB}"/>
+    <dgm:cxn modelId="{30245C3F-0CE2-400C-A20B-1661F19FC34B}" srcId="{02F169A3-994F-4CA4-96E5-97452CF9A7F1}" destId="{3D789325-8366-4553-A4C0-C02A9CF0F1AA}" srcOrd="1" destOrd="0" parTransId="{05B1D693-45F4-4853-9B9E-D00278225319}" sibTransId="{B8F9E771-0AC1-420C-990F-B648B068A717}"/>
+    <dgm:cxn modelId="{2EF46230-FB31-4EDB-B6CE-3D5FEAB5AEF6}" srcId="{02F169A3-994F-4CA4-96E5-97452CF9A7F1}" destId="{8D454871-913E-4B9F-A973-DB5CB8BD8BEA}" srcOrd="3" destOrd="0" parTransId="{EA714446-FA7F-43CA-9D18-6A9B5EE89135}" sibTransId="{1210CE54-9F84-413C-B25E-DEFF7308D27D}"/>
     <dgm:cxn modelId="{8682260E-DB89-4747-A073-85CE617C8CC2}" type="presOf" srcId="{92EEEDD4-85AB-4E4B-B1E4-52EB1C86AF54}" destId="{F404437D-A1B4-4AD2-A610-9F1A17DFC22C}" srcOrd="0" destOrd="0" presId="urn:microsoft.com/office/officeart/2005/8/layout/hChevron3"/>
-    <dgm:cxn modelId="{CFF69217-1D87-4A8C-919E-3827F1BF4C30}" srcId="{02F169A3-994F-4CA4-96E5-97452CF9A7F1}" destId="{92EEEDD4-85AB-4E4B-B1E4-52EB1C86AF54}" srcOrd="2" destOrd="0" parTransId="{22649B0E-CDA2-4BF7-A2EC-F864A77A7139}" sibTransId="{54D050C3-3533-4E2A-B36D-D3BA51B65B6A}"/>
     <dgm:cxn modelId="{67F6ED2C-7E87-4EF2-9A53-D8AA2A102D53}" type="presOf" srcId="{75DEAC54-37E1-4C9D-9BCA-3A7439FC30FE}" destId="{27470EFD-CEEB-44EC-A75A-B13AC67F5115}" srcOrd="0" destOrd="0" presId="urn:microsoft.com/office/officeart/2005/8/layout/hChevron3"/>
-    <dgm:cxn modelId="{2EF46230-FB31-4EDB-B6CE-3D5FEAB5AEF6}" srcId="{02F169A3-994F-4CA4-96E5-97452CF9A7F1}" destId="{8D454871-913E-4B9F-A973-DB5CB8BD8BEA}" srcOrd="3" destOrd="0" parTransId="{EA714446-FA7F-43CA-9D18-6A9B5EE89135}" sibTransId="{1210CE54-9F84-413C-B25E-DEFF7308D27D}"/>
-    <dgm:cxn modelId="{30245C3F-0CE2-400C-A20B-1661F19FC34B}" srcId="{02F169A3-994F-4CA4-96E5-97452CF9A7F1}" destId="{3D789325-8366-4553-A4C0-C02A9CF0F1AA}" srcOrd="1" destOrd="0" parTransId="{05B1D693-45F4-4853-9B9E-D00278225319}" sibTransId="{B8F9E771-0AC1-420C-990F-B648B068A717}"/>
-    <dgm:cxn modelId="{F9F9BA7C-BE7E-47E6-A025-24B8E409C2F9}" type="presOf" srcId="{3D789325-8366-4553-A4C0-C02A9CF0F1AA}" destId="{A2C63A07-CD9F-40A7-8330-BCAEA232B8DA}" srcOrd="0" destOrd="0" presId="urn:microsoft.com/office/officeart/2005/8/layout/hChevron3"/>
     <dgm:cxn modelId="{CDDE76A6-F36B-4998-8331-16E5B5CFED98}" type="presOf" srcId="{8D454871-913E-4B9F-A973-DB5CB8BD8BEA}" destId="{FB49EF4F-DBAA-45C9-8294-1B438078060D}" srcOrd="0" destOrd="0" presId="urn:microsoft.com/office/officeart/2005/8/layout/hChevron3"/>
-    <dgm:cxn modelId="{B3672BAD-7231-44A7-AD98-7BD4D2E8CA1E}" srcId="{02F169A3-994F-4CA4-96E5-97452CF9A7F1}" destId="{446301A8-ED7F-4E78-8077-275912139C05}" srcOrd="0" destOrd="0" parTransId="{9F85059D-EED4-44C3-8FF7-D0A45D4F5C03}" sibTransId="{31404B3A-79A4-4C59-93F4-2E44556D3CDB}"/>
     <dgm:cxn modelId="{07A459AF-EF09-433A-8C60-17F38366BB28}" srcId="{02F169A3-994F-4CA4-96E5-97452CF9A7F1}" destId="{75DEAC54-37E1-4C9D-9BCA-3A7439FC30FE}" srcOrd="4" destOrd="0" parTransId="{ED3597F5-F21F-496B-A436-FB2357A17A9E}" sibTransId="{9DF78E47-B100-4966-8DFF-DDAA0100EB7A}"/>
-    <dgm:cxn modelId="{15E2F7EB-4B92-40EB-A186-64B9F8DF6AA1}" type="presOf" srcId="{02F169A3-994F-4CA4-96E5-97452CF9A7F1}" destId="{EB1209FE-7F27-4E14-8C2E-22F3DF986852}" srcOrd="0" destOrd="0" presId="urn:microsoft.com/office/officeart/2005/8/layout/hChevron3"/>
-    <dgm:cxn modelId="{0E167BEE-88C2-4149-95EF-A0AFBCC56BB4}" type="presOf" srcId="{446301A8-ED7F-4E78-8077-275912139C05}" destId="{7175A4EC-3B24-40FB-93A3-B207D4B401A3}" srcOrd="0" destOrd="0" presId="urn:microsoft.com/office/officeart/2005/8/layout/hChevron3"/>
     <dgm:cxn modelId="{1775AD88-0672-4666-BAB0-E951615AAFBC}" type="presParOf" srcId="{EB1209FE-7F27-4E14-8C2E-22F3DF986852}" destId="{7175A4EC-3B24-40FB-93A3-B207D4B401A3}" srcOrd="0" destOrd="0" presId="urn:microsoft.com/office/officeart/2005/8/layout/hChevron3"/>
     <dgm:cxn modelId="{565F419F-3D93-403E-B847-A0D17D31C918}" type="presParOf" srcId="{EB1209FE-7F27-4E14-8C2E-22F3DF986852}" destId="{BE1558F8-005E-49AD-9F2B-772B57176E06}" srcOrd="1" destOrd="0" presId="urn:microsoft.com/office/officeart/2005/8/layout/hChevron3"/>
     <dgm:cxn modelId="{BE2F8260-8CED-4E22-AC6C-F1B2B4A005BC}" type="presParOf" srcId="{EB1209FE-7F27-4E14-8C2E-22F3DF986852}" destId="{A2C63A07-CD9F-40A7-8330-BCAEA232B8DA}" srcOrd="2" destOrd="0" presId="urn:microsoft.com/office/officeart/2005/8/layout/hChevron3"/>
@@ -9694,6 +9939,13 @@
         </dgm:presLayoutVars>
       </dgm:prSet>
       <dgm:spPr/>
+      <dgm:t>
+        <a:bodyPr/>
+        <a:lstStyle/>
+        <a:p>
+          <a:endParaRPr lang="fr-FR"/>
+        </a:p>
+      </dgm:t>
     </dgm:pt>
     <dgm:pt modelId="{BE1558F8-005E-49AD-9F2B-772B57176E06}" type="pres">
       <dgm:prSet presAssocID="{31404B3A-79A4-4C59-93F4-2E44556D3CDB}" presName="parSpace" presStyleCnt="0"/>
@@ -9706,6 +9958,13 @@
         </dgm:presLayoutVars>
       </dgm:prSet>
       <dgm:spPr/>
+      <dgm:t>
+        <a:bodyPr/>
+        <a:lstStyle/>
+        <a:p>
+          <a:endParaRPr lang="fr-FR"/>
+        </a:p>
+      </dgm:t>
     </dgm:pt>
     <dgm:pt modelId="{F100EED1-637D-473A-8321-A273282E1E6A}" type="pres">
       <dgm:prSet presAssocID="{B8F9E771-0AC1-420C-990F-B648B068A717}" presName="parSpace" presStyleCnt="0"/>
@@ -9718,6 +9977,13 @@
         </dgm:presLayoutVars>
       </dgm:prSet>
       <dgm:spPr/>
+      <dgm:t>
+        <a:bodyPr/>
+        <a:lstStyle/>
+        <a:p>
+          <a:endParaRPr lang="fr-FR"/>
+        </a:p>
+      </dgm:t>
     </dgm:pt>
     <dgm:pt modelId="{A39C6B59-85B3-45A7-999A-07F1069B953B}" type="pres">
       <dgm:prSet presAssocID="{54D050C3-3533-4E2A-B36D-D3BA51B65B6A}" presName="parSpace" presStyleCnt="0"/>
@@ -9730,6 +9996,13 @@
         </dgm:presLayoutVars>
       </dgm:prSet>
       <dgm:spPr/>
+      <dgm:t>
+        <a:bodyPr/>
+        <a:lstStyle/>
+        <a:p>
+          <a:endParaRPr lang="fr-FR"/>
+        </a:p>
+      </dgm:t>
     </dgm:pt>
     <dgm:pt modelId="{2E11CDE2-58EB-4E3F-A022-1BE6BA2360BE}" type="pres">
       <dgm:prSet presAssocID="{1210CE54-9F84-413C-B25E-DEFF7308D27D}" presName="parSpace" presStyleCnt="0"/>
@@ -9742,20 +10015,27 @@
         </dgm:presLayoutVars>
       </dgm:prSet>
       <dgm:spPr/>
+      <dgm:t>
+        <a:bodyPr/>
+        <a:lstStyle/>
+        <a:p>
+          <a:endParaRPr lang="fr-FR"/>
+        </a:p>
+      </dgm:t>
     </dgm:pt>
   </dgm:ptLst>
   <dgm:cxnLst>
+    <dgm:cxn modelId="{F9F9BA7C-BE7E-47E6-A025-24B8E409C2F9}" type="presOf" srcId="{3D789325-8366-4553-A4C0-C02A9CF0F1AA}" destId="{A2C63A07-CD9F-40A7-8330-BCAEA232B8DA}" srcOrd="0" destOrd="0" presId="urn:microsoft.com/office/officeart/2005/8/layout/hChevron3"/>
+    <dgm:cxn modelId="{15E2F7EB-4B92-40EB-A186-64B9F8DF6AA1}" type="presOf" srcId="{02F169A3-994F-4CA4-96E5-97452CF9A7F1}" destId="{EB1209FE-7F27-4E14-8C2E-22F3DF986852}" srcOrd="0" destOrd="0" presId="urn:microsoft.com/office/officeart/2005/8/layout/hChevron3"/>
+    <dgm:cxn modelId="{CFF69217-1D87-4A8C-919E-3827F1BF4C30}" srcId="{02F169A3-994F-4CA4-96E5-97452CF9A7F1}" destId="{92EEEDD4-85AB-4E4B-B1E4-52EB1C86AF54}" srcOrd="2" destOrd="0" parTransId="{22649B0E-CDA2-4BF7-A2EC-F864A77A7139}" sibTransId="{54D050C3-3533-4E2A-B36D-D3BA51B65B6A}"/>
+    <dgm:cxn modelId="{0E167BEE-88C2-4149-95EF-A0AFBCC56BB4}" type="presOf" srcId="{446301A8-ED7F-4E78-8077-275912139C05}" destId="{7175A4EC-3B24-40FB-93A3-B207D4B401A3}" srcOrd="0" destOrd="0" presId="urn:microsoft.com/office/officeart/2005/8/layout/hChevron3"/>
+    <dgm:cxn modelId="{B3672BAD-7231-44A7-AD98-7BD4D2E8CA1E}" srcId="{02F169A3-994F-4CA4-96E5-97452CF9A7F1}" destId="{446301A8-ED7F-4E78-8077-275912139C05}" srcOrd="0" destOrd="0" parTransId="{9F85059D-EED4-44C3-8FF7-D0A45D4F5C03}" sibTransId="{31404B3A-79A4-4C59-93F4-2E44556D3CDB}"/>
+    <dgm:cxn modelId="{30245C3F-0CE2-400C-A20B-1661F19FC34B}" srcId="{02F169A3-994F-4CA4-96E5-97452CF9A7F1}" destId="{3D789325-8366-4553-A4C0-C02A9CF0F1AA}" srcOrd="1" destOrd="0" parTransId="{05B1D693-45F4-4853-9B9E-D00278225319}" sibTransId="{B8F9E771-0AC1-420C-990F-B648B068A717}"/>
+    <dgm:cxn modelId="{2EF46230-FB31-4EDB-B6CE-3D5FEAB5AEF6}" srcId="{02F169A3-994F-4CA4-96E5-97452CF9A7F1}" destId="{8D454871-913E-4B9F-A973-DB5CB8BD8BEA}" srcOrd="3" destOrd="0" parTransId="{EA714446-FA7F-43CA-9D18-6A9B5EE89135}" sibTransId="{1210CE54-9F84-413C-B25E-DEFF7308D27D}"/>
     <dgm:cxn modelId="{8682260E-DB89-4747-A073-85CE617C8CC2}" type="presOf" srcId="{92EEEDD4-85AB-4E4B-B1E4-52EB1C86AF54}" destId="{F404437D-A1B4-4AD2-A610-9F1A17DFC22C}" srcOrd="0" destOrd="0" presId="urn:microsoft.com/office/officeart/2005/8/layout/hChevron3"/>
-    <dgm:cxn modelId="{CFF69217-1D87-4A8C-919E-3827F1BF4C30}" srcId="{02F169A3-994F-4CA4-96E5-97452CF9A7F1}" destId="{92EEEDD4-85AB-4E4B-B1E4-52EB1C86AF54}" srcOrd="2" destOrd="0" parTransId="{22649B0E-CDA2-4BF7-A2EC-F864A77A7139}" sibTransId="{54D050C3-3533-4E2A-B36D-D3BA51B65B6A}"/>
     <dgm:cxn modelId="{67F6ED2C-7E87-4EF2-9A53-D8AA2A102D53}" type="presOf" srcId="{75DEAC54-37E1-4C9D-9BCA-3A7439FC30FE}" destId="{27470EFD-CEEB-44EC-A75A-B13AC67F5115}" srcOrd="0" destOrd="0" presId="urn:microsoft.com/office/officeart/2005/8/layout/hChevron3"/>
-    <dgm:cxn modelId="{2EF46230-FB31-4EDB-B6CE-3D5FEAB5AEF6}" srcId="{02F169A3-994F-4CA4-96E5-97452CF9A7F1}" destId="{8D454871-913E-4B9F-A973-DB5CB8BD8BEA}" srcOrd="3" destOrd="0" parTransId="{EA714446-FA7F-43CA-9D18-6A9B5EE89135}" sibTransId="{1210CE54-9F84-413C-B25E-DEFF7308D27D}"/>
-    <dgm:cxn modelId="{30245C3F-0CE2-400C-A20B-1661F19FC34B}" srcId="{02F169A3-994F-4CA4-96E5-97452CF9A7F1}" destId="{3D789325-8366-4553-A4C0-C02A9CF0F1AA}" srcOrd="1" destOrd="0" parTransId="{05B1D693-45F4-4853-9B9E-D00278225319}" sibTransId="{B8F9E771-0AC1-420C-990F-B648B068A717}"/>
-    <dgm:cxn modelId="{F9F9BA7C-BE7E-47E6-A025-24B8E409C2F9}" type="presOf" srcId="{3D789325-8366-4553-A4C0-C02A9CF0F1AA}" destId="{A2C63A07-CD9F-40A7-8330-BCAEA232B8DA}" srcOrd="0" destOrd="0" presId="urn:microsoft.com/office/officeart/2005/8/layout/hChevron3"/>
     <dgm:cxn modelId="{CDDE76A6-F36B-4998-8331-16E5B5CFED98}" type="presOf" srcId="{8D454871-913E-4B9F-A973-DB5CB8BD8BEA}" destId="{FB49EF4F-DBAA-45C9-8294-1B438078060D}" srcOrd="0" destOrd="0" presId="urn:microsoft.com/office/officeart/2005/8/layout/hChevron3"/>
-    <dgm:cxn modelId="{B3672BAD-7231-44A7-AD98-7BD4D2E8CA1E}" srcId="{02F169A3-994F-4CA4-96E5-97452CF9A7F1}" destId="{446301A8-ED7F-4E78-8077-275912139C05}" srcOrd="0" destOrd="0" parTransId="{9F85059D-EED4-44C3-8FF7-D0A45D4F5C03}" sibTransId="{31404B3A-79A4-4C59-93F4-2E44556D3CDB}"/>
     <dgm:cxn modelId="{07A459AF-EF09-433A-8C60-17F38366BB28}" srcId="{02F169A3-994F-4CA4-96E5-97452CF9A7F1}" destId="{75DEAC54-37E1-4C9D-9BCA-3A7439FC30FE}" srcOrd="4" destOrd="0" parTransId="{ED3597F5-F21F-496B-A436-FB2357A17A9E}" sibTransId="{9DF78E47-B100-4966-8DFF-DDAA0100EB7A}"/>
-    <dgm:cxn modelId="{15E2F7EB-4B92-40EB-A186-64B9F8DF6AA1}" type="presOf" srcId="{02F169A3-994F-4CA4-96E5-97452CF9A7F1}" destId="{EB1209FE-7F27-4E14-8C2E-22F3DF986852}" srcOrd="0" destOrd="0" presId="urn:microsoft.com/office/officeart/2005/8/layout/hChevron3"/>
-    <dgm:cxn modelId="{0E167BEE-88C2-4149-95EF-A0AFBCC56BB4}" type="presOf" srcId="{446301A8-ED7F-4E78-8077-275912139C05}" destId="{7175A4EC-3B24-40FB-93A3-B207D4B401A3}" srcOrd="0" destOrd="0" presId="urn:microsoft.com/office/officeart/2005/8/layout/hChevron3"/>
     <dgm:cxn modelId="{1775AD88-0672-4666-BAB0-E951615AAFBC}" type="presParOf" srcId="{EB1209FE-7F27-4E14-8C2E-22F3DF986852}" destId="{7175A4EC-3B24-40FB-93A3-B207D4B401A3}" srcOrd="0" destOrd="0" presId="urn:microsoft.com/office/officeart/2005/8/layout/hChevron3"/>
     <dgm:cxn modelId="{565F419F-3D93-403E-B847-A0D17D31C918}" type="presParOf" srcId="{EB1209FE-7F27-4E14-8C2E-22F3DF986852}" destId="{BE1558F8-005E-49AD-9F2B-772B57176E06}" srcOrd="1" destOrd="0" presId="urn:microsoft.com/office/officeart/2005/8/layout/hChevron3"/>
     <dgm:cxn modelId="{BE2F8260-8CED-4E22-AC6C-F1B2B4A005BC}" type="presParOf" srcId="{EB1209FE-7F27-4E14-8C2E-22F3DF986852}" destId="{A2C63A07-CD9F-40A7-8330-BCAEA232B8DA}" srcOrd="2" destOrd="0" presId="urn:microsoft.com/office/officeart/2005/8/layout/hChevron3"/>
@@ -9995,6 +10275,13 @@
         </dgm:presLayoutVars>
       </dgm:prSet>
       <dgm:spPr/>
+      <dgm:t>
+        <a:bodyPr/>
+        <a:lstStyle/>
+        <a:p>
+          <a:endParaRPr lang="fr-FR"/>
+        </a:p>
+      </dgm:t>
     </dgm:pt>
     <dgm:pt modelId="{BE1558F8-005E-49AD-9F2B-772B57176E06}" type="pres">
       <dgm:prSet presAssocID="{31404B3A-79A4-4C59-93F4-2E44556D3CDB}" presName="parSpace" presStyleCnt="0"/>
@@ -10007,6 +10294,13 @@
         </dgm:presLayoutVars>
       </dgm:prSet>
       <dgm:spPr/>
+      <dgm:t>
+        <a:bodyPr/>
+        <a:lstStyle/>
+        <a:p>
+          <a:endParaRPr lang="fr-FR"/>
+        </a:p>
+      </dgm:t>
     </dgm:pt>
     <dgm:pt modelId="{F100EED1-637D-473A-8321-A273282E1E6A}" type="pres">
       <dgm:prSet presAssocID="{B8F9E771-0AC1-420C-990F-B648B068A717}" presName="parSpace" presStyleCnt="0"/>
@@ -10019,6 +10313,13 @@
         </dgm:presLayoutVars>
       </dgm:prSet>
       <dgm:spPr/>
+      <dgm:t>
+        <a:bodyPr/>
+        <a:lstStyle/>
+        <a:p>
+          <a:endParaRPr lang="fr-FR"/>
+        </a:p>
+      </dgm:t>
     </dgm:pt>
     <dgm:pt modelId="{A39C6B59-85B3-45A7-999A-07F1069B953B}" type="pres">
       <dgm:prSet presAssocID="{54D050C3-3533-4E2A-B36D-D3BA51B65B6A}" presName="parSpace" presStyleCnt="0"/>
@@ -10031,6 +10332,13 @@
         </dgm:presLayoutVars>
       </dgm:prSet>
       <dgm:spPr/>
+      <dgm:t>
+        <a:bodyPr/>
+        <a:lstStyle/>
+        <a:p>
+          <a:endParaRPr lang="fr-FR"/>
+        </a:p>
+      </dgm:t>
     </dgm:pt>
     <dgm:pt modelId="{2E11CDE2-58EB-4E3F-A022-1BE6BA2360BE}" type="pres">
       <dgm:prSet presAssocID="{1210CE54-9F84-413C-B25E-DEFF7308D27D}" presName="parSpace" presStyleCnt="0"/>
@@ -10043,20 +10351,27 @@
         </dgm:presLayoutVars>
       </dgm:prSet>
       <dgm:spPr/>
+      <dgm:t>
+        <a:bodyPr/>
+        <a:lstStyle/>
+        <a:p>
+          <a:endParaRPr lang="fr-FR"/>
+        </a:p>
+      </dgm:t>
     </dgm:pt>
   </dgm:ptLst>
   <dgm:cxnLst>
+    <dgm:cxn modelId="{F9F9BA7C-BE7E-47E6-A025-24B8E409C2F9}" type="presOf" srcId="{3D789325-8366-4553-A4C0-C02A9CF0F1AA}" destId="{A2C63A07-CD9F-40A7-8330-BCAEA232B8DA}" srcOrd="0" destOrd="0" presId="urn:microsoft.com/office/officeart/2005/8/layout/hChevron3"/>
+    <dgm:cxn modelId="{15E2F7EB-4B92-40EB-A186-64B9F8DF6AA1}" type="presOf" srcId="{02F169A3-994F-4CA4-96E5-97452CF9A7F1}" destId="{EB1209FE-7F27-4E14-8C2E-22F3DF986852}" srcOrd="0" destOrd="0" presId="urn:microsoft.com/office/officeart/2005/8/layout/hChevron3"/>
+    <dgm:cxn modelId="{CFF69217-1D87-4A8C-919E-3827F1BF4C30}" srcId="{02F169A3-994F-4CA4-96E5-97452CF9A7F1}" destId="{92EEEDD4-85AB-4E4B-B1E4-52EB1C86AF54}" srcOrd="2" destOrd="0" parTransId="{22649B0E-CDA2-4BF7-A2EC-F864A77A7139}" sibTransId="{54D050C3-3533-4E2A-B36D-D3BA51B65B6A}"/>
+    <dgm:cxn modelId="{0E167BEE-88C2-4149-95EF-A0AFBCC56BB4}" type="presOf" srcId="{446301A8-ED7F-4E78-8077-275912139C05}" destId="{7175A4EC-3B24-40FB-93A3-B207D4B401A3}" srcOrd="0" destOrd="0" presId="urn:microsoft.com/office/officeart/2005/8/layout/hChevron3"/>
+    <dgm:cxn modelId="{B3672BAD-7231-44A7-AD98-7BD4D2E8CA1E}" srcId="{02F169A3-994F-4CA4-96E5-97452CF9A7F1}" destId="{446301A8-ED7F-4E78-8077-275912139C05}" srcOrd="0" destOrd="0" parTransId="{9F85059D-EED4-44C3-8FF7-D0A45D4F5C03}" sibTransId="{31404B3A-79A4-4C59-93F4-2E44556D3CDB}"/>
+    <dgm:cxn modelId="{30245C3F-0CE2-400C-A20B-1661F19FC34B}" srcId="{02F169A3-994F-4CA4-96E5-97452CF9A7F1}" destId="{3D789325-8366-4553-A4C0-C02A9CF0F1AA}" srcOrd="1" destOrd="0" parTransId="{05B1D693-45F4-4853-9B9E-D00278225319}" sibTransId="{B8F9E771-0AC1-420C-990F-B648B068A717}"/>
+    <dgm:cxn modelId="{2EF46230-FB31-4EDB-B6CE-3D5FEAB5AEF6}" srcId="{02F169A3-994F-4CA4-96E5-97452CF9A7F1}" destId="{8D454871-913E-4B9F-A973-DB5CB8BD8BEA}" srcOrd="3" destOrd="0" parTransId="{EA714446-FA7F-43CA-9D18-6A9B5EE89135}" sibTransId="{1210CE54-9F84-413C-B25E-DEFF7308D27D}"/>
     <dgm:cxn modelId="{8682260E-DB89-4747-A073-85CE617C8CC2}" type="presOf" srcId="{92EEEDD4-85AB-4E4B-B1E4-52EB1C86AF54}" destId="{F404437D-A1B4-4AD2-A610-9F1A17DFC22C}" srcOrd="0" destOrd="0" presId="urn:microsoft.com/office/officeart/2005/8/layout/hChevron3"/>
-    <dgm:cxn modelId="{CFF69217-1D87-4A8C-919E-3827F1BF4C30}" srcId="{02F169A3-994F-4CA4-96E5-97452CF9A7F1}" destId="{92EEEDD4-85AB-4E4B-B1E4-52EB1C86AF54}" srcOrd="2" destOrd="0" parTransId="{22649B0E-CDA2-4BF7-A2EC-F864A77A7139}" sibTransId="{54D050C3-3533-4E2A-B36D-D3BA51B65B6A}"/>
     <dgm:cxn modelId="{67F6ED2C-7E87-4EF2-9A53-D8AA2A102D53}" type="presOf" srcId="{75DEAC54-37E1-4C9D-9BCA-3A7439FC30FE}" destId="{27470EFD-CEEB-44EC-A75A-B13AC67F5115}" srcOrd="0" destOrd="0" presId="urn:microsoft.com/office/officeart/2005/8/layout/hChevron3"/>
-    <dgm:cxn modelId="{2EF46230-FB31-4EDB-B6CE-3D5FEAB5AEF6}" srcId="{02F169A3-994F-4CA4-96E5-97452CF9A7F1}" destId="{8D454871-913E-4B9F-A973-DB5CB8BD8BEA}" srcOrd="3" destOrd="0" parTransId="{EA714446-FA7F-43CA-9D18-6A9B5EE89135}" sibTransId="{1210CE54-9F84-413C-B25E-DEFF7308D27D}"/>
-    <dgm:cxn modelId="{30245C3F-0CE2-400C-A20B-1661F19FC34B}" srcId="{02F169A3-994F-4CA4-96E5-97452CF9A7F1}" destId="{3D789325-8366-4553-A4C0-C02A9CF0F1AA}" srcOrd="1" destOrd="0" parTransId="{05B1D693-45F4-4853-9B9E-D00278225319}" sibTransId="{B8F9E771-0AC1-420C-990F-B648B068A717}"/>
-    <dgm:cxn modelId="{F9F9BA7C-BE7E-47E6-A025-24B8E409C2F9}" type="presOf" srcId="{3D789325-8366-4553-A4C0-C02A9CF0F1AA}" destId="{A2C63A07-CD9F-40A7-8330-BCAEA232B8DA}" srcOrd="0" destOrd="0" presId="urn:microsoft.com/office/officeart/2005/8/layout/hChevron3"/>
     <dgm:cxn modelId="{CDDE76A6-F36B-4998-8331-16E5B5CFED98}" type="presOf" srcId="{8D454871-913E-4B9F-A973-DB5CB8BD8BEA}" destId="{FB49EF4F-DBAA-45C9-8294-1B438078060D}" srcOrd="0" destOrd="0" presId="urn:microsoft.com/office/officeart/2005/8/layout/hChevron3"/>
-    <dgm:cxn modelId="{B3672BAD-7231-44A7-AD98-7BD4D2E8CA1E}" srcId="{02F169A3-994F-4CA4-96E5-97452CF9A7F1}" destId="{446301A8-ED7F-4E78-8077-275912139C05}" srcOrd="0" destOrd="0" parTransId="{9F85059D-EED4-44C3-8FF7-D0A45D4F5C03}" sibTransId="{31404B3A-79A4-4C59-93F4-2E44556D3CDB}"/>
     <dgm:cxn modelId="{07A459AF-EF09-433A-8C60-17F38366BB28}" srcId="{02F169A3-994F-4CA4-96E5-97452CF9A7F1}" destId="{75DEAC54-37E1-4C9D-9BCA-3A7439FC30FE}" srcOrd="4" destOrd="0" parTransId="{ED3597F5-F21F-496B-A436-FB2357A17A9E}" sibTransId="{9DF78E47-B100-4966-8DFF-DDAA0100EB7A}"/>
-    <dgm:cxn modelId="{15E2F7EB-4B92-40EB-A186-64B9F8DF6AA1}" type="presOf" srcId="{02F169A3-994F-4CA4-96E5-97452CF9A7F1}" destId="{EB1209FE-7F27-4E14-8C2E-22F3DF986852}" srcOrd="0" destOrd="0" presId="urn:microsoft.com/office/officeart/2005/8/layout/hChevron3"/>
-    <dgm:cxn modelId="{0E167BEE-88C2-4149-95EF-A0AFBCC56BB4}" type="presOf" srcId="{446301A8-ED7F-4E78-8077-275912139C05}" destId="{7175A4EC-3B24-40FB-93A3-B207D4B401A3}" srcOrd="0" destOrd="0" presId="urn:microsoft.com/office/officeart/2005/8/layout/hChevron3"/>
     <dgm:cxn modelId="{1775AD88-0672-4666-BAB0-E951615AAFBC}" type="presParOf" srcId="{EB1209FE-7F27-4E14-8C2E-22F3DF986852}" destId="{7175A4EC-3B24-40FB-93A3-B207D4B401A3}" srcOrd="0" destOrd="0" presId="urn:microsoft.com/office/officeart/2005/8/layout/hChevron3"/>
     <dgm:cxn modelId="{565F419F-3D93-403E-B847-A0D17D31C918}" type="presParOf" srcId="{EB1209FE-7F27-4E14-8C2E-22F3DF986852}" destId="{BE1558F8-005E-49AD-9F2B-772B57176E06}" srcOrd="1" destOrd="0" presId="urn:microsoft.com/office/officeart/2005/8/layout/hChevron3"/>
     <dgm:cxn modelId="{BE2F8260-8CED-4E22-AC6C-F1B2B4A005BC}" type="presParOf" srcId="{EB1209FE-7F27-4E14-8C2E-22F3DF986852}" destId="{A2C63A07-CD9F-40A7-8330-BCAEA232B8DA}" srcOrd="2" destOrd="0" presId="urn:microsoft.com/office/officeart/2005/8/layout/hChevron3"/>
@@ -10137,7 +10452,7 @@
         </a:bodyPr>
         <a:lstStyle/>
         <a:p>
-          <a:pPr marL="0" lvl="0" indent="0" algn="ctr" defTabSz="1244600">
+          <a:pPr lvl="0" algn="ctr" defTabSz="1244600">
             <a:lnSpc>
               <a:spcPct val="90000"/>
             </a:lnSpc>
@@ -10147,7 +10462,6 @@
             <a:spcAft>
               <a:spcPct val="35000"/>
             </a:spcAft>
-            <a:buNone/>
           </a:pPr>
           <a:r>
             <a:rPr lang="it-IT" sz="2800" b="0" kern="1200" dirty="0">
@@ -10218,7 +10532,7 @@
         </a:bodyPr>
         <a:lstStyle/>
         <a:p>
-          <a:pPr marL="0" lvl="0" indent="0" algn="ctr" defTabSz="1244600">
+          <a:pPr lvl="0" algn="ctr" defTabSz="1244600">
             <a:lnSpc>
               <a:spcPct val="90000"/>
             </a:lnSpc>
@@ -10228,7 +10542,6 @@
             <a:spcAft>
               <a:spcPct val="35000"/>
             </a:spcAft>
-            <a:buNone/>
           </a:pPr>
           <a:r>
             <a:rPr lang="it-IT" sz="2800" kern="1200" dirty="0" err="1">
@@ -10306,7 +10619,7 @@
         </a:bodyPr>
         <a:lstStyle/>
         <a:p>
-          <a:pPr marL="0" lvl="0" indent="0" algn="ctr" defTabSz="1244600">
+          <a:pPr lvl="0" algn="ctr" defTabSz="1244600">
             <a:lnSpc>
               <a:spcPct val="90000"/>
             </a:lnSpc>
@@ -10316,7 +10629,6 @@
             <a:spcAft>
               <a:spcPct val="35000"/>
             </a:spcAft>
-            <a:buNone/>
           </a:pPr>
           <a:r>
             <a:rPr lang="it-IT" sz="2800" kern="1200" dirty="0" err="1">
@@ -10391,7 +10703,7 @@
         </a:bodyPr>
         <a:lstStyle/>
         <a:p>
-          <a:pPr marL="0" lvl="0" indent="0" algn="ctr" defTabSz="1244600">
+          <a:pPr lvl="0" algn="ctr" defTabSz="1244600">
             <a:lnSpc>
               <a:spcPct val="90000"/>
             </a:lnSpc>
@@ -10401,7 +10713,6 @@
             <a:spcAft>
               <a:spcPct val="35000"/>
             </a:spcAft>
-            <a:buNone/>
           </a:pPr>
           <a:r>
             <a:rPr lang="it-IT" sz="2800" kern="1200" dirty="0" err="1">
@@ -10476,7 +10787,7 @@
         </a:bodyPr>
         <a:lstStyle/>
         <a:p>
-          <a:pPr marL="0" lvl="0" indent="0" algn="ctr" defTabSz="1244600">
+          <a:pPr lvl="0" algn="ctr" defTabSz="1244600">
             <a:lnSpc>
               <a:spcPct val="90000"/>
             </a:lnSpc>
@@ -10486,7 +10797,6 @@
             <a:spcAft>
               <a:spcPct val="35000"/>
             </a:spcAft>
-            <a:buNone/>
           </a:pPr>
           <a:r>
             <a:rPr lang="it-IT" sz="2800" kern="1200" dirty="0" err="1">
@@ -10570,7 +10880,7 @@
         </a:bodyPr>
         <a:lstStyle/>
         <a:p>
-          <a:pPr marL="0" lvl="0" indent="0" algn="ctr" defTabSz="1244600">
+          <a:pPr lvl="0" algn="ctr" defTabSz="1244600">
             <a:lnSpc>
               <a:spcPct val="90000"/>
             </a:lnSpc>
@@ -10580,7 +10890,6 @@
             <a:spcAft>
               <a:spcPct val="35000"/>
             </a:spcAft>
-            <a:buNone/>
           </a:pPr>
           <a:r>
             <a:rPr lang="it-IT" sz="2800" b="0" kern="1200" dirty="0">
@@ -10651,7 +10960,7 @@
         </a:bodyPr>
         <a:lstStyle/>
         <a:p>
-          <a:pPr marL="0" lvl="0" indent="0" algn="ctr" defTabSz="1244600">
+          <a:pPr lvl="0" algn="ctr" defTabSz="1244600">
             <a:lnSpc>
               <a:spcPct val="90000"/>
             </a:lnSpc>
@@ -10661,7 +10970,6 @@
             <a:spcAft>
               <a:spcPct val="35000"/>
             </a:spcAft>
-            <a:buNone/>
           </a:pPr>
           <a:r>
             <a:rPr lang="it-IT" sz="2800" kern="1200" dirty="0" err="1">
@@ -10739,7 +11047,7 @@
         </a:bodyPr>
         <a:lstStyle/>
         <a:p>
-          <a:pPr marL="0" lvl="0" indent="0" algn="ctr" defTabSz="1244600">
+          <a:pPr lvl="0" algn="ctr" defTabSz="1244600">
             <a:lnSpc>
               <a:spcPct val="90000"/>
             </a:lnSpc>
@@ -10749,7 +11057,6 @@
             <a:spcAft>
               <a:spcPct val="35000"/>
             </a:spcAft>
-            <a:buNone/>
           </a:pPr>
           <a:r>
             <a:rPr lang="it-IT" sz="2800" kern="1200" dirty="0" err="1">
@@ -10824,7 +11131,7 @@
         </a:bodyPr>
         <a:lstStyle/>
         <a:p>
-          <a:pPr marL="0" lvl="0" indent="0" algn="ctr" defTabSz="1244600">
+          <a:pPr lvl="0" algn="ctr" defTabSz="1244600">
             <a:lnSpc>
               <a:spcPct val="90000"/>
             </a:lnSpc>
@@ -10834,7 +11141,6 @@
             <a:spcAft>
               <a:spcPct val="35000"/>
             </a:spcAft>
-            <a:buNone/>
           </a:pPr>
           <a:r>
             <a:rPr lang="it-IT" sz="2800" kern="1200" dirty="0" err="1">
@@ -10909,7 +11215,7 @@
         </a:bodyPr>
         <a:lstStyle/>
         <a:p>
-          <a:pPr marL="0" lvl="0" indent="0" algn="ctr" defTabSz="1244600">
+          <a:pPr lvl="0" algn="ctr" defTabSz="1244600">
             <a:lnSpc>
               <a:spcPct val="90000"/>
             </a:lnSpc>
@@ -10919,7 +11225,6 @@
             <a:spcAft>
               <a:spcPct val="35000"/>
             </a:spcAft>
-            <a:buNone/>
           </a:pPr>
           <a:r>
             <a:rPr lang="it-IT" sz="2800" kern="1200" dirty="0" err="1">
@@ -11001,7 +11306,7 @@
         </a:bodyPr>
         <a:lstStyle/>
         <a:p>
-          <a:pPr marL="0" lvl="0" indent="0" algn="ctr" defTabSz="1244600">
+          <a:pPr lvl="0" algn="ctr" defTabSz="1244600">
             <a:lnSpc>
               <a:spcPct val="90000"/>
             </a:lnSpc>
@@ -11011,7 +11316,6 @@
             <a:spcAft>
               <a:spcPct val="35000"/>
             </a:spcAft>
-            <a:buNone/>
           </a:pPr>
           <a:r>
             <a:rPr lang="it-IT" sz="2800" kern="1200" dirty="0">
@@ -11079,7 +11383,7 @@
         </a:bodyPr>
         <a:lstStyle/>
         <a:p>
-          <a:pPr marL="0" lvl="0" indent="0" algn="ctr" defTabSz="1244600">
+          <a:pPr lvl="0" algn="ctr" defTabSz="1244600">
             <a:lnSpc>
               <a:spcPct val="90000"/>
             </a:lnSpc>
@@ -11089,7 +11393,6 @@
             <a:spcAft>
               <a:spcPct val="35000"/>
             </a:spcAft>
-            <a:buNone/>
           </a:pPr>
           <a:r>
             <a:rPr lang="it-IT" sz="2800" kern="1200" dirty="0" err="1"/>
@@ -11161,7 +11464,7 @@
         </a:bodyPr>
         <a:lstStyle/>
         <a:p>
-          <a:pPr marL="0" lvl="0" indent="0" algn="ctr" defTabSz="1244600">
+          <a:pPr lvl="0" algn="ctr" defTabSz="1244600">
             <a:lnSpc>
               <a:spcPct val="90000"/>
             </a:lnSpc>
@@ -11171,7 +11474,6 @@
             <a:spcAft>
               <a:spcPct val="35000"/>
             </a:spcAft>
-            <a:buNone/>
           </a:pPr>
           <a:r>
             <a:rPr lang="it-IT" sz="2800" kern="1200" dirty="0" err="1"/>
@@ -11240,7 +11542,7 @@
         </a:bodyPr>
         <a:lstStyle/>
         <a:p>
-          <a:pPr marL="0" lvl="0" indent="0" algn="ctr" defTabSz="1244600">
+          <a:pPr lvl="0" algn="ctr" defTabSz="1244600">
             <a:lnSpc>
               <a:spcPct val="90000"/>
             </a:lnSpc>
@@ -11250,7 +11552,6 @@
             <a:spcAft>
               <a:spcPct val="35000"/>
             </a:spcAft>
-            <a:buNone/>
           </a:pPr>
           <a:r>
             <a:rPr lang="it-IT" sz="2800" kern="1200" dirty="0" err="1"/>
@@ -11319,7 +11620,7 @@
         </a:bodyPr>
         <a:lstStyle/>
         <a:p>
-          <a:pPr marL="0" lvl="0" indent="0" algn="ctr" defTabSz="1244600">
+          <a:pPr lvl="0" algn="ctr" defTabSz="1244600">
             <a:lnSpc>
               <a:spcPct val="90000"/>
             </a:lnSpc>
@@ -11329,7 +11630,6 @@
             <a:spcAft>
               <a:spcPct val="35000"/>
             </a:spcAft>
-            <a:buNone/>
           </a:pPr>
           <a:r>
             <a:rPr lang="it-IT" sz="2800" kern="1200" dirty="0" err="1"/>
@@ -11410,7 +11710,7 @@
         </a:bodyPr>
         <a:lstStyle/>
         <a:p>
-          <a:pPr marL="0" lvl="0" indent="0" algn="ctr" defTabSz="1244600">
+          <a:pPr lvl="0" algn="ctr" defTabSz="1244600">
             <a:lnSpc>
               <a:spcPct val="90000"/>
             </a:lnSpc>
@@ -11420,7 +11720,6 @@
             <a:spcAft>
               <a:spcPct val="35000"/>
             </a:spcAft>
-            <a:buNone/>
           </a:pPr>
           <a:r>
             <a:rPr lang="it-IT" sz="2800" kern="1200" dirty="0">
@@ -11488,7 +11787,7 @@
         </a:bodyPr>
         <a:lstStyle/>
         <a:p>
-          <a:pPr marL="0" lvl="0" indent="0" algn="ctr" defTabSz="1244600">
+          <a:pPr lvl="0" algn="ctr" defTabSz="1244600">
             <a:lnSpc>
               <a:spcPct val="90000"/>
             </a:lnSpc>
@@ -11498,7 +11797,6 @@
             <a:spcAft>
               <a:spcPct val="35000"/>
             </a:spcAft>
-            <a:buNone/>
           </a:pPr>
           <a:r>
             <a:rPr lang="it-IT" sz="2800" kern="1200" dirty="0" err="1"/>
@@ -11570,7 +11868,7 @@
         </a:bodyPr>
         <a:lstStyle/>
         <a:p>
-          <a:pPr marL="0" lvl="0" indent="0" algn="ctr" defTabSz="1244600">
+          <a:pPr lvl="0" algn="ctr" defTabSz="1244600">
             <a:lnSpc>
               <a:spcPct val="90000"/>
             </a:lnSpc>
@@ -11580,7 +11878,6 @@
             <a:spcAft>
               <a:spcPct val="35000"/>
             </a:spcAft>
-            <a:buNone/>
           </a:pPr>
           <a:r>
             <a:rPr lang="it-IT" sz="2800" kern="1200" dirty="0" err="1"/>
@@ -11649,7 +11946,7 @@
         </a:bodyPr>
         <a:lstStyle/>
         <a:p>
-          <a:pPr marL="0" lvl="0" indent="0" algn="ctr" defTabSz="1244600">
+          <a:pPr lvl="0" algn="ctr" defTabSz="1244600">
             <a:lnSpc>
               <a:spcPct val="90000"/>
             </a:lnSpc>
@@ -11659,7 +11956,6 @@
             <a:spcAft>
               <a:spcPct val="35000"/>
             </a:spcAft>
-            <a:buNone/>
           </a:pPr>
           <a:r>
             <a:rPr lang="it-IT" sz="2800" kern="1200" dirty="0" err="1"/>
@@ -11728,7 +12024,7 @@
         </a:bodyPr>
         <a:lstStyle/>
         <a:p>
-          <a:pPr marL="0" lvl="0" indent="0" algn="ctr" defTabSz="1244600">
+          <a:pPr lvl="0" algn="ctr" defTabSz="1244600">
             <a:lnSpc>
               <a:spcPct val="90000"/>
             </a:lnSpc>
@@ -11738,7 +12034,6 @@
             <a:spcAft>
               <a:spcPct val="35000"/>
             </a:spcAft>
-            <a:buNone/>
           </a:pPr>
           <a:r>
             <a:rPr lang="it-IT" sz="2800" kern="1200" dirty="0" err="1"/>
@@ -11819,7 +12114,7 @@
         </a:bodyPr>
         <a:lstStyle/>
         <a:p>
-          <a:pPr marL="0" lvl="0" indent="0" algn="ctr" defTabSz="1244600">
+          <a:pPr lvl="0" algn="ctr" defTabSz="1244600">
             <a:lnSpc>
               <a:spcPct val="90000"/>
             </a:lnSpc>
@@ -11829,7 +12124,6 @@
             <a:spcAft>
               <a:spcPct val="35000"/>
             </a:spcAft>
-            <a:buNone/>
           </a:pPr>
           <a:r>
             <a:rPr lang="it-IT" sz="2800" kern="1200" dirty="0">
@@ -11897,7 +12191,7 @@
         </a:bodyPr>
         <a:lstStyle/>
         <a:p>
-          <a:pPr marL="0" lvl="0" indent="0" algn="ctr" defTabSz="1244600">
+          <a:pPr lvl="0" algn="ctr" defTabSz="1244600">
             <a:lnSpc>
               <a:spcPct val="90000"/>
             </a:lnSpc>
@@ -11907,7 +12201,6 @@
             <a:spcAft>
               <a:spcPct val="35000"/>
             </a:spcAft>
-            <a:buNone/>
           </a:pPr>
           <a:r>
             <a:rPr lang="it-IT" sz="2800" kern="1200" dirty="0" err="1"/>
@@ -11979,7 +12272,7 @@
         </a:bodyPr>
         <a:lstStyle/>
         <a:p>
-          <a:pPr marL="0" lvl="0" indent="0" algn="ctr" defTabSz="1244600">
+          <a:pPr lvl="0" algn="ctr" defTabSz="1244600">
             <a:lnSpc>
               <a:spcPct val="90000"/>
             </a:lnSpc>
@@ -11989,7 +12282,6 @@
             <a:spcAft>
               <a:spcPct val="35000"/>
             </a:spcAft>
-            <a:buNone/>
           </a:pPr>
           <a:r>
             <a:rPr lang="it-IT" sz="2800" kern="1200" dirty="0" err="1"/>
@@ -12058,7 +12350,7 @@
         </a:bodyPr>
         <a:lstStyle/>
         <a:p>
-          <a:pPr marL="0" lvl="0" indent="0" algn="ctr" defTabSz="1244600">
+          <a:pPr lvl="0" algn="ctr" defTabSz="1244600">
             <a:lnSpc>
               <a:spcPct val="90000"/>
             </a:lnSpc>
@@ -12068,7 +12360,6 @@
             <a:spcAft>
               <a:spcPct val="35000"/>
             </a:spcAft>
-            <a:buNone/>
           </a:pPr>
           <a:r>
             <a:rPr lang="it-IT" sz="2800" kern="1200" dirty="0" err="1"/>
@@ -12137,7 +12428,7 @@
         </a:bodyPr>
         <a:lstStyle/>
         <a:p>
-          <a:pPr marL="0" lvl="0" indent="0" algn="ctr" defTabSz="1244600">
+          <a:pPr lvl="0" algn="ctr" defTabSz="1244600">
             <a:lnSpc>
               <a:spcPct val="90000"/>
             </a:lnSpc>
@@ -12147,7 +12438,6 @@
             <a:spcAft>
               <a:spcPct val="35000"/>
             </a:spcAft>
-            <a:buNone/>
           </a:pPr>
           <a:r>
             <a:rPr lang="it-IT" sz="2800" kern="1200" dirty="0" err="1"/>
@@ -12228,7 +12518,7 @@
         </a:bodyPr>
         <a:lstStyle/>
         <a:p>
-          <a:pPr marL="0" lvl="0" indent="0" algn="ctr" defTabSz="1244600">
+          <a:pPr lvl="0" algn="ctr" defTabSz="1244600">
             <a:lnSpc>
               <a:spcPct val="90000"/>
             </a:lnSpc>
@@ -12238,7 +12528,6 @@
             <a:spcAft>
               <a:spcPct val="35000"/>
             </a:spcAft>
-            <a:buNone/>
           </a:pPr>
           <a:r>
             <a:rPr lang="it-IT" sz="2800" kern="1200" dirty="0">
@@ -12306,7 +12595,7 @@
         </a:bodyPr>
         <a:lstStyle/>
         <a:p>
-          <a:pPr marL="0" lvl="0" indent="0" algn="ctr" defTabSz="1244600">
+          <a:pPr lvl="0" algn="ctr" defTabSz="1244600">
             <a:lnSpc>
               <a:spcPct val="90000"/>
             </a:lnSpc>
@@ -12316,7 +12605,6 @@
             <a:spcAft>
               <a:spcPct val="35000"/>
             </a:spcAft>
-            <a:buNone/>
           </a:pPr>
           <a:r>
             <a:rPr lang="it-IT" sz="2800" kern="1200" dirty="0" err="1">
@@ -12394,7 +12682,7 @@
         </a:bodyPr>
         <a:lstStyle/>
         <a:p>
-          <a:pPr marL="0" lvl="0" indent="0" algn="ctr" defTabSz="1244600">
+          <a:pPr lvl="0" algn="ctr" defTabSz="1244600">
             <a:lnSpc>
               <a:spcPct val="90000"/>
             </a:lnSpc>
@@ -12404,7 +12692,6 @@
             <a:spcAft>
               <a:spcPct val="35000"/>
             </a:spcAft>
-            <a:buNone/>
           </a:pPr>
           <a:r>
             <a:rPr lang="it-IT" sz="2800" kern="1200" dirty="0" err="1">
@@ -12479,7 +12766,7 @@
         </a:bodyPr>
         <a:lstStyle/>
         <a:p>
-          <a:pPr marL="0" lvl="0" indent="0" algn="ctr" defTabSz="1244600">
+          <a:pPr lvl="0" algn="ctr" defTabSz="1244600">
             <a:lnSpc>
               <a:spcPct val="90000"/>
             </a:lnSpc>
@@ -12489,7 +12776,6 @@
             <a:spcAft>
               <a:spcPct val="35000"/>
             </a:spcAft>
-            <a:buNone/>
           </a:pPr>
           <a:r>
             <a:rPr lang="it-IT" sz="2800" kern="1200" dirty="0" err="1">
@@ -12564,7 +12850,7 @@
         </a:bodyPr>
         <a:lstStyle/>
         <a:p>
-          <a:pPr marL="0" lvl="0" indent="0" algn="ctr" defTabSz="1244600">
+          <a:pPr lvl="0" algn="ctr" defTabSz="1244600">
             <a:lnSpc>
               <a:spcPct val="90000"/>
             </a:lnSpc>
@@ -12574,7 +12860,6 @@
             <a:spcAft>
               <a:spcPct val="35000"/>
             </a:spcAft>
-            <a:buNone/>
           </a:pPr>
           <a:r>
             <a:rPr lang="it-IT" sz="2800" kern="1200" dirty="0" err="1">
@@ -12661,7 +12946,7 @@
         </a:bodyPr>
         <a:lstStyle/>
         <a:p>
-          <a:pPr marL="0" lvl="0" indent="0" algn="ctr" defTabSz="1244600">
+          <a:pPr lvl="0" algn="ctr" defTabSz="1244600">
             <a:lnSpc>
               <a:spcPct val="90000"/>
             </a:lnSpc>
@@ -12671,7 +12956,6 @@
             <a:spcAft>
               <a:spcPct val="35000"/>
             </a:spcAft>
-            <a:buNone/>
           </a:pPr>
           <a:r>
             <a:rPr lang="it-IT" sz="2800" kern="1200" dirty="0">
@@ -12742,7 +13026,7 @@
         </a:bodyPr>
         <a:lstStyle/>
         <a:p>
-          <a:pPr marL="0" lvl="0" indent="0" algn="ctr" defTabSz="1244600">
+          <a:pPr lvl="0" algn="ctr" defTabSz="1244600">
             <a:lnSpc>
               <a:spcPct val="90000"/>
             </a:lnSpc>
@@ -12752,7 +13036,6 @@
             <a:spcAft>
               <a:spcPct val="35000"/>
             </a:spcAft>
-            <a:buNone/>
           </a:pPr>
           <a:r>
             <a:rPr lang="it-IT" sz="2800" kern="1200" dirty="0" err="1"/>
@@ -12821,7 +13104,7 @@
         </a:bodyPr>
         <a:lstStyle/>
         <a:p>
-          <a:pPr marL="0" lvl="0" indent="0" algn="ctr" defTabSz="1244600">
+          <a:pPr lvl="0" algn="ctr" defTabSz="1244600">
             <a:lnSpc>
               <a:spcPct val="90000"/>
             </a:lnSpc>
@@ -12831,7 +13114,6 @@
             <a:spcAft>
               <a:spcPct val="35000"/>
             </a:spcAft>
-            <a:buNone/>
           </a:pPr>
           <a:r>
             <a:rPr lang="it-IT" sz="2800" kern="1200" dirty="0" err="1"/>
@@ -12900,7 +13182,7 @@
         </a:bodyPr>
         <a:lstStyle/>
         <a:p>
-          <a:pPr marL="0" lvl="0" indent="0" algn="ctr" defTabSz="1244600">
+          <a:pPr lvl="0" algn="ctr" defTabSz="1244600">
             <a:lnSpc>
               <a:spcPct val="90000"/>
             </a:lnSpc>
@@ -12910,7 +13192,6 @@
             <a:spcAft>
               <a:spcPct val="35000"/>
             </a:spcAft>
-            <a:buNone/>
           </a:pPr>
           <a:r>
             <a:rPr lang="it-IT" sz="2800" kern="1200" dirty="0" err="1"/>
@@ -12979,7 +13260,7 @@
         </a:bodyPr>
         <a:lstStyle/>
         <a:p>
-          <a:pPr marL="0" lvl="0" indent="0" algn="ctr" defTabSz="1244600">
+          <a:pPr lvl="0" algn="ctr" defTabSz="1244600">
             <a:lnSpc>
               <a:spcPct val="90000"/>
             </a:lnSpc>
@@ -12989,7 +13270,6 @@
             <a:spcAft>
               <a:spcPct val="35000"/>
             </a:spcAft>
-            <a:buNone/>
           </a:pPr>
           <a:r>
             <a:rPr lang="it-IT" sz="2800" kern="1200" dirty="0" err="1"/>
@@ -13070,7 +13350,7 @@
         </a:bodyPr>
         <a:lstStyle/>
         <a:p>
-          <a:pPr marL="0" lvl="0" indent="0" algn="ctr" defTabSz="1244600">
+          <a:pPr lvl="0" algn="ctr" defTabSz="1244600">
             <a:lnSpc>
               <a:spcPct val="90000"/>
             </a:lnSpc>
@@ -13080,7 +13360,6 @@
             <a:spcAft>
               <a:spcPct val="35000"/>
             </a:spcAft>
-            <a:buNone/>
           </a:pPr>
           <a:r>
             <a:rPr lang="it-IT" sz="2800" kern="1200" dirty="0">
@@ -13151,7 +13430,7 @@
         </a:bodyPr>
         <a:lstStyle/>
         <a:p>
-          <a:pPr marL="0" lvl="0" indent="0" algn="ctr" defTabSz="1244600">
+          <a:pPr lvl="0" algn="ctr" defTabSz="1244600">
             <a:lnSpc>
               <a:spcPct val="90000"/>
             </a:lnSpc>
@@ -13161,7 +13440,6 @@
             <a:spcAft>
               <a:spcPct val="35000"/>
             </a:spcAft>
-            <a:buNone/>
           </a:pPr>
           <a:r>
             <a:rPr lang="it-IT" sz="2800" kern="1200" dirty="0" err="1"/>
@@ -13233,7 +13511,7 @@
         </a:bodyPr>
         <a:lstStyle/>
         <a:p>
-          <a:pPr marL="0" lvl="0" indent="0" algn="ctr" defTabSz="1244600">
+          <a:pPr lvl="0" algn="ctr" defTabSz="1244600">
             <a:lnSpc>
               <a:spcPct val="90000"/>
             </a:lnSpc>
@@ -13243,7 +13521,6 @@
             <a:spcAft>
               <a:spcPct val="35000"/>
             </a:spcAft>
-            <a:buNone/>
           </a:pPr>
           <a:r>
             <a:rPr lang="it-IT" sz="2800" kern="1200" dirty="0" err="1"/>
@@ -13309,7 +13586,7 @@
         </a:bodyPr>
         <a:lstStyle/>
         <a:p>
-          <a:pPr marL="0" lvl="0" indent="0" algn="ctr" defTabSz="1244600">
+          <a:pPr lvl="0" algn="ctr" defTabSz="1244600">
             <a:lnSpc>
               <a:spcPct val="90000"/>
             </a:lnSpc>
@@ -13319,7 +13596,6 @@
             <a:spcAft>
               <a:spcPct val="35000"/>
             </a:spcAft>
-            <a:buNone/>
           </a:pPr>
           <a:r>
             <a:rPr lang="it-IT" sz="2800" kern="1200" dirty="0" err="1"/>
@@ -13388,7 +13664,7 @@
         </a:bodyPr>
         <a:lstStyle/>
         <a:p>
-          <a:pPr marL="0" lvl="0" indent="0" algn="ctr" defTabSz="1244600">
+          <a:pPr lvl="0" algn="ctr" defTabSz="1244600">
             <a:lnSpc>
               <a:spcPct val="90000"/>
             </a:lnSpc>
@@ -13398,7 +13674,6 @@
             <a:spcAft>
               <a:spcPct val="35000"/>
             </a:spcAft>
-            <a:buNone/>
           </a:pPr>
           <a:r>
             <a:rPr lang="it-IT" sz="2800" kern="1200" dirty="0" err="1"/>
@@ -13479,7 +13754,7 @@
         </a:bodyPr>
         <a:lstStyle/>
         <a:p>
-          <a:pPr marL="0" lvl="0" indent="0" algn="ctr" defTabSz="1244600">
+          <a:pPr lvl="0" algn="ctr" defTabSz="1244600">
             <a:lnSpc>
               <a:spcPct val="90000"/>
             </a:lnSpc>
@@ -13489,7 +13764,6 @@
             <a:spcAft>
               <a:spcPct val="35000"/>
             </a:spcAft>
-            <a:buNone/>
           </a:pPr>
           <a:r>
             <a:rPr lang="it-IT" sz="2800" kern="1200" dirty="0">
@@ -13560,7 +13834,7 @@
         </a:bodyPr>
         <a:lstStyle/>
         <a:p>
-          <a:pPr marL="0" lvl="0" indent="0" algn="ctr" defTabSz="1244600">
+          <a:pPr lvl="0" algn="ctr" defTabSz="1244600">
             <a:lnSpc>
               <a:spcPct val="90000"/>
             </a:lnSpc>
@@ -13570,7 +13844,6 @@
             <a:spcAft>
               <a:spcPct val="35000"/>
             </a:spcAft>
-            <a:buNone/>
           </a:pPr>
           <a:r>
             <a:rPr lang="it-IT" sz="2800" kern="1200" dirty="0" err="1"/>
@@ -13642,7 +13915,7 @@
         </a:bodyPr>
         <a:lstStyle/>
         <a:p>
-          <a:pPr marL="0" lvl="0" indent="0" algn="ctr" defTabSz="1244600">
+          <a:pPr lvl="0" algn="ctr" defTabSz="1244600">
             <a:lnSpc>
               <a:spcPct val="90000"/>
             </a:lnSpc>
@@ -13652,7 +13925,6 @@
             <a:spcAft>
               <a:spcPct val="35000"/>
             </a:spcAft>
-            <a:buNone/>
           </a:pPr>
           <a:r>
             <a:rPr lang="it-IT" sz="2800" kern="1200" dirty="0" err="1"/>
@@ -13721,7 +13993,7 @@
         </a:bodyPr>
         <a:lstStyle/>
         <a:p>
-          <a:pPr marL="0" lvl="0" indent="0" algn="ctr" defTabSz="1244600">
+          <a:pPr lvl="0" algn="ctr" defTabSz="1244600">
             <a:lnSpc>
               <a:spcPct val="90000"/>
             </a:lnSpc>
@@ -13731,7 +14003,6 @@
             <a:spcAft>
               <a:spcPct val="35000"/>
             </a:spcAft>
-            <a:buNone/>
           </a:pPr>
           <a:r>
             <a:rPr lang="it-IT" sz="2800" kern="1200" dirty="0" err="1"/>
@@ -13797,7 +14068,7 @@
         </a:bodyPr>
         <a:lstStyle/>
         <a:p>
-          <a:pPr marL="0" lvl="0" indent="0" algn="ctr" defTabSz="1244600">
+          <a:pPr lvl="0" algn="ctr" defTabSz="1244600">
             <a:lnSpc>
               <a:spcPct val="90000"/>
             </a:lnSpc>
@@ -13807,7 +14078,6 @@
             <a:spcAft>
               <a:spcPct val="35000"/>
             </a:spcAft>
-            <a:buNone/>
           </a:pPr>
           <a:r>
             <a:rPr lang="it-IT" sz="2800" kern="1200" dirty="0" err="1"/>
@@ -25661,7 +25931,7 @@
           <a:p>
             <a:fld id="{5856F955-25EA-4F90-B99D-7BDF15AA1216}" type="datetimeFigureOut">
               <a:rPr lang="it-IT" smtClean="0"/>
-              <a:t>24/09/2023</a:t>
+              <a:t>25/09/2023</a:t>
             </a:fld>
             <a:endParaRPr lang="it-IT"/>
           </a:p>
@@ -25819,7 +26089,7 @@
           <a:p>
             <a:fld id="{CAE1407F-8740-488D-B818-A4EDEFED28C5}" type="slidenum">
               <a:rPr lang="it-IT" smtClean="0"/>
-              <a:t>‹N›</a:t>
+              <a:t>‹N°›</a:t>
             </a:fld>
             <a:endParaRPr lang="it-IT"/>
           </a:p>
@@ -30627,7 +30897,7 @@
           <a:p>
             <a:fld id="{290879BB-EB53-48BE-94EC-8CEA99C9E6F9}" type="datetimeFigureOut">
               <a:rPr lang="it-IT" smtClean="0"/>
-              <a:t>24/09/2023</a:t>
+              <a:t>25/09/2023</a:t>
             </a:fld>
             <a:endParaRPr lang="it-IT" dirty="0"/>
           </a:p>
@@ -30681,7 +30951,7 @@
           <a:p>
             <a:fld id="{EE844DC7-CF8F-4D5A-820F-ACA25B650136}" type="slidenum">
               <a:rPr lang="it-IT" smtClean="0"/>
-              <a:t>‹N›</a:t>
+              <a:t>‹N°›</a:t>
             </a:fld>
             <a:endParaRPr lang="it-IT" dirty="0"/>
           </a:p>
@@ -30825,7 +31095,7 @@
           <a:p>
             <a:fld id="{290879BB-EB53-48BE-94EC-8CEA99C9E6F9}" type="datetimeFigureOut">
               <a:rPr lang="it-IT" smtClean="0"/>
-              <a:t>24/09/2023</a:t>
+              <a:t>25/09/2023</a:t>
             </a:fld>
             <a:endParaRPr lang="it-IT" dirty="0"/>
           </a:p>
@@ -30879,7 +31149,7 @@
           <a:p>
             <a:fld id="{EE844DC7-CF8F-4D5A-820F-ACA25B650136}" type="slidenum">
               <a:rPr lang="it-IT" smtClean="0"/>
-              <a:t>‹N›</a:t>
+              <a:t>‹N°›</a:t>
             </a:fld>
             <a:endParaRPr lang="it-IT" dirty="0"/>
           </a:p>
@@ -31033,7 +31303,7 @@
           <a:p>
             <a:fld id="{290879BB-EB53-48BE-94EC-8CEA99C9E6F9}" type="datetimeFigureOut">
               <a:rPr lang="it-IT" smtClean="0"/>
-              <a:t>24/09/2023</a:t>
+              <a:t>25/09/2023</a:t>
             </a:fld>
             <a:endParaRPr lang="it-IT" dirty="0"/>
           </a:p>
@@ -31087,7 +31357,7 @@
           <a:p>
             <a:fld id="{EE844DC7-CF8F-4D5A-820F-ACA25B650136}" type="slidenum">
               <a:rPr lang="it-IT" smtClean="0"/>
-              <a:t>‹N›</a:t>
+              <a:t>‹N°›</a:t>
             </a:fld>
             <a:endParaRPr lang="it-IT" dirty="0"/>
           </a:p>
@@ -31231,7 +31501,7 @@
           <a:p>
             <a:fld id="{290879BB-EB53-48BE-94EC-8CEA99C9E6F9}" type="datetimeFigureOut">
               <a:rPr lang="it-IT" smtClean="0"/>
-              <a:t>24/09/2023</a:t>
+              <a:t>25/09/2023</a:t>
             </a:fld>
             <a:endParaRPr lang="it-IT" dirty="0"/>
           </a:p>
@@ -31285,7 +31555,7 @@
           <a:p>
             <a:fld id="{EE844DC7-CF8F-4D5A-820F-ACA25B650136}" type="slidenum">
               <a:rPr lang="it-IT" smtClean="0"/>
-              <a:t>‹N›</a:t>
+              <a:t>‹N°›</a:t>
             </a:fld>
             <a:endParaRPr lang="it-IT" dirty="0"/>
           </a:p>
@@ -31506,7 +31776,7 @@
           <a:p>
             <a:fld id="{290879BB-EB53-48BE-94EC-8CEA99C9E6F9}" type="datetimeFigureOut">
               <a:rPr lang="it-IT" smtClean="0"/>
-              <a:t>24/09/2023</a:t>
+              <a:t>25/09/2023</a:t>
             </a:fld>
             <a:endParaRPr lang="it-IT" dirty="0"/>
           </a:p>
@@ -31560,7 +31830,7 @@
           <a:p>
             <a:fld id="{EE844DC7-CF8F-4D5A-820F-ACA25B650136}" type="slidenum">
               <a:rPr lang="it-IT" smtClean="0"/>
-              <a:t>‹N›</a:t>
+              <a:t>‹N°›</a:t>
             </a:fld>
             <a:endParaRPr lang="it-IT" dirty="0"/>
           </a:p>
@@ -31771,7 +32041,7 @@
           <a:p>
             <a:fld id="{290879BB-EB53-48BE-94EC-8CEA99C9E6F9}" type="datetimeFigureOut">
               <a:rPr lang="it-IT" smtClean="0"/>
-              <a:t>24/09/2023</a:t>
+              <a:t>25/09/2023</a:t>
             </a:fld>
             <a:endParaRPr lang="it-IT" dirty="0"/>
           </a:p>
@@ -31825,7 +32095,7 @@
           <a:p>
             <a:fld id="{EE844DC7-CF8F-4D5A-820F-ACA25B650136}" type="slidenum">
               <a:rPr lang="it-IT" smtClean="0"/>
-              <a:t>‹N›</a:t>
+              <a:t>‹N°›</a:t>
             </a:fld>
             <a:endParaRPr lang="it-IT" dirty="0"/>
           </a:p>
@@ -32183,7 +32453,7 @@
           <a:p>
             <a:fld id="{290879BB-EB53-48BE-94EC-8CEA99C9E6F9}" type="datetimeFigureOut">
               <a:rPr lang="it-IT" smtClean="0"/>
-              <a:t>24/09/2023</a:t>
+              <a:t>25/09/2023</a:t>
             </a:fld>
             <a:endParaRPr lang="it-IT" dirty="0"/>
           </a:p>
@@ -32237,7 +32507,7 @@
           <a:p>
             <a:fld id="{EE844DC7-CF8F-4D5A-820F-ACA25B650136}" type="slidenum">
               <a:rPr lang="it-IT" smtClean="0"/>
-              <a:t>‹N›</a:t>
+              <a:t>‹N°›</a:t>
             </a:fld>
             <a:endParaRPr lang="it-IT" dirty="0"/>
           </a:p>
@@ -32324,7 +32594,7 @@
           <a:p>
             <a:fld id="{290879BB-EB53-48BE-94EC-8CEA99C9E6F9}" type="datetimeFigureOut">
               <a:rPr lang="it-IT" smtClean="0"/>
-              <a:t>24/09/2023</a:t>
+              <a:t>25/09/2023</a:t>
             </a:fld>
             <a:endParaRPr lang="it-IT" dirty="0"/>
           </a:p>
@@ -32378,7 +32648,7 @@
           <a:p>
             <a:fld id="{EE844DC7-CF8F-4D5A-820F-ACA25B650136}" type="slidenum">
               <a:rPr lang="it-IT" smtClean="0"/>
-              <a:t>‹N›</a:t>
+              <a:t>‹N°›</a:t>
             </a:fld>
             <a:endParaRPr lang="it-IT" dirty="0"/>
           </a:p>
@@ -32437,7 +32707,7 @@
           <a:p>
             <a:fld id="{290879BB-EB53-48BE-94EC-8CEA99C9E6F9}" type="datetimeFigureOut">
               <a:rPr lang="it-IT" smtClean="0"/>
-              <a:t>24/09/2023</a:t>
+              <a:t>25/09/2023</a:t>
             </a:fld>
             <a:endParaRPr lang="it-IT" dirty="0"/>
           </a:p>
@@ -32491,7 +32761,7 @@
           <a:p>
             <a:fld id="{EE844DC7-CF8F-4D5A-820F-ACA25B650136}" type="slidenum">
               <a:rPr lang="it-IT" smtClean="0"/>
-              <a:t>‹N›</a:t>
+              <a:t>‹N°›</a:t>
             </a:fld>
             <a:endParaRPr lang="it-IT" dirty="0"/>
           </a:p>
@@ -32748,7 +33018,7 @@
           <a:p>
             <a:fld id="{290879BB-EB53-48BE-94EC-8CEA99C9E6F9}" type="datetimeFigureOut">
               <a:rPr lang="it-IT" smtClean="0"/>
-              <a:t>24/09/2023</a:t>
+              <a:t>25/09/2023</a:t>
             </a:fld>
             <a:endParaRPr lang="it-IT" dirty="0"/>
           </a:p>
@@ -32802,7 +33072,7 @@
           <a:p>
             <a:fld id="{EE844DC7-CF8F-4D5A-820F-ACA25B650136}" type="slidenum">
               <a:rPr lang="it-IT" smtClean="0"/>
-              <a:t>‹N›</a:t>
+              <a:t>‹N°›</a:t>
             </a:fld>
             <a:endParaRPr lang="it-IT" dirty="0"/>
           </a:p>
@@ -33036,7 +33306,7 @@
           <a:p>
             <a:fld id="{290879BB-EB53-48BE-94EC-8CEA99C9E6F9}" type="datetimeFigureOut">
               <a:rPr lang="it-IT" smtClean="0"/>
-              <a:t>24/09/2023</a:t>
+              <a:t>25/09/2023</a:t>
             </a:fld>
             <a:endParaRPr lang="it-IT" dirty="0"/>
           </a:p>
@@ -33090,7 +33360,7 @@
           <a:p>
             <a:fld id="{EE844DC7-CF8F-4D5A-820F-ACA25B650136}" type="slidenum">
               <a:rPr lang="it-IT" smtClean="0"/>
-              <a:t>‹N›</a:t>
+              <a:t>‹N°›</a:t>
             </a:fld>
             <a:endParaRPr lang="it-IT" dirty="0"/>
           </a:p>
@@ -33277,7 +33547,7 @@
           <a:p>
             <a:fld id="{290879BB-EB53-48BE-94EC-8CEA99C9E6F9}" type="datetimeFigureOut">
               <a:rPr lang="it-IT" smtClean="0"/>
-              <a:t>24/09/2023</a:t>
+              <a:t>25/09/2023</a:t>
             </a:fld>
             <a:endParaRPr lang="it-IT" dirty="0"/>
           </a:p>
@@ -33367,7 +33637,7 @@
           <a:p>
             <a:fld id="{EE844DC7-CF8F-4D5A-820F-ACA25B650136}" type="slidenum">
               <a:rPr lang="it-IT" smtClean="0"/>
-              <a:t>‹N›</a:t>
+              <a:t>‹N°›</a:t>
             </a:fld>
             <a:endParaRPr lang="it-IT" dirty="0"/>
           </a:p>
@@ -35888,7 +36158,7 @@
         <p:spPr>
           <a:xfrm>
             <a:off x="534894" y="1701146"/>
-            <a:ext cx="10818906" cy="789960"/>
+            <a:ext cx="10818906" cy="2308324"/>
           </a:xfrm>
           <a:prstGeom prst="rect">
             <a:avLst/>
@@ -35908,10 +36178,13 @@
               <a:buFont typeface="Arial" panose="020B0604020202020204" pitchFamily="34" charset="0"/>
               <a:buChar char="•"/>
             </a:pPr>
-            <a:endParaRPr lang="fr-FR" sz="1600" dirty="0">
-              <a:latin typeface="Roboto" panose="02000000000000000000" pitchFamily="2" charset="0"/>
-              <a:ea typeface="Roboto" panose="02000000000000000000" pitchFamily="2" charset="0"/>
-            </a:endParaRPr>
+            <a:r>
+              <a:rPr lang="it-IT" sz="1600" dirty="0" smtClean="0">
+                <a:latin typeface="Roboto" panose="02000000000000000000" pitchFamily="2" charset="0"/>
+                <a:ea typeface="Roboto" panose="02000000000000000000" pitchFamily="2" charset="0"/>
+              </a:rPr>
+              <a:t>Lista atti CCAM per identificare la gente operata</a:t>
+            </a:r>
           </a:p>
           <a:p>
             <a:pPr algn="l">
@@ -35921,8 +36194,46 @@
               <a:buFont typeface="Arial" panose="020B0604020202020204" pitchFamily="34" charset="0"/>
               <a:buChar char="•"/>
             </a:pPr>
-            <a:endParaRPr lang="fr-FR" sz="1600" i="0" dirty="0">
-              <a:effectLst/>
+            <a:r>
+              <a:rPr lang="it-IT" sz="1600" dirty="0" smtClean="0">
+                <a:latin typeface="Roboto" panose="02000000000000000000" pitchFamily="2" charset="0"/>
+                <a:ea typeface="Roboto" panose="02000000000000000000" pitchFamily="2" charset="0"/>
+              </a:rPr>
+              <a:t>Recupero tutto quel che trovo per data &gt;= dell’operazione ed il soggiorno dell’operazione stesso ed i dati sui materiali chirurgici</a:t>
+            </a:r>
+          </a:p>
+          <a:p>
+            <a:pPr algn="l">
+              <a:lnSpc>
+                <a:spcPct val="150000"/>
+              </a:lnSpc>
+              <a:buFont typeface="Arial" panose="020B0604020202020204" pitchFamily="34" charset="0"/>
+              <a:buChar char="•"/>
+            </a:pPr>
+            <a:r>
+              <a:rPr lang="it-IT" sz="1600" dirty="0" smtClean="0">
+                <a:latin typeface="Roboto" panose="02000000000000000000" pitchFamily="2" charset="0"/>
+                <a:ea typeface="Roboto" panose="02000000000000000000" pitchFamily="2" charset="0"/>
+              </a:rPr>
+              <a:t>Elimino tutti i soggiorni che non hanno menzione di infezione ne documenti ne codici psmi di infezione ne procedure di pulizia chirurgica/drenaggio tra gli atti</a:t>
+            </a:r>
+          </a:p>
+          <a:p>
+            <a:pPr algn="l">
+              <a:lnSpc>
+                <a:spcPct val="150000"/>
+              </a:lnSpc>
+              <a:buFont typeface="Arial" panose="020B0604020202020204" pitchFamily="34" charset="0"/>
+              <a:buChar char="•"/>
+            </a:pPr>
+            <a:r>
+              <a:rPr lang="it-IT" sz="1600" dirty="0" smtClean="0">
+                <a:latin typeface="Roboto" panose="02000000000000000000" pitchFamily="2" charset="0"/>
+                <a:ea typeface="Roboto" panose="02000000000000000000" pitchFamily="2" charset="0"/>
+              </a:rPr>
+              <a:t>Elimino quelle infezioni che non rispettano la definizione</a:t>
+            </a:r>
+            <a:endParaRPr lang="fr-FR" sz="1600" dirty="0">
               <a:latin typeface="Roboto" panose="02000000000000000000" pitchFamily="2" charset="0"/>
               <a:ea typeface="Roboto" panose="02000000000000000000" pitchFamily="2" charset="0"/>
             </a:endParaRPr>
@@ -36431,7 +36742,7 @@
         </p:nvGraphicFramePr>
         <p:xfrm>
           <a:off x="6706320" y="2235043"/>
-          <a:ext cx="5099949" cy="4393007"/>
+          <a:ext cx="5099949" cy="4705738"/>
         </p:xfrm>
         <a:graphic>
           <a:graphicData uri="http://schemas.openxmlformats.org/drawingml/2006/table">
@@ -38286,7 +38597,7 @@
         </p:nvGraphicFramePr>
         <p:xfrm>
           <a:off x="534893" y="4836183"/>
-          <a:ext cx="2978150" cy="1359535"/>
+          <a:ext cx="2978150" cy="1365250"/>
         </p:xfrm>
         <a:graphic>
           <a:graphicData uri="http://schemas.openxmlformats.org/drawingml/2006/table">
@@ -39004,6 +39315,467 @@
           </a:graphicData>
         </a:graphic>
       </p:graphicFrame>
+      <p:sp>
+        <p:nvSpPr>
+          <p:cNvPr id="3" name="Rectangle 2"/>
+          <p:cNvSpPr/>
+          <p:nvPr/>
+        </p:nvSpPr>
+        <p:spPr>
+          <a:xfrm>
+            <a:off x="534894" y="1997839"/>
+            <a:ext cx="10818906" cy="3139321"/>
+          </a:xfrm>
+          <a:prstGeom prst="rect">
+            <a:avLst/>
+          </a:prstGeom>
+        </p:spPr>
+        <p:txBody>
+          <a:bodyPr wrap="square">
+            <a:spAutoFit/>
+          </a:bodyPr>
+          <a:lstStyle/>
+          <a:p>
+            <a:pPr marL="285750" indent="-285750">
+              <a:buFont typeface="Arial" panose="020B0604020202020204" pitchFamily="34" charset="0"/>
+              <a:buChar char="•"/>
+            </a:pPr>
+            <a:r>
+              <a:rPr lang="fr-FR" dirty="0" err="1" smtClean="0">
+                <a:solidFill>
+                  <a:srgbClr val="CECAC3"/>
+                </a:solidFill>
+                <a:latin typeface="Söhne"/>
+              </a:rPr>
+              <a:t>Consideré</a:t>
+            </a:r>
+            <a:r>
+              <a:rPr lang="fr-FR" dirty="0" smtClean="0">
+                <a:solidFill>
+                  <a:srgbClr val="CECAC3"/>
+                </a:solidFill>
+                <a:latin typeface="Söhne"/>
+              </a:rPr>
+              <a:t> que l'</a:t>
+            </a:r>
+            <a:r>
+              <a:rPr lang="fr-FR" dirty="0" err="1" smtClean="0">
+                <a:solidFill>
+                  <a:srgbClr val="CECAC3"/>
+                </a:solidFill>
+                <a:latin typeface="Söhne"/>
+              </a:rPr>
+              <a:t>algo</a:t>
+            </a:r>
+            <a:r>
+              <a:rPr lang="fr-FR" dirty="0" smtClean="0">
+                <a:solidFill>
+                  <a:srgbClr val="CECAC3"/>
+                </a:solidFill>
+                <a:latin typeface="Söhne"/>
+              </a:rPr>
+              <a:t> est sensé être un appui, il présente </a:t>
+            </a:r>
+            <a:r>
+              <a:rPr lang="fr-FR" dirty="0">
+                <a:solidFill>
+                  <a:srgbClr val="CECAC3"/>
+                </a:solidFill>
+                <a:latin typeface="Söhne"/>
+              </a:rPr>
+              <a:t>un bon équilibre entre sensibilité et </a:t>
+            </a:r>
+            <a:r>
+              <a:rPr lang="fr-FR" dirty="0" smtClean="0">
+                <a:solidFill>
+                  <a:srgbClr val="CECAC3"/>
+                </a:solidFill>
+                <a:latin typeface="Söhne"/>
+              </a:rPr>
+              <a:t>spécificité. Il identifie la </a:t>
+            </a:r>
+            <a:r>
+              <a:rPr lang="fr-FR" dirty="0" err="1" smtClean="0">
+                <a:solidFill>
+                  <a:srgbClr val="CECAC3"/>
+                </a:solidFill>
+                <a:latin typeface="Söhne"/>
+              </a:rPr>
+              <a:t>pluspart</a:t>
+            </a:r>
+            <a:r>
+              <a:rPr lang="fr-FR" dirty="0" smtClean="0">
+                <a:solidFill>
+                  <a:srgbClr val="CECAC3"/>
+                </a:solidFill>
+                <a:latin typeface="Söhne"/>
+              </a:rPr>
+              <a:t> des ISO qui peuvent en suite être confirmées très rapidement</a:t>
+            </a:r>
+            <a:endParaRPr lang="fr-FR" dirty="0">
+              <a:solidFill>
+                <a:srgbClr val="CECAC3"/>
+              </a:solidFill>
+              <a:latin typeface="Söhne"/>
+            </a:endParaRPr>
+          </a:p>
+          <a:p>
+            <a:pPr marL="285750" indent="-285750">
+              <a:buFont typeface="Arial" panose="020B0604020202020204" pitchFamily="34" charset="0"/>
+              <a:buChar char="•"/>
+            </a:pPr>
+            <a:r>
+              <a:rPr lang="fr-FR" dirty="0">
+                <a:solidFill>
+                  <a:srgbClr val="CECAC3"/>
+                </a:solidFill>
+                <a:latin typeface="Söhne"/>
+              </a:rPr>
+              <a:t>Les gains </a:t>
+            </a:r>
+            <a:r>
+              <a:rPr lang="fr-FR" dirty="0" smtClean="0">
+                <a:solidFill>
+                  <a:srgbClr val="CECAC3"/>
+                </a:solidFill>
+                <a:latin typeface="Söhne"/>
+              </a:rPr>
+              <a:t>en </a:t>
+            </a:r>
+            <a:r>
+              <a:rPr lang="fr-FR" dirty="0">
+                <a:solidFill>
+                  <a:srgbClr val="CECAC3"/>
+                </a:solidFill>
+                <a:latin typeface="Söhne"/>
+              </a:rPr>
+              <a:t>temps </a:t>
+            </a:r>
+            <a:r>
+              <a:rPr lang="fr-FR" dirty="0" smtClean="0">
+                <a:solidFill>
+                  <a:srgbClr val="CECAC3"/>
+                </a:solidFill>
+                <a:latin typeface="Söhne"/>
+              </a:rPr>
+              <a:t>estimés sont </a:t>
+            </a:r>
+            <a:r>
+              <a:rPr lang="fr-FR" dirty="0" err="1" smtClean="0">
+                <a:solidFill>
+                  <a:srgbClr val="CECAC3"/>
+                </a:solidFill>
+                <a:latin typeface="Söhne"/>
+              </a:rPr>
+              <a:t>sont</a:t>
+            </a:r>
+            <a:r>
+              <a:rPr lang="fr-FR" dirty="0" smtClean="0">
+                <a:solidFill>
+                  <a:srgbClr val="CECAC3"/>
+                </a:solidFill>
+                <a:latin typeface="Söhne"/>
+              </a:rPr>
+              <a:t> substantiels:</a:t>
+            </a:r>
+          </a:p>
+          <a:p>
+            <a:pPr marL="742950" lvl="1" indent="-285750">
+              <a:buFont typeface="Arial" panose="020B0604020202020204" pitchFamily="34" charset="0"/>
+              <a:buChar char="•"/>
+            </a:pPr>
+            <a:r>
+              <a:rPr lang="fr-FR" dirty="0" smtClean="0">
+                <a:solidFill>
+                  <a:srgbClr val="CECAC3"/>
+                </a:solidFill>
+                <a:latin typeface="Söhne"/>
+              </a:rPr>
+              <a:t>~63.5h par an, par infirmier + le temps </a:t>
+            </a:r>
+            <a:r>
+              <a:rPr lang="fr-FR" dirty="0" err="1" smtClean="0">
+                <a:solidFill>
+                  <a:srgbClr val="CECAC3"/>
+                </a:solidFill>
+                <a:latin typeface="Söhne"/>
+              </a:rPr>
+              <a:t>che</a:t>
+            </a:r>
+            <a:r>
+              <a:rPr lang="fr-FR" dirty="0" smtClean="0">
+                <a:solidFill>
+                  <a:srgbClr val="CECAC3"/>
+                </a:solidFill>
+                <a:latin typeface="Söhne"/>
+              </a:rPr>
+              <a:t> </a:t>
+            </a:r>
+            <a:r>
+              <a:rPr lang="fr-FR" dirty="0" err="1" smtClean="0">
+                <a:solidFill>
+                  <a:srgbClr val="CECAC3"/>
+                </a:solidFill>
+                <a:latin typeface="Söhne"/>
+              </a:rPr>
+              <a:t>gli</a:t>
+            </a:r>
+            <a:r>
+              <a:rPr lang="fr-FR" dirty="0" smtClean="0">
+                <a:solidFill>
+                  <a:srgbClr val="CECAC3"/>
+                </a:solidFill>
+                <a:latin typeface="Söhne"/>
+              </a:rPr>
+              <a:t> </a:t>
+            </a:r>
+            <a:r>
+              <a:rPr lang="fr-FR" dirty="0" err="1" smtClean="0">
+                <a:solidFill>
+                  <a:srgbClr val="CECAC3"/>
+                </a:solidFill>
+                <a:latin typeface="Söhne"/>
+              </a:rPr>
+              <a:t>altri</a:t>
+            </a:r>
+            <a:r>
+              <a:rPr lang="fr-FR" dirty="0" smtClean="0">
+                <a:solidFill>
+                  <a:srgbClr val="CECAC3"/>
+                </a:solidFill>
+                <a:latin typeface="Söhne"/>
+              </a:rPr>
+              <a:t> non </a:t>
+            </a:r>
+            <a:r>
+              <a:rPr lang="fr-FR" dirty="0" err="1" smtClean="0">
+                <a:solidFill>
+                  <a:srgbClr val="CECAC3"/>
+                </a:solidFill>
+                <a:latin typeface="Söhne"/>
+              </a:rPr>
+              <a:t>glid</a:t>
+            </a:r>
+            <a:r>
+              <a:rPr lang="fr-FR" dirty="0" smtClean="0">
+                <a:solidFill>
+                  <a:srgbClr val="CECAC3"/>
+                </a:solidFill>
+                <a:latin typeface="Söhne"/>
+              </a:rPr>
+              <a:t> </a:t>
+            </a:r>
+            <a:r>
+              <a:rPr lang="fr-FR" dirty="0" err="1" smtClean="0">
+                <a:solidFill>
+                  <a:srgbClr val="CECAC3"/>
+                </a:solidFill>
+                <a:latin typeface="Söhne"/>
+              </a:rPr>
+              <a:t>edicano</a:t>
+            </a:r>
+            <a:r>
+              <a:rPr lang="fr-FR" dirty="0" smtClean="0">
+                <a:solidFill>
+                  <a:srgbClr val="CECAC3"/>
+                </a:solidFill>
+                <a:latin typeface="Söhne"/>
+              </a:rPr>
+              <a:t> più</a:t>
+            </a:r>
+          </a:p>
+          <a:p>
+            <a:pPr marL="285750" indent="-285750">
+              <a:buFont typeface="Arial" panose="020B0604020202020204" pitchFamily="34" charset="0"/>
+              <a:buChar char="•"/>
+            </a:pPr>
+            <a:r>
+              <a:rPr lang="it-IT" dirty="0" smtClean="0">
+                <a:solidFill>
+                  <a:srgbClr val="CECAC3"/>
+                </a:solidFill>
+                <a:latin typeface="Söhne"/>
+              </a:rPr>
+              <a:t>Il guadagno in cash è poca roba nel contesto dell’ospedale ma ogni cosa conta</a:t>
+            </a:r>
+            <a:endParaRPr lang="fr-FR" dirty="0">
+              <a:solidFill>
+                <a:srgbClr val="CECAC3"/>
+              </a:solidFill>
+              <a:latin typeface="Söhne"/>
+            </a:endParaRPr>
+          </a:p>
+          <a:p>
+            <a:pPr marL="285750" indent="-285750">
+              <a:buFont typeface="Arial" panose="020B0604020202020204" pitchFamily="34" charset="0"/>
+              <a:buChar char="•"/>
+            </a:pPr>
+            <a:r>
+              <a:rPr lang="fr-FR" dirty="0" smtClean="0">
+                <a:solidFill>
+                  <a:srgbClr val="CECAC3"/>
+                </a:solidFill>
+                <a:latin typeface="Söhne"/>
+              </a:rPr>
+              <a:t>L’</a:t>
+            </a:r>
+            <a:r>
+              <a:rPr lang="fr-FR" dirty="0" err="1" smtClean="0">
+                <a:solidFill>
+                  <a:srgbClr val="CECAC3"/>
+                </a:solidFill>
+                <a:latin typeface="Söhne"/>
+              </a:rPr>
+              <a:t>algoritmo</a:t>
+            </a:r>
+            <a:r>
+              <a:rPr lang="fr-FR" dirty="0" smtClean="0">
+                <a:solidFill>
+                  <a:srgbClr val="CECAC3"/>
+                </a:solidFill>
+                <a:latin typeface="Söhne"/>
+              </a:rPr>
+              <a:t> </a:t>
+            </a:r>
+            <a:r>
+              <a:rPr lang="fr-FR" dirty="0" err="1">
+                <a:solidFill>
+                  <a:srgbClr val="CECAC3"/>
+                </a:solidFill>
+                <a:latin typeface="Söhne"/>
+              </a:rPr>
+              <a:t>estende</a:t>
+            </a:r>
+            <a:r>
+              <a:rPr lang="fr-FR" dirty="0">
+                <a:solidFill>
+                  <a:srgbClr val="CECAC3"/>
+                </a:solidFill>
+                <a:latin typeface="Söhne"/>
+              </a:rPr>
+              <a:t> la </a:t>
+            </a:r>
+            <a:r>
+              <a:rPr lang="fr-FR" dirty="0" err="1">
+                <a:solidFill>
+                  <a:srgbClr val="CECAC3"/>
+                </a:solidFill>
+                <a:latin typeface="Söhne"/>
+              </a:rPr>
+              <a:t>sorveglianza</a:t>
+            </a:r>
+            <a:r>
+              <a:rPr lang="fr-FR" dirty="0">
+                <a:solidFill>
+                  <a:srgbClr val="CECAC3"/>
+                </a:solidFill>
+                <a:latin typeface="Söhne"/>
+              </a:rPr>
+              <a:t> a tutti i </a:t>
+            </a:r>
+            <a:r>
+              <a:rPr lang="fr-FR" dirty="0" err="1" smtClean="0">
+                <a:solidFill>
+                  <a:srgbClr val="CECAC3"/>
+                </a:solidFill>
+                <a:latin typeface="Söhne"/>
+              </a:rPr>
+              <a:t>servizi</a:t>
+            </a:r>
+            <a:endParaRPr lang="fr-FR" dirty="0" smtClean="0">
+              <a:solidFill>
+                <a:srgbClr val="CECAC3"/>
+              </a:solidFill>
+              <a:latin typeface="Söhne"/>
+            </a:endParaRPr>
+          </a:p>
+          <a:p>
+            <a:pPr marL="285750" indent="-285750">
+              <a:buFont typeface="Arial" panose="020B0604020202020204" pitchFamily="34" charset="0"/>
+              <a:buChar char="•"/>
+            </a:pPr>
+            <a:endParaRPr lang="it-IT" dirty="0">
+              <a:solidFill>
+                <a:srgbClr val="CECAC3"/>
+              </a:solidFill>
+              <a:latin typeface="Söhne"/>
+            </a:endParaRPr>
+          </a:p>
+          <a:p>
+            <a:pPr marL="285750" indent="-285750">
+              <a:buFont typeface="Arial" panose="020B0604020202020204" pitchFamily="34" charset="0"/>
+              <a:buChar char="•"/>
+            </a:pPr>
+            <a:endParaRPr lang="it-IT" dirty="0" smtClean="0">
+              <a:solidFill>
+                <a:srgbClr val="CECAC3"/>
+              </a:solidFill>
+              <a:latin typeface="Söhne"/>
+            </a:endParaRPr>
+          </a:p>
+          <a:p>
+            <a:pPr marL="285750" indent="-285750">
+              <a:buFont typeface="Arial" panose="020B0604020202020204" pitchFamily="34" charset="0"/>
+              <a:buChar char="•"/>
+            </a:pPr>
+            <a:r>
+              <a:rPr lang="it-IT" dirty="0" smtClean="0">
+                <a:solidFill>
+                  <a:srgbClr val="CECAC3"/>
+                </a:solidFill>
+                <a:latin typeface="Söhne"/>
+              </a:rPr>
+              <a:t>Sensibilità buona ma non ottima:</a:t>
+            </a:r>
+          </a:p>
+          <a:p>
+            <a:pPr marL="742950" lvl="1" indent="-285750">
+              <a:buFont typeface="Arial" panose="020B0604020202020204" pitchFamily="34" charset="0"/>
+              <a:buChar char="•"/>
+            </a:pPr>
+            <a:r>
+              <a:rPr lang="en-US" dirty="0"/>
+              <a:t>clinicians </a:t>
+            </a:r>
+            <a:r>
+              <a:rPr lang="en-US" dirty="0" smtClean="0"/>
+              <a:t>may </a:t>
+            </a:r>
+            <a:r>
+              <a:rPr lang="en-US" dirty="0"/>
+              <a:t>use </a:t>
+            </a:r>
+            <a:r>
+              <a:rPr lang="en-US" dirty="0" smtClean="0"/>
+              <a:t>vague terminology, either inadvertently or being reluctant to document complications</a:t>
+            </a:r>
+          </a:p>
+          <a:p>
+            <a:pPr marL="742950" lvl="1" indent="-285750">
+              <a:buFont typeface="Arial" panose="020B0604020202020204" pitchFamily="34" charset="0"/>
+              <a:buChar char="•"/>
+            </a:pPr>
+            <a:r>
+              <a:rPr lang="en-US" dirty="0" smtClean="0"/>
+              <a:t>NO </a:t>
+            </a:r>
+            <a:r>
+              <a:rPr lang="en-US" dirty="0"/>
+              <a:t>gold standard </a:t>
+            </a:r>
+            <a:r>
+              <a:rPr lang="en-US" dirty="0" smtClean="0"/>
+              <a:t>from the hygiene department for year 2020 to compare to</a:t>
+            </a:r>
+            <a:endParaRPr lang="fr-FR" dirty="0">
+              <a:solidFill>
+                <a:srgbClr val="CECAC3"/>
+              </a:solidFill>
+              <a:latin typeface="Söhne"/>
+            </a:endParaRPr>
+          </a:p>
+        </p:txBody>
+      </p:sp>
     </p:spTree>
     <p:extLst>
       <p:ext uri="{BB962C8B-B14F-4D97-AF65-F5344CB8AC3E}">

--- a/memoire/reports/DÉTECTION SEMI-AUTOMATISÉE DES INFECTIONS POST-OPÉRATOIRES.pptx
+++ b/memoire/reports/DÉTECTION SEMI-AUTOMATISÉE DES INFECTIONS POST-OPÉRATOIRES.pptx
@@ -7475,13 +7475,6 @@
         </dgm:presLayoutVars>
       </dgm:prSet>
       <dgm:spPr/>
-      <dgm:t>
-        <a:bodyPr/>
-        <a:lstStyle/>
-        <a:p>
-          <a:endParaRPr lang="fr-FR"/>
-        </a:p>
-      </dgm:t>
     </dgm:pt>
     <dgm:pt modelId="{BE1558F8-005E-49AD-9F2B-772B57176E06}" type="pres">
       <dgm:prSet presAssocID="{31404B3A-79A4-4C59-93F4-2E44556D3CDB}" presName="parSpace" presStyleCnt="0"/>
@@ -7494,13 +7487,6 @@
         </dgm:presLayoutVars>
       </dgm:prSet>
       <dgm:spPr/>
-      <dgm:t>
-        <a:bodyPr/>
-        <a:lstStyle/>
-        <a:p>
-          <a:endParaRPr lang="fr-FR"/>
-        </a:p>
-      </dgm:t>
     </dgm:pt>
     <dgm:pt modelId="{F100EED1-637D-473A-8321-A273282E1E6A}" type="pres">
       <dgm:prSet presAssocID="{B8F9E771-0AC1-420C-990F-B648B068A717}" presName="parSpace" presStyleCnt="0"/>
@@ -7513,13 +7499,6 @@
         </dgm:presLayoutVars>
       </dgm:prSet>
       <dgm:spPr/>
-      <dgm:t>
-        <a:bodyPr/>
-        <a:lstStyle/>
-        <a:p>
-          <a:endParaRPr lang="fr-FR"/>
-        </a:p>
-      </dgm:t>
     </dgm:pt>
     <dgm:pt modelId="{A39C6B59-85B3-45A7-999A-07F1069B953B}" type="pres">
       <dgm:prSet presAssocID="{54D050C3-3533-4E2A-B36D-D3BA51B65B6A}" presName="parSpace" presStyleCnt="0"/>
@@ -7532,13 +7511,6 @@
         </dgm:presLayoutVars>
       </dgm:prSet>
       <dgm:spPr/>
-      <dgm:t>
-        <a:bodyPr/>
-        <a:lstStyle/>
-        <a:p>
-          <a:endParaRPr lang="fr-FR"/>
-        </a:p>
-      </dgm:t>
     </dgm:pt>
     <dgm:pt modelId="{2E11CDE2-58EB-4E3F-A022-1BE6BA2360BE}" type="pres">
       <dgm:prSet presAssocID="{1210CE54-9F84-413C-B25E-DEFF7308D27D}" presName="parSpace" presStyleCnt="0"/>
@@ -7551,27 +7523,20 @@
         </dgm:presLayoutVars>
       </dgm:prSet>
       <dgm:spPr/>
-      <dgm:t>
-        <a:bodyPr/>
-        <a:lstStyle/>
-        <a:p>
-          <a:endParaRPr lang="fr-FR"/>
-        </a:p>
-      </dgm:t>
     </dgm:pt>
   </dgm:ptLst>
   <dgm:cxnLst>
+    <dgm:cxn modelId="{8682260E-DB89-4747-A073-85CE617C8CC2}" type="presOf" srcId="{92EEEDD4-85AB-4E4B-B1E4-52EB1C86AF54}" destId="{F404437D-A1B4-4AD2-A610-9F1A17DFC22C}" srcOrd="0" destOrd="0" presId="urn:microsoft.com/office/officeart/2005/8/layout/hChevron3"/>
+    <dgm:cxn modelId="{CFF69217-1D87-4A8C-919E-3827F1BF4C30}" srcId="{02F169A3-994F-4CA4-96E5-97452CF9A7F1}" destId="{92EEEDD4-85AB-4E4B-B1E4-52EB1C86AF54}" srcOrd="2" destOrd="0" parTransId="{22649B0E-CDA2-4BF7-A2EC-F864A77A7139}" sibTransId="{54D050C3-3533-4E2A-B36D-D3BA51B65B6A}"/>
+    <dgm:cxn modelId="{67F6ED2C-7E87-4EF2-9A53-D8AA2A102D53}" type="presOf" srcId="{75DEAC54-37E1-4C9D-9BCA-3A7439FC30FE}" destId="{27470EFD-CEEB-44EC-A75A-B13AC67F5115}" srcOrd="0" destOrd="0" presId="urn:microsoft.com/office/officeart/2005/8/layout/hChevron3"/>
+    <dgm:cxn modelId="{2EF46230-FB31-4EDB-B6CE-3D5FEAB5AEF6}" srcId="{02F169A3-994F-4CA4-96E5-97452CF9A7F1}" destId="{8D454871-913E-4B9F-A973-DB5CB8BD8BEA}" srcOrd="3" destOrd="0" parTransId="{EA714446-FA7F-43CA-9D18-6A9B5EE89135}" sibTransId="{1210CE54-9F84-413C-B25E-DEFF7308D27D}"/>
+    <dgm:cxn modelId="{30245C3F-0CE2-400C-A20B-1661F19FC34B}" srcId="{02F169A3-994F-4CA4-96E5-97452CF9A7F1}" destId="{3D789325-8366-4553-A4C0-C02A9CF0F1AA}" srcOrd="1" destOrd="0" parTransId="{05B1D693-45F4-4853-9B9E-D00278225319}" sibTransId="{B8F9E771-0AC1-420C-990F-B648B068A717}"/>
     <dgm:cxn modelId="{F9F9BA7C-BE7E-47E6-A025-24B8E409C2F9}" type="presOf" srcId="{3D789325-8366-4553-A4C0-C02A9CF0F1AA}" destId="{A2C63A07-CD9F-40A7-8330-BCAEA232B8DA}" srcOrd="0" destOrd="0" presId="urn:microsoft.com/office/officeart/2005/8/layout/hChevron3"/>
+    <dgm:cxn modelId="{CDDE76A6-F36B-4998-8331-16E5B5CFED98}" type="presOf" srcId="{8D454871-913E-4B9F-A973-DB5CB8BD8BEA}" destId="{FB49EF4F-DBAA-45C9-8294-1B438078060D}" srcOrd="0" destOrd="0" presId="urn:microsoft.com/office/officeart/2005/8/layout/hChevron3"/>
+    <dgm:cxn modelId="{B3672BAD-7231-44A7-AD98-7BD4D2E8CA1E}" srcId="{02F169A3-994F-4CA4-96E5-97452CF9A7F1}" destId="{446301A8-ED7F-4E78-8077-275912139C05}" srcOrd="0" destOrd="0" parTransId="{9F85059D-EED4-44C3-8FF7-D0A45D4F5C03}" sibTransId="{31404B3A-79A4-4C59-93F4-2E44556D3CDB}"/>
+    <dgm:cxn modelId="{07A459AF-EF09-433A-8C60-17F38366BB28}" srcId="{02F169A3-994F-4CA4-96E5-97452CF9A7F1}" destId="{75DEAC54-37E1-4C9D-9BCA-3A7439FC30FE}" srcOrd="4" destOrd="0" parTransId="{ED3597F5-F21F-496B-A436-FB2357A17A9E}" sibTransId="{9DF78E47-B100-4966-8DFF-DDAA0100EB7A}"/>
     <dgm:cxn modelId="{15E2F7EB-4B92-40EB-A186-64B9F8DF6AA1}" type="presOf" srcId="{02F169A3-994F-4CA4-96E5-97452CF9A7F1}" destId="{EB1209FE-7F27-4E14-8C2E-22F3DF986852}" srcOrd="0" destOrd="0" presId="urn:microsoft.com/office/officeart/2005/8/layout/hChevron3"/>
-    <dgm:cxn modelId="{CFF69217-1D87-4A8C-919E-3827F1BF4C30}" srcId="{02F169A3-994F-4CA4-96E5-97452CF9A7F1}" destId="{92EEEDD4-85AB-4E4B-B1E4-52EB1C86AF54}" srcOrd="2" destOrd="0" parTransId="{22649B0E-CDA2-4BF7-A2EC-F864A77A7139}" sibTransId="{54D050C3-3533-4E2A-B36D-D3BA51B65B6A}"/>
     <dgm:cxn modelId="{0E167BEE-88C2-4149-95EF-A0AFBCC56BB4}" type="presOf" srcId="{446301A8-ED7F-4E78-8077-275912139C05}" destId="{7175A4EC-3B24-40FB-93A3-B207D4B401A3}" srcOrd="0" destOrd="0" presId="urn:microsoft.com/office/officeart/2005/8/layout/hChevron3"/>
-    <dgm:cxn modelId="{B3672BAD-7231-44A7-AD98-7BD4D2E8CA1E}" srcId="{02F169A3-994F-4CA4-96E5-97452CF9A7F1}" destId="{446301A8-ED7F-4E78-8077-275912139C05}" srcOrd="0" destOrd="0" parTransId="{9F85059D-EED4-44C3-8FF7-D0A45D4F5C03}" sibTransId="{31404B3A-79A4-4C59-93F4-2E44556D3CDB}"/>
-    <dgm:cxn modelId="{30245C3F-0CE2-400C-A20B-1661F19FC34B}" srcId="{02F169A3-994F-4CA4-96E5-97452CF9A7F1}" destId="{3D789325-8366-4553-A4C0-C02A9CF0F1AA}" srcOrd="1" destOrd="0" parTransId="{05B1D693-45F4-4853-9B9E-D00278225319}" sibTransId="{B8F9E771-0AC1-420C-990F-B648B068A717}"/>
-    <dgm:cxn modelId="{2EF46230-FB31-4EDB-B6CE-3D5FEAB5AEF6}" srcId="{02F169A3-994F-4CA4-96E5-97452CF9A7F1}" destId="{8D454871-913E-4B9F-A973-DB5CB8BD8BEA}" srcOrd="3" destOrd="0" parTransId="{EA714446-FA7F-43CA-9D18-6A9B5EE89135}" sibTransId="{1210CE54-9F84-413C-B25E-DEFF7308D27D}"/>
-    <dgm:cxn modelId="{8682260E-DB89-4747-A073-85CE617C8CC2}" type="presOf" srcId="{92EEEDD4-85AB-4E4B-B1E4-52EB1C86AF54}" destId="{F404437D-A1B4-4AD2-A610-9F1A17DFC22C}" srcOrd="0" destOrd="0" presId="urn:microsoft.com/office/officeart/2005/8/layout/hChevron3"/>
-    <dgm:cxn modelId="{67F6ED2C-7E87-4EF2-9A53-D8AA2A102D53}" type="presOf" srcId="{75DEAC54-37E1-4C9D-9BCA-3A7439FC30FE}" destId="{27470EFD-CEEB-44EC-A75A-B13AC67F5115}" srcOrd="0" destOrd="0" presId="urn:microsoft.com/office/officeart/2005/8/layout/hChevron3"/>
-    <dgm:cxn modelId="{CDDE76A6-F36B-4998-8331-16E5B5CFED98}" type="presOf" srcId="{8D454871-913E-4B9F-A973-DB5CB8BD8BEA}" destId="{FB49EF4F-DBAA-45C9-8294-1B438078060D}" srcOrd="0" destOrd="0" presId="urn:microsoft.com/office/officeart/2005/8/layout/hChevron3"/>
-    <dgm:cxn modelId="{07A459AF-EF09-433A-8C60-17F38366BB28}" srcId="{02F169A3-994F-4CA4-96E5-97452CF9A7F1}" destId="{75DEAC54-37E1-4C9D-9BCA-3A7439FC30FE}" srcOrd="4" destOrd="0" parTransId="{ED3597F5-F21F-496B-A436-FB2357A17A9E}" sibTransId="{9DF78E47-B100-4966-8DFF-DDAA0100EB7A}"/>
     <dgm:cxn modelId="{1775AD88-0672-4666-BAB0-E951615AAFBC}" type="presParOf" srcId="{EB1209FE-7F27-4E14-8C2E-22F3DF986852}" destId="{7175A4EC-3B24-40FB-93A3-B207D4B401A3}" srcOrd="0" destOrd="0" presId="urn:microsoft.com/office/officeart/2005/8/layout/hChevron3"/>
     <dgm:cxn modelId="{565F419F-3D93-403E-B847-A0D17D31C918}" type="presParOf" srcId="{EB1209FE-7F27-4E14-8C2E-22F3DF986852}" destId="{BE1558F8-005E-49AD-9F2B-772B57176E06}" srcOrd="1" destOrd="0" presId="urn:microsoft.com/office/officeart/2005/8/layout/hChevron3"/>
     <dgm:cxn modelId="{BE2F8260-8CED-4E22-AC6C-F1B2B4A005BC}" type="presParOf" srcId="{EB1209FE-7F27-4E14-8C2E-22F3DF986852}" destId="{A2C63A07-CD9F-40A7-8330-BCAEA232B8DA}" srcOrd="2" destOrd="0" presId="urn:microsoft.com/office/officeart/2005/8/layout/hChevron3"/>
@@ -7865,13 +7830,6 @@
         </dgm:presLayoutVars>
       </dgm:prSet>
       <dgm:spPr/>
-      <dgm:t>
-        <a:bodyPr/>
-        <a:lstStyle/>
-        <a:p>
-          <a:endParaRPr lang="fr-FR"/>
-        </a:p>
-      </dgm:t>
     </dgm:pt>
     <dgm:pt modelId="{BE1558F8-005E-49AD-9F2B-772B57176E06}" type="pres">
       <dgm:prSet presAssocID="{31404B3A-79A4-4C59-93F4-2E44556D3CDB}" presName="parSpace" presStyleCnt="0"/>
@@ -7884,13 +7842,6 @@
         </dgm:presLayoutVars>
       </dgm:prSet>
       <dgm:spPr/>
-      <dgm:t>
-        <a:bodyPr/>
-        <a:lstStyle/>
-        <a:p>
-          <a:endParaRPr lang="fr-FR"/>
-        </a:p>
-      </dgm:t>
     </dgm:pt>
     <dgm:pt modelId="{F100EED1-637D-473A-8321-A273282E1E6A}" type="pres">
       <dgm:prSet presAssocID="{B8F9E771-0AC1-420C-990F-B648B068A717}" presName="parSpace" presStyleCnt="0"/>
@@ -7903,13 +7854,6 @@
         </dgm:presLayoutVars>
       </dgm:prSet>
       <dgm:spPr/>
-      <dgm:t>
-        <a:bodyPr/>
-        <a:lstStyle/>
-        <a:p>
-          <a:endParaRPr lang="fr-FR"/>
-        </a:p>
-      </dgm:t>
     </dgm:pt>
     <dgm:pt modelId="{A39C6B59-85B3-45A7-999A-07F1069B953B}" type="pres">
       <dgm:prSet presAssocID="{54D050C3-3533-4E2A-B36D-D3BA51B65B6A}" presName="parSpace" presStyleCnt="0"/>
@@ -7922,13 +7866,6 @@
         </dgm:presLayoutVars>
       </dgm:prSet>
       <dgm:spPr/>
-      <dgm:t>
-        <a:bodyPr/>
-        <a:lstStyle/>
-        <a:p>
-          <a:endParaRPr lang="fr-FR"/>
-        </a:p>
-      </dgm:t>
     </dgm:pt>
     <dgm:pt modelId="{2E11CDE2-58EB-4E3F-A022-1BE6BA2360BE}" type="pres">
       <dgm:prSet presAssocID="{1210CE54-9F84-413C-B25E-DEFF7308D27D}" presName="parSpace" presStyleCnt="0"/>
@@ -7941,27 +7878,20 @@
         </dgm:presLayoutVars>
       </dgm:prSet>
       <dgm:spPr/>
-      <dgm:t>
-        <a:bodyPr/>
-        <a:lstStyle/>
-        <a:p>
-          <a:endParaRPr lang="fr-FR"/>
-        </a:p>
-      </dgm:t>
     </dgm:pt>
   </dgm:ptLst>
   <dgm:cxnLst>
+    <dgm:cxn modelId="{8682260E-DB89-4747-A073-85CE617C8CC2}" type="presOf" srcId="{92EEEDD4-85AB-4E4B-B1E4-52EB1C86AF54}" destId="{F404437D-A1B4-4AD2-A610-9F1A17DFC22C}" srcOrd="0" destOrd="0" presId="urn:microsoft.com/office/officeart/2005/8/layout/hChevron3"/>
+    <dgm:cxn modelId="{CFF69217-1D87-4A8C-919E-3827F1BF4C30}" srcId="{02F169A3-994F-4CA4-96E5-97452CF9A7F1}" destId="{92EEEDD4-85AB-4E4B-B1E4-52EB1C86AF54}" srcOrd="2" destOrd="0" parTransId="{22649B0E-CDA2-4BF7-A2EC-F864A77A7139}" sibTransId="{54D050C3-3533-4E2A-B36D-D3BA51B65B6A}"/>
+    <dgm:cxn modelId="{67F6ED2C-7E87-4EF2-9A53-D8AA2A102D53}" type="presOf" srcId="{75DEAC54-37E1-4C9D-9BCA-3A7439FC30FE}" destId="{27470EFD-CEEB-44EC-A75A-B13AC67F5115}" srcOrd="0" destOrd="0" presId="urn:microsoft.com/office/officeart/2005/8/layout/hChevron3"/>
+    <dgm:cxn modelId="{2EF46230-FB31-4EDB-B6CE-3D5FEAB5AEF6}" srcId="{02F169A3-994F-4CA4-96E5-97452CF9A7F1}" destId="{8D454871-913E-4B9F-A973-DB5CB8BD8BEA}" srcOrd="3" destOrd="0" parTransId="{EA714446-FA7F-43CA-9D18-6A9B5EE89135}" sibTransId="{1210CE54-9F84-413C-B25E-DEFF7308D27D}"/>
+    <dgm:cxn modelId="{30245C3F-0CE2-400C-A20B-1661F19FC34B}" srcId="{02F169A3-994F-4CA4-96E5-97452CF9A7F1}" destId="{3D789325-8366-4553-A4C0-C02A9CF0F1AA}" srcOrd="1" destOrd="0" parTransId="{05B1D693-45F4-4853-9B9E-D00278225319}" sibTransId="{B8F9E771-0AC1-420C-990F-B648B068A717}"/>
     <dgm:cxn modelId="{F9F9BA7C-BE7E-47E6-A025-24B8E409C2F9}" type="presOf" srcId="{3D789325-8366-4553-A4C0-C02A9CF0F1AA}" destId="{A2C63A07-CD9F-40A7-8330-BCAEA232B8DA}" srcOrd="0" destOrd="0" presId="urn:microsoft.com/office/officeart/2005/8/layout/hChevron3"/>
+    <dgm:cxn modelId="{CDDE76A6-F36B-4998-8331-16E5B5CFED98}" type="presOf" srcId="{8D454871-913E-4B9F-A973-DB5CB8BD8BEA}" destId="{FB49EF4F-DBAA-45C9-8294-1B438078060D}" srcOrd="0" destOrd="0" presId="urn:microsoft.com/office/officeart/2005/8/layout/hChevron3"/>
+    <dgm:cxn modelId="{B3672BAD-7231-44A7-AD98-7BD4D2E8CA1E}" srcId="{02F169A3-994F-4CA4-96E5-97452CF9A7F1}" destId="{446301A8-ED7F-4E78-8077-275912139C05}" srcOrd="0" destOrd="0" parTransId="{9F85059D-EED4-44C3-8FF7-D0A45D4F5C03}" sibTransId="{31404B3A-79A4-4C59-93F4-2E44556D3CDB}"/>
+    <dgm:cxn modelId="{07A459AF-EF09-433A-8C60-17F38366BB28}" srcId="{02F169A3-994F-4CA4-96E5-97452CF9A7F1}" destId="{75DEAC54-37E1-4C9D-9BCA-3A7439FC30FE}" srcOrd="4" destOrd="0" parTransId="{ED3597F5-F21F-496B-A436-FB2357A17A9E}" sibTransId="{9DF78E47-B100-4966-8DFF-DDAA0100EB7A}"/>
     <dgm:cxn modelId="{15E2F7EB-4B92-40EB-A186-64B9F8DF6AA1}" type="presOf" srcId="{02F169A3-994F-4CA4-96E5-97452CF9A7F1}" destId="{EB1209FE-7F27-4E14-8C2E-22F3DF986852}" srcOrd="0" destOrd="0" presId="urn:microsoft.com/office/officeart/2005/8/layout/hChevron3"/>
-    <dgm:cxn modelId="{CFF69217-1D87-4A8C-919E-3827F1BF4C30}" srcId="{02F169A3-994F-4CA4-96E5-97452CF9A7F1}" destId="{92EEEDD4-85AB-4E4B-B1E4-52EB1C86AF54}" srcOrd="2" destOrd="0" parTransId="{22649B0E-CDA2-4BF7-A2EC-F864A77A7139}" sibTransId="{54D050C3-3533-4E2A-B36D-D3BA51B65B6A}"/>
     <dgm:cxn modelId="{0E167BEE-88C2-4149-95EF-A0AFBCC56BB4}" type="presOf" srcId="{446301A8-ED7F-4E78-8077-275912139C05}" destId="{7175A4EC-3B24-40FB-93A3-B207D4B401A3}" srcOrd="0" destOrd="0" presId="urn:microsoft.com/office/officeart/2005/8/layout/hChevron3"/>
-    <dgm:cxn modelId="{B3672BAD-7231-44A7-AD98-7BD4D2E8CA1E}" srcId="{02F169A3-994F-4CA4-96E5-97452CF9A7F1}" destId="{446301A8-ED7F-4E78-8077-275912139C05}" srcOrd="0" destOrd="0" parTransId="{9F85059D-EED4-44C3-8FF7-D0A45D4F5C03}" sibTransId="{31404B3A-79A4-4C59-93F4-2E44556D3CDB}"/>
-    <dgm:cxn modelId="{30245C3F-0CE2-400C-A20B-1661F19FC34B}" srcId="{02F169A3-994F-4CA4-96E5-97452CF9A7F1}" destId="{3D789325-8366-4553-A4C0-C02A9CF0F1AA}" srcOrd="1" destOrd="0" parTransId="{05B1D693-45F4-4853-9B9E-D00278225319}" sibTransId="{B8F9E771-0AC1-420C-990F-B648B068A717}"/>
-    <dgm:cxn modelId="{2EF46230-FB31-4EDB-B6CE-3D5FEAB5AEF6}" srcId="{02F169A3-994F-4CA4-96E5-97452CF9A7F1}" destId="{8D454871-913E-4B9F-A973-DB5CB8BD8BEA}" srcOrd="3" destOrd="0" parTransId="{EA714446-FA7F-43CA-9D18-6A9B5EE89135}" sibTransId="{1210CE54-9F84-413C-B25E-DEFF7308D27D}"/>
-    <dgm:cxn modelId="{8682260E-DB89-4747-A073-85CE617C8CC2}" type="presOf" srcId="{92EEEDD4-85AB-4E4B-B1E4-52EB1C86AF54}" destId="{F404437D-A1B4-4AD2-A610-9F1A17DFC22C}" srcOrd="0" destOrd="0" presId="urn:microsoft.com/office/officeart/2005/8/layout/hChevron3"/>
-    <dgm:cxn modelId="{67F6ED2C-7E87-4EF2-9A53-D8AA2A102D53}" type="presOf" srcId="{75DEAC54-37E1-4C9D-9BCA-3A7439FC30FE}" destId="{27470EFD-CEEB-44EC-A75A-B13AC67F5115}" srcOrd="0" destOrd="0" presId="urn:microsoft.com/office/officeart/2005/8/layout/hChevron3"/>
-    <dgm:cxn modelId="{CDDE76A6-F36B-4998-8331-16E5B5CFED98}" type="presOf" srcId="{8D454871-913E-4B9F-A973-DB5CB8BD8BEA}" destId="{FB49EF4F-DBAA-45C9-8294-1B438078060D}" srcOrd="0" destOrd="0" presId="urn:microsoft.com/office/officeart/2005/8/layout/hChevron3"/>
-    <dgm:cxn modelId="{07A459AF-EF09-433A-8C60-17F38366BB28}" srcId="{02F169A3-994F-4CA4-96E5-97452CF9A7F1}" destId="{75DEAC54-37E1-4C9D-9BCA-3A7439FC30FE}" srcOrd="4" destOrd="0" parTransId="{ED3597F5-F21F-496B-A436-FB2357A17A9E}" sibTransId="{9DF78E47-B100-4966-8DFF-DDAA0100EB7A}"/>
     <dgm:cxn modelId="{1775AD88-0672-4666-BAB0-E951615AAFBC}" type="presParOf" srcId="{EB1209FE-7F27-4E14-8C2E-22F3DF986852}" destId="{7175A4EC-3B24-40FB-93A3-B207D4B401A3}" srcOrd="0" destOrd="0" presId="urn:microsoft.com/office/officeart/2005/8/layout/hChevron3"/>
     <dgm:cxn modelId="{565F419F-3D93-403E-B847-A0D17D31C918}" type="presParOf" srcId="{EB1209FE-7F27-4E14-8C2E-22F3DF986852}" destId="{BE1558F8-005E-49AD-9F2B-772B57176E06}" srcOrd="1" destOrd="0" presId="urn:microsoft.com/office/officeart/2005/8/layout/hChevron3"/>
     <dgm:cxn modelId="{BE2F8260-8CED-4E22-AC6C-F1B2B4A005BC}" type="presParOf" srcId="{EB1209FE-7F27-4E14-8C2E-22F3DF986852}" destId="{A2C63A07-CD9F-40A7-8330-BCAEA232B8DA}" srcOrd="2" destOrd="0" presId="urn:microsoft.com/office/officeart/2005/8/layout/hChevron3"/>
@@ -8205,13 +8135,6 @@
         </dgm:presLayoutVars>
       </dgm:prSet>
       <dgm:spPr/>
-      <dgm:t>
-        <a:bodyPr/>
-        <a:lstStyle/>
-        <a:p>
-          <a:endParaRPr lang="fr-FR"/>
-        </a:p>
-      </dgm:t>
     </dgm:pt>
     <dgm:pt modelId="{BE1558F8-005E-49AD-9F2B-772B57176E06}" type="pres">
       <dgm:prSet presAssocID="{31404B3A-79A4-4C59-93F4-2E44556D3CDB}" presName="parSpace" presStyleCnt="0"/>
@@ -8224,13 +8147,6 @@
         </dgm:presLayoutVars>
       </dgm:prSet>
       <dgm:spPr/>
-      <dgm:t>
-        <a:bodyPr/>
-        <a:lstStyle/>
-        <a:p>
-          <a:endParaRPr lang="fr-FR"/>
-        </a:p>
-      </dgm:t>
     </dgm:pt>
     <dgm:pt modelId="{F100EED1-637D-473A-8321-A273282E1E6A}" type="pres">
       <dgm:prSet presAssocID="{B8F9E771-0AC1-420C-990F-B648B068A717}" presName="parSpace" presStyleCnt="0"/>
@@ -8243,13 +8159,6 @@
         </dgm:presLayoutVars>
       </dgm:prSet>
       <dgm:spPr/>
-      <dgm:t>
-        <a:bodyPr/>
-        <a:lstStyle/>
-        <a:p>
-          <a:endParaRPr lang="fr-FR"/>
-        </a:p>
-      </dgm:t>
     </dgm:pt>
     <dgm:pt modelId="{A39C6B59-85B3-45A7-999A-07F1069B953B}" type="pres">
       <dgm:prSet presAssocID="{54D050C3-3533-4E2A-B36D-D3BA51B65B6A}" presName="parSpace" presStyleCnt="0"/>
@@ -8262,13 +8171,6 @@
         </dgm:presLayoutVars>
       </dgm:prSet>
       <dgm:spPr/>
-      <dgm:t>
-        <a:bodyPr/>
-        <a:lstStyle/>
-        <a:p>
-          <a:endParaRPr lang="fr-FR"/>
-        </a:p>
-      </dgm:t>
     </dgm:pt>
     <dgm:pt modelId="{2E11CDE2-58EB-4E3F-A022-1BE6BA2360BE}" type="pres">
       <dgm:prSet presAssocID="{1210CE54-9F84-413C-B25E-DEFF7308D27D}" presName="parSpace" presStyleCnt="0"/>
@@ -8281,27 +8183,20 @@
         </dgm:presLayoutVars>
       </dgm:prSet>
       <dgm:spPr/>
-      <dgm:t>
-        <a:bodyPr/>
-        <a:lstStyle/>
-        <a:p>
-          <a:endParaRPr lang="fr-FR"/>
-        </a:p>
-      </dgm:t>
     </dgm:pt>
   </dgm:ptLst>
   <dgm:cxnLst>
+    <dgm:cxn modelId="{8682260E-DB89-4747-A073-85CE617C8CC2}" type="presOf" srcId="{92EEEDD4-85AB-4E4B-B1E4-52EB1C86AF54}" destId="{F404437D-A1B4-4AD2-A610-9F1A17DFC22C}" srcOrd="0" destOrd="0" presId="urn:microsoft.com/office/officeart/2005/8/layout/hChevron3"/>
+    <dgm:cxn modelId="{CFF69217-1D87-4A8C-919E-3827F1BF4C30}" srcId="{02F169A3-994F-4CA4-96E5-97452CF9A7F1}" destId="{92EEEDD4-85AB-4E4B-B1E4-52EB1C86AF54}" srcOrd="2" destOrd="0" parTransId="{22649B0E-CDA2-4BF7-A2EC-F864A77A7139}" sibTransId="{54D050C3-3533-4E2A-B36D-D3BA51B65B6A}"/>
+    <dgm:cxn modelId="{67F6ED2C-7E87-4EF2-9A53-D8AA2A102D53}" type="presOf" srcId="{75DEAC54-37E1-4C9D-9BCA-3A7439FC30FE}" destId="{27470EFD-CEEB-44EC-A75A-B13AC67F5115}" srcOrd="0" destOrd="0" presId="urn:microsoft.com/office/officeart/2005/8/layout/hChevron3"/>
+    <dgm:cxn modelId="{2EF46230-FB31-4EDB-B6CE-3D5FEAB5AEF6}" srcId="{02F169A3-994F-4CA4-96E5-97452CF9A7F1}" destId="{8D454871-913E-4B9F-A973-DB5CB8BD8BEA}" srcOrd="3" destOrd="0" parTransId="{EA714446-FA7F-43CA-9D18-6A9B5EE89135}" sibTransId="{1210CE54-9F84-413C-B25E-DEFF7308D27D}"/>
+    <dgm:cxn modelId="{30245C3F-0CE2-400C-A20B-1661F19FC34B}" srcId="{02F169A3-994F-4CA4-96E5-97452CF9A7F1}" destId="{3D789325-8366-4553-A4C0-C02A9CF0F1AA}" srcOrd="1" destOrd="0" parTransId="{05B1D693-45F4-4853-9B9E-D00278225319}" sibTransId="{B8F9E771-0AC1-420C-990F-B648B068A717}"/>
     <dgm:cxn modelId="{F9F9BA7C-BE7E-47E6-A025-24B8E409C2F9}" type="presOf" srcId="{3D789325-8366-4553-A4C0-C02A9CF0F1AA}" destId="{A2C63A07-CD9F-40A7-8330-BCAEA232B8DA}" srcOrd="0" destOrd="0" presId="urn:microsoft.com/office/officeart/2005/8/layout/hChevron3"/>
+    <dgm:cxn modelId="{CDDE76A6-F36B-4998-8331-16E5B5CFED98}" type="presOf" srcId="{8D454871-913E-4B9F-A973-DB5CB8BD8BEA}" destId="{FB49EF4F-DBAA-45C9-8294-1B438078060D}" srcOrd="0" destOrd="0" presId="urn:microsoft.com/office/officeart/2005/8/layout/hChevron3"/>
+    <dgm:cxn modelId="{B3672BAD-7231-44A7-AD98-7BD4D2E8CA1E}" srcId="{02F169A3-994F-4CA4-96E5-97452CF9A7F1}" destId="{446301A8-ED7F-4E78-8077-275912139C05}" srcOrd="0" destOrd="0" parTransId="{9F85059D-EED4-44C3-8FF7-D0A45D4F5C03}" sibTransId="{31404B3A-79A4-4C59-93F4-2E44556D3CDB}"/>
+    <dgm:cxn modelId="{07A459AF-EF09-433A-8C60-17F38366BB28}" srcId="{02F169A3-994F-4CA4-96E5-97452CF9A7F1}" destId="{75DEAC54-37E1-4C9D-9BCA-3A7439FC30FE}" srcOrd="4" destOrd="0" parTransId="{ED3597F5-F21F-496B-A436-FB2357A17A9E}" sibTransId="{9DF78E47-B100-4966-8DFF-DDAA0100EB7A}"/>
     <dgm:cxn modelId="{15E2F7EB-4B92-40EB-A186-64B9F8DF6AA1}" type="presOf" srcId="{02F169A3-994F-4CA4-96E5-97452CF9A7F1}" destId="{EB1209FE-7F27-4E14-8C2E-22F3DF986852}" srcOrd="0" destOrd="0" presId="urn:microsoft.com/office/officeart/2005/8/layout/hChevron3"/>
-    <dgm:cxn modelId="{CFF69217-1D87-4A8C-919E-3827F1BF4C30}" srcId="{02F169A3-994F-4CA4-96E5-97452CF9A7F1}" destId="{92EEEDD4-85AB-4E4B-B1E4-52EB1C86AF54}" srcOrd="2" destOrd="0" parTransId="{22649B0E-CDA2-4BF7-A2EC-F864A77A7139}" sibTransId="{54D050C3-3533-4E2A-B36D-D3BA51B65B6A}"/>
     <dgm:cxn modelId="{0E167BEE-88C2-4149-95EF-A0AFBCC56BB4}" type="presOf" srcId="{446301A8-ED7F-4E78-8077-275912139C05}" destId="{7175A4EC-3B24-40FB-93A3-B207D4B401A3}" srcOrd="0" destOrd="0" presId="urn:microsoft.com/office/officeart/2005/8/layout/hChevron3"/>
-    <dgm:cxn modelId="{B3672BAD-7231-44A7-AD98-7BD4D2E8CA1E}" srcId="{02F169A3-994F-4CA4-96E5-97452CF9A7F1}" destId="{446301A8-ED7F-4E78-8077-275912139C05}" srcOrd="0" destOrd="0" parTransId="{9F85059D-EED4-44C3-8FF7-D0A45D4F5C03}" sibTransId="{31404B3A-79A4-4C59-93F4-2E44556D3CDB}"/>
-    <dgm:cxn modelId="{30245C3F-0CE2-400C-A20B-1661F19FC34B}" srcId="{02F169A3-994F-4CA4-96E5-97452CF9A7F1}" destId="{3D789325-8366-4553-A4C0-C02A9CF0F1AA}" srcOrd="1" destOrd="0" parTransId="{05B1D693-45F4-4853-9B9E-D00278225319}" sibTransId="{B8F9E771-0AC1-420C-990F-B648B068A717}"/>
-    <dgm:cxn modelId="{2EF46230-FB31-4EDB-B6CE-3D5FEAB5AEF6}" srcId="{02F169A3-994F-4CA4-96E5-97452CF9A7F1}" destId="{8D454871-913E-4B9F-A973-DB5CB8BD8BEA}" srcOrd="3" destOrd="0" parTransId="{EA714446-FA7F-43CA-9D18-6A9B5EE89135}" sibTransId="{1210CE54-9F84-413C-B25E-DEFF7308D27D}"/>
-    <dgm:cxn modelId="{8682260E-DB89-4747-A073-85CE617C8CC2}" type="presOf" srcId="{92EEEDD4-85AB-4E4B-B1E4-52EB1C86AF54}" destId="{F404437D-A1B4-4AD2-A610-9F1A17DFC22C}" srcOrd="0" destOrd="0" presId="urn:microsoft.com/office/officeart/2005/8/layout/hChevron3"/>
-    <dgm:cxn modelId="{67F6ED2C-7E87-4EF2-9A53-D8AA2A102D53}" type="presOf" srcId="{75DEAC54-37E1-4C9D-9BCA-3A7439FC30FE}" destId="{27470EFD-CEEB-44EC-A75A-B13AC67F5115}" srcOrd="0" destOrd="0" presId="urn:microsoft.com/office/officeart/2005/8/layout/hChevron3"/>
-    <dgm:cxn modelId="{CDDE76A6-F36B-4998-8331-16E5B5CFED98}" type="presOf" srcId="{8D454871-913E-4B9F-A973-DB5CB8BD8BEA}" destId="{FB49EF4F-DBAA-45C9-8294-1B438078060D}" srcOrd="0" destOrd="0" presId="urn:microsoft.com/office/officeart/2005/8/layout/hChevron3"/>
-    <dgm:cxn modelId="{07A459AF-EF09-433A-8C60-17F38366BB28}" srcId="{02F169A3-994F-4CA4-96E5-97452CF9A7F1}" destId="{75DEAC54-37E1-4C9D-9BCA-3A7439FC30FE}" srcOrd="4" destOrd="0" parTransId="{ED3597F5-F21F-496B-A436-FB2357A17A9E}" sibTransId="{9DF78E47-B100-4966-8DFF-DDAA0100EB7A}"/>
     <dgm:cxn modelId="{1775AD88-0672-4666-BAB0-E951615AAFBC}" type="presParOf" srcId="{EB1209FE-7F27-4E14-8C2E-22F3DF986852}" destId="{7175A4EC-3B24-40FB-93A3-B207D4B401A3}" srcOrd="0" destOrd="0" presId="urn:microsoft.com/office/officeart/2005/8/layout/hChevron3"/>
     <dgm:cxn modelId="{565F419F-3D93-403E-B847-A0D17D31C918}" type="presParOf" srcId="{EB1209FE-7F27-4E14-8C2E-22F3DF986852}" destId="{BE1558F8-005E-49AD-9F2B-772B57176E06}" srcOrd="1" destOrd="0" presId="urn:microsoft.com/office/officeart/2005/8/layout/hChevron3"/>
     <dgm:cxn modelId="{BE2F8260-8CED-4E22-AC6C-F1B2B4A005BC}" type="presParOf" srcId="{EB1209FE-7F27-4E14-8C2E-22F3DF986852}" destId="{A2C63A07-CD9F-40A7-8330-BCAEA232B8DA}" srcOrd="2" destOrd="0" presId="urn:microsoft.com/office/officeart/2005/8/layout/hChevron3"/>
@@ -8541,13 +8436,6 @@
         </dgm:presLayoutVars>
       </dgm:prSet>
       <dgm:spPr/>
-      <dgm:t>
-        <a:bodyPr/>
-        <a:lstStyle/>
-        <a:p>
-          <a:endParaRPr lang="fr-FR"/>
-        </a:p>
-      </dgm:t>
     </dgm:pt>
     <dgm:pt modelId="{BE1558F8-005E-49AD-9F2B-772B57176E06}" type="pres">
       <dgm:prSet presAssocID="{31404B3A-79A4-4C59-93F4-2E44556D3CDB}" presName="parSpace" presStyleCnt="0"/>
@@ -8560,13 +8448,6 @@
         </dgm:presLayoutVars>
       </dgm:prSet>
       <dgm:spPr/>
-      <dgm:t>
-        <a:bodyPr/>
-        <a:lstStyle/>
-        <a:p>
-          <a:endParaRPr lang="fr-FR"/>
-        </a:p>
-      </dgm:t>
     </dgm:pt>
     <dgm:pt modelId="{F100EED1-637D-473A-8321-A273282E1E6A}" type="pres">
       <dgm:prSet presAssocID="{B8F9E771-0AC1-420C-990F-B648B068A717}" presName="parSpace" presStyleCnt="0"/>
@@ -8579,13 +8460,6 @@
         </dgm:presLayoutVars>
       </dgm:prSet>
       <dgm:spPr/>
-      <dgm:t>
-        <a:bodyPr/>
-        <a:lstStyle/>
-        <a:p>
-          <a:endParaRPr lang="fr-FR"/>
-        </a:p>
-      </dgm:t>
     </dgm:pt>
     <dgm:pt modelId="{A39C6B59-85B3-45A7-999A-07F1069B953B}" type="pres">
       <dgm:prSet presAssocID="{54D050C3-3533-4E2A-B36D-D3BA51B65B6A}" presName="parSpace" presStyleCnt="0"/>
@@ -8598,13 +8472,6 @@
         </dgm:presLayoutVars>
       </dgm:prSet>
       <dgm:spPr/>
-      <dgm:t>
-        <a:bodyPr/>
-        <a:lstStyle/>
-        <a:p>
-          <a:endParaRPr lang="fr-FR"/>
-        </a:p>
-      </dgm:t>
     </dgm:pt>
     <dgm:pt modelId="{2E11CDE2-58EB-4E3F-A022-1BE6BA2360BE}" type="pres">
       <dgm:prSet presAssocID="{1210CE54-9F84-413C-B25E-DEFF7308D27D}" presName="parSpace" presStyleCnt="0"/>
@@ -8617,27 +8484,20 @@
         </dgm:presLayoutVars>
       </dgm:prSet>
       <dgm:spPr/>
-      <dgm:t>
-        <a:bodyPr/>
-        <a:lstStyle/>
-        <a:p>
-          <a:endParaRPr lang="fr-FR"/>
-        </a:p>
-      </dgm:t>
     </dgm:pt>
   </dgm:ptLst>
   <dgm:cxnLst>
+    <dgm:cxn modelId="{8682260E-DB89-4747-A073-85CE617C8CC2}" type="presOf" srcId="{92EEEDD4-85AB-4E4B-B1E4-52EB1C86AF54}" destId="{F404437D-A1B4-4AD2-A610-9F1A17DFC22C}" srcOrd="0" destOrd="0" presId="urn:microsoft.com/office/officeart/2005/8/layout/hChevron3"/>
+    <dgm:cxn modelId="{CFF69217-1D87-4A8C-919E-3827F1BF4C30}" srcId="{02F169A3-994F-4CA4-96E5-97452CF9A7F1}" destId="{92EEEDD4-85AB-4E4B-B1E4-52EB1C86AF54}" srcOrd="2" destOrd="0" parTransId="{22649B0E-CDA2-4BF7-A2EC-F864A77A7139}" sibTransId="{54D050C3-3533-4E2A-B36D-D3BA51B65B6A}"/>
+    <dgm:cxn modelId="{67F6ED2C-7E87-4EF2-9A53-D8AA2A102D53}" type="presOf" srcId="{75DEAC54-37E1-4C9D-9BCA-3A7439FC30FE}" destId="{27470EFD-CEEB-44EC-A75A-B13AC67F5115}" srcOrd="0" destOrd="0" presId="urn:microsoft.com/office/officeart/2005/8/layout/hChevron3"/>
+    <dgm:cxn modelId="{2EF46230-FB31-4EDB-B6CE-3D5FEAB5AEF6}" srcId="{02F169A3-994F-4CA4-96E5-97452CF9A7F1}" destId="{8D454871-913E-4B9F-A973-DB5CB8BD8BEA}" srcOrd="3" destOrd="0" parTransId="{EA714446-FA7F-43CA-9D18-6A9B5EE89135}" sibTransId="{1210CE54-9F84-413C-B25E-DEFF7308D27D}"/>
+    <dgm:cxn modelId="{30245C3F-0CE2-400C-A20B-1661F19FC34B}" srcId="{02F169A3-994F-4CA4-96E5-97452CF9A7F1}" destId="{3D789325-8366-4553-A4C0-C02A9CF0F1AA}" srcOrd="1" destOrd="0" parTransId="{05B1D693-45F4-4853-9B9E-D00278225319}" sibTransId="{B8F9E771-0AC1-420C-990F-B648B068A717}"/>
     <dgm:cxn modelId="{F9F9BA7C-BE7E-47E6-A025-24B8E409C2F9}" type="presOf" srcId="{3D789325-8366-4553-A4C0-C02A9CF0F1AA}" destId="{A2C63A07-CD9F-40A7-8330-BCAEA232B8DA}" srcOrd="0" destOrd="0" presId="urn:microsoft.com/office/officeart/2005/8/layout/hChevron3"/>
+    <dgm:cxn modelId="{CDDE76A6-F36B-4998-8331-16E5B5CFED98}" type="presOf" srcId="{8D454871-913E-4B9F-A973-DB5CB8BD8BEA}" destId="{FB49EF4F-DBAA-45C9-8294-1B438078060D}" srcOrd="0" destOrd="0" presId="urn:microsoft.com/office/officeart/2005/8/layout/hChevron3"/>
+    <dgm:cxn modelId="{B3672BAD-7231-44A7-AD98-7BD4D2E8CA1E}" srcId="{02F169A3-994F-4CA4-96E5-97452CF9A7F1}" destId="{446301A8-ED7F-4E78-8077-275912139C05}" srcOrd="0" destOrd="0" parTransId="{9F85059D-EED4-44C3-8FF7-D0A45D4F5C03}" sibTransId="{31404B3A-79A4-4C59-93F4-2E44556D3CDB}"/>
+    <dgm:cxn modelId="{07A459AF-EF09-433A-8C60-17F38366BB28}" srcId="{02F169A3-994F-4CA4-96E5-97452CF9A7F1}" destId="{75DEAC54-37E1-4C9D-9BCA-3A7439FC30FE}" srcOrd="4" destOrd="0" parTransId="{ED3597F5-F21F-496B-A436-FB2357A17A9E}" sibTransId="{9DF78E47-B100-4966-8DFF-DDAA0100EB7A}"/>
     <dgm:cxn modelId="{15E2F7EB-4B92-40EB-A186-64B9F8DF6AA1}" type="presOf" srcId="{02F169A3-994F-4CA4-96E5-97452CF9A7F1}" destId="{EB1209FE-7F27-4E14-8C2E-22F3DF986852}" srcOrd="0" destOrd="0" presId="urn:microsoft.com/office/officeart/2005/8/layout/hChevron3"/>
-    <dgm:cxn modelId="{CFF69217-1D87-4A8C-919E-3827F1BF4C30}" srcId="{02F169A3-994F-4CA4-96E5-97452CF9A7F1}" destId="{92EEEDD4-85AB-4E4B-B1E4-52EB1C86AF54}" srcOrd="2" destOrd="0" parTransId="{22649B0E-CDA2-4BF7-A2EC-F864A77A7139}" sibTransId="{54D050C3-3533-4E2A-B36D-D3BA51B65B6A}"/>
     <dgm:cxn modelId="{0E167BEE-88C2-4149-95EF-A0AFBCC56BB4}" type="presOf" srcId="{446301A8-ED7F-4E78-8077-275912139C05}" destId="{7175A4EC-3B24-40FB-93A3-B207D4B401A3}" srcOrd="0" destOrd="0" presId="urn:microsoft.com/office/officeart/2005/8/layout/hChevron3"/>
-    <dgm:cxn modelId="{B3672BAD-7231-44A7-AD98-7BD4D2E8CA1E}" srcId="{02F169A3-994F-4CA4-96E5-97452CF9A7F1}" destId="{446301A8-ED7F-4E78-8077-275912139C05}" srcOrd="0" destOrd="0" parTransId="{9F85059D-EED4-44C3-8FF7-D0A45D4F5C03}" sibTransId="{31404B3A-79A4-4C59-93F4-2E44556D3CDB}"/>
-    <dgm:cxn modelId="{30245C3F-0CE2-400C-A20B-1661F19FC34B}" srcId="{02F169A3-994F-4CA4-96E5-97452CF9A7F1}" destId="{3D789325-8366-4553-A4C0-C02A9CF0F1AA}" srcOrd="1" destOrd="0" parTransId="{05B1D693-45F4-4853-9B9E-D00278225319}" sibTransId="{B8F9E771-0AC1-420C-990F-B648B068A717}"/>
-    <dgm:cxn modelId="{2EF46230-FB31-4EDB-B6CE-3D5FEAB5AEF6}" srcId="{02F169A3-994F-4CA4-96E5-97452CF9A7F1}" destId="{8D454871-913E-4B9F-A973-DB5CB8BD8BEA}" srcOrd="3" destOrd="0" parTransId="{EA714446-FA7F-43CA-9D18-6A9B5EE89135}" sibTransId="{1210CE54-9F84-413C-B25E-DEFF7308D27D}"/>
-    <dgm:cxn modelId="{8682260E-DB89-4747-A073-85CE617C8CC2}" type="presOf" srcId="{92EEEDD4-85AB-4E4B-B1E4-52EB1C86AF54}" destId="{F404437D-A1B4-4AD2-A610-9F1A17DFC22C}" srcOrd="0" destOrd="0" presId="urn:microsoft.com/office/officeart/2005/8/layout/hChevron3"/>
-    <dgm:cxn modelId="{67F6ED2C-7E87-4EF2-9A53-D8AA2A102D53}" type="presOf" srcId="{75DEAC54-37E1-4C9D-9BCA-3A7439FC30FE}" destId="{27470EFD-CEEB-44EC-A75A-B13AC67F5115}" srcOrd="0" destOrd="0" presId="urn:microsoft.com/office/officeart/2005/8/layout/hChevron3"/>
-    <dgm:cxn modelId="{CDDE76A6-F36B-4998-8331-16E5B5CFED98}" type="presOf" srcId="{8D454871-913E-4B9F-A973-DB5CB8BD8BEA}" destId="{FB49EF4F-DBAA-45C9-8294-1B438078060D}" srcOrd="0" destOrd="0" presId="urn:microsoft.com/office/officeart/2005/8/layout/hChevron3"/>
-    <dgm:cxn modelId="{07A459AF-EF09-433A-8C60-17F38366BB28}" srcId="{02F169A3-994F-4CA4-96E5-97452CF9A7F1}" destId="{75DEAC54-37E1-4C9D-9BCA-3A7439FC30FE}" srcOrd="4" destOrd="0" parTransId="{ED3597F5-F21F-496B-A436-FB2357A17A9E}" sibTransId="{9DF78E47-B100-4966-8DFF-DDAA0100EB7A}"/>
     <dgm:cxn modelId="{1775AD88-0672-4666-BAB0-E951615AAFBC}" type="presParOf" srcId="{EB1209FE-7F27-4E14-8C2E-22F3DF986852}" destId="{7175A4EC-3B24-40FB-93A3-B207D4B401A3}" srcOrd="0" destOrd="0" presId="urn:microsoft.com/office/officeart/2005/8/layout/hChevron3"/>
     <dgm:cxn modelId="{565F419F-3D93-403E-B847-A0D17D31C918}" type="presParOf" srcId="{EB1209FE-7F27-4E14-8C2E-22F3DF986852}" destId="{BE1558F8-005E-49AD-9F2B-772B57176E06}" srcOrd="1" destOrd="0" presId="urn:microsoft.com/office/officeart/2005/8/layout/hChevron3"/>
     <dgm:cxn modelId="{BE2F8260-8CED-4E22-AC6C-F1B2B4A005BC}" type="presParOf" srcId="{EB1209FE-7F27-4E14-8C2E-22F3DF986852}" destId="{A2C63A07-CD9F-40A7-8330-BCAEA232B8DA}" srcOrd="2" destOrd="0" presId="urn:microsoft.com/office/officeart/2005/8/layout/hChevron3"/>
@@ -8877,13 +8737,6 @@
         </dgm:presLayoutVars>
       </dgm:prSet>
       <dgm:spPr/>
-      <dgm:t>
-        <a:bodyPr/>
-        <a:lstStyle/>
-        <a:p>
-          <a:endParaRPr lang="fr-FR"/>
-        </a:p>
-      </dgm:t>
     </dgm:pt>
     <dgm:pt modelId="{BE1558F8-005E-49AD-9F2B-772B57176E06}" type="pres">
       <dgm:prSet presAssocID="{31404B3A-79A4-4C59-93F4-2E44556D3CDB}" presName="parSpace" presStyleCnt="0"/>
@@ -8896,13 +8749,6 @@
         </dgm:presLayoutVars>
       </dgm:prSet>
       <dgm:spPr/>
-      <dgm:t>
-        <a:bodyPr/>
-        <a:lstStyle/>
-        <a:p>
-          <a:endParaRPr lang="fr-FR"/>
-        </a:p>
-      </dgm:t>
     </dgm:pt>
     <dgm:pt modelId="{F100EED1-637D-473A-8321-A273282E1E6A}" type="pres">
       <dgm:prSet presAssocID="{B8F9E771-0AC1-420C-990F-B648B068A717}" presName="parSpace" presStyleCnt="0"/>
@@ -8915,13 +8761,6 @@
         </dgm:presLayoutVars>
       </dgm:prSet>
       <dgm:spPr/>
-      <dgm:t>
-        <a:bodyPr/>
-        <a:lstStyle/>
-        <a:p>
-          <a:endParaRPr lang="fr-FR"/>
-        </a:p>
-      </dgm:t>
     </dgm:pt>
     <dgm:pt modelId="{A39C6B59-85B3-45A7-999A-07F1069B953B}" type="pres">
       <dgm:prSet presAssocID="{54D050C3-3533-4E2A-B36D-D3BA51B65B6A}" presName="parSpace" presStyleCnt="0"/>
@@ -8934,13 +8773,6 @@
         </dgm:presLayoutVars>
       </dgm:prSet>
       <dgm:spPr/>
-      <dgm:t>
-        <a:bodyPr/>
-        <a:lstStyle/>
-        <a:p>
-          <a:endParaRPr lang="fr-FR"/>
-        </a:p>
-      </dgm:t>
     </dgm:pt>
     <dgm:pt modelId="{2E11CDE2-58EB-4E3F-A022-1BE6BA2360BE}" type="pres">
       <dgm:prSet presAssocID="{1210CE54-9F84-413C-B25E-DEFF7308D27D}" presName="parSpace" presStyleCnt="0"/>
@@ -8953,27 +8785,20 @@
         </dgm:presLayoutVars>
       </dgm:prSet>
       <dgm:spPr/>
-      <dgm:t>
-        <a:bodyPr/>
-        <a:lstStyle/>
-        <a:p>
-          <a:endParaRPr lang="fr-FR"/>
-        </a:p>
-      </dgm:t>
     </dgm:pt>
   </dgm:ptLst>
   <dgm:cxnLst>
+    <dgm:cxn modelId="{8682260E-DB89-4747-A073-85CE617C8CC2}" type="presOf" srcId="{92EEEDD4-85AB-4E4B-B1E4-52EB1C86AF54}" destId="{F404437D-A1B4-4AD2-A610-9F1A17DFC22C}" srcOrd="0" destOrd="0" presId="urn:microsoft.com/office/officeart/2005/8/layout/hChevron3"/>
+    <dgm:cxn modelId="{CFF69217-1D87-4A8C-919E-3827F1BF4C30}" srcId="{02F169A3-994F-4CA4-96E5-97452CF9A7F1}" destId="{92EEEDD4-85AB-4E4B-B1E4-52EB1C86AF54}" srcOrd="2" destOrd="0" parTransId="{22649B0E-CDA2-4BF7-A2EC-F864A77A7139}" sibTransId="{54D050C3-3533-4E2A-B36D-D3BA51B65B6A}"/>
+    <dgm:cxn modelId="{67F6ED2C-7E87-4EF2-9A53-D8AA2A102D53}" type="presOf" srcId="{75DEAC54-37E1-4C9D-9BCA-3A7439FC30FE}" destId="{27470EFD-CEEB-44EC-A75A-B13AC67F5115}" srcOrd="0" destOrd="0" presId="urn:microsoft.com/office/officeart/2005/8/layout/hChevron3"/>
+    <dgm:cxn modelId="{2EF46230-FB31-4EDB-B6CE-3D5FEAB5AEF6}" srcId="{02F169A3-994F-4CA4-96E5-97452CF9A7F1}" destId="{8D454871-913E-4B9F-A973-DB5CB8BD8BEA}" srcOrd="3" destOrd="0" parTransId="{EA714446-FA7F-43CA-9D18-6A9B5EE89135}" sibTransId="{1210CE54-9F84-413C-B25E-DEFF7308D27D}"/>
+    <dgm:cxn modelId="{30245C3F-0CE2-400C-A20B-1661F19FC34B}" srcId="{02F169A3-994F-4CA4-96E5-97452CF9A7F1}" destId="{3D789325-8366-4553-A4C0-C02A9CF0F1AA}" srcOrd="1" destOrd="0" parTransId="{05B1D693-45F4-4853-9B9E-D00278225319}" sibTransId="{B8F9E771-0AC1-420C-990F-B648B068A717}"/>
     <dgm:cxn modelId="{F9F9BA7C-BE7E-47E6-A025-24B8E409C2F9}" type="presOf" srcId="{3D789325-8366-4553-A4C0-C02A9CF0F1AA}" destId="{A2C63A07-CD9F-40A7-8330-BCAEA232B8DA}" srcOrd="0" destOrd="0" presId="urn:microsoft.com/office/officeart/2005/8/layout/hChevron3"/>
+    <dgm:cxn modelId="{CDDE76A6-F36B-4998-8331-16E5B5CFED98}" type="presOf" srcId="{8D454871-913E-4B9F-A973-DB5CB8BD8BEA}" destId="{FB49EF4F-DBAA-45C9-8294-1B438078060D}" srcOrd="0" destOrd="0" presId="urn:microsoft.com/office/officeart/2005/8/layout/hChevron3"/>
+    <dgm:cxn modelId="{B3672BAD-7231-44A7-AD98-7BD4D2E8CA1E}" srcId="{02F169A3-994F-4CA4-96E5-97452CF9A7F1}" destId="{446301A8-ED7F-4E78-8077-275912139C05}" srcOrd="0" destOrd="0" parTransId="{9F85059D-EED4-44C3-8FF7-D0A45D4F5C03}" sibTransId="{31404B3A-79A4-4C59-93F4-2E44556D3CDB}"/>
+    <dgm:cxn modelId="{07A459AF-EF09-433A-8C60-17F38366BB28}" srcId="{02F169A3-994F-4CA4-96E5-97452CF9A7F1}" destId="{75DEAC54-37E1-4C9D-9BCA-3A7439FC30FE}" srcOrd="4" destOrd="0" parTransId="{ED3597F5-F21F-496B-A436-FB2357A17A9E}" sibTransId="{9DF78E47-B100-4966-8DFF-DDAA0100EB7A}"/>
     <dgm:cxn modelId="{15E2F7EB-4B92-40EB-A186-64B9F8DF6AA1}" type="presOf" srcId="{02F169A3-994F-4CA4-96E5-97452CF9A7F1}" destId="{EB1209FE-7F27-4E14-8C2E-22F3DF986852}" srcOrd="0" destOrd="0" presId="urn:microsoft.com/office/officeart/2005/8/layout/hChevron3"/>
-    <dgm:cxn modelId="{CFF69217-1D87-4A8C-919E-3827F1BF4C30}" srcId="{02F169A3-994F-4CA4-96E5-97452CF9A7F1}" destId="{92EEEDD4-85AB-4E4B-B1E4-52EB1C86AF54}" srcOrd="2" destOrd="0" parTransId="{22649B0E-CDA2-4BF7-A2EC-F864A77A7139}" sibTransId="{54D050C3-3533-4E2A-B36D-D3BA51B65B6A}"/>
     <dgm:cxn modelId="{0E167BEE-88C2-4149-95EF-A0AFBCC56BB4}" type="presOf" srcId="{446301A8-ED7F-4E78-8077-275912139C05}" destId="{7175A4EC-3B24-40FB-93A3-B207D4B401A3}" srcOrd="0" destOrd="0" presId="urn:microsoft.com/office/officeart/2005/8/layout/hChevron3"/>
-    <dgm:cxn modelId="{B3672BAD-7231-44A7-AD98-7BD4D2E8CA1E}" srcId="{02F169A3-994F-4CA4-96E5-97452CF9A7F1}" destId="{446301A8-ED7F-4E78-8077-275912139C05}" srcOrd="0" destOrd="0" parTransId="{9F85059D-EED4-44C3-8FF7-D0A45D4F5C03}" sibTransId="{31404B3A-79A4-4C59-93F4-2E44556D3CDB}"/>
-    <dgm:cxn modelId="{30245C3F-0CE2-400C-A20B-1661F19FC34B}" srcId="{02F169A3-994F-4CA4-96E5-97452CF9A7F1}" destId="{3D789325-8366-4553-A4C0-C02A9CF0F1AA}" srcOrd="1" destOrd="0" parTransId="{05B1D693-45F4-4853-9B9E-D00278225319}" sibTransId="{B8F9E771-0AC1-420C-990F-B648B068A717}"/>
-    <dgm:cxn modelId="{2EF46230-FB31-4EDB-B6CE-3D5FEAB5AEF6}" srcId="{02F169A3-994F-4CA4-96E5-97452CF9A7F1}" destId="{8D454871-913E-4B9F-A973-DB5CB8BD8BEA}" srcOrd="3" destOrd="0" parTransId="{EA714446-FA7F-43CA-9D18-6A9B5EE89135}" sibTransId="{1210CE54-9F84-413C-B25E-DEFF7308D27D}"/>
-    <dgm:cxn modelId="{8682260E-DB89-4747-A073-85CE617C8CC2}" type="presOf" srcId="{92EEEDD4-85AB-4E4B-B1E4-52EB1C86AF54}" destId="{F404437D-A1B4-4AD2-A610-9F1A17DFC22C}" srcOrd="0" destOrd="0" presId="urn:microsoft.com/office/officeart/2005/8/layout/hChevron3"/>
-    <dgm:cxn modelId="{67F6ED2C-7E87-4EF2-9A53-D8AA2A102D53}" type="presOf" srcId="{75DEAC54-37E1-4C9D-9BCA-3A7439FC30FE}" destId="{27470EFD-CEEB-44EC-A75A-B13AC67F5115}" srcOrd="0" destOrd="0" presId="urn:microsoft.com/office/officeart/2005/8/layout/hChevron3"/>
-    <dgm:cxn modelId="{CDDE76A6-F36B-4998-8331-16E5B5CFED98}" type="presOf" srcId="{8D454871-913E-4B9F-A973-DB5CB8BD8BEA}" destId="{FB49EF4F-DBAA-45C9-8294-1B438078060D}" srcOrd="0" destOrd="0" presId="urn:microsoft.com/office/officeart/2005/8/layout/hChevron3"/>
-    <dgm:cxn modelId="{07A459AF-EF09-433A-8C60-17F38366BB28}" srcId="{02F169A3-994F-4CA4-96E5-97452CF9A7F1}" destId="{75DEAC54-37E1-4C9D-9BCA-3A7439FC30FE}" srcOrd="4" destOrd="0" parTransId="{ED3597F5-F21F-496B-A436-FB2357A17A9E}" sibTransId="{9DF78E47-B100-4966-8DFF-DDAA0100EB7A}"/>
     <dgm:cxn modelId="{1775AD88-0672-4666-BAB0-E951615AAFBC}" type="presParOf" srcId="{EB1209FE-7F27-4E14-8C2E-22F3DF986852}" destId="{7175A4EC-3B24-40FB-93A3-B207D4B401A3}" srcOrd="0" destOrd="0" presId="urn:microsoft.com/office/officeart/2005/8/layout/hChevron3"/>
     <dgm:cxn modelId="{565F419F-3D93-403E-B847-A0D17D31C918}" type="presParOf" srcId="{EB1209FE-7F27-4E14-8C2E-22F3DF986852}" destId="{BE1558F8-005E-49AD-9F2B-772B57176E06}" srcOrd="1" destOrd="0" presId="urn:microsoft.com/office/officeart/2005/8/layout/hChevron3"/>
     <dgm:cxn modelId="{BE2F8260-8CED-4E22-AC6C-F1B2B4A005BC}" type="presParOf" srcId="{EB1209FE-7F27-4E14-8C2E-22F3DF986852}" destId="{A2C63A07-CD9F-40A7-8330-BCAEA232B8DA}" srcOrd="2" destOrd="0" presId="urn:microsoft.com/office/officeart/2005/8/layout/hChevron3"/>
@@ -9267,13 +9092,6 @@
         </dgm:presLayoutVars>
       </dgm:prSet>
       <dgm:spPr/>
-      <dgm:t>
-        <a:bodyPr/>
-        <a:lstStyle/>
-        <a:p>
-          <a:endParaRPr lang="fr-FR"/>
-        </a:p>
-      </dgm:t>
     </dgm:pt>
     <dgm:pt modelId="{BE1558F8-005E-49AD-9F2B-772B57176E06}" type="pres">
       <dgm:prSet presAssocID="{31404B3A-79A4-4C59-93F4-2E44556D3CDB}" presName="parSpace" presStyleCnt="0"/>
@@ -9286,13 +9104,6 @@
         </dgm:presLayoutVars>
       </dgm:prSet>
       <dgm:spPr/>
-      <dgm:t>
-        <a:bodyPr/>
-        <a:lstStyle/>
-        <a:p>
-          <a:endParaRPr lang="fr-FR"/>
-        </a:p>
-      </dgm:t>
     </dgm:pt>
     <dgm:pt modelId="{F100EED1-637D-473A-8321-A273282E1E6A}" type="pres">
       <dgm:prSet presAssocID="{B8F9E771-0AC1-420C-990F-B648B068A717}" presName="parSpace" presStyleCnt="0"/>
@@ -9305,13 +9116,6 @@
         </dgm:presLayoutVars>
       </dgm:prSet>
       <dgm:spPr/>
-      <dgm:t>
-        <a:bodyPr/>
-        <a:lstStyle/>
-        <a:p>
-          <a:endParaRPr lang="fr-FR"/>
-        </a:p>
-      </dgm:t>
     </dgm:pt>
     <dgm:pt modelId="{A39C6B59-85B3-45A7-999A-07F1069B953B}" type="pres">
       <dgm:prSet presAssocID="{54D050C3-3533-4E2A-B36D-D3BA51B65B6A}" presName="parSpace" presStyleCnt="0"/>
@@ -9324,13 +9128,6 @@
         </dgm:presLayoutVars>
       </dgm:prSet>
       <dgm:spPr/>
-      <dgm:t>
-        <a:bodyPr/>
-        <a:lstStyle/>
-        <a:p>
-          <a:endParaRPr lang="fr-FR"/>
-        </a:p>
-      </dgm:t>
     </dgm:pt>
     <dgm:pt modelId="{2E11CDE2-58EB-4E3F-A022-1BE6BA2360BE}" type="pres">
       <dgm:prSet presAssocID="{1210CE54-9F84-413C-B25E-DEFF7308D27D}" presName="parSpace" presStyleCnt="0"/>
@@ -9343,27 +9140,20 @@
         </dgm:presLayoutVars>
       </dgm:prSet>
       <dgm:spPr/>
-      <dgm:t>
-        <a:bodyPr/>
-        <a:lstStyle/>
-        <a:p>
-          <a:endParaRPr lang="fr-FR"/>
-        </a:p>
-      </dgm:t>
     </dgm:pt>
   </dgm:ptLst>
   <dgm:cxnLst>
+    <dgm:cxn modelId="{8682260E-DB89-4747-A073-85CE617C8CC2}" type="presOf" srcId="{92EEEDD4-85AB-4E4B-B1E4-52EB1C86AF54}" destId="{F404437D-A1B4-4AD2-A610-9F1A17DFC22C}" srcOrd="0" destOrd="0" presId="urn:microsoft.com/office/officeart/2005/8/layout/hChevron3"/>
+    <dgm:cxn modelId="{CFF69217-1D87-4A8C-919E-3827F1BF4C30}" srcId="{02F169A3-994F-4CA4-96E5-97452CF9A7F1}" destId="{92EEEDD4-85AB-4E4B-B1E4-52EB1C86AF54}" srcOrd="2" destOrd="0" parTransId="{22649B0E-CDA2-4BF7-A2EC-F864A77A7139}" sibTransId="{54D050C3-3533-4E2A-B36D-D3BA51B65B6A}"/>
+    <dgm:cxn modelId="{67F6ED2C-7E87-4EF2-9A53-D8AA2A102D53}" type="presOf" srcId="{75DEAC54-37E1-4C9D-9BCA-3A7439FC30FE}" destId="{27470EFD-CEEB-44EC-A75A-B13AC67F5115}" srcOrd="0" destOrd="0" presId="urn:microsoft.com/office/officeart/2005/8/layout/hChevron3"/>
+    <dgm:cxn modelId="{2EF46230-FB31-4EDB-B6CE-3D5FEAB5AEF6}" srcId="{02F169A3-994F-4CA4-96E5-97452CF9A7F1}" destId="{8D454871-913E-4B9F-A973-DB5CB8BD8BEA}" srcOrd="3" destOrd="0" parTransId="{EA714446-FA7F-43CA-9D18-6A9B5EE89135}" sibTransId="{1210CE54-9F84-413C-B25E-DEFF7308D27D}"/>
+    <dgm:cxn modelId="{30245C3F-0CE2-400C-A20B-1661F19FC34B}" srcId="{02F169A3-994F-4CA4-96E5-97452CF9A7F1}" destId="{3D789325-8366-4553-A4C0-C02A9CF0F1AA}" srcOrd="1" destOrd="0" parTransId="{05B1D693-45F4-4853-9B9E-D00278225319}" sibTransId="{B8F9E771-0AC1-420C-990F-B648B068A717}"/>
     <dgm:cxn modelId="{F9F9BA7C-BE7E-47E6-A025-24B8E409C2F9}" type="presOf" srcId="{3D789325-8366-4553-A4C0-C02A9CF0F1AA}" destId="{A2C63A07-CD9F-40A7-8330-BCAEA232B8DA}" srcOrd="0" destOrd="0" presId="urn:microsoft.com/office/officeart/2005/8/layout/hChevron3"/>
+    <dgm:cxn modelId="{CDDE76A6-F36B-4998-8331-16E5B5CFED98}" type="presOf" srcId="{8D454871-913E-4B9F-A973-DB5CB8BD8BEA}" destId="{FB49EF4F-DBAA-45C9-8294-1B438078060D}" srcOrd="0" destOrd="0" presId="urn:microsoft.com/office/officeart/2005/8/layout/hChevron3"/>
+    <dgm:cxn modelId="{B3672BAD-7231-44A7-AD98-7BD4D2E8CA1E}" srcId="{02F169A3-994F-4CA4-96E5-97452CF9A7F1}" destId="{446301A8-ED7F-4E78-8077-275912139C05}" srcOrd="0" destOrd="0" parTransId="{9F85059D-EED4-44C3-8FF7-D0A45D4F5C03}" sibTransId="{31404B3A-79A4-4C59-93F4-2E44556D3CDB}"/>
+    <dgm:cxn modelId="{07A459AF-EF09-433A-8C60-17F38366BB28}" srcId="{02F169A3-994F-4CA4-96E5-97452CF9A7F1}" destId="{75DEAC54-37E1-4C9D-9BCA-3A7439FC30FE}" srcOrd="4" destOrd="0" parTransId="{ED3597F5-F21F-496B-A436-FB2357A17A9E}" sibTransId="{9DF78E47-B100-4966-8DFF-DDAA0100EB7A}"/>
     <dgm:cxn modelId="{15E2F7EB-4B92-40EB-A186-64B9F8DF6AA1}" type="presOf" srcId="{02F169A3-994F-4CA4-96E5-97452CF9A7F1}" destId="{EB1209FE-7F27-4E14-8C2E-22F3DF986852}" srcOrd="0" destOrd="0" presId="urn:microsoft.com/office/officeart/2005/8/layout/hChevron3"/>
-    <dgm:cxn modelId="{CFF69217-1D87-4A8C-919E-3827F1BF4C30}" srcId="{02F169A3-994F-4CA4-96E5-97452CF9A7F1}" destId="{92EEEDD4-85AB-4E4B-B1E4-52EB1C86AF54}" srcOrd="2" destOrd="0" parTransId="{22649B0E-CDA2-4BF7-A2EC-F864A77A7139}" sibTransId="{54D050C3-3533-4E2A-B36D-D3BA51B65B6A}"/>
     <dgm:cxn modelId="{0E167BEE-88C2-4149-95EF-A0AFBCC56BB4}" type="presOf" srcId="{446301A8-ED7F-4E78-8077-275912139C05}" destId="{7175A4EC-3B24-40FB-93A3-B207D4B401A3}" srcOrd="0" destOrd="0" presId="urn:microsoft.com/office/officeart/2005/8/layout/hChevron3"/>
-    <dgm:cxn modelId="{B3672BAD-7231-44A7-AD98-7BD4D2E8CA1E}" srcId="{02F169A3-994F-4CA4-96E5-97452CF9A7F1}" destId="{446301A8-ED7F-4E78-8077-275912139C05}" srcOrd="0" destOrd="0" parTransId="{9F85059D-EED4-44C3-8FF7-D0A45D4F5C03}" sibTransId="{31404B3A-79A4-4C59-93F4-2E44556D3CDB}"/>
-    <dgm:cxn modelId="{30245C3F-0CE2-400C-A20B-1661F19FC34B}" srcId="{02F169A3-994F-4CA4-96E5-97452CF9A7F1}" destId="{3D789325-8366-4553-A4C0-C02A9CF0F1AA}" srcOrd="1" destOrd="0" parTransId="{05B1D693-45F4-4853-9B9E-D00278225319}" sibTransId="{B8F9E771-0AC1-420C-990F-B648B068A717}"/>
-    <dgm:cxn modelId="{2EF46230-FB31-4EDB-B6CE-3D5FEAB5AEF6}" srcId="{02F169A3-994F-4CA4-96E5-97452CF9A7F1}" destId="{8D454871-913E-4B9F-A973-DB5CB8BD8BEA}" srcOrd="3" destOrd="0" parTransId="{EA714446-FA7F-43CA-9D18-6A9B5EE89135}" sibTransId="{1210CE54-9F84-413C-B25E-DEFF7308D27D}"/>
-    <dgm:cxn modelId="{8682260E-DB89-4747-A073-85CE617C8CC2}" type="presOf" srcId="{92EEEDD4-85AB-4E4B-B1E4-52EB1C86AF54}" destId="{F404437D-A1B4-4AD2-A610-9F1A17DFC22C}" srcOrd="0" destOrd="0" presId="urn:microsoft.com/office/officeart/2005/8/layout/hChevron3"/>
-    <dgm:cxn modelId="{67F6ED2C-7E87-4EF2-9A53-D8AA2A102D53}" type="presOf" srcId="{75DEAC54-37E1-4C9D-9BCA-3A7439FC30FE}" destId="{27470EFD-CEEB-44EC-A75A-B13AC67F5115}" srcOrd="0" destOrd="0" presId="urn:microsoft.com/office/officeart/2005/8/layout/hChevron3"/>
-    <dgm:cxn modelId="{CDDE76A6-F36B-4998-8331-16E5B5CFED98}" type="presOf" srcId="{8D454871-913E-4B9F-A973-DB5CB8BD8BEA}" destId="{FB49EF4F-DBAA-45C9-8294-1B438078060D}" srcOrd="0" destOrd="0" presId="urn:microsoft.com/office/officeart/2005/8/layout/hChevron3"/>
-    <dgm:cxn modelId="{07A459AF-EF09-433A-8C60-17F38366BB28}" srcId="{02F169A3-994F-4CA4-96E5-97452CF9A7F1}" destId="{75DEAC54-37E1-4C9D-9BCA-3A7439FC30FE}" srcOrd="4" destOrd="0" parTransId="{ED3597F5-F21F-496B-A436-FB2357A17A9E}" sibTransId="{9DF78E47-B100-4966-8DFF-DDAA0100EB7A}"/>
     <dgm:cxn modelId="{1775AD88-0672-4666-BAB0-E951615AAFBC}" type="presParOf" srcId="{EB1209FE-7F27-4E14-8C2E-22F3DF986852}" destId="{7175A4EC-3B24-40FB-93A3-B207D4B401A3}" srcOrd="0" destOrd="0" presId="urn:microsoft.com/office/officeart/2005/8/layout/hChevron3"/>
     <dgm:cxn modelId="{565F419F-3D93-403E-B847-A0D17D31C918}" type="presParOf" srcId="{EB1209FE-7F27-4E14-8C2E-22F3DF986852}" destId="{BE1558F8-005E-49AD-9F2B-772B57176E06}" srcOrd="1" destOrd="0" presId="urn:microsoft.com/office/officeart/2005/8/layout/hChevron3"/>
     <dgm:cxn modelId="{BE2F8260-8CED-4E22-AC6C-F1B2B4A005BC}" type="presParOf" srcId="{EB1209FE-7F27-4E14-8C2E-22F3DF986852}" destId="{A2C63A07-CD9F-40A7-8330-BCAEA232B8DA}" srcOrd="2" destOrd="0" presId="urn:microsoft.com/office/officeart/2005/8/layout/hChevron3"/>
@@ -9603,13 +9393,6 @@
         </dgm:presLayoutVars>
       </dgm:prSet>
       <dgm:spPr/>
-      <dgm:t>
-        <a:bodyPr/>
-        <a:lstStyle/>
-        <a:p>
-          <a:endParaRPr lang="fr-FR"/>
-        </a:p>
-      </dgm:t>
     </dgm:pt>
     <dgm:pt modelId="{BE1558F8-005E-49AD-9F2B-772B57176E06}" type="pres">
       <dgm:prSet presAssocID="{31404B3A-79A4-4C59-93F4-2E44556D3CDB}" presName="parSpace" presStyleCnt="0"/>
@@ -9622,13 +9405,6 @@
         </dgm:presLayoutVars>
       </dgm:prSet>
       <dgm:spPr/>
-      <dgm:t>
-        <a:bodyPr/>
-        <a:lstStyle/>
-        <a:p>
-          <a:endParaRPr lang="fr-FR"/>
-        </a:p>
-      </dgm:t>
     </dgm:pt>
     <dgm:pt modelId="{F100EED1-637D-473A-8321-A273282E1E6A}" type="pres">
       <dgm:prSet presAssocID="{B8F9E771-0AC1-420C-990F-B648B068A717}" presName="parSpace" presStyleCnt="0"/>
@@ -9641,13 +9417,6 @@
         </dgm:presLayoutVars>
       </dgm:prSet>
       <dgm:spPr/>
-      <dgm:t>
-        <a:bodyPr/>
-        <a:lstStyle/>
-        <a:p>
-          <a:endParaRPr lang="fr-FR"/>
-        </a:p>
-      </dgm:t>
     </dgm:pt>
     <dgm:pt modelId="{A39C6B59-85B3-45A7-999A-07F1069B953B}" type="pres">
       <dgm:prSet presAssocID="{54D050C3-3533-4E2A-B36D-D3BA51B65B6A}" presName="parSpace" presStyleCnt="0"/>
@@ -9660,13 +9429,6 @@
         </dgm:presLayoutVars>
       </dgm:prSet>
       <dgm:spPr/>
-      <dgm:t>
-        <a:bodyPr/>
-        <a:lstStyle/>
-        <a:p>
-          <a:endParaRPr lang="fr-FR"/>
-        </a:p>
-      </dgm:t>
     </dgm:pt>
     <dgm:pt modelId="{2E11CDE2-58EB-4E3F-A022-1BE6BA2360BE}" type="pres">
       <dgm:prSet presAssocID="{1210CE54-9F84-413C-B25E-DEFF7308D27D}" presName="parSpace" presStyleCnt="0"/>
@@ -9679,27 +9441,20 @@
         </dgm:presLayoutVars>
       </dgm:prSet>
       <dgm:spPr/>
-      <dgm:t>
-        <a:bodyPr/>
-        <a:lstStyle/>
-        <a:p>
-          <a:endParaRPr lang="fr-FR"/>
-        </a:p>
-      </dgm:t>
     </dgm:pt>
   </dgm:ptLst>
   <dgm:cxnLst>
+    <dgm:cxn modelId="{8682260E-DB89-4747-A073-85CE617C8CC2}" type="presOf" srcId="{92EEEDD4-85AB-4E4B-B1E4-52EB1C86AF54}" destId="{F404437D-A1B4-4AD2-A610-9F1A17DFC22C}" srcOrd="0" destOrd="0" presId="urn:microsoft.com/office/officeart/2005/8/layout/hChevron3"/>
+    <dgm:cxn modelId="{CFF69217-1D87-4A8C-919E-3827F1BF4C30}" srcId="{02F169A3-994F-4CA4-96E5-97452CF9A7F1}" destId="{92EEEDD4-85AB-4E4B-B1E4-52EB1C86AF54}" srcOrd="2" destOrd="0" parTransId="{22649B0E-CDA2-4BF7-A2EC-F864A77A7139}" sibTransId="{54D050C3-3533-4E2A-B36D-D3BA51B65B6A}"/>
+    <dgm:cxn modelId="{67F6ED2C-7E87-4EF2-9A53-D8AA2A102D53}" type="presOf" srcId="{75DEAC54-37E1-4C9D-9BCA-3A7439FC30FE}" destId="{27470EFD-CEEB-44EC-A75A-B13AC67F5115}" srcOrd="0" destOrd="0" presId="urn:microsoft.com/office/officeart/2005/8/layout/hChevron3"/>
+    <dgm:cxn modelId="{2EF46230-FB31-4EDB-B6CE-3D5FEAB5AEF6}" srcId="{02F169A3-994F-4CA4-96E5-97452CF9A7F1}" destId="{8D454871-913E-4B9F-A973-DB5CB8BD8BEA}" srcOrd="3" destOrd="0" parTransId="{EA714446-FA7F-43CA-9D18-6A9B5EE89135}" sibTransId="{1210CE54-9F84-413C-B25E-DEFF7308D27D}"/>
+    <dgm:cxn modelId="{30245C3F-0CE2-400C-A20B-1661F19FC34B}" srcId="{02F169A3-994F-4CA4-96E5-97452CF9A7F1}" destId="{3D789325-8366-4553-A4C0-C02A9CF0F1AA}" srcOrd="1" destOrd="0" parTransId="{05B1D693-45F4-4853-9B9E-D00278225319}" sibTransId="{B8F9E771-0AC1-420C-990F-B648B068A717}"/>
     <dgm:cxn modelId="{F9F9BA7C-BE7E-47E6-A025-24B8E409C2F9}" type="presOf" srcId="{3D789325-8366-4553-A4C0-C02A9CF0F1AA}" destId="{A2C63A07-CD9F-40A7-8330-BCAEA232B8DA}" srcOrd="0" destOrd="0" presId="urn:microsoft.com/office/officeart/2005/8/layout/hChevron3"/>
+    <dgm:cxn modelId="{CDDE76A6-F36B-4998-8331-16E5B5CFED98}" type="presOf" srcId="{8D454871-913E-4B9F-A973-DB5CB8BD8BEA}" destId="{FB49EF4F-DBAA-45C9-8294-1B438078060D}" srcOrd="0" destOrd="0" presId="urn:microsoft.com/office/officeart/2005/8/layout/hChevron3"/>
+    <dgm:cxn modelId="{B3672BAD-7231-44A7-AD98-7BD4D2E8CA1E}" srcId="{02F169A3-994F-4CA4-96E5-97452CF9A7F1}" destId="{446301A8-ED7F-4E78-8077-275912139C05}" srcOrd="0" destOrd="0" parTransId="{9F85059D-EED4-44C3-8FF7-D0A45D4F5C03}" sibTransId="{31404B3A-79A4-4C59-93F4-2E44556D3CDB}"/>
+    <dgm:cxn modelId="{07A459AF-EF09-433A-8C60-17F38366BB28}" srcId="{02F169A3-994F-4CA4-96E5-97452CF9A7F1}" destId="{75DEAC54-37E1-4C9D-9BCA-3A7439FC30FE}" srcOrd="4" destOrd="0" parTransId="{ED3597F5-F21F-496B-A436-FB2357A17A9E}" sibTransId="{9DF78E47-B100-4966-8DFF-DDAA0100EB7A}"/>
     <dgm:cxn modelId="{15E2F7EB-4B92-40EB-A186-64B9F8DF6AA1}" type="presOf" srcId="{02F169A3-994F-4CA4-96E5-97452CF9A7F1}" destId="{EB1209FE-7F27-4E14-8C2E-22F3DF986852}" srcOrd="0" destOrd="0" presId="urn:microsoft.com/office/officeart/2005/8/layout/hChevron3"/>
-    <dgm:cxn modelId="{CFF69217-1D87-4A8C-919E-3827F1BF4C30}" srcId="{02F169A3-994F-4CA4-96E5-97452CF9A7F1}" destId="{92EEEDD4-85AB-4E4B-B1E4-52EB1C86AF54}" srcOrd="2" destOrd="0" parTransId="{22649B0E-CDA2-4BF7-A2EC-F864A77A7139}" sibTransId="{54D050C3-3533-4E2A-B36D-D3BA51B65B6A}"/>
     <dgm:cxn modelId="{0E167BEE-88C2-4149-95EF-A0AFBCC56BB4}" type="presOf" srcId="{446301A8-ED7F-4E78-8077-275912139C05}" destId="{7175A4EC-3B24-40FB-93A3-B207D4B401A3}" srcOrd="0" destOrd="0" presId="urn:microsoft.com/office/officeart/2005/8/layout/hChevron3"/>
-    <dgm:cxn modelId="{B3672BAD-7231-44A7-AD98-7BD4D2E8CA1E}" srcId="{02F169A3-994F-4CA4-96E5-97452CF9A7F1}" destId="{446301A8-ED7F-4E78-8077-275912139C05}" srcOrd="0" destOrd="0" parTransId="{9F85059D-EED4-44C3-8FF7-D0A45D4F5C03}" sibTransId="{31404B3A-79A4-4C59-93F4-2E44556D3CDB}"/>
-    <dgm:cxn modelId="{30245C3F-0CE2-400C-A20B-1661F19FC34B}" srcId="{02F169A3-994F-4CA4-96E5-97452CF9A7F1}" destId="{3D789325-8366-4553-A4C0-C02A9CF0F1AA}" srcOrd="1" destOrd="0" parTransId="{05B1D693-45F4-4853-9B9E-D00278225319}" sibTransId="{B8F9E771-0AC1-420C-990F-B648B068A717}"/>
-    <dgm:cxn modelId="{2EF46230-FB31-4EDB-B6CE-3D5FEAB5AEF6}" srcId="{02F169A3-994F-4CA4-96E5-97452CF9A7F1}" destId="{8D454871-913E-4B9F-A973-DB5CB8BD8BEA}" srcOrd="3" destOrd="0" parTransId="{EA714446-FA7F-43CA-9D18-6A9B5EE89135}" sibTransId="{1210CE54-9F84-413C-B25E-DEFF7308D27D}"/>
-    <dgm:cxn modelId="{8682260E-DB89-4747-A073-85CE617C8CC2}" type="presOf" srcId="{92EEEDD4-85AB-4E4B-B1E4-52EB1C86AF54}" destId="{F404437D-A1B4-4AD2-A610-9F1A17DFC22C}" srcOrd="0" destOrd="0" presId="urn:microsoft.com/office/officeart/2005/8/layout/hChevron3"/>
-    <dgm:cxn modelId="{67F6ED2C-7E87-4EF2-9A53-D8AA2A102D53}" type="presOf" srcId="{75DEAC54-37E1-4C9D-9BCA-3A7439FC30FE}" destId="{27470EFD-CEEB-44EC-A75A-B13AC67F5115}" srcOrd="0" destOrd="0" presId="urn:microsoft.com/office/officeart/2005/8/layout/hChevron3"/>
-    <dgm:cxn modelId="{CDDE76A6-F36B-4998-8331-16E5B5CFED98}" type="presOf" srcId="{8D454871-913E-4B9F-A973-DB5CB8BD8BEA}" destId="{FB49EF4F-DBAA-45C9-8294-1B438078060D}" srcOrd="0" destOrd="0" presId="urn:microsoft.com/office/officeart/2005/8/layout/hChevron3"/>
-    <dgm:cxn modelId="{07A459AF-EF09-433A-8C60-17F38366BB28}" srcId="{02F169A3-994F-4CA4-96E5-97452CF9A7F1}" destId="{75DEAC54-37E1-4C9D-9BCA-3A7439FC30FE}" srcOrd="4" destOrd="0" parTransId="{ED3597F5-F21F-496B-A436-FB2357A17A9E}" sibTransId="{9DF78E47-B100-4966-8DFF-DDAA0100EB7A}"/>
     <dgm:cxn modelId="{1775AD88-0672-4666-BAB0-E951615AAFBC}" type="presParOf" srcId="{EB1209FE-7F27-4E14-8C2E-22F3DF986852}" destId="{7175A4EC-3B24-40FB-93A3-B207D4B401A3}" srcOrd="0" destOrd="0" presId="urn:microsoft.com/office/officeart/2005/8/layout/hChevron3"/>
     <dgm:cxn modelId="{565F419F-3D93-403E-B847-A0D17D31C918}" type="presParOf" srcId="{EB1209FE-7F27-4E14-8C2E-22F3DF986852}" destId="{BE1558F8-005E-49AD-9F2B-772B57176E06}" srcOrd="1" destOrd="0" presId="urn:microsoft.com/office/officeart/2005/8/layout/hChevron3"/>
     <dgm:cxn modelId="{BE2F8260-8CED-4E22-AC6C-F1B2B4A005BC}" type="presParOf" srcId="{EB1209FE-7F27-4E14-8C2E-22F3DF986852}" destId="{A2C63A07-CD9F-40A7-8330-BCAEA232B8DA}" srcOrd="2" destOrd="0" presId="urn:microsoft.com/office/officeart/2005/8/layout/hChevron3"/>
@@ -9939,13 +9694,6 @@
         </dgm:presLayoutVars>
       </dgm:prSet>
       <dgm:spPr/>
-      <dgm:t>
-        <a:bodyPr/>
-        <a:lstStyle/>
-        <a:p>
-          <a:endParaRPr lang="fr-FR"/>
-        </a:p>
-      </dgm:t>
     </dgm:pt>
     <dgm:pt modelId="{BE1558F8-005E-49AD-9F2B-772B57176E06}" type="pres">
       <dgm:prSet presAssocID="{31404B3A-79A4-4C59-93F4-2E44556D3CDB}" presName="parSpace" presStyleCnt="0"/>
@@ -9958,13 +9706,6 @@
         </dgm:presLayoutVars>
       </dgm:prSet>
       <dgm:spPr/>
-      <dgm:t>
-        <a:bodyPr/>
-        <a:lstStyle/>
-        <a:p>
-          <a:endParaRPr lang="fr-FR"/>
-        </a:p>
-      </dgm:t>
     </dgm:pt>
     <dgm:pt modelId="{F100EED1-637D-473A-8321-A273282E1E6A}" type="pres">
       <dgm:prSet presAssocID="{B8F9E771-0AC1-420C-990F-B648B068A717}" presName="parSpace" presStyleCnt="0"/>
@@ -9977,13 +9718,6 @@
         </dgm:presLayoutVars>
       </dgm:prSet>
       <dgm:spPr/>
-      <dgm:t>
-        <a:bodyPr/>
-        <a:lstStyle/>
-        <a:p>
-          <a:endParaRPr lang="fr-FR"/>
-        </a:p>
-      </dgm:t>
     </dgm:pt>
     <dgm:pt modelId="{A39C6B59-85B3-45A7-999A-07F1069B953B}" type="pres">
       <dgm:prSet presAssocID="{54D050C3-3533-4E2A-B36D-D3BA51B65B6A}" presName="parSpace" presStyleCnt="0"/>
@@ -9996,13 +9730,6 @@
         </dgm:presLayoutVars>
       </dgm:prSet>
       <dgm:spPr/>
-      <dgm:t>
-        <a:bodyPr/>
-        <a:lstStyle/>
-        <a:p>
-          <a:endParaRPr lang="fr-FR"/>
-        </a:p>
-      </dgm:t>
     </dgm:pt>
     <dgm:pt modelId="{2E11CDE2-58EB-4E3F-A022-1BE6BA2360BE}" type="pres">
       <dgm:prSet presAssocID="{1210CE54-9F84-413C-B25E-DEFF7308D27D}" presName="parSpace" presStyleCnt="0"/>
@@ -10015,27 +9742,20 @@
         </dgm:presLayoutVars>
       </dgm:prSet>
       <dgm:spPr/>
-      <dgm:t>
-        <a:bodyPr/>
-        <a:lstStyle/>
-        <a:p>
-          <a:endParaRPr lang="fr-FR"/>
-        </a:p>
-      </dgm:t>
     </dgm:pt>
   </dgm:ptLst>
   <dgm:cxnLst>
+    <dgm:cxn modelId="{8682260E-DB89-4747-A073-85CE617C8CC2}" type="presOf" srcId="{92EEEDD4-85AB-4E4B-B1E4-52EB1C86AF54}" destId="{F404437D-A1B4-4AD2-A610-9F1A17DFC22C}" srcOrd="0" destOrd="0" presId="urn:microsoft.com/office/officeart/2005/8/layout/hChevron3"/>
+    <dgm:cxn modelId="{CFF69217-1D87-4A8C-919E-3827F1BF4C30}" srcId="{02F169A3-994F-4CA4-96E5-97452CF9A7F1}" destId="{92EEEDD4-85AB-4E4B-B1E4-52EB1C86AF54}" srcOrd="2" destOrd="0" parTransId="{22649B0E-CDA2-4BF7-A2EC-F864A77A7139}" sibTransId="{54D050C3-3533-4E2A-B36D-D3BA51B65B6A}"/>
+    <dgm:cxn modelId="{67F6ED2C-7E87-4EF2-9A53-D8AA2A102D53}" type="presOf" srcId="{75DEAC54-37E1-4C9D-9BCA-3A7439FC30FE}" destId="{27470EFD-CEEB-44EC-A75A-B13AC67F5115}" srcOrd="0" destOrd="0" presId="urn:microsoft.com/office/officeart/2005/8/layout/hChevron3"/>
+    <dgm:cxn modelId="{2EF46230-FB31-4EDB-B6CE-3D5FEAB5AEF6}" srcId="{02F169A3-994F-4CA4-96E5-97452CF9A7F1}" destId="{8D454871-913E-4B9F-A973-DB5CB8BD8BEA}" srcOrd="3" destOrd="0" parTransId="{EA714446-FA7F-43CA-9D18-6A9B5EE89135}" sibTransId="{1210CE54-9F84-413C-B25E-DEFF7308D27D}"/>
+    <dgm:cxn modelId="{30245C3F-0CE2-400C-A20B-1661F19FC34B}" srcId="{02F169A3-994F-4CA4-96E5-97452CF9A7F1}" destId="{3D789325-8366-4553-A4C0-C02A9CF0F1AA}" srcOrd="1" destOrd="0" parTransId="{05B1D693-45F4-4853-9B9E-D00278225319}" sibTransId="{B8F9E771-0AC1-420C-990F-B648B068A717}"/>
     <dgm:cxn modelId="{F9F9BA7C-BE7E-47E6-A025-24B8E409C2F9}" type="presOf" srcId="{3D789325-8366-4553-A4C0-C02A9CF0F1AA}" destId="{A2C63A07-CD9F-40A7-8330-BCAEA232B8DA}" srcOrd="0" destOrd="0" presId="urn:microsoft.com/office/officeart/2005/8/layout/hChevron3"/>
+    <dgm:cxn modelId="{CDDE76A6-F36B-4998-8331-16E5B5CFED98}" type="presOf" srcId="{8D454871-913E-4B9F-A973-DB5CB8BD8BEA}" destId="{FB49EF4F-DBAA-45C9-8294-1B438078060D}" srcOrd="0" destOrd="0" presId="urn:microsoft.com/office/officeart/2005/8/layout/hChevron3"/>
+    <dgm:cxn modelId="{B3672BAD-7231-44A7-AD98-7BD4D2E8CA1E}" srcId="{02F169A3-994F-4CA4-96E5-97452CF9A7F1}" destId="{446301A8-ED7F-4E78-8077-275912139C05}" srcOrd="0" destOrd="0" parTransId="{9F85059D-EED4-44C3-8FF7-D0A45D4F5C03}" sibTransId="{31404B3A-79A4-4C59-93F4-2E44556D3CDB}"/>
+    <dgm:cxn modelId="{07A459AF-EF09-433A-8C60-17F38366BB28}" srcId="{02F169A3-994F-4CA4-96E5-97452CF9A7F1}" destId="{75DEAC54-37E1-4C9D-9BCA-3A7439FC30FE}" srcOrd="4" destOrd="0" parTransId="{ED3597F5-F21F-496B-A436-FB2357A17A9E}" sibTransId="{9DF78E47-B100-4966-8DFF-DDAA0100EB7A}"/>
     <dgm:cxn modelId="{15E2F7EB-4B92-40EB-A186-64B9F8DF6AA1}" type="presOf" srcId="{02F169A3-994F-4CA4-96E5-97452CF9A7F1}" destId="{EB1209FE-7F27-4E14-8C2E-22F3DF986852}" srcOrd="0" destOrd="0" presId="urn:microsoft.com/office/officeart/2005/8/layout/hChevron3"/>
-    <dgm:cxn modelId="{CFF69217-1D87-4A8C-919E-3827F1BF4C30}" srcId="{02F169A3-994F-4CA4-96E5-97452CF9A7F1}" destId="{92EEEDD4-85AB-4E4B-B1E4-52EB1C86AF54}" srcOrd="2" destOrd="0" parTransId="{22649B0E-CDA2-4BF7-A2EC-F864A77A7139}" sibTransId="{54D050C3-3533-4E2A-B36D-D3BA51B65B6A}"/>
     <dgm:cxn modelId="{0E167BEE-88C2-4149-95EF-A0AFBCC56BB4}" type="presOf" srcId="{446301A8-ED7F-4E78-8077-275912139C05}" destId="{7175A4EC-3B24-40FB-93A3-B207D4B401A3}" srcOrd="0" destOrd="0" presId="urn:microsoft.com/office/officeart/2005/8/layout/hChevron3"/>
-    <dgm:cxn modelId="{B3672BAD-7231-44A7-AD98-7BD4D2E8CA1E}" srcId="{02F169A3-994F-4CA4-96E5-97452CF9A7F1}" destId="{446301A8-ED7F-4E78-8077-275912139C05}" srcOrd="0" destOrd="0" parTransId="{9F85059D-EED4-44C3-8FF7-D0A45D4F5C03}" sibTransId="{31404B3A-79A4-4C59-93F4-2E44556D3CDB}"/>
-    <dgm:cxn modelId="{30245C3F-0CE2-400C-A20B-1661F19FC34B}" srcId="{02F169A3-994F-4CA4-96E5-97452CF9A7F1}" destId="{3D789325-8366-4553-A4C0-C02A9CF0F1AA}" srcOrd="1" destOrd="0" parTransId="{05B1D693-45F4-4853-9B9E-D00278225319}" sibTransId="{B8F9E771-0AC1-420C-990F-B648B068A717}"/>
-    <dgm:cxn modelId="{2EF46230-FB31-4EDB-B6CE-3D5FEAB5AEF6}" srcId="{02F169A3-994F-4CA4-96E5-97452CF9A7F1}" destId="{8D454871-913E-4B9F-A973-DB5CB8BD8BEA}" srcOrd="3" destOrd="0" parTransId="{EA714446-FA7F-43CA-9D18-6A9B5EE89135}" sibTransId="{1210CE54-9F84-413C-B25E-DEFF7308D27D}"/>
-    <dgm:cxn modelId="{8682260E-DB89-4747-A073-85CE617C8CC2}" type="presOf" srcId="{92EEEDD4-85AB-4E4B-B1E4-52EB1C86AF54}" destId="{F404437D-A1B4-4AD2-A610-9F1A17DFC22C}" srcOrd="0" destOrd="0" presId="urn:microsoft.com/office/officeart/2005/8/layout/hChevron3"/>
-    <dgm:cxn modelId="{67F6ED2C-7E87-4EF2-9A53-D8AA2A102D53}" type="presOf" srcId="{75DEAC54-37E1-4C9D-9BCA-3A7439FC30FE}" destId="{27470EFD-CEEB-44EC-A75A-B13AC67F5115}" srcOrd="0" destOrd="0" presId="urn:microsoft.com/office/officeart/2005/8/layout/hChevron3"/>
-    <dgm:cxn modelId="{CDDE76A6-F36B-4998-8331-16E5B5CFED98}" type="presOf" srcId="{8D454871-913E-4B9F-A973-DB5CB8BD8BEA}" destId="{FB49EF4F-DBAA-45C9-8294-1B438078060D}" srcOrd="0" destOrd="0" presId="urn:microsoft.com/office/officeart/2005/8/layout/hChevron3"/>
-    <dgm:cxn modelId="{07A459AF-EF09-433A-8C60-17F38366BB28}" srcId="{02F169A3-994F-4CA4-96E5-97452CF9A7F1}" destId="{75DEAC54-37E1-4C9D-9BCA-3A7439FC30FE}" srcOrd="4" destOrd="0" parTransId="{ED3597F5-F21F-496B-A436-FB2357A17A9E}" sibTransId="{9DF78E47-B100-4966-8DFF-DDAA0100EB7A}"/>
     <dgm:cxn modelId="{1775AD88-0672-4666-BAB0-E951615AAFBC}" type="presParOf" srcId="{EB1209FE-7F27-4E14-8C2E-22F3DF986852}" destId="{7175A4EC-3B24-40FB-93A3-B207D4B401A3}" srcOrd="0" destOrd="0" presId="urn:microsoft.com/office/officeart/2005/8/layout/hChevron3"/>
     <dgm:cxn modelId="{565F419F-3D93-403E-B847-A0D17D31C918}" type="presParOf" srcId="{EB1209FE-7F27-4E14-8C2E-22F3DF986852}" destId="{BE1558F8-005E-49AD-9F2B-772B57176E06}" srcOrd="1" destOrd="0" presId="urn:microsoft.com/office/officeart/2005/8/layout/hChevron3"/>
     <dgm:cxn modelId="{BE2F8260-8CED-4E22-AC6C-F1B2B4A005BC}" type="presParOf" srcId="{EB1209FE-7F27-4E14-8C2E-22F3DF986852}" destId="{A2C63A07-CD9F-40A7-8330-BCAEA232B8DA}" srcOrd="2" destOrd="0" presId="urn:microsoft.com/office/officeart/2005/8/layout/hChevron3"/>
@@ -10275,13 +9995,6 @@
         </dgm:presLayoutVars>
       </dgm:prSet>
       <dgm:spPr/>
-      <dgm:t>
-        <a:bodyPr/>
-        <a:lstStyle/>
-        <a:p>
-          <a:endParaRPr lang="fr-FR"/>
-        </a:p>
-      </dgm:t>
     </dgm:pt>
     <dgm:pt modelId="{BE1558F8-005E-49AD-9F2B-772B57176E06}" type="pres">
       <dgm:prSet presAssocID="{31404B3A-79A4-4C59-93F4-2E44556D3CDB}" presName="parSpace" presStyleCnt="0"/>
@@ -10294,13 +10007,6 @@
         </dgm:presLayoutVars>
       </dgm:prSet>
       <dgm:spPr/>
-      <dgm:t>
-        <a:bodyPr/>
-        <a:lstStyle/>
-        <a:p>
-          <a:endParaRPr lang="fr-FR"/>
-        </a:p>
-      </dgm:t>
     </dgm:pt>
     <dgm:pt modelId="{F100EED1-637D-473A-8321-A273282E1E6A}" type="pres">
       <dgm:prSet presAssocID="{B8F9E771-0AC1-420C-990F-B648B068A717}" presName="parSpace" presStyleCnt="0"/>
@@ -10313,13 +10019,6 @@
         </dgm:presLayoutVars>
       </dgm:prSet>
       <dgm:spPr/>
-      <dgm:t>
-        <a:bodyPr/>
-        <a:lstStyle/>
-        <a:p>
-          <a:endParaRPr lang="fr-FR"/>
-        </a:p>
-      </dgm:t>
     </dgm:pt>
     <dgm:pt modelId="{A39C6B59-85B3-45A7-999A-07F1069B953B}" type="pres">
       <dgm:prSet presAssocID="{54D050C3-3533-4E2A-B36D-D3BA51B65B6A}" presName="parSpace" presStyleCnt="0"/>
@@ -10332,13 +10031,6 @@
         </dgm:presLayoutVars>
       </dgm:prSet>
       <dgm:spPr/>
-      <dgm:t>
-        <a:bodyPr/>
-        <a:lstStyle/>
-        <a:p>
-          <a:endParaRPr lang="fr-FR"/>
-        </a:p>
-      </dgm:t>
     </dgm:pt>
     <dgm:pt modelId="{2E11CDE2-58EB-4E3F-A022-1BE6BA2360BE}" type="pres">
       <dgm:prSet presAssocID="{1210CE54-9F84-413C-B25E-DEFF7308D27D}" presName="parSpace" presStyleCnt="0"/>
@@ -10351,27 +10043,20 @@
         </dgm:presLayoutVars>
       </dgm:prSet>
       <dgm:spPr/>
-      <dgm:t>
-        <a:bodyPr/>
-        <a:lstStyle/>
-        <a:p>
-          <a:endParaRPr lang="fr-FR"/>
-        </a:p>
-      </dgm:t>
     </dgm:pt>
   </dgm:ptLst>
   <dgm:cxnLst>
+    <dgm:cxn modelId="{8682260E-DB89-4747-A073-85CE617C8CC2}" type="presOf" srcId="{92EEEDD4-85AB-4E4B-B1E4-52EB1C86AF54}" destId="{F404437D-A1B4-4AD2-A610-9F1A17DFC22C}" srcOrd="0" destOrd="0" presId="urn:microsoft.com/office/officeart/2005/8/layout/hChevron3"/>
+    <dgm:cxn modelId="{CFF69217-1D87-4A8C-919E-3827F1BF4C30}" srcId="{02F169A3-994F-4CA4-96E5-97452CF9A7F1}" destId="{92EEEDD4-85AB-4E4B-B1E4-52EB1C86AF54}" srcOrd="2" destOrd="0" parTransId="{22649B0E-CDA2-4BF7-A2EC-F864A77A7139}" sibTransId="{54D050C3-3533-4E2A-B36D-D3BA51B65B6A}"/>
+    <dgm:cxn modelId="{67F6ED2C-7E87-4EF2-9A53-D8AA2A102D53}" type="presOf" srcId="{75DEAC54-37E1-4C9D-9BCA-3A7439FC30FE}" destId="{27470EFD-CEEB-44EC-A75A-B13AC67F5115}" srcOrd="0" destOrd="0" presId="urn:microsoft.com/office/officeart/2005/8/layout/hChevron3"/>
+    <dgm:cxn modelId="{2EF46230-FB31-4EDB-B6CE-3D5FEAB5AEF6}" srcId="{02F169A3-994F-4CA4-96E5-97452CF9A7F1}" destId="{8D454871-913E-4B9F-A973-DB5CB8BD8BEA}" srcOrd="3" destOrd="0" parTransId="{EA714446-FA7F-43CA-9D18-6A9B5EE89135}" sibTransId="{1210CE54-9F84-413C-B25E-DEFF7308D27D}"/>
+    <dgm:cxn modelId="{30245C3F-0CE2-400C-A20B-1661F19FC34B}" srcId="{02F169A3-994F-4CA4-96E5-97452CF9A7F1}" destId="{3D789325-8366-4553-A4C0-C02A9CF0F1AA}" srcOrd="1" destOrd="0" parTransId="{05B1D693-45F4-4853-9B9E-D00278225319}" sibTransId="{B8F9E771-0AC1-420C-990F-B648B068A717}"/>
     <dgm:cxn modelId="{F9F9BA7C-BE7E-47E6-A025-24B8E409C2F9}" type="presOf" srcId="{3D789325-8366-4553-A4C0-C02A9CF0F1AA}" destId="{A2C63A07-CD9F-40A7-8330-BCAEA232B8DA}" srcOrd="0" destOrd="0" presId="urn:microsoft.com/office/officeart/2005/8/layout/hChevron3"/>
+    <dgm:cxn modelId="{CDDE76A6-F36B-4998-8331-16E5B5CFED98}" type="presOf" srcId="{8D454871-913E-4B9F-A973-DB5CB8BD8BEA}" destId="{FB49EF4F-DBAA-45C9-8294-1B438078060D}" srcOrd="0" destOrd="0" presId="urn:microsoft.com/office/officeart/2005/8/layout/hChevron3"/>
+    <dgm:cxn modelId="{B3672BAD-7231-44A7-AD98-7BD4D2E8CA1E}" srcId="{02F169A3-994F-4CA4-96E5-97452CF9A7F1}" destId="{446301A8-ED7F-4E78-8077-275912139C05}" srcOrd="0" destOrd="0" parTransId="{9F85059D-EED4-44C3-8FF7-D0A45D4F5C03}" sibTransId="{31404B3A-79A4-4C59-93F4-2E44556D3CDB}"/>
+    <dgm:cxn modelId="{07A459AF-EF09-433A-8C60-17F38366BB28}" srcId="{02F169A3-994F-4CA4-96E5-97452CF9A7F1}" destId="{75DEAC54-37E1-4C9D-9BCA-3A7439FC30FE}" srcOrd="4" destOrd="0" parTransId="{ED3597F5-F21F-496B-A436-FB2357A17A9E}" sibTransId="{9DF78E47-B100-4966-8DFF-DDAA0100EB7A}"/>
     <dgm:cxn modelId="{15E2F7EB-4B92-40EB-A186-64B9F8DF6AA1}" type="presOf" srcId="{02F169A3-994F-4CA4-96E5-97452CF9A7F1}" destId="{EB1209FE-7F27-4E14-8C2E-22F3DF986852}" srcOrd="0" destOrd="0" presId="urn:microsoft.com/office/officeart/2005/8/layout/hChevron3"/>
-    <dgm:cxn modelId="{CFF69217-1D87-4A8C-919E-3827F1BF4C30}" srcId="{02F169A3-994F-4CA4-96E5-97452CF9A7F1}" destId="{92EEEDD4-85AB-4E4B-B1E4-52EB1C86AF54}" srcOrd="2" destOrd="0" parTransId="{22649B0E-CDA2-4BF7-A2EC-F864A77A7139}" sibTransId="{54D050C3-3533-4E2A-B36D-D3BA51B65B6A}"/>
     <dgm:cxn modelId="{0E167BEE-88C2-4149-95EF-A0AFBCC56BB4}" type="presOf" srcId="{446301A8-ED7F-4E78-8077-275912139C05}" destId="{7175A4EC-3B24-40FB-93A3-B207D4B401A3}" srcOrd="0" destOrd="0" presId="urn:microsoft.com/office/officeart/2005/8/layout/hChevron3"/>
-    <dgm:cxn modelId="{B3672BAD-7231-44A7-AD98-7BD4D2E8CA1E}" srcId="{02F169A3-994F-4CA4-96E5-97452CF9A7F1}" destId="{446301A8-ED7F-4E78-8077-275912139C05}" srcOrd="0" destOrd="0" parTransId="{9F85059D-EED4-44C3-8FF7-D0A45D4F5C03}" sibTransId="{31404B3A-79A4-4C59-93F4-2E44556D3CDB}"/>
-    <dgm:cxn modelId="{30245C3F-0CE2-400C-A20B-1661F19FC34B}" srcId="{02F169A3-994F-4CA4-96E5-97452CF9A7F1}" destId="{3D789325-8366-4553-A4C0-C02A9CF0F1AA}" srcOrd="1" destOrd="0" parTransId="{05B1D693-45F4-4853-9B9E-D00278225319}" sibTransId="{B8F9E771-0AC1-420C-990F-B648B068A717}"/>
-    <dgm:cxn modelId="{2EF46230-FB31-4EDB-B6CE-3D5FEAB5AEF6}" srcId="{02F169A3-994F-4CA4-96E5-97452CF9A7F1}" destId="{8D454871-913E-4B9F-A973-DB5CB8BD8BEA}" srcOrd="3" destOrd="0" parTransId="{EA714446-FA7F-43CA-9D18-6A9B5EE89135}" sibTransId="{1210CE54-9F84-413C-B25E-DEFF7308D27D}"/>
-    <dgm:cxn modelId="{8682260E-DB89-4747-A073-85CE617C8CC2}" type="presOf" srcId="{92EEEDD4-85AB-4E4B-B1E4-52EB1C86AF54}" destId="{F404437D-A1B4-4AD2-A610-9F1A17DFC22C}" srcOrd="0" destOrd="0" presId="urn:microsoft.com/office/officeart/2005/8/layout/hChevron3"/>
-    <dgm:cxn modelId="{67F6ED2C-7E87-4EF2-9A53-D8AA2A102D53}" type="presOf" srcId="{75DEAC54-37E1-4C9D-9BCA-3A7439FC30FE}" destId="{27470EFD-CEEB-44EC-A75A-B13AC67F5115}" srcOrd="0" destOrd="0" presId="urn:microsoft.com/office/officeart/2005/8/layout/hChevron3"/>
-    <dgm:cxn modelId="{CDDE76A6-F36B-4998-8331-16E5B5CFED98}" type="presOf" srcId="{8D454871-913E-4B9F-A973-DB5CB8BD8BEA}" destId="{FB49EF4F-DBAA-45C9-8294-1B438078060D}" srcOrd="0" destOrd="0" presId="urn:microsoft.com/office/officeart/2005/8/layout/hChevron3"/>
-    <dgm:cxn modelId="{07A459AF-EF09-433A-8C60-17F38366BB28}" srcId="{02F169A3-994F-4CA4-96E5-97452CF9A7F1}" destId="{75DEAC54-37E1-4C9D-9BCA-3A7439FC30FE}" srcOrd="4" destOrd="0" parTransId="{ED3597F5-F21F-496B-A436-FB2357A17A9E}" sibTransId="{9DF78E47-B100-4966-8DFF-DDAA0100EB7A}"/>
     <dgm:cxn modelId="{1775AD88-0672-4666-BAB0-E951615AAFBC}" type="presParOf" srcId="{EB1209FE-7F27-4E14-8C2E-22F3DF986852}" destId="{7175A4EC-3B24-40FB-93A3-B207D4B401A3}" srcOrd="0" destOrd="0" presId="urn:microsoft.com/office/officeart/2005/8/layout/hChevron3"/>
     <dgm:cxn modelId="{565F419F-3D93-403E-B847-A0D17D31C918}" type="presParOf" srcId="{EB1209FE-7F27-4E14-8C2E-22F3DF986852}" destId="{BE1558F8-005E-49AD-9F2B-772B57176E06}" srcOrd="1" destOrd="0" presId="urn:microsoft.com/office/officeart/2005/8/layout/hChevron3"/>
     <dgm:cxn modelId="{BE2F8260-8CED-4E22-AC6C-F1B2B4A005BC}" type="presParOf" srcId="{EB1209FE-7F27-4E14-8C2E-22F3DF986852}" destId="{A2C63A07-CD9F-40A7-8330-BCAEA232B8DA}" srcOrd="2" destOrd="0" presId="urn:microsoft.com/office/officeart/2005/8/layout/hChevron3"/>
@@ -10452,7 +10137,7 @@
         </a:bodyPr>
         <a:lstStyle/>
         <a:p>
-          <a:pPr lvl="0" algn="ctr" defTabSz="1244600">
+          <a:pPr marL="0" lvl="0" indent="0" algn="ctr" defTabSz="1244600">
             <a:lnSpc>
               <a:spcPct val="90000"/>
             </a:lnSpc>
@@ -10462,6 +10147,7 @@
             <a:spcAft>
               <a:spcPct val="35000"/>
             </a:spcAft>
+            <a:buNone/>
           </a:pPr>
           <a:r>
             <a:rPr lang="it-IT" sz="2800" b="0" kern="1200" dirty="0">
@@ -10532,7 +10218,7 @@
         </a:bodyPr>
         <a:lstStyle/>
         <a:p>
-          <a:pPr lvl="0" algn="ctr" defTabSz="1244600">
+          <a:pPr marL="0" lvl="0" indent="0" algn="ctr" defTabSz="1244600">
             <a:lnSpc>
               <a:spcPct val="90000"/>
             </a:lnSpc>
@@ -10542,6 +10228,7 @@
             <a:spcAft>
               <a:spcPct val="35000"/>
             </a:spcAft>
+            <a:buNone/>
           </a:pPr>
           <a:r>
             <a:rPr lang="it-IT" sz="2800" kern="1200" dirty="0" err="1">
@@ -10619,7 +10306,7 @@
         </a:bodyPr>
         <a:lstStyle/>
         <a:p>
-          <a:pPr lvl="0" algn="ctr" defTabSz="1244600">
+          <a:pPr marL="0" lvl="0" indent="0" algn="ctr" defTabSz="1244600">
             <a:lnSpc>
               <a:spcPct val="90000"/>
             </a:lnSpc>
@@ -10629,6 +10316,7 @@
             <a:spcAft>
               <a:spcPct val="35000"/>
             </a:spcAft>
+            <a:buNone/>
           </a:pPr>
           <a:r>
             <a:rPr lang="it-IT" sz="2800" kern="1200" dirty="0" err="1">
@@ -10703,7 +10391,7 @@
         </a:bodyPr>
         <a:lstStyle/>
         <a:p>
-          <a:pPr lvl="0" algn="ctr" defTabSz="1244600">
+          <a:pPr marL="0" lvl="0" indent="0" algn="ctr" defTabSz="1244600">
             <a:lnSpc>
               <a:spcPct val="90000"/>
             </a:lnSpc>
@@ -10713,6 +10401,7 @@
             <a:spcAft>
               <a:spcPct val="35000"/>
             </a:spcAft>
+            <a:buNone/>
           </a:pPr>
           <a:r>
             <a:rPr lang="it-IT" sz="2800" kern="1200" dirty="0" err="1">
@@ -10787,7 +10476,7 @@
         </a:bodyPr>
         <a:lstStyle/>
         <a:p>
-          <a:pPr lvl="0" algn="ctr" defTabSz="1244600">
+          <a:pPr marL="0" lvl="0" indent="0" algn="ctr" defTabSz="1244600">
             <a:lnSpc>
               <a:spcPct val="90000"/>
             </a:lnSpc>
@@ -10797,6 +10486,7 @@
             <a:spcAft>
               <a:spcPct val="35000"/>
             </a:spcAft>
+            <a:buNone/>
           </a:pPr>
           <a:r>
             <a:rPr lang="it-IT" sz="2800" kern="1200" dirty="0" err="1">
@@ -10880,7 +10570,7 @@
         </a:bodyPr>
         <a:lstStyle/>
         <a:p>
-          <a:pPr lvl="0" algn="ctr" defTabSz="1244600">
+          <a:pPr marL="0" lvl="0" indent="0" algn="ctr" defTabSz="1244600">
             <a:lnSpc>
               <a:spcPct val="90000"/>
             </a:lnSpc>
@@ -10890,6 +10580,7 @@
             <a:spcAft>
               <a:spcPct val="35000"/>
             </a:spcAft>
+            <a:buNone/>
           </a:pPr>
           <a:r>
             <a:rPr lang="it-IT" sz="2800" b="0" kern="1200" dirty="0">
@@ -10960,7 +10651,7 @@
         </a:bodyPr>
         <a:lstStyle/>
         <a:p>
-          <a:pPr lvl="0" algn="ctr" defTabSz="1244600">
+          <a:pPr marL="0" lvl="0" indent="0" algn="ctr" defTabSz="1244600">
             <a:lnSpc>
               <a:spcPct val="90000"/>
             </a:lnSpc>
@@ -10970,6 +10661,7 @@
             <a:spcAft>
               <a:spcPct val="35000"/>
             </a:spcAft>
+            <a:buNone/>
           </a:pPr>
           <a:r>
             <a:rPr lang="it-IT" sz="2800" kern="1200" dirty="0" err="1">
@@ -11047,7 +10739,7 @@
         </a:bodyPr>
         <a:lstStyle/>
         <a:p>
-          <a:pPr lvl="0" algn="ctr" defTabSz="1244600">
+          <a:pPr marL="0" lvl="0" indent="0" algn="ctr" defTabSz="1244600">
             <a:lnSpc>
               <a:spcPct val="90000"/>
             </a:lnSpc>
@@ -11057,6 +10749,7 @@
             <a:spcAft>
               <a:spcPct val="35000"/>
             </a:spcAft>
+            <a:buNone/>
           </a:pPr>
           <a:r>
             <a:rPr lang="it-IT" sz="2800" kern="1200" dirty="0" err="1">
@@ -11131,7 +10824,7 @@
         </a:bodyPr>
         <a:lstStyle/>
         <a:p>
-          <a:pPr lvl="0" algn="ctr" defTabSz="1244600">
+          <a:pPr marL="0" lvl="0" indent="0" algn="ctr" defTabSz="1244600">
             <a:lnSpc>
               <a:spcPct val="90000"/>
             </a:lnSpc>
@@ -11141,6 +10834,7 @@
             <a:spcAft>
               <a:spcPct val="35000"/>
             </a:spcAft>
+            <a:buNone/>
           </a:pPr>
           <a:r>
             <a:rPr lang="it-IT" sz="2800" kern="1200" dirty="0" err="1">
@@ -11215,7 +10909,7 @@
         </a:bodyPr>
         <a:lstStyle/>
         <a:p>
-          <a:pPr lvl="0" algn="ctr" defTabSz="1244600">
+          <a:pPr marL="0" lvl="0" indent="0" algn="ctr" defTabSz="1244600">
             <a:lnSpc>
               <a:spcPct val="90000"/>
             </a:lnSpc>
@@ -11225,6 +10919,7 @@
             <a:spcAft>
               <a:spcPct val="35000"/>
             </a:spcAft>
+            <a:buNone/>
           </a:pPr>
           <a:r>
             <a:rPr lang="it-IT" sz="2800" kern="1200" dirty="0" err="1">
@@ -11306,7 +11001,7 @@
         </a:bodyPr>
         <a:lstStyle/>
         <a:p>
-          <a:pPr lvl="0" algn="ctr" defTabSz="1244600">
+          <a:pPr marL="0" lvl="0" indent="0" algn="ctr" defTabSz="1244600">
             <a:lnSpc>
               <a:spcPct val="90000"/>
             </a:lnSpc>
@@ -11316,6 +11011,7 @@
             <a:spcAft>
               <a:spcPct val="35000"/>
             </a:spcAft>
+            <a:buNone/>
           </a:pPr>
           <a:r>
             <a:rPr lang="it-IT" sz="2800" kern="1200" dirty="0">
@@ -11383,7 +11079,7 @@
         </a:bodyPr>
         <a:lstStyle/>
         <a:p>
-          <a:pPr lvl="0" algn="ctr" defTabSz="1244600">
+          <a:pPr marL="0" lvl="0" indent="0" algn="ctr" defTabSz="1244600">
             <a:lnSpc>
               <a:spcPct val="90000"/>
             </a:lnSpc>
@@ -11393,6 +11089,7 @@
             <a:spcAft>
               <a:spcPct val="35000"/>
             </a:spcAft>
+            <a:buNone/>
           </a:pPr>
           <a:r>
             <a:rPr lang="it-IT" sz="2800" kern="1200" dirty="0" err="1"/>
@@ -11464,7 +11161,7 @@
         </a:bodyPr>
         <a:lstStyle/>
         <a:p>
-          <a:pPr lvl="0" algn="ctr" defTabSz="1244600">
+          <a:pPr marL="0" lvl="0" indent="0" algn="ctr" defTabSz="1244600">
             <a:lnSpc>
               <a:spcPct val="90000"/>
             </a:lnSpc>
@@ -11474,6 +11171,7 @@
             <a:spcAft>
               <a:spcPct val="35000"/>
             </a:spcAft>
+            <a:buNone/>
           </a:pPr>
           <a:r>
             <a:rPr lang="it-IT" sz="2800" kern="1200" dirty="0" err="1"/>
@@ -11542,7 +11240,7 @@
         </a:bodyPr>
         <a:lstStyle/>
         <a:p>
-          <a:pPr lvl="0" algn="ctr" defTabSz="1244600">
+          <a:pPr marL="0" lvl="0" indent="0" algn="ctr" defTabSz="1244600">
             <a:lnSpc>
               <a:spcPct val="90000"/>
             </a:lnSpc>
@@ -11552,6 +11250,7 @@
             <a:spcAft>
               <a:spcPct val="35000"/>
             </a:spcAft>
+            <a:buNone/>
           </a:pPr>
           <a:r>
             <a:rPr lang="it-IT" sz="2800" kern="1200" dirty="0" err="1"/>
@@ -11620,7 +11319,7 @@
         </a:bodyPr>
         <a:lstStyle/>
         <a:p>
-          <a:pPr lvl="0" algn="ctr" defTabSz="1244600">
+          <a:pPr marL="0" lvl="0" indent="0" algn="ctr" defTabSz="1244600">
             <a:lnSpc>
               <a:spcPct val="90000"/>
             </a:lnSpc>
@@ -11630,6 +11329,7 @@
             <a:spcAft>
               <a:spcPct val="35000"/>
             </a:spcAft>
+            <a:buNone/>
           </a:pPr>
           <a:r>
             <a:rPr lang="it-IT" sz="2800" kern="1200" dirty="0" err="1"/>
@@ -11710,7 +11410,7 @@
         </a:bodyPr>
         <a:lstStyle/>
         <a:p>
-          <a:pPr lvl="0" algn="ctr" defTabSz="1244600">
+          <a:pPr marL="0" lvl="0" indent="0" algn="ctr" defTabSz="1244600">
             <a:lnSpc>
               <a:spcPct val="90000"/>
             </a:lnSpc>
@@ -11720,6 +11420,7 @@
             <a:spcAft>
               <a:spcPct val="35000"/>
             </a:spcAft>
+            <a:buNone/>
           </a:pPr>
           <a:r>
             <a:rPr lang="it-IT" sz="2800" kern="1200" dirty="0">
@@ -11787,7 +11488,7 @@
         </a:bodyPr>
         <a:lstStyle/>
         <a:p>
-          <a:pPr lvl="0" algn="ctr" defTabSz="1244600">
+          <a:pPr marL="0" lvl="0" indent="0" algn="ctr" defTabSz="1244600">
             <a:lnSpc>
               <a:spcPct val="90000"/>
             </a:lnSpc>
@@ -11797,6 +11498,7 @@
             <a:spcAft>
               <a:spcPct val="35000"/>
             </a:spcAft>
+            <a:buNone/>
           </a:pPr>
           <a:r>
             <a:rPr lang="it-IT" sz="2800" kern="1200" dirty="0" err="1"/>
@@ -11868,7 +11570,7 @@
         </a:bodyPr>
         <a:lstStyle/>
         <a:p>
-          <a:pPr lvl="0" algn="ctr" defTabSz="1244600">
+          <a:pPr marL="0" lvl="0" indent="0" algn="ctr" defTabSz="1244600">
             <a:lnSpc>
               <a:spcPct val="90000"/>
             </a:lnSpc>
@@ -11878,6 +11580,7 @@
             <a:spcAft>
               <a:spcPct val="35000"/>
             </a:spcAft>
+            <a:buNone/>
           </a:pPr>
           <a:r>
             <a:rPr lang="it-IT" sz="2800" kern="1200" dirty="0" err="1"/>
@@ -11946,7 +11649,7 @@
         </a:bodyPr>
         <a:lstStyle/>
         <a:p>
-          <a:pPr lvl="0" algn="ctr" defTabSz="1244600">
+          <a:pPr marL="0" lvl="0" indent="0" algn="ctr" defTabSz="1244600">
             <a:lnSpc>
               <a:spcPct val="90000"/>
             </a:lnSpc>
@@ -11956,6 +11659,7 @@
             <a:spcAft>
               <a:spcPct val="35000"/>
             </a:spcAft>
+            <a:buNone/>
           </a:pPr>
           <a:r>
             <a:rPr lang="it-IT" sz="2800" kern="1200" dirty="0" err="1"/>
@@ -12024,7 +11728,7 @@
         </a:bodyPr>
         <a:lstStyle/>
         <a:p>
-          <a:pPr lvl="0" algn="ctr" defTabSz="1244600">
+          <a:pPr marL="0" lvl="0" indent="0" algn="ctr" defTabSz="1244600">
             <a:lnSpc>
               <a:spcPct val="90000"/>
             </a:lnSpc>
@@ -12034,6 +11738,7 @@
             <a:spcAft>
               <a:spcPct val="35000"/>
             </a:spcAft>
+            <a:buNone/>
           </a:pPr>
           <a:r>
             <a:rPr lang="it-IT" sz="2800" kern="1200" dirty="0" err="1"/>
@@ -12114,7 +11819,7 @@
         </a:bodyPr>
         <a:lstStyle/>
         <a:p>
-          <a:pPr lvl="0" algn="ctr" defTabSz="1244600">
+          <a:pPr marL="0" lvl="0" indent="0" algn="ctr" defTabSz="1244600">
             <a:lnSpc>
               <a:spcPct val="90000"/>
             </a:lnSpc>
@@ -12124,6 +11829,7 @@
             <a:spcAft>
               <a:spcPct val="35000"/>
             </a:spcAft>
+            <a:buNone/>
           </a:pPr>
           <a:r>
             <a:rPr lang="it-IT" sz="2800" kern="1200" dirty="0">
@@ -12191,7 +11897,7 @@
         </a:bodyPr>
         <a:lstStyle/>
         <a:p>
-          <a:pPr lvl="0" algn="ctr" defTabSz="1244600">
+          <a:pPr marL="0" lvl="0" indent="0" algn="ctr" defTabSz="1244600">
             <a:lnSpc>
               <a:spcPct val="90000"/>
             </a:lnSpc>
@@ -12201,6 +11907,7 @@
             <a:spcAft>
               <a:spcPct val="35000"/>
             </a:spcAft>
+            <a:buNone/>
           </a:pPr>
           <a:r>
             <a:rPr lang="it-IT" sz="2800" kern="1200" dirty="0" err="1"/>
@@ -12272,7 +11979,7 @@
         </a:bodyPr>
         <a:lstStyle/>
         <a:p>
-          <a:pPr lvl="0" algn="ctr" defTabSz="1244600">
+          <a:pPr marL="0" lvl="0" indent="0" algn="ctr" defTabSz="1244600">
             <a:lnSpc>
               <a:spcPct val="90000"/>
             </a:lnSpc>
@@ -12282,6 +11989,7 @@
             <a:spcAft>
               <a:spcPct val="35000"/>
             </a:spcAft>
+            <a:buNone/>
           </a:pPr>
           <a:r>
             <a:rPr lang="it-IT" sz="2800" kern="1200" dirty="0" err="1"/>
@@ -12350,7 +12058,7 @@
         </a:bodyPr>
         <a:lstStyle/>
         <a:p>
-          <a:pPr lvl="0" algn="ctr" defTabSz="1244600">
+          <a:pPr marL="0" lvl="0" indent="0" algn="ctr" defTabSz="1244600">
             <a:lnSpc>
               <a:spcPct val="90000"/>
             </a:lnSpc>
@@ -12360,6 +12068,7 @@
             <a:spcAft>
               <a:spcPct val="35000"/>
             </a:spcAft>
+            <a:buNone/>
           </a:pPr>
           <a:r>
             <a:rPr lang="it-IT" sz="2800" kern="1200" dirty="0" err="1"/>
@@ -12428,7 +12137,7 @@
         </a:bodyPr>
         <a:lstStyle/>
         <a:p>
-          <a:pPr lvl="0" algn="ctr" defTabSz="1244600">
+          <a:pPr marL="0" lvl="0" indent="0" algn="ctr" defTabSz="1244600">
             <a:lnSpc>
               <a:spcPct val="90000"/>
             </a:lnSpc>
@@ -12438,6 +12147,7 @@
             <a:spcAft>
               <a:spcPct val="35000"/>
             </a:spcAft>
+            <a:buNone/>
           </a:pPr>
           <a:r>
             <a:rPr lang="it-IT" sz="2800" kern="1200" dirty="0" err="1"/>
@@ -12518,7 +12228,7 @@
         </a:bodyPr>
         <a:lstStyle/>
         <a:p>
-          <a:pPr lvl="0" algn="ctr" defTabSz="1244600">
+          <a:pPr marL="0" lvl="0" indent="0" algn="ctr" defTabSz="1244600">
             <a:lnSpc>
               <a:spcPct val="90000"/>
             </a:lnSpc>
@@ -12528,6 +12238,7 @@
             <a:spcAft>
               <a:spcPct val="35000"/>
             </a:spcAft>
+            <a:buNone/>
           </a:pPr>
           <a:r>
             <a:rPr lang="it-IT" sz="2800" kern="1200" dirty="0">
@@ -12595,7 +12306,7 @@
         </a:bodyPr>
         <a:lstStyle/>
         <a:p>
-          <a:pPr lvl="0" algn="ctr" defTabSz="1244600">
+          <a:pPr marL="0" lvl="0" indent="0" algn="ctr" defTabSz="1244600">
             <a:lnSpc>
               <a:spcPct val="90000"/>
             </a:lnSpc>
@@ -12605,6 +12316,7 @@
             <a:spcAft>
               <a:spcPct val="35000"/>
             </a:spcAft>
+            <a:buNone/>
           </a:pPr>
           <a:r>
             <a:rPr lang="it-IT" sz="2800" kern="1200" dirty="0" err="1">
@@ -12682,7 +12394,7 @@
         </a:bodyPr>
         <a:lstStyle/>
         <a:p>
-          <a:pPr lvl="0" algn="ctr" defTabSz="1244600">
+          <a:pPr marL="0" lvl="0" indent="0" algn="ctr" defTabSz="1244600">
             <a:lnSpc>
               <a:spcPct val="90000"/>
             </a:lnSpc>
@@ -12692,6 +12404,7 @@
             <a:spcAft>
               <a:spcPct val="35000"/>
             </a:spcAft>
+            <a:buNone/>
           </a:pPr>
           <a:r>
             <a:rPr lang="it-IT" sz="2800" kern="1200" dirty="0" err="1">
@@ -12766,7 +12479,7 @@
         </a:bodyPr>
         <a:lstStyle/>
         <a:p>
-          <a:pPr lvl="0" algn="ctr" defTabSz="1244600">
+          <a:pPr marL="0" lvl="0" indent="0" algn="ctr" defTabSz="1244600">
             <a:lnSpc>
               <a:spcPct val="90000"/>
             </a:lnSpc>
@@ -12776,6 +12489,7 @@
             <a:spcAft>
               <a:spcPct val="35000"/>
             </a:spcAft>
+            <a:buNone/>
           </a:pPr>
           <a:r>
             <a:rPr lang="it-IT" sz="2800" kern="1200" dirty="0" err="1">
@@ -12850,7 +12564,7 @@
         </a:bodyPr>
         <a:lstStyle/>
         <a:p>
-          <a:pPr lvl="0" algn="ctr" defTabSz="1244600">
+          <a:pPr marL="0" lvl="0" indent="0" algn="ctr" defTabSz="1244600">
             <a:lnSpc>
               <a:spcPct val="90000"/>
             </a:lnSpc>
@@ -12860,6 +12574,7 @@
             <a:spcAft>
               <a:spcPct val="35000"/>
             </a:spcAft>
+            <a:buNone/>
           </a:pPr>
           <a:r>
             <a:rPr lang="it-IT" sz="2800" kern="1200" dirty="0" err="1">
@@ -12946,7 +12661,7 @@
         </a:bodyPr>
         <a:lstStyle/>
         <a:p>
-          <a:pPr lvl="0" algn="ctr" defTabSz="1244600">
+          <a:pPr marL="0" lvl="0" indent="0" algn="ctr" defTabSz="1244600">
             <a:lnSpc>
               <a:spcPct val="90000"/>
             </a:lnSpc>
@@ -12956,6 +12671,7 @@
             <a:spcAft>
               <a:spcPct val="35000"/>
             </a:spcAft>
+            <a:buNone/>
           </a:pPr>
           <a:r>
             <a:rPr lang="it-IT" sz="2800" kern="1200" dirty="0">
@@ -13026,7 +12742,7 @@
         </a:bodyPr>
         <a:lstStyle/>
         <a:p>
-          <a:pPr lvl="0" algn="ctr" defTabSz="1244600">
+          <a:pPr marL="0" lvl="0" indent="0" algn="ctr" defTabSz="1244600">
             <a:lnSpc>
               <a:spcPct val="90000"/>
             </a:lnSpc>
@@ -13036,6 +12752,7 @@
             <a:spcAft>
               <a:spcPct val="35000"/>
             </a:spcAft>
+            <a:buNone/>
           </a:pPr>
           <a:r>
             <a:rPr lang="it-IT" sz="2800" kern="1200" dirty="0" err="1"/>
@@ -13104,7 +12821,7 @@
         </a:bodyPr>
         <a:lstStyle/>
         <a:p>
-          <a:pPr lvl="0" algn="ctr" defTabSz="1244600">
+          <a:pPr marL="0" lvl="0" indent="0" algn="ctr" defTabSz="1244600">
             <a:lnSpc>
               <a:spcPct val="90000"/>
             </a:lnSpc>
@@ -13114,6 +12831,7 @@
             <a:spcAft>
               <a:spcPct val="35000"/>
             </a:spcAft>
+            <a:buNone/>
           </a:pPr>
           <a:r>
             <a:rPr lang="it-IT" sz="2800" kern="1200" dirty="0" err="1"/>
@@ -13182,7 +12900,7 @@
         </a:bodyPr>
         <a:lstStyle/>
         <a:p>
-          <a:pPr lvl="0" algn="ctr" defTabSz="1244600">
+          <a:pPr marL="0" lvl="0" indent="0" algn="ctr" defTabSz="1244600">
             <a:lnSpc>
               <a:spcPct val="90000"/>
             </a:lnSpc>
@@ -13192,6 +12910,7 @@
             <a:spcAft>
               <a:spcPct val="35000"/>
             </a:spcAft>
+            <a:buNone/>
           </a:pPr>
           <a:r>
             <a:rPr lang="it-IT" sz="2800" kern="1200" dirty="0" err="1"/>
@@ -13260,7 +12979,7 @@
         </a:bodyPr>
         <a:lstStyle/>
         <a:p>
-          <a:pPr lvl="0" algn="ctr" defTabSz="1244600">
+          <a:pPr marL="0" lvl="0" indent="0" algn="ctr" defTabSz="1244600">
             <a:lnSpc>
               <a:spcPct val="90000"/>
             </a:lnSpc>
@@ -13270,6 +12989,7 @@
             <a:spcAft>
               <a:spcPct val="35000"/>
             </a:spcAft>
+            <a:buNone/>
           </a:pPr>
           <a:r>
             <a:rPr lang="it-IT" sz="2800" kern="1200" dirty="0" err="1"/>
@@ -13350,7 +13070,7 @@
         </a:bodyPr>
         <a:lstStyle/>
         <a:p>
-          <a:pPr lvl="0" algn="ctr" defTabSz="1244600">
+          <a:pPr marL="0" lvl="0" indent="0" algn="ctr" defTabSz="1244600">
             <a:lnSpc>
               <a:spcPct val="90000"/>
             </a:lnSpc>
@@ -13360,6 +13080,7 @@
             <a:spcAft>
               <a:spcPct val="35000"/>
             </a:spcAft>
+            <a:buNone/>
           </a:pPr>
           <a:r>
             <a:rPr lang="it-IT" sz="2800" kern="1200" dirty="0">
@@ -13430,7 +13151,7 @@
         </a:bodyPr>
         <a:lstStyle/>
         <a:p>
-          <a:pPr lvl="0" algn="ctr" defTabSz="1244600">
+          <a:pPr marL="0" lvl="0" indent="0" algn="ctr" defTabSz="1244600">
             <a:lnSpc>
               <a:spcPct val="90000"/>
             </a:lnSpc>
@@ -13440,6 +13161,7 @@
             <a:spcAft>
               <a:spcPct val="35000"/>
             </a:spcAft>
+            <a:buNone/>
           </a:pPr>
           <a:r>
             <a:rPr lang="it-IT" sz="2800" kern="1200" dirty="0" err="1"/>
@@ -13511,7 +13233,7 @@
         </a:bodyPr>
         <a:lstStyle/>
         <a:p>
-          <a:pPr lvl="0" algn="ctr" defTabSz="1244600">
+          <a:pPr marL="0" lvl="0" indent="0" algn="ctr" defTabSz="1244600">
             <a:lnSpc>
               <a:spcPct val="90000"/>
             </a:lnSpc>
@@ -13521,6 +13243,7 @@
             <a:spcAft>
               <a:spcPct val="35000"/>
             </a:spcAft>
+            <a:buNone/>
           </a:pPr>
           <a:r>
             <a:rPr lang="it-IT" sz="2800" kern="1200" dirty="0" err="1"/>
@@ -13586,7 +13309,7 @@
         </a:bodyPr>
         <a:lstStyle/>
         <a:p>
-          <a:pPr lvl="0" algn="ctr" defTabSz="1244600">
+          <a:pPr marL="0" lvl="0" indent="0" algn="ctr" defTabSz="1244600">
             <a:lnSpc>
               <a:spcPct val="90000"/>
             </a:lnSpc>
@@ -13596,6 +13319,7 @@
             <a:spcAft>
               <a:spcPct val="35000"/>
             </a:spcAft>
+            <a:buNone/>
           </a:pPr>
           <a:r>
             <a:rPr lang="it-IT" sz="2800" kern="1200" dirty="0" err="1"/>
@@ -13664,7 +13388,7 @@
         </a:bodyPr>
         <a:lstStyle/>
         <a:p>
-          <a:pPr lvl="0" algn="ctr" defTabSz="1244600">
+          <a:pPr marL="0" lvl="0" indent="0" algn="ctr" defTabSz="1244600">
             <a:lnSpc>
               <a:spcPct val="90000"/>
             </a:lnSpc>
@@ -13674,6 +13398,7 @@
             <a:spcAft>
               <a:spcPct val="35000"/>
             </a:spcAft>
+            <a:buNone/>
           </a:pPr>
           <a:r>
             <a:rPr lang="it-IT" sz="2800" kern="1200" dirty="0" err="1"/>
@@ -13754,7 +13479,7 @@
         </a:bodyPr>
         <a:lstStyle/>
         <a:p>
-          <a:pPr lvl="0" algn="ctr" defTabSz="1244600">
+          <a:pPr marL="0" lvl="0" indent="0" algn="ctr" defTabSz="1244600">
             <a:lnSpc>
               <a:spcPct val="90000"/>
             </a:lnSpc>
@@ -13764,6 +13489,7 @@
             <a:spcAft>
               <a:spcPct val="35000"/>
             </a:spcAft>
+            <a:buNone/>
           </a:pPr>
           <a:r>
             <a:rPr lang="it-IT" sz="2800" kern="1200" dirty="0">
@@ -13834,7 +13560,7 @@
         </a:bodyPr>
         <a:lstStyle/>
         <a:p>
-          <a:pPr lvl="0" algn="ctr" defTabSz="1244600">
+          <a:pPr marL="0" lvl="0" indent="0" algn="ctr" defTabSz="1244600">
             <a:lnSpc>
               <a:spcPct val="90000"/>
             </a:lnSpc>
@@ -13844,6 +13570,7 @@
             <a:spcAft>
               <a:spcPct val="35000"/>
             </a:spcAft>
+            <a:buNone/>
           </a:pPr>
           <a:r>
             <a:rPr lang="it-IT" sz="2800" kern="1200" dirty="0" err="1"/>
@@ -13915,7 +13642,7 @@
         </a:bodyPr>
         <a:lstStyle/>
         <a:p>
-          <a:pPr lvl="0" algn="ctr" defTabSz="1244600">
+          <a:pPr marL="0" lvl="0" indent="0" algn="ctr" defTabSz="1244600">
             <a:lnSpc>
               <a:spcPct val="90000"/>
             </a:lnSpc>
@@ -13925,6 +13652,7 @@
             <a:spcAft>
               <a:spcPct val="35000"/>
             </a:spcAft>
+            <a:buNone/>
           </a:pPr>
           <a:r>
             <a:rPr lang="it-IT" sz="2800" kern="1200" dirty="0" err="1"/>
@@ -13993,7 +13721,7 @@
         </a:bodyPr>
         <a:lstStyle/>
         <a:p>
-          <a:pPr lvl="0" algn="ctr" defTabSz="1244600">
+          <a:pPr marL="0" lvl="0" indent="0" algn="ctr" defTabSz="1244600">
             <a:lnSpc>
               <a:spcPct val="90000"/>
             </a:lnSpc>
@@ -14003,6 +13731,7 @@
             <a:spcAft>
               <a:spcPct val="35000"/>
             </a:spcAft>
+            <a:buNone/>
           </a:pPr>
           <a:r>
             <a:rPr lang="it-IT" sz="2800" kern="1200" dirty="0" err="1"/>
@@ -14068,7 +13797,7 @@
         </a:bodyPr>
         <a:lstStyle/>
         <a:p>
-          <a:pPr lvl="0" algn="ctr" defTabSz="1244600">
+          <a:pPr marL="0" lvl="0" indent="0" algn="ctr" defTabSz="1244600">
             <a:lnSpc>
               <a:spcPct val="90000"/>
             </a:lnSpc>
@@ -14078,6 +13807,7 @@
             <a:spcAft>
               <a:spcPct val="35000"/>
             </a:spcAft>
+            <a:buNone/>
           </a:pPr>
           <a:r>
             <a:rPr lang="it-IT" sz="2800" kern="1200" dirty="0" err="1"/>
@@ -26089,7 +25819,7 @@
           <a:p>
             <a:fld id="{CAE1407F-8740-488D-B818-A4EDEFED28C5}" type="slidenum">
               <a:rPr lang="it-IT" smtClean="0"/>
-              <a:t>‹N°›</a:t>
+              <a:t>‹N›</a:t>
             </a:fld>
             <a:endParaRPr lang="it-IT"/>
           </a:p>
@@ -26242,874 +25972,93 @@
           <a:bodyPr/>
           <a:lstStyle/>
           <a:p>
-            <a:pPr algn="l"/>
-            <a:r>
-              <a:rPr lang="fr-FR" b="0" i="0" dirty="0">
-                <a:solidFill>
-                  <a:srgbClr val="CECAC3"/>
-                </a:solidFill>
-                <a:effectLst/>
-                <a:latin typeface="Söhne"/>
-              </a:rPr>
-              <a:t>Bien que le risque d'IAS soit généralement faible, les IAS sont fréquentes en raison du volume élevé d'interventions chirurgicales effectuées.</a:t>
-            </a:r>
-          </a:p>
-          <a:p>
-            <a:pPr algn="l"/>
-            <a:endParaRPr lang="fr-FR" b="0" i="0" dirty="0">
-              <a:solidFill>
-                <a:srgbClr val="CECAC3"/>
-              </a:solidFill>
-              <a:effectLst/>
-              <a:latin typeface="Söhne"/>
-            </a:endParaRPr>
-          </a:p>
-          <a:p>
-            <a:pPr algn="l"/>
-            <a:r>
-              <a:rPr lang="fr-FR" b="0" i="0" dirty="0">
-                <a:solidFill>
-                  <a:srgbClr val="CECAC3"/>
-                </a:solidFill>
-                <a:effectLst/>
-                <a:latin typeface="Söhne"/>
-              </a:rPr>
-              <a:t>Les IAS surviennent chez 2 % à 5 % des patients subissant une chirurgie en hospitalisation, et les taux sont généralement plus élevés pour des procédures complexes comme la chirurgie de la colonne vertébrale.</a:t>
-            </a:r>
-          </a:p>
-          <a:p>
-            <a:pPr algn="l"/>
-            <a:endParaRPr lang="fr-FR" b="0" i="0" dirty="0">
-              <a:solidFill>
-                <a:srgbClr val="CECAC3"/>
-              </a:solidFill>
-              <a:effectLst/>
-              <a:latin typeface="Söhne"/>
-            </a:endParaRPr>
-          </a:p>
-          <a:p>
-            <a:pPr algn="l"/>
-            <a:r>
-              <a:rPr lang="fr-FR" b="0" i="0" dirty="0">
-                <a:solidFill>
-                  <a:srgbClr val="CECAC3"/>
-                </a:solidFill>
-                <a:effectLst/>
-                <a:latin typeface="Söhne"/>
-              </a:rPr>
-              <a:t>Chaque IAS est associée à environ 7 à 11 jours d'hospitalisation postopératoire supplémentaires. </a:t>
-            </a:r>
-          </a:p>
-          <a:p>
-            <a:pPr algn="l"/>
-            <a:endParaRPr lang="fr-FR" b="0" i="0" dirty="0">
-              <a:solidFill>
-                <a:srgbClr val="CECAC3"/>
-              </a:solidFill>
-              <a:effectLst/>
-              <a:latin typeface="Söhne"/>
-            </a:endParaRPr>
-          </a:p>
-          <a:p>
-            <a:pPr algn="l"/>
-            <a:r>
-              <a:rPr lang="fr-FR" b="0" i="0" dirty="0">
-                <a:solidFill>
-                  <a:srgbClr val="CECAC3"/>
-                </a:solidFill>
-                <a:effectLst/>
-                <a:latin typeface="Söhne"/>
-              </a:rPr>
-              <a:t>Les patients chirurgicaux qui développent une IAS ont un risque de mortalité entre deux et onze fois plus élevé que les patients sans IAS ; </a:t>
-            </a:r>
-          </a:p>
-          <a:p>
-            <a:pPr algn="l"/>
-            <a:r>
-              <a:rPr lang="fr-FR" b="0" i="0" dirty="0">
-                <a:solidFill>
-                  <a:srgbClr val="CECAC3"/>
-                </a:solidFill>
-                <a:effectLst/>
-                <a:latin typeface="Söhne"/>
-              </a:rPr>
-              <a:t>77 % des décès chez les patients avec IAS sont directement attribuables à l'IAS.</a:t>
-            </a:r>
-          </a:p>
-          <a:p>
-            <a:pPr algn="l"/>
-            <a:endParaRPr lang="fr-FR" b="0" i="0" dirty="0">
-              <a:solidFill>
-                <a:srgbClr val="CECAC3"/>
-              </a:solidFill>
-              <a:effectLst/>
-              <a:latin typeface="Söhne"/>
-            </a:endParaRPr>
-          </a:p>
-          <a:p>
-            <a:pPr algn="l"/>
-            <a:r>
-              <a:rPr lang="fr-FR" b="0" i="0" dirty="0">
-                <a:solidFill>
-                  <a:srgbClr val="CECAC3"/>
-                </a:solidFill>
-                <a:effectLst/>
-                <a:latin typeface="Söhne"/>
-              </a:rPr>
-              <a:t>Il en résulte qu'il est important de suivre ces événements, qui sont un indicateur de la qualité des soins et un levier possible pour réduire les coûts, la morbidité et la mortalité.</a:t>
-            </a:r>
-          </a:p>
-          <a:p>
-            <a:pPr algn="l"/>
-            <a:endParaRPr lang="fr-FR" b="0" i="0" dirty="0">
-              <a:solidFill>
-                <a:srgbClr val="CECAC3"/>
-              </a:solidFill>
-              <a:effectLst/>
-              <a:latin typeface="Söhne"/>
-            </a:endParaRPr>
-          </a:p>
-          <a:p>
-            <a:pPr algn="l"/>
-            <a:r>
-              <a:rPr lang="fr-FR" b="0" i="0" dirty="0" err="1">
-                <a:solidFill>
-                  <a:srgbClr val="CECAC3"/>
-                </a:solidFill>
-                <a:effectLst/>
-                <a:latin typeface="Söhne"/>
-              </a:rPr>
-              <a:t>Oggi</a:t>
-            </a:r>
-            <a:r>
-              <a:rPr lang="fr-FR" b="0" i="0" dirty="0">
-                <a:solidFill>
-                  <a:srgbClr val="CECAC3"/>
-                </a:solidFill>
-                <a:effectLst/>
-                <a:latin typeface="Söhne"/>
-              </a:rPr>
-              <a:t> la </a:t>
-            </a:r>
-            <a:r>
-              <a:rPr lang="fr-FR" b="0" i="0" dirty="0" err="1">
-                <a:solidFill>
-                  <a:srgbClr val="CECAC3"/>
-                </a:solidFill>
-                <a:effectLst/>
-                <a:latin typeface="Söhne"/>
-              </a:rPr>
-              <a:t>sorveglianza</a:t>
-            </a:r>
-            <a:r>
-              <a:rPr lang="fr-FR" b="0" i="0" dirty="0">
-                <a:solidFill>
-                  <a:srgbClr val="CECAC3"/>
-                </a:solidFill>
-                <a:effectLst/>
-                <a:latin typeface="Söhne"/>
-              </a:rPr>
-              <a:t> delle ISO </a:t>
-            </a:r>
-            <a:r>
-              <a:rPr lang="fr-FR" b="0" i="0" dirty="0" err="1">
-                <a:solidFill>
-                  <a:srgbClr val="CECAC3"/>
-                </a:solidFill>
-                <a:effectLst/>
-                <a:latin typeface="Söhne"/>
-              </a:rPr>
-              <a:t>del</a:t>
-            </a:r>
-            <a:r>
-              <a:rPr lang="fr-FR" b="0" i="0" dirty="0">
-                <a:solidFill>
-                  <a:srgbClr val="CECAC3"/>
-                </a:solidFill>
-                <a:effectLst/>
-                <a:latin typeface="Söhne"/>
-              </a:rPr>
-              <a:t> rachis si </a:t>
-            </a:r>
-            <a:r>
-              <a:rPr lang="fr-FR" b="0" i="0" dirty="0" err="1">
-                <a:solidFill>
-                  <a:srgbClr val="CECAC3"/>
-                </a:solidFill>
-                <a:effectLst/>
-                <a:latin typeface="Söhne"/>
-              </a:rPr>
-              <a:t>svolge</a:t>
-            </a:r>
-            <a:r>
-              <a:rPr lang="fr-FR" b="0" i="0" dirty="0">
-                <a:solidFill>
-                  <a:srgbClr val="CECAC3"/>
-                </a:solidFill>
-                <a:effectLst/>
-                <a:latin typeface="Söhne"/>
-              </a:rPr>
+            <a:r>
+              <a:rPr lang="it-IT" dirty="0" err="1"/>
+              <a:t>Bonjour</a:t>
+            </a:r>
+            <a:r>
+              <a:rPr lang="it-IT" dirty="0"/>
+              <a:t> tout le monde, </a:t>
+            </a:r>
+            <a:r>
+              <a:rPr lang="it-IT" dirty="0" err="1"/>
+              <a:t>aujourd’hui</a:t>
+            </a:r>
+            <a:r>
+              <a:rPr lang="it-IT" dirty="0"/>
+              <a:t> je </a:t>
+            </a:r>
+            <a:r>
+              <a:rPr lang="it-IT" dirty="0" err="1"/>
+              <a:t>vais</a:t>
+            </a:r>
+            <a:r>
+              <a:rPr lang="it-IT" dirty="0"/>
               <a:t> </a:t>
             </a:r>
             <a:r>
-              <a:rPr lang="fr-FR" b="0" i="0" dirty="0" err="1">
-                <a:solidFill>
-                  <a:srgbClr val="CECAC3"/>
-                </a:solidFill>
-                <a:effectLst/>
-                <a:latin typeface="Söhne"/>
-              </a:rPr>
-              <a:t>manualmente</a:t>
-            </a:r>
-            <a:r>
-              <a:rPr lang="fr-FR" b="0" i="0" dirty="0">
-                <a:solidFill>
-                  <a:srgbClr val="CECAC3"/>
-                </a:solidFill>
-                <a:effectLst/>
-                <a:latin typeface="Söhne"/>
-              </a:rPr>
-              <a:t> con un </a:t>
-            </a:r>
-            <a:r>
-              <a:rPr lang="fr-FR" b="0" i="0" dirty="0" err="1">
-                <a:solidFill>
-                  <a:srgbClr val="CECAC3"/>
-                </a:solidFill>
-                <a:effectLst/>
-                <a:latin typeface="Söhne"/>
-              </a:rPr>
-              <a:t>infermiere</a:t>
-            </a:r>
-            <a:r>
-              <a:rPr lang="fr-FR" b="0" i="0" dirty="0">
-                <a:solidFill>
-                  <a:srgbClr val="CECAC3"/>
-                </a:solidFill>
-                <a:effectLst/>
-                <a:latin typeface="Söhne"/>
-              </a:rPr>
+              <a:rPr lang="it-IT" dirty="0" err="1"/>
+              <a:t>vous</a:t>
+            </a:r>
+            <a:r>
+              <a:rPr lang="it-IT" dirty="0"/>
               <a:t> </a:t>
             </a:r>
             <a:r>
-              <a:rPr lang="fr-FR" b="0" i="0" dirty="0" err="1">
-                <a:solidFill>
-                  <a:srgbClr val="CECAC3"/>
-                </a:solidFill>
-                <a:effectLst/>
-                <a:latin typeface="Söhne"/>
-              </a:rPr>
-              <a:t>che</a:t>
-            </a:r>
-            <a:r>
-              <a:rPr lang="fr-FR" b="0" i="0" dirty="0">
-                <a:solidFill>
-                  <a:srgbClr val="CECAC3"/>
-                </a:solidFill>
-                <a:effectLst/>
-                <a:latin typeface="Söhne"/>
-              </a:rPr>
+              <a:rPr lang="it-IT" dirty="0" err="1"/>
+              <a:t>présenter</a:t>
+            </a:r>
+            <a:r>
+              <a:rPr lang="it-IT" dirty="0"/>
               <a:t> </a:t>
             </a:r>
             <a:r>
-              <a:rPr lang="fr-FR" b="0" i="0" dirty="0" err="1">
-                <a:solidFill>
-                  <a:srgbClr val="CECAC3"/>
-                </a:solidFill>
-                <a:effectLst/>
-                <a:latin typeface="Söhne"/>
-              </a:rPr>
-              <a:t>dedica</a:t>
-            </a:r>
-            <a:r>
-              <a:rPr lang="fr-FR" b="0" i="0" dirty="0">
-                <a:solidFill>
-                  <a:srgbClr val="CECAC3"/>
-                </a:solidFill>
-                <a:effectLst/>
-                <a:latin typeface="Söhne"/>
-              </a:rPr>
-              <a:t> un </a:t>
-            </a:r>
-            <a:r>
-              <a:rPr lang="fr-FR" b="0" i="0" dirty="0" err="1">
-                <a:solidFill>
-                  <a:srgbClr val="CECAC3"/>
-                </a:solidFill>
-                <a:effectLst/>
-                <a:latin typeface="Söhne"/>
-              </a:rPr>
-              <a:t>pomeriggio</a:t>
-            </a:r>
-            <a:r>
-              <a:rPr lang="fr-FR" b="0" i="0" dirty="0">
-                <a:solidFill>
-                  <a:srgbClr val="CECAC3"/>
-                </a:solidFill>
-                <a:effectLst/>
-                <a:latin typeface="Söhne"/>
-              </a:rPr>
-              <a:t> alla </a:t>
-            </a:r>
-            <a:r>
-              <a:rPr lang="fr-FR" b="0" i="0" dirty="0" err="1">
-                <a:solidFill>
-                  <a:srgbClr val="CECAC3"/>
-                </a:solidFill>
-                <a:effectLst/>
-                <a:latin typeface="Söhne"/>
-              </a:rPr>
-              <a:t>settimana</a:t>
-            </a:r>
-            <a:r>
-              <a:rPr lang="fr-FR" b="0" i="0" dirty="0">
-                <a:solidFill>
-                  <a:srgbClr val="CECAC3"/>
-                </a:solidFill>
-                <a:effectLst/>
-                <a:latin typeface="Söhne"/>
-              </a:rPr>
-              <a:t> al </a:t>
-            </a:r>
-            <a:r>
-              <a:rPr lang="fr-FR" b="0" i="0" dirty="0" err="1">
-                <a:solidFill>
-                  <a:srgbClr val="CECAC3"/>
-                </a:solidFill>
-                <a:effectLst/>
-                <a:latin typeface="Söhne"/>
-              </a:rPr>
-              <a:t>compito</a:t>
-            </a:r>
-            <a:r>
-              <a:rPr lang="fr-FR" b="0" i="0" dirty="0">
-                <a:solidFill>
-                  <a:srgbClr val="CECAC3"/>
-                </a:solidFill>
-                <a:effectLst/>
-                <a:latin typeface="Söhne"/>
-              </a:rPr>
-              <a:t>. Visita le </a:t>
-            </a:r>
-            <a:r>
-              <a:rPr lang="fr-FR" b="0" i="0" dirty="0" err="1">
-                <a:solidFill>
-                  <a:srgbClr val="CECAC3"/>
-                </a:solidFill>
-                <a:effectLst/>
-                <a:latin typeface="Söhne"/>
-              </a:rPr>
-              <a:t>unità</a:t>
-            </a:r>
-            <a:r>
-              <a:rPr lang="fr-FR" b="0" i="0" dirty="0">
-                <a:solidFill>
-                  <a:srgbClr val="CECAC3"/>
-                </a:solidFill>
-                <a:effectLst/>
-                <a:latin typeface="Söhne"/>
-              </a:rPr>
-              <a:t> di </a:t>
-            </a:r>
-            <a:r>
-              <a:rPr lang="fr-FR" b="0" i="0" dirty="0" err="1">
-                <a:solidFill>
-                  <a:srgbClr val="CECAC3"/>
-                </a:solidFill>
-                <a:effectLst/>
-                <a:latin typeface="Söhne"/>
-              </a:rPr>
-              <a:t>ortopedia</a:t>
-            </a:r>
-            <a:r>
-              <a:rPr lang="fr-FR" b="0" i="0" dirty="0">
-                <a:solidFill>
-                  <a:srgbClr val="CECAC3"/>
-                </a:solidFill>
-                <a:effectLst/>
-                <a:latin typeface="Söhne"/>
-              </a:rPr>
+              <a:rPr lang="it-IT" dirty="0" err="1"/>
+              <a:t>mon</a:t>
+            </a:r>
+            <a:r>
+              <a:rPr lang="it-IT" dirty="0"/>
               <a:t> </a:t>
             </a:r>
             <a:r>
-              <a:rPr lang="fr-FR" b="0" i="0" dirty="0" err="1">
-                <a:solidFill>
-                  <a:srgbClr val="CECAC3"/>
-                </a:solidFill>
-                <a:effectLst/>
-                <a:latin typeface="Söhne"/>
-              </a:rPr>
-              <a:t>ed</a:t>
-            </a:r>
-            <a:r>
-              <a:rPr lang="fr-FR" b="0" i="0" dirty="0">
-                <a:solidFill>
-                  <a:srgbClr val="CECAC3"/>
-                </a:solidFill>
-                <a:effectLst/>
-                <a:latin typeface="Söhne"/>
-              </a:rPr>
+              <a:rPr lang="it-IT" dirty="0" err="1"/>
+              <a:t>travail</a:t>
+            </a:r>
+            <a:r>
+              <a:rPr lang="it-IT" dirty="0"/>
+              <a:t> pour le </a:t>
+            </a:r>
+            <a:r>
+              <a:rPr lang="it-IT" dirty="0" err="1"/>
+              <a:t>mémoire</a:t>
+            </a:r>
+            <a:r>
+              <a:rPr lang="it-IT" dirty="0"/>
               <a:t> </a:t>
             </a:r>
             <a:r>
-              <a:rPr lang="fr-FR" b="0" i="0" dirty="0" err="1">
-                <a:solidFill>
-                  <a:srgbClr val="CECAC3"/>
-                </a:solidFill>
-                <a:effectLst/>
-                <a:latin typeface="Söhne"/>
-              </a:rPr>
-              <a:t>interagendo</a:t>
-            </a:r>
-            <a:r>
-              <a:rPr lang="fr-FR" b="0" i="0" dirty="0">
-                <a:solidFill>
-                  <a:srgbClr val="CECAC3"/>
-                </a:solidFill>
-                <a:effectLst/>
-                <a:latin typeface="Söhne"/>
-              </a:rPr>
-              <a:t> con il personale </a:t>
-            </a:r>
-            <a:r>
-              <a:rPr lang="fr-FR" b="0" i="0" dirty="0" err="1">
-                <a:solidFill>
-                  <a:srgbClr val="CECAC3"/>
-                </a:solidFill>
-                <a:effectLst/>
-                <a:latin typeface="Söhne"/>
-              </a:rPr>
-              <a:t>tiene</a:t>
-            </a:r>
-            <a:r>
-              <a:rPr lang="fr-FR" b="0" i="0" dirty="0">
-                <a:solidFill>
-                  <a:srgbClr val="CECAC3"/>
-                </a:solidFill>
-                <a:effectLst/>
-                <a:latin typeface="Söhne"/>
-              </a:rPr>
-              <a:t> </a:t>
-            </a:r>
-            <a:r>
-              <a:rPr lang="fr-FR" b="0" i="0" dirty="0" err="1">
-                <a:solidFill>
-                  <a:srgbClr val="CECAC3"/>
-                </a:solidFill>
-                <a:effectLst/>
-                <a:latin typeface="Söhne"/>
-              </a:rPr>
-              <a:t>traccia</a:t>
-            </a:r>
-            <a:r>
-              <a:rPr lang="fr-FR" b="0" i="0" dirty="0">
-                <a:solidFill>
-                  <a:srgbClr val="CECAC3"/>
-                </a:solidFill>
-                <a:effectLst/>
-                <a:latin typeface="Söhne"/>
-              </a:rPr>
-              <a:t> di </a:t>
-            </a:r>
-            <a:r>
-              <a:rPr lang="fr-FR" b="0" i="0" dirty="0" err="1">
-                <a:solidFill>
-                  <a:srgbClr val="CECAC3"/>
-                </a:solidFill>
-                <a:effectLst/>
-                <a:latin typeface="Söhne"/>
-              </a:rPr>
-              <a:t>quali</a:t>
-            </a:r>
-            <a:r>
-              <a:rPr lang="fr-FR" b="0" i="0" dirty="0">
-                <a:solidFill>
-                  <a:srgbClr val="CECAC3"/>
-                </a:solidFill>
-                <a:effectLst/>
-                <a:latin typeface="Söhne"/>
-              </a:rPr>
-              <a:t> </a:t>
-            </a:r>
-            <a:r>
-              <a:rPr lang="fr-FR" b="0" i="0" dirty="0" err="1">
-                <a:solidFill>
-                  <a:srgbClr val="CECAC3"/>
-                </a:solidFill>
-                <a:effectLst/>
-                <a:latin typeface="Söhne"/>
-              </a:rPr>
-              <a:t>pazienti</a:t>
-            </a:r>
-            <a:r>
-              <a:rPr lang="fr-FR" b="0" i="0" dirty="0">
-                <a:solidFill>
-                  <a:srgbClr val="CECAC3"/>
-                </a:solidFill>
-                <a:effectLst/>
-                <a:latin typeface="Söhne"/>
-              </a:rPr>
-              <a:t> </a:t>
-            </a:r>
-            <a:r>
-              <a:rPr lang="fr-FR" b="0" i="0" dirty="0" err="1">
-                <a:solidFill>
-                  <a:srgbClr val="CECAC3"/>
-                </a:solidFill>
-                <a:effectLst/>
-                <a:latin typeface="Söhne"/>
-              </a:rPr>
-              <a:t>hanno</a:t>
-            </a:r>
-            <a:r>
-              <a:rPr lang="fr-FR" b="0" i="0" dirty="0">
-                <a:solidFill>
-                  <a:srgbClr val="CECAC3"/>
-                </a:solidFill>
-                <a:effectLst/>
-                <a:latin typeface="Söhne"/>
-              </a:rPr>
-              <a:t> </a:t>
-            </a:r>
-            <a:r>
-              <a:rPr lang="fr-FR" b="0" i="0" dirty="0" err="1">
-                <a:solidFill>
-                  <a:srgbClr val="CECAC3"/>
-                </a:solidFill>
-                <a:effectLst/>
-                <a:latin typeface="Söhne"/>
-              </a:rPr>
-              <a:t>avuto</a:t>
-            </a:r>
-            <a:r>
-              <a:rPr lang="fr-FR" b="0" i="0" dirty="0">
-                <a:solidFill>
-                  <a:srgbClr val="CECAC3"/>
-                </a:solidFill>
-                <a:effectLst/>
-                <a:latin typeface="Söhne"/>
-              </a:rPr>
-              <a:t> un ISO. Non è </a:t>
-            </a:r>
-            <a:r>
-              <a:rPr lang="fr-FR" b="0" i="0" dirty="0" err="1">
-                <a:solidFill>
-                  <a:srgbClr val="CECAC3"/>
-                </a:solidFill>
-                <a:effectLst/>
-                <a:latin typeface="Söhne"/>
-              </a:rPr>
-              <a:t>uno</a:t>
-            </a:r>
-            <a:r>
-              <a:rPr lang="fr-FR" b="0" i="0" dirty="0">
-                <a:solidFill>
-                  <a:srgbClr val="CECAC3"/>
-                </a:solidFill>
-                <a:effectLst/>
-                <a:latin typeface="Söhne"/>
-              </a:rPr>
-              <a:t> screening efficiente </a:t>
-            </a:r>
-            <a:r>
-              <a:rPr lang="fr-FR" b="0" i="0" dirty="0" err="1">
-                <a:solidFill>
-                  <a:srgbClr val="CECAC3"/>
-                </a:solidFill>
-                <a:effectLst/>
-                <a:latin typeface="Söhne"/>
-              </a:rPr>
-              <a:t>ed</a:t>
-            </a:r>
-            <a:r>
-              <a:rPr lang="fr-FR" b="0" i="0" dirty="0">
-                <a:solidFill>
-                  <a:srgbClr val="CECAC3"/>
-                </a:solidFill>
-                <a:effectLst/>
-                <a:latin typeface="Söhne"/>
-              </a:rPr>
-              <a:t> </a:t>
-            </a:r>
-            <a:r>
-              <a:rPr lang="fr-FR" b="0" i="0" dirty="0" err="1">
-                <a:solidFill>
-                  <a:srgbClr val="CECAC3"/>
-                </a:solidFill>
-                <a:effectLst/>
-                <a:latin typeface="Söhne"/>
-              </a:rPr>
-              <a:t>oltre</a:t>
-            </a:r>
-            <a:r>
-              <a:rPr lang="fr-FR" b="0" i="0" dirty="0">
-                <a:solidFill>
-                  <a:srgbClr val="CECAC3"/>
-                </a:solidFill>
-                <a:effectLst/>
-                <a:latin typeface="Söhne"/>
-              </a:rPr>
-              <a:t> al tempo </a:t>
-            </a:r>
-            <a:r>
-              <a:rPr lang="fr-FR" b="0" i="0" dirty="0" err="1">
-                <a:solidFill>
-                  <a:srgbClr val="CECAC3"/>
-                </a:solidFill>
-                <a:effectLst/>
-                <a:latin typeface="Söhne"/>
-              </a:rPr>
-              <a:t>che</a:t>
-            </a:r>
-            <a:r>
-              <a:rPr lang="fr-FR" b="0" i="0" dirty="0">
-                <a:solidFill>
-                  <a:srgbClr val="CECAC3"/>
-                </a:solidFill>
-                <a:effectLst/>
-                <a:latin typeface="Söhne"/>
-              </a:rPr>
-              <a:t> l’</a:t>
-            </a:r>
-            <a:r>
-              <a:rPr lang="fr-FR" b="0" i="0" dirty="0" err="1">
-                <a:solidFill>
-                  <a:srgbClr val="CECAC3"/>
-                </a:solidFill>
-                <a:effectLst/>
-                <a:latin typeface="Söhne"/>
-              </a:rPr>
-              <a:t>infermiere</a:t>
-            </a:r>
-            <a:r>
-              <a:rPr lang="fr-FR" b="0" i="0" dirty="0">
-                <a:solidFill>
-                  <a:srgbClr val="CECAC3"/>
-                </a:solidFill>
-                <a:effectLst/>
-                <a:latin typeface="Söhne"/>
-              </a:rPr>
-              <a:t> ci </a:t>
-            </a:r>
-            <a:r>
-              <a:rPr lang="fr-FR" b="0" i="0" dirty="0" err="1">
-                <a:solidFill>
-                  <a:srgbClr val="CECAC3"/>
-                </a:solidFill>
-                <a:effectLst/>
-                <a:latin typeface="Söhne"/>
-              </a:rPr>
-              <a:t>dedica</a:t>
-            </a:r>
-            <a:r>
-              <a:rPr lang="fr-FR" b="0" i="0" dirty="0">
-                <a:solidFill>
-                  <a:srgbClr val="CECAC3"/>
-                </a:solidFill>
-                <a:effectLst/>
-                <a:latin typeface="Söhne"/>
-              </a:rPr>
+              <a:rPr lang="it-IT" dirty="0" err="1"/>
+              <a:t>du</a:t>
+            </a:r>
+            <a:r>
+              <a:rPr lang="it-IT" dirty="0"/>
+              <a:t> DES en santé </a:t>
+            </a:r>
+            <a:r>
+              <a:rPr lang="it-IT" dirty="0" err="1"/>
+              <a:t>publique</a:t>
+            </a:r>
+            <a:r>
+              <a:rPr lang="it-IT" dirty="0"/>
               <a:t>, </a:t>
             </a:r>
             <a:r>
-              <a:rPr lang="fr-FR" b="0" i="0" dirty="0" err="1">
-                <a:solidFill>
-                  <a:srgbClr val="CECAC3"/>
-                </a:solidFill>
-                <a:effectLst/>
-                <a:latin typeface="Söhne"/>
-              </a:rPr>
-              <a:t>bisogna</a:t>
-            </a:r>
-            <a:r>
-              <a:rPr lang="fr-FR" b="0" i="0" dirty="0">
-                <a:solidFill>
-                  <a:srgbClr val="CECAC3"/>
-                </a:solidFill>
-                <a:effectLst/>
-                <a:latin typeface="Söhne"/>
-              </a:rPr>
-              <a:t> </a:t>
-            </a:r>
-            <a:r>
-              <a:rPr lang="fr-FR" b="0" i="0" dirty="0" err="1">
-                <a:solidFill>
-                  <a:srgbClr val="CECAC3"/>
-                </a:solidFill>
-                <a:effectLst/>
-                <a:latin typeface="Söhne"/>
-              </a:rPr>
-              <a:t>fatturare</a:t>
-            </a:r>
-            <a:r>
-              <a:rPr lang="fr-FR" b="0" i="0" dirty="0">
-                <a:solidFill>
-                  <a:srgbClr val="CECAC3"/>
-                </a:solidFill>
-                <a:effectLst/>
-                <a:latin typeface="Söhne"/>
-              </a:rPr>
-              <a:t> anche </a:t>
-            </a:r>
-            <a:r>
-              <a:rPr lang="fr-FR" b="0" i="0" dirty="0" err="1">
-                <a:solidFill>
-                  <a:srgbClr val="CECAC3"/>
-                </a:solidFill>
-                <a:effectLst/>
-                <a:latin typeface="Söhne"/>
-              </a:rPr>
-              <a:t>quello</a:t>
-            </a:r>
-            <a:r>
-              <a:rPr lang="fr-FR" b="0" i="0" dirty="0">
-                <a:solidFill>
-                  <a:srgbClr val="CECAC3"/>
-                </a:solidFill>
-                <a:effectLst/>
-                <a:latin typeface="Söhne"/>
-              </a:rPr>
-              <a:t> </a:t>
-            </a:r>
-            <a:r>
-              <a:rPr lang="fr-FR" b="0" i="0" dirty="0" err="1">
-                <a:solidFill>
-                  <a:srgbClr val="CECAC3"/>
-                </a:solidFill>
-                <a:effectLst/>
-                <a:latin typeface="Söhne"/>
-              </a:rPr>
-              <a:t>che</a:t>
-            </a:r>
-            <a:r>
-              <a:rPr lang="fr-FR" b="0" i="0" dirty="0">
-                <a:solidFill>
-                  <a:srgbClr val="CECAC3"/>
-                </a:solidFill>
-                <a:effectLst/>
-                <a:latin typeface="Söhne"/>
-              </a:rPr>
-              <a:t> </a:t>
-            </a:r>
-            <a:r>
-              <a:rPr lang="fr-FR" b="0" i="0" dirty="0" err="1">
-                <a:solidFill>
-                  <a:srgbClr val="CECAC3"/>
-                </a:solidFill>
-                <a:effectLst/>
-                <a:latin typeface="Söhne"/>
-              </a:rPr>
-              <a:t>gli</a:t>
-            </a:r>
-            <a:r>
-              <a:rPr lang="fr-FR" b="0" i="0" dirty="0">
-                <a:solidFill>
-                  <a:srgbClr val="CECAC3"/>
-                </a:solidFill>
-                <a:effectLst/>
-                <a:latin typeface="Söhne"/>
-              </a:rPr>
-              <a:t> </a:t>
-            </a:r>
-            <a:r>
-              <a:rPr lang="fr-FR" b="0" i="0" dirty="0" err="1">
-                <a:solidFill>
-                  <a:srgbClr val="CECAC3"/>
-                </a:solidFill>
-                <a:effectLst/>
-                <a:latin typeface="Söhne"/>
-              </a:rPr>
-              <a:t>altri</a:t>
-            </a:r>
-            <a:r>
-              <a:rPr lang="fr-FR" b="0" i="0" dirty="0">
-                <a:solidFill>
-                  <a:srgbClr val="CECAC3"/>
-                </a:solidFill>
-                <a:effectLst/>
-                <a:latin typeface="Söhne"/>
-              </a:rPr>
-              <a:t> </a:t>
-            </a:r>
-            <a:r>
-              <a:rPr lang="fr-FR" b="0" i="0" dirty="0" err="1">
-                <a:solidFill>
-                  <a:srgbClr val="CECAC3"/>
-                </a:solidFill>
-                <a:effectLst/>
-                <a:latin typeface="Söhne"/>
-              </a:rPr>
-              <a:t>professionisti</a:t>
-            </a:r>
-            <a:r>
-              <a:rPr lang="fr-FR" b="0" i="0" dirty="0">
-                <a:solidFill>
-                  <a:srgbClr val="CECAC3"/>
-                </a:solidFill>
-                <a:effectLst/>
-                <a:latin typeface="Söhne"/>
-              </a:rPr>
-              <a:t> </a:t>
-            </a:r>
-            <a:r>
-              <a:rPr lang="fr-FR" b="0" i="0" dirty="0" err="1">
-                <a:solidFill>
-                  <a:srgbClr val="CECAC3"/>
-                </a:solidFill>
-                <a:effectLst/>
-                <a:latin typeface="Söhne"/>
-              </a:rPr>
-              <a:t>della</a:t>
-            </a:r>
-            <a:r>
-              <a:rPr lang="fr-FR" b="0" i="0" dirty="0">
-                <a:solidFill>
-                  <a:srgbClr val="CECAC3"/>
-                </a:solidFill>
-                <a:effectLst/>
-                <a:latin typeface="Söhne"/>
-              </a:rPr>
-              <a:t> </a:t>
-            </a:r>
-            <a:r>
-              <a:rPr lang="fr-FR" b="0" i="0" dirty="0" err="1">
-                <a:solidFill>
-                  <a:srgbClr val="CECAC3"/>
-                </a:solidFill>
-                <a:effectLst/>
-                <a:latin typeface="Söhne"/>
-              </a:rPr>
-              <a:t>salute</a:t>
-            </a:r>
-            <a:r>
-              <a:rPr lang="fr-FR" b="0" i="0" dirty="0">
-                <a:solidFill>
-                  <a:srgbClr val="CECAC3"/>
-                </a:solidFill>
-                <a:effectLst/>
-                <a:latin typeface="Söhne"/>
-              </a:rPr>
-              <a:t> </a:t>
-            </a:r>
-            <a:r>
-              <a:rPr lang="fr-FR" b="0" i="0" dirty="0" err="1">
-                <a:solidFill>
-                  <a:srgbClr val="CECAC3"/>
-                </a:solidFill>
-                <a:effectLst/>
-                <a:latin typeface="Söhne"/>
-              </a:rPr>
-              <a:t>dedicano</a:t>
-            </a:r>
-            <a:r>
-              <a:rPr lang="fr-FR" b="0" i="0" dirty="0">
-                <a:solidFill>
-                  <a:srgbClr val="CECAC3"/>
-                </a:solidFill>
-                <a:effectLst/>
-                <a:latin typeface="Söhne"/>
-              </a:rPr>
-              <a:t> lui.</a:t>
+              <a:rPr lang="it-IT" dirty="0" err="1"/>
+              <a:t>titré</a:t>
+            </a:r>
+            <a:r>
+              <a:rPr lang="it-IT" dirty="0"/>
+              <a:t> «……………………..»</a:t>
             </a:r>
           </a:p>
         </p:txBody>
@@ -27131,16 +26080,16 @@
           <a:p>
             <a:fld id="{CAE1407F-8740-488D-B818-A4EDEFED28C5}" type="slidenum">
               <a:rPr lang="it-IT" smtClean="0"/>
-              <a:t>2</a:t>
+              <a:t>1</a:t>
             </a:fld>
-            <a:endParaRPr lang="it-IT" dirty="0"/>
+            <a:endParaRPr lang="it-IT"/>
           </a:p>
         </p:txBody>
       </p:sp>
     </p:spTree>
     <p:extLst>
       <p:ext uri="{BB962C8B-B14F-4D97-AF65-F5344CB8AC3E}">
-        <p14:creationId xmlns:p14="http://schemas.microsoft.com/office/powerpoint/2010/main" val="4054951883"/>
+        <p14:creationId xmlns:p14="http://schemas.microsoft.com/office/powerpoint/2010/main" val="1082398775"/>
       </p:ext>
     </p:extLst>
   </p:cSld>
@@ -27203,174 +26152,28 @@
                 <a:effectLst/>
                 <a:latin typeface="Söhne"/>
               </a:rPr>
-              <a:t>Il en résulte qu'il est important de suivre ces événements, qui sont un indicateur de la qualité des soins et un levier possible pour réduire les coûts, la morbidité et la mortalité.</a:t>
-            </a:r>
-          </a:p>
-          <a:p>
-            <a:pPr algn="l"/>
-            <a:endParaRPr lang="fr-FR" b="0" i="0" dirty="0">
-              <a:solidFill>
-                <a:srgbClr val="CECAC3"/>
-              </a:solidFill>
-              <a:effectLst/>
-              <a:latin typeface="Söhne"/>
-            </a:endParaRPr>
-          </a:p>
-          <a:p>
-            <a:pPr marL="0" marR="0" lvl="0" indent="0" algn="l" defTabSz="914400" rtl="0" eaLnBrk="1" fontAlgn="auto" latinLnBrk="0" hangingPunct="1">
-              <a:lnSpc>
-                <a:spcPct val="100000"/>
-              </a:lnSpc>
-              <a:spcBef>
-                <a:spcPts val="0"/>
-              </a:spcBef>
-              <a:spcAft>
-                <a:spcPts val="0"/>
-              </a:spcAft>
-              <a:buClrTx/>
-              <a:buSzTx/>
-              <a:buFontTx/>
-              <a:buNone/>
-              <a:tabLst/>
-              <a:defRPr/>
-            </a:pPr>
-            <a:r>
-              <a:rPr lang="fr-FR" dirty="0" err="1">
-                <a:highlight>
-                  <a:srgbClr val="FFFF00"/>
-                </a:highlight>
-                <a:latin typeface="Roboto" panose="02000000000000000000" pitchFamily="2" charset="0"/>
-                <a:ea typeface="Roboto" panose="02000000000000000000" pitchFamily="2" charset="0"/>
+              <a:t>Je voudrais d’abord vous donner un peu de contexte pour rendre une idée du pourquoi les </a:t>
+            </a:r>
+            <a:r>
+              <a:rPr lang="fr-FR" b="0" i="0" dirty="0" err="1">
+                <a:solidFill>
+                  <a:srgbClr val="CECAC3"/>
+                </a:solidFill>
+                <a:effectLst/>
+                <a:latin typeface="Söhne"/>
               </a:rPr>
-              <a:t>Spiegare</a:t>
-            </a:r>
-            <a:r>
-              <a:rPr lang="fr-FR" dirty="0">
-                <a:highlight>
-                  <a:srgbClr val="FFFF00"/>
-                </a:highlight>
-                <a:latin typeface="Roboto" panose="02000000000000000000" pitchFamily="2" charset="0"/>
-                <a:ea typeface="Roboto" panose="02000000000000000000" pitchFamily="2" charset="0"/>
+              <a:t>ISOs</a:t>
+            </a:r>
+            <a:r>
+              <a:rPr lang="fr-FR" b="0" i="0" dirty="0">
+                <a:solidFill>
+                  <a:srgbClr val="CECAC3"/>
+                </a:solidFill>
+                <a:effectLst/>
+                <a:latin typeface="Söhne"/>
               </a:rPr>
-              <a:t> </a:t>
-            </a:r>
-            <a:r>
-              <a:rPr lang="fr-FR" dirty="0" err="1">
-                <a:highlight>
-                  <a:srgbClr val="FFFF00"/>
-                </a:highlight>
-                <a:latin typeface="Roboto" panose="02000000000000000000" pitchFamily="2" charset="0"/>
-                <a:ea typeface="Roboto" panose="02000000000000000000" pitchFamily="2" charset="0"/>
-              </a:rPr>
-              <a:t>qual’è</a:t>
-            </a:r>
-            <a:r>
-              <a:rPr lang="fr-FR" dirty="0">
-                <a:highlight>
-                  <a:srgbClr val="FFFF00"/>
-                </a:highlight>
-                <a:latin typeface="Roboto" panose="02000000000000000000" pitchFamily="2" charset="0"/>
-                <a:ea typeface="Roboto" panose="02000000000000000000" pitchFamily="2" charset="0"/>
-              </a:rPr>
-              <a:t> la </a:t>
-            </a:r>
-            <a:r>
-              <a:rPr lang="fr-FR" dirty="0" err="1">
-                <a:highlight>
-                  <a:srgbClr val="FFFF00"/>
-                </a:highlight>
-                <a:latin typeface="Roboto" panose="02000000000000000000" pitchFamily="2" charset="0"/>
-                <a:ea typeface="Roboto" panose="02000000000000000000" pitchFamily="2" charset="0"/>
-              </a:rPr>
-              <a:t>situazione</a:t>
-            </a:r>
-            <a:r>
-              <a:rPr lang="fr-FR" dirty="0">
-                <a:highlight>
-                  <a:srgbClr val="FFFF00"/>
-                </a:highlight>
-                <a:latin typeface="Roboto" panose="02000000000000000000" pitchFamily="2" charset="0"/>
-                <a:ea typeface="Roboto" panose="02000000000000000000" pitchFamily="2" charset="0"/>
-              </a:rPr>
-              <a:t> </a:t>
-            </a:r>
-            <a:r>
-              <a:rPr lang="fr-FR" dirty="0" err="1">
-                <a:highlight>
-                  <a:srgbClr val="FFFF00"/>
-                </a:highlight>
-                <a:latin typeface="Roboto" panose="02000000000000000000" pitchFamily="2" charset="0"/>
-                <a:ea typeface="Roboto" panose="02000000000000000000" pitchFamily="2" charset="0"/>
-              </a:rPr>
-              <a:t>oggi</a:t>
-            </a:r>
-            <a:r>
-              <a:rPr lang="fr-FR" dirty="0">
-                <a:highlight>
-                  <a:srgbClr val="FFFF00"/>
-                </a:highlight>
-                <a:latin typeface="Roboto" panose="02000000000000000000" pitchFamily="2" charset="0"/>
-                <a:ea typeface="Roboto" panose="02000000000000000000" pitchFamily="2" charset="0"/>
-              </a:rPr>
-              <a:t> </a:t>
-            </a:r>
-            <a:r>
-              <a:rPr lang="fr-FR" dirty="0" err="1">
-                <a:highlight>
-                  <a:srgbClr val="FFFF00"/>
-                </a:highlight>
-                <a:latin typeface="Roboto" panose="02000000000000000000" pitchFamily="2" charset="0"/>
-                <a:ea typeface="Roboto" panose="02000000000000000000" pitchFamily="2" charset="0"/>
-              </a:rPr>
-              <a:t>quindi</a:t>
-            </a:r>
-            <a:r>
-              <a:rPr lang="fr-FR" dirty="0">
-                <a:highlight>
-                  <a:srgbClr val="FFFF00"/>
-                </a:highlight>
-                <a:latin typeface="Roboto" panose="02000000000000000000" pitchFamily="2" charset="0"/>
-                <a:ea typeface="Roboto" panose="02000000000000000000" pitchFamily="2" charset="0"/>
-              </a:rPr>
-              <a:t> </a:t>
-            </a:r>
-            <a:r>
-              <a:rPr lang="fr-FR" dirty="0" err="1">
-                <a:highlight>
-                  <a:srgbClr val="FFFF00"/>
-                </a:highlight>
-                <a:latin typeface="Roboto" panose="02000000000000000000" pitchFamily="2" charset="0"/>
-                <a:ea typeface="Roboto" panose="02000000000000000000" pitchFamily="2" charset="0"/>
-              </a:rPr>
-              <a:t>perchè</a:t>
-            </a:r>
-            <a:r>
-              <a:rPr lang="fr-FR" dirty="0">
-                <a:highlight>
-                  <a:srgbClr val="FFFF00"/>
-                </a:highlight>
-                <a:latin typeface="Roboto" panose="02000000000000000000" pitchFamily="2" charset="0"/>
-                <a:ea typeface="Roboto" panose="02000000000000000000" pitchFamily="2" charset="0"/>
-              </a:rPr>
-              <a:t> </a:t>
-            </a:r>
-            <a:r>
-              <a:rPr lang="fr-FR" dirty="0" err="1">
-                <a:highlight>
-                  <a:srgbClr val="FFFF00"/>
-                </a:highlight>
-                <a:latin typeface="Roboto" panose="02000000000000000000" pitchFamily="2" charset="0"/>
-                <a:ea typeface="Roboto" panose="02000000000000000000" pitchFamily="2" charset="0"/>
-              </a:rPr>
-              <a:t>cambiarla</a:t>
-            </a:r>
-            <a:endParaRPr lang="fr-FR" b="0" i="0" dirty="0">
-              <a:solidFill>
-                <a:srgbClr val="CECAC3"/>
-              </a:solidFill>
-              <a:effectLst/>
-              <a:latin typeface="Söhne"/>
-            </a:endParaRPr>
+              <a:t> sont un sujet qui mérite attention</a:t>
+            </a:r>
           </a:p>
           <a:p>
             <a:pPr algn="l"/>
@@ -27385,6 +26188,52 @@
           <a:p>
             <a:pPr algn="l"/>
             <a:r>
+              <a:rPr lang="fr-FR" b="0" i="0" dirty="0">
+                <a:solidFill>
+                  <a:srgbClr val="CECAC3"/>
+                </a:solidFill>
+                <a:effectLst/>
+                <a:latin typeface="Söhne"/>
+              </a:rPr>
+              <a:t>Les infections du site opératoire (ISO) sont les deuxièmes infections nosocomiales (acquises à l'hôpital) les plus fréquentes après les infections des voies urinaires.</a:t>
+            </a:r>
+          </a:p>
+          <a:p>
+            <a:pPr algn="l"/>
+            <a:r>
+              <a:rPr lang="fr-FR" b="0" i="0" dirty="0">
+                <a:solidFill>
+                  <a:srgbClr val="CECAC3"/>
+                </a:solidFill>
+                <a:effectLst/>
+                <a:latin typeface="Söhne"/>
+              </a:rPr>
+              <a:t>Bien que le risque d'IAS soit généralement faible, les IAS sont fréquentes en raison du volume élevé d'interventions chirurgicales effectuées.</a:t>
+            </a:r>
+          </a:p>
+          <a:p>
+            <a:pPr algn="l"/>
+            <a:endParaRPr lang="fr-FR" b="0" i="0" dirty="0">
+              <a:solidFill>
+                <a:srgbClr val="CECAC3"/>
+              </a:solidFill>
+              <a:effectLst/>
+              <a:latin typeface="Söhne"/>
+            </a:endParaRPr>
+          </a:p>
+          <a:p>
+            <a:pPr algn="l"/>
+            <a:r>
+              <a:rPr lang="fr-FR" b="0" i="0" dirty="0">
+                <a:solidFill>
+                  <a:srgbClr val="CECAC3"/>
+                </a:solidFill>
+                <a:effectLst/>
+                <a:latin typeface="Söhne"/>
+              </a:rPr>
+              <a:t>Les IAS surviennent chez 2 % à 5 % des patients subissant une chirurgie en hospitalisation (toutes chirurgies confondues), et les taux sont généralement plus élevés pour des procédures complexes comme la chirurgie de la colonne vertébrale, en cas de patients </a:t>
+            </a:r>
+            <a:r>
               <a:rPr lang="fr-FR" b="0" i="0" dirty="0" err="1">
                 <a:solidFill>
                   <a:srgbClr val="CECAC3"/>
@@ -27392,7 +26241,7 @@
                 <a:effectLst/>
                 <a:latin typeface="Söhne"/>
               </a:rPr>
-              <a:t>Oggi</a:t>
+              <a:t>agés</a:t>
             </a:r>
             <a:r>
               <a:rPr lang="fr-FR" b="0" i="0" dirty="0">
@@ -27402,18 +26251,21 @@
                 <a:effectLst/>
                 <a:latin typeface="Söhne"/>
               </a:rPr>
-              <a:t> la </a:t>
-            </a:r>
-            <a:r>
-              <a:rPr lang="fr-FR" b="0" i="0" dirty="0" err="1">
-                <a:solidFill>
-                  <a:srgbClr val="CECAC3"/>
-                </a:solidFill>
-                <a:effectLst/>
-                <a:latin typeface="Söhne"/>
-              </a:rPr>
-              <a:t>sorveglianza</a:t>
-            </a:r>
+              <a:t> ou obèses</a:t>
+            </a:r>
+          </a:p>
+          <a:p>
+            <a:pPr algn="l"/>
+            <a:endParaRPr lang="fr-FR" b="0" i="0" dirty="0">
+              <a:solidFill>
+                <a:srgbClr val="CECAC3"/>
+              </a:solidFill>
+              <a:effectLst/>
+              <a:latin typeface="Söhne"/>
+            </a:endParaRPr>
+          </a:p>
+          <a:p>
+            <a:pPr algn="l"/>
             <a:r>
               <a:rPr lang="fr-FR" b="0" i="0" dirty="0">
                 <a:solidFill>
@@ -27422,18 +26274,21 @@
                 <a:effectLst/>
                 <a:latin typeface="Söhne"/>
               </a:rPr>
-              <a:t> delle ISO </a:t>
-            </a:r>
-            <a:r>
-              <a:rPr lang="fr-FR" b="0" i="0" dirty="0" err="1">
-                <a:solidFill>
-                  <a:srgbClr val="CECAC3"/>
-                </a:solidFill>
-                <a:effectLst/>
-                <a:latin typeface="Söhne"/>
-              </a:rPr>
-              <a:t>del</a:t>
-            </a:r>
+              <a:t>En cas d’ISO on s’attend à entre 7 à 11 jours d'hospitalisation supplémentaires, un cout plus élevé pour le système, un risque plus élevé de séquelles et de mortalité</a:t>
+            </a:r>
+          </a:p>
+          <a:p>
+            <a:pPr algn="l"/>
+            <a:endParaRPr lang="fr-FR" b="0" i="0" dirty="0">
+              <a:solidFill>
+                <a:srgbClr val="CECAC3"/>
+              </a:solidFill>
+              <a:effectLst/>
+              <a:latin typeface="Söhne"/>
+            </a:endParaRPr>
+          </a:p>
+          <a:p>
+            <a:pPr algn="l"/>
             <a:r>
               <a:rPr lang="fr-FR" b="0" i="0" dirty="0">
                 <a:solidFill>
@@ -27442,18 +26297,11 @@
                 <a:effectLst/>
                 <a:latin typeface="Söhne"/>
               </a:rPr>
-              <a:t> rachis si </a:t>
-            </a:r>
-            <a:r>
-              <a:rPr lang="fr-FR" b="0" i="0" dirty="0" err="1">
-                <a:solidFill>
-                  <a:srgbClr val="CECAC3"/>
-                </a:solidFill>
-                <a:effectLst/>
-                <a:latin typeface="Söhne"/>
-              </a:rPr>
-              <a:t>svolge</a:t>
-            </a:r>
+              <a:t>Les patients chirurgicaux qui développent une ISO ont un risque de mortalité entre deux et onze fois plus élevé que les patients sans ISO ; </a:t>
+            </a:r>
+          </a:p>
+          <a:p>
+            <a:pPr algn="l"/>
             <a:r>
               <a:rPr lang="fr-FR" b="0" i="0" dirty="0">
                 <a:solidFill>
@@ -27462,668 +26310,18 @@
                 <a:effectLst/>
                 <a:latin typeface="Söhne"/>
               </a:rPr>
-              <a:t> </a:t>
-            </a:r>
-            <a:r>
-              <a:rPr lang="fr-FR" b="0" i="0" dirty="0" err="1">
-                <a:solidFill>
-                  <a:srgbClr val="CECAC3"/>
-                </a:solidFill>
-                <a:effectLst/>
-                <a:latin typeface="Söhne"/>
-              </a:rPr>
-              <a:t>manualmente</a:t>
-            </a:r>
-            <a:r>
-              <a:rPr lang="fr-FR" b="0" i="0" dirty="0">
-                <a:solidFill>
-                  <a:srgbClr val="CECAC3"/>
-                </a:solidFill>
-                <a:effectLst/>
-                <a:latin typeface="Söhne"/>
-              </a:rPr>
-              <a:t> con un </a:t>
-            </a:r>
-            <a:r>
-              <a:rPr lang="fr-FR" b="0" i="0" dirty="0" err="1">
-                <a:solidFill>
-                  <a:srgbClr val="CECAC3"/>
-                </a:solidFill>
-                <a:effectLst/>
-                <a:latin typeface="Söhne"/>
-              </a:rPr>
-              <a:t>infermiere</a:t>
-            </a:r>
-            <a:r>
-              <a:rPr lang="fr-FR" b="0" i="0" dirty="0">
-                <a:solidFill>
-                  <a:srgbClr val="CECAC3"/>
-                </a:solidFill>
-                <a:effectLst/>
-                <a:latin typeface="Söhne"/>
-              </a:rPr>
-              <a:t> </a:t>
-            </a:r>
-            <a:r>
-              <a:rPr lang="fr-FR" b="0" i="0" dirty="0" err="1">
-                <a:solidFill>
-                  <a:srgbClr val="CECAC3"/>
-                </a:solidFill>
-                <a:effectLst/>
-                <a:latin typeface="Söhne"/>
-              </a:rPr>
-              <a:t>che</a:t>
-            </a:r>
-            <a:r>
-              <a:rPr lang="fr-FR" b="0" i="0" dirty="0">
-                <a:solidFill>
-                  <a:srgbClr val="CECAC3"/>
-                </a:solidFill>
-                <a:effectLst/>
-                <a:latin typeface="Söhne"/>
-              </a:rPr>
-              <a:t> </a:t>
-            </a:r>
-            <a:r>
-              <a:rPr lang="fr-FR" b="0" i="0" dirty="0" err="1">
-                <a:solidFill>
-                  <a:srgbClr val="CECAC3"/>
-                </a:solidFill>
-                <a:effectLst/>
-                <a:latin typeface="Söhne"/>
-              </a:rPr>
-              <a:t>dedica</a:t>
-            </a:r>
-            <a:r>
-              <a:rPr lang="fr-FR" b="0" i="0" dirty="0">
-                <a:solidFill>
-                  <a:srgbClr val="CECAC3"/>
-                </a:solidFill>
-                <a:effectLst/>
-                <a:latin typeface="Söhne"/>
-              </a:rPr>
-              <a:t> un </a:t>
-            </a:r>
-            <a:r>
-              <a:rPr lang="fr-FR" b="0" i="0" dirty="0" err="1">
-                <a:solidFill>
-                  <a:srgbClr val="CECAC3"/>
-                </a:solidFill>
-                <a:effectLst/>
-                <a:latin typeface="Söhne"/>
-              </a:rPr>
-              <a:t>pomeriggio</a:t>
-            </a:r>
-            <a:r>
-              <a:rPr lang="fr-FR" b="0" i="0" dirty="0">
-                <a:solidFill>
-                  <a:srgbClr val="CECAC3"/>
-                </a:solidFill>
-                <a:effectLst/>
-                <a:latin typeface="Söhne"/>
-              </a:rPr>
-              <a:t> alla </a:t>
-            </a:r>
-            <a:r>
-              <a:rPr lang="fr-FR" b="0" i="0" dirty="0" err="1">
-                <a:solidFill>
-                  <a:srgbClr val="CECAC3"/>
-                </a:solidFill>
-                <a:effectLst/>
-                <a:latin typeface="Söhne"/>
-              </a:rPr>
-              <a:t>settimana</a:t>
-            </a:r>
-            <a:r>
-              <a:rPr lang="fr-FR" b="0" i="0" dirty="0">
-                <a:solidFill>
-                  <a:srgbClr val="CECAC3"/>
-                </a:solidFill>
-                <a:effectLst/>
-                <a:latin typeface="Söhne"/>
-              </a:rPr>
-              <a:t> al </a:t>
-            </a:r>
-            <a:r>
-              <a:rPr lang="fr-FR" b="0" i="0" dirty="0" err="1">
-                <a:solidFill>
-                  <a:srgbClr val="CECAC3"/>
-                </a:solidFill>
-                <a:effectLst/>
-                <a:latin typeface="Söhne"/>
-              </a:rPr>
-              <a:t>compito</a:t>
-            </a:r>
-            <a:r>
-              <a:rPr lang="fr-FR" b="0" i="0" dirty="0">
-                <a:solidFill>
-                  <a:srgbClr val="CECAC3"/>
-                </a:solidFill>
-                <a:effectLst/>
-                <a:latin typeface="Söhne"/>
-              </a:rPr>
-              <a:t>. Visita le </a:t>
-            </a:r>
-            <a:r>
-              <a:rPr lang="fr-FR" b="0" i="0" dirty="0" err="1">
-                <a:solidFill>
-                  <a:srgbClr val="CECAC3"/>
-                </a:solidFill>
-                <a:effectLst/>
-                <a:latin typeface="Söhne"/>
-              </a:rPr>
-              <a:t>unità</a:t>
-            </a:r>
-            <a:r>
-              <a:rPr lang="fr-FR" b="0" i="0" dirty="0">
-                <a:solidFill>
-                  <a:srgbClr val="CECAC3"/>
-                </a:solidFill>
-                <a:effectLst/>
-                <a:latin typeface="Söhne"/>
-              </a:rPr>
-              <a:t> di </a:t>
-            </a:r>
-            <a:r>
-              <a:rPr lang="fr-FR" b="0" i="0" dirty="0" err="1">
-                <a:solidFill>
-                  <a:srgbClr val="CECAC3"/>
-                </a:solidFill>
-                <a:effectLst/>
-                <a:latin typeface="Söhne"/>
-              </a:rPr>
-              <a:t>ortopedia</a:t>
-            </a:r>
-            <a:r>
-              <a:rPr lang="fr-FR" b="0" i="0" dirty="0">
-                <a:solidFill>
-                  <a:srgbClr val="CECAC3"/>
-                </a:solidFill>
-                <a:effectLst/>
-                <a:latin typeface="Söhne"/>
-              </a:rPr>
-              <a:t> </a:t>
-            </a:r>
-            <a:r>
-              <a:rPr lang="fr-FR" b="0" i="0" dirty="0" err="1">
-                <a:solidFill>
-                  <a:srgbClr val="CECAC3"/>
-                </a:solidFill>
-                <a:effectLst/>
-                <a:latin typeface="Söhne"/>
-              </a:rPr>
-              <a:t>ed</a:t>
-            </a:r>
-            <a:r>
-              <a:rPr lang="fr-FR" b="0" i="0" dirty="0">
-                <a:solidFill>
-                  <a:srgbClr val="CECAC3"/>
-                </a:solidFill>
-                <a:effectLst/>
-                <a:latin typeface="Söhne"/>
-              </a:rPr>
-              <a:t> </a:t>
-            </a:r>
-            <a:r>
-              <a:rPr lang="fr-FR" b="0" i="0" dirty="0" err="1">
-                <a:solidFill>
-                  <a:srgbClr val="CECAC3"/>
-                </a:solidFill>
-                <a:effectLst/>
-                <a:latin typeface="Söhne"/>
-              </a:rPr>
-              <a:t>interagendo</a:t>
-            </a:r>
-            <a:r>
-              <a:rPr lang="fr-FR" b="0" i="0" dirty="0">
-                <a:solidFill>
-                  <a:srgbClr val="CECAC3"/>
-                </a:solidFill>
-                <a:effectLst/>
-                <a:latin typeface="Söhne"/>
-              </a:rPr>
-              <a:t> con il personale </a:t>
-            </a:r>
-            <a:r>
-              <a:rPr lang="fr-FR" b="0" i="0" dirty="0" err="1">
-                <a:solidFill>
-                  <a:srgbClr val="CECAC3"/>
-                </a:solidFill>
-                <a:effectLst/>
-                <a:latin typeface="Söhne"/>
-              </a:rPr>
-              <a:t>tiene</a:t>
-            </a:r>
-            <a:r>
-              <a:rPr lang="fr-FR" b="0" i="0" dirty="0">
-                <a:solidFill>
-                  <a:srgbClr val="CECAC3"/>
-                </a:solidFill>
-                <a:effectLst/>
-                <a:latin typeface="Söhne"/>
-              </a:rPr>
-              <a:t> </a:t>
-            </a:r>
-            <a:r>
-              <a:rPr lang="fr-FR" b="0" i="0" dirty="0" err="1">
-                <a:solidFill>
-                  <a:srgbClr val="CECAC3"/>
-                </a:solidFill>
-                <a:effectLst/>
-                <a:latin typeface="Söhne"/>
-              </a:rPr>
-              <a:t>traccia</a:t>
-            </a:r>
-            <a:r>
-              <a:rPr lang="fr-FR" b="0" i="0" dirty="0">
-                <a:solidFill>
-                  <a:srgbClr val="CECAC3"/>
-                </a:solidFill>
-                <a:effectLst/>
-                <a:latin typeface="Söhne"/>
-              </a:rPr>
-              <a:t> di </a:t>
-            </a:r>
-            <a:r>
-              <a:rPr lang="fr-FR" b="0" i="0" dirty="0" err="1">
-                <a:solidFill>
-                  <a:srgbClr val="CECAC3"/>
-                </a:solidFill>
-                <a:effectLst/>
-                <a:latin typeface="Söhne"/>
-              </a:rPr>
-              <a:t>quali</a:t>
-            </a:r>
-            <a:r>
-              <a:rPr lang="fr-FR" b="0" i="0" dirty="0">
-                <a:solidFill>
-                  <a:srgbClr val="CECAC3"/>
-                </a:solidFill>
-                <a:effectLst/>
-                <a:latin typeface="Söhne"/>
-              </a:rPr>
-              <a:t> </a:t>
-            </a:r>
-            <a:r>
-              <a:rPr lang="fr-FR" b="0" i="0" dirty="0" err="1">
-                <a:solidFill>
-                  <a:srgbClr val="CECAC3"/>
-                </a:solidFill>
-                <a:effectLst/>
-                <a:latin typeface="Söhne"/>
-              </a:rPr>
-              <a:t>pazienti</a:t>
-            </a:r>
-            <a:r>
-              <a:rPr lang="fr-FR" b="0" i="0" dirty="0">
-                <a:solidFill>
-                  <a:srgbClr val="CECAC3"/>
-                </a:solidFill>
-                <a:effectLst/>
-                <a:latin typeface="Söhne"/>
-              </a:rPr>
-              <a:t> </a:t>
-            </a:r>
-            <a:r>
-              <a:rPr lang="fr-FR" b="0" i="0" dirty="0" err="1">
-                <a:solidFill>
-                  <a:srgbClr val="CECAC3"/>
-                </a:solidFill>
-                <a:effectLst/>
-                <a:latin typeface="Söhne"/>
-              </a:rPr>
-              <a:t>hanno</a:t>
-            </a:r>
-            <a:r>
-              <a:rPr lang="fr-FR" b="0" i="0" dirty="0">
-                <a:solidFill>
-                  <a:srgbClr val="CECAC3"/>
-                </a:solidFill>
-                <a:effectLst/>
-                <a:latin typeface="Söhne"/>
-              </a:rPr>
-              <a:t> </a:t>
-            </a:r>
-            <a:r>
-              <a:rPr lang="fr-FR" b="0" i="0" dirty="0" err="1">
-                <a:solidFill>
-                  <a:srgbClr val="CECAC3"/>
-                </a:solidFill>
-                <a:effectLst/>
-                <a:latin typeface="Söhne"/>
-              </a:rPr>
-              <a:t>avuto</a:t>
-            </a:r>
-            <a:r>
-              <a:rPr lang="fr-FR" b="0" i="0" dirty="0">
-                <a:solidFill>
-                  <a:srgbClr val="CECAC3"/>
-                </a:solidFill>
-                <a:effectLst/>
-                <a:latin typeface="Söhne"/>
-              </a:rPr>
-              <a:t> un ISO. Non è </a:t>
-            </a:r>
-            <a:r>
-              <a:rPr lang="fr-FR" b="0" i="0" dirty="0" err="1">
-                <a:solidFill>
-                  <a:srgbClr val="CECAC3"/>
-                </a:solidFill>
-                <a:effectLst/>
-                <a:latin typeface="Söhne"/>
-              </a:rPr>
-              <a:t>uno</a:t>
-            </a:r>
-            <a:r>
-              <a:rPr lang="fr-FR" b="0" i="0" dirty="0">
-                <a:solidFill>
-                  <a:srgbClr val="CECAC3"/>
-                </a:solidFill>
-                <a:effectLst/>
-                <a:latin typeface="Söhne"/>
-              </a:rPr>
-              <a:t> screening efficiente </a:t>
-            </a:r>
-            <a:r>
-              <a:rPr lang="fr-FR" b="0" i="0" dirty="0" err="1">
-                <a:solidFill>
-                  <a:srgbClr val="CECAC3"/>
-                </a:solidFill>
-                <a:effectLst/>
-                <a:latin typeface="Söhne"/>
-              </a:rPr>
-              <a:t>ed</a:t>
-            </a:r>
-            <a:r>
-              <a:rPr lang="fr-FR" b="0" i="0" dirty="0">
-                <a:solidFill>
-                  <a:srgbClr val="CECAC3"/>
-                </a:solidFill>
-                <a:effectLst/>
-                <a:latin typeface="Söhne"/>
-              </a:rPr>
-              <a:t> </a:t>
-            </a:r>
-            <a:r>
-              <a:rPr lang="fr-FR" b="0" i="0" dirty="0" err="1">
-                <a:solidFill>
-                  <a:srgbClr val="CECAC3"/>
-                </a:solidFill>
-                <a:effectLst/>
-                <a:latin typeface="Söhne"/>
-              </a:rPr>
-              <a:t>oltre</a:t>
-            </a:r>
-            <a:r>
-              <a:rPr lang="fr-FR" b="0" i="0" dirty="0">
-                <a:solidFill>
-                  <a:srgbClr val="CECAC3"/>
-                </a:solidFill>
-                <a:effectLst/>
-                <a:latin typeface="Söhne"/>
-              </a:rPr>
-              <a:t> al tempo </a:t>
-            </a:r>
-            <a:r>
-              <a:rPr lang="fr-FR" b="0" i="0" dirty="0" err="1">
-                <a:solidFill>
-                  <a:srgbClr val="CECAC3"/>
-                </a:solidFill>
-                <a:effectLst/>
-                <a:latin typeface="Söhne"/>
-              </a:rPr>
-              <a:t>che</a:t>
-            </a:r>
-            <a:r>
-              <a:rPr lang="fr-FR" b="0" i="0" dirty="0">
-                <a:solidFill>
-                  <a:srgbClr val="CECAC3"/>
-                </a:solidFill>
-                <a:effectLst/>
-                <a:latin typeface="Söhne"/>
-              </a:rPr>
-              <a:t> l’</a:t>
-            </a:r>
-            <a:r>
-              <a:rPr lang="fr-FR" b="0" i="0" dirty="0" err="1">
-                <a:solidFill>
-                  <a:srgbClr val="CECAC3"/>
-                </a:solidFill>
-                <a:effectLst/>
-                <a:latin typeface="Söhne"/>
-              </a:rPr>
-              <a:t>infermiere</a:t>
-            </a:r>
-            <a:r>
-              <a:rPr lang="fr-FR" b="0" i="0" dirty="0">
-                <a:solidFill>
-                  <a:srgbClr val="CECAC3"/>
-                </a:solidFill>
-                <a:effectLst/>
-                <a:latin typeface="Söhne"/>
-              </a:rPr>
-              <a:t> ci </a:t>
-            </a:r>
-            <a:r>
-              <a:rPr lang="fr-FR" b="0" i="0" dirty="0" err="1">
-                <a:solidFill>
-                  <a:srgbClr val="CECAC3"/>
-                </a:solidFill>
-                <a:effectLst/>
-                <a:latin typeface="Söhne"/>
-              </a:rPr>
-              <a:t>dedica</a:t>
-            </a:r>
-            <a:r>
-              <a:rPr lang="fr-FR" b="0" i="0" dirty="0">
-                <a:solidFill>
-                  <a:srgbClr val="CECAC3"/>
-                </a:solidFill>
-                <a:effectLst/>
-                <a:latin typeface="Söhne"/>
-              </a:rPr>
-              <a:t>, </a:t>
-            </a:r>
-            <a:r>
-              <a:rPr lang="fr-FR" b="0" i="0" dirty="0" err="1">
-                <a:solidFill>
-                  <a:srgbClr val="CECAC3"/>
-                </a:solidFill>
-                <a:effectLst/>
-                <a:latin typeface="Söhne"/>
-              </a:rPr>
-              <a:t>bisogna</a:t>
-            </a:r>
-            <a:r>
-              <a:rPr lang="fr-FR" b="0" i="0" dirty="0">
-                <a:solidFill>
-                  <a:srgbClr val="CECAC3"/>
-                </a:solidFill>
-                <a:effectLst/>
-                <a:latin typeface="Söhne"/>
-              </a:rPr>
-              <a:t> </a:t>
-            </a:r>
-            <a:r>
-              <a:rPr lang="fr-FR" b="0" i="0" dirty="0" err="1">
-                <a:solidFill>
-                  <a:srgbClr val="CECAC3"/>
-                </a:solidFill>
-                <a:effectLst/>
-                <a:latin typeface="Söhne"/>
-              </a:rPr>
-              <a:t>fatturare</a:t>
-            </a:r>
-            <a:r>
-              <a:rPr lang="fr-FR" b="0" i="0" dirty="0">
-                <a:solidFill>
-                  <a:srgbClr val="CECAC3"/>
-                </a:solidFill>
-                <a:effectLst/>
-                <a:latin typeface="Söhne"/>
-              </a:rPr>
-              <a:t> anche </a:t>
-            </a:r>
-            <a:r>
-              <a:rPr lang="fr-FR" b="0" i="0" dirty="0" err="1">
-                <a:solidFill>
-                  <a:srgbClr val="CECAC3"/>
-                </a:solidFill>
-                <a:effectLst/>
-                <a:latin typeface="Söhne"/>
-              </a:rPr>
-              <a:t>quello</a:t>
-            </a:r>
-            <a:r>
-              <a:rPr lang="fr-FR" b="0" i="0" dirty="0">
-                <a:solidFill>
-                  <a:srgbClr val="CECAC3"/>
-                </a:solidFill>
-                <a:effectLst/>
-                <a:latin typeface="Söhne"/>
-              </a:rPr>
-              <a:t> </a:t>
-            </a:r>
-            <a:r>
-              <a:rPr lang="fr-FR" b="0" i="0" dirty="0" err="1">
-                <a:solidFill>
-                  <a:srgbClr val="CECAC3"/>
-                </a:solidFill>
-                <a:effectLst/>
-                <a:latin typeface="Söhne"/>
-              </a:rPr>
-              <a:t>che</a:t>
-            </a:r>
-            <a:r>
-              <a:rPr lang="fr-FR" b="0" i="0" dirty="0">
-                <a:solidFill>
-                  <a:srgbClr val="CECAC3"/>
-                </a:solidFill>
-                <a:effectLst/>
-                <a:latin typeface="Söhne"/>
-              </a:rPr>
-              <a:t> </a:t>
-            </a:r>
-            <a:r>
-              <a:rPr lang="fr-FR" b="0" i="0" dirty="0" err="1">
-                <a:solidFill>
-                  <a:srgbClr val="CECAC3"/>
-                </a:solidFill>
-                <a:effectLst/>
-                <a:latin typeface="Söhne"/>
-              </a:rPr>
-              <a:t>gli</a:t>
-            </a:r>
-            <a:r>
-              <a:rPr lang="fr-FR" b="0" i="0" dirty="0">
-                <a:solidFill>
-                  <a:srgbClr val="CECAC3"/>
-                </a:solidFill>
-                <a:effectLst/>
-                <a:latin typeface="Söhne"/>
-              </a:rPr>
-              <a:t> </a:t>
-            </a:r>
-            <a:r>
-              <a:rPr lang="fr-FR" b="0" i="0" dirty="0" err="1">
-                <a:solidFill>
-                  <a:srgbClr val="CECAC3"/>
-                </a:solidFill>
-                <a:effectLst/>
-                <a:latin typeface="Söhne"/>
-              </a:rPr>
-              <a:t>altri</a:t>
-            </a:r>
-            <a:r>
-              <a:rPr lang="fr-FR" b="0" i="0" dirty="0">
-                <a:solidFill>
-                  <a:srgbClr val="CECAC3"/>
-                </a:solidFill>
-                <a:effectLst/>
-                <a:latin typeface="Söhne"/>
-              </a:rPr>
-              <a:t> </a:t>
-            </a:r>
-            <a:r>
-              <a:rPr lang="fr-FR" b="0" i="0" dirty="0" err="1">
-                <a:solidFill>
-                  <a:srgbClr val="CECAC3"/>
-                </a:solidFill>
-                <a:effectLst/>
-                <a:latin typeface="Söhne"/>
-              </a:rPr>
-              <a:t>professionisti</a:t>
-            </a:r>
-            <a:r>
-              <a:rPr lang="fr-FR" b="0" i="0" dirty="0">
-                <a:solidFill>
-                  <a:srgbClr val="CECAC3"/>
-                </a:solidFill>
-                <a:effectLst/>
-                <a:latin typeface="Söhne"/>
-              </a:rPr>
-              <a:t> </a:t>
-            </a:r>
-            <a:r>
-              <a:rPr lang="fr-FR" b="0" i="0" dirty="0" err="1">
-                <a:solidFill>
-                  <a:srgbClr val="CECAC3"/>
-                </a:solidFill>
-                <a:effectLst/>
-                <a:latin typeface="Söhne"/>
-              </a:rPr>
-              <a:t>della</a:t>
-            </a:r>
-            <a:r>
-              <a:rPr lang="fr-FR" b="0" i="0" dirty="0">
-                <a:solidFill>
-                  <a:srgbClr val="CECAC3"/>
-                </a:solidFill>
-                <a:effectLst/>
-                <a:latin typeface="Söhne"/>
-              </a:rPr>
-              <a:t> </a:t>
-            </a:r>
-            <a:r>
-              <a:rPr lang="fr-FR" b="0" i="0" dirty="0" err="1">
-                <a:solidFill>
-                  <a:srgbClr val="CECAC3"/>
-                </a:solidFill>
-                <a:effectLst/>
-                <a:latin typeface="Söhne"/>
-              </a:rPr>
-              <a:t>salute</a:t>
-            </a:r>
-            <a:r>
-              <a:rPr lang="fr-FR" b="0" i="0" dirty="0">
-                <a:solidFill>
-                  <a:srgbClr val="CECAC3"/>
-                </a:solidFill>
-                <a:effectLst/>
-                <a:latin typeface="Söhne"/>
-              </a:rPr>
-              <a:t> </a:t>
-            </a:r>
-            <a:r>
-              <a:rPr lang="fr-FR" b="0" i="0" dirty="0" err="1">
-                <a:solidFill>
-                  <a:srgbClr val="CECAC3"/>
-                </a:solidFill>
-                <a:effectLst/>
-                <a:latin typeface="Söhne"/>
-              </a:rPr>
-              <a:t>dedicano</a:t>
-            </a:r>
-            <a:r>
-              <a:rPr lang="fr-FR" b="0" i="0" dirty="0">
-                <a:solidFill>
-                  <a:srgbClr val="CECAC3"/>
-                </a:solidFill>
-                <a:effectLst/>
-                <a:latin typeface="Söhne"/>
-              </a:rPr>
-              <a:t> lui.</a:t>
-            </a:r>
+              <a:t>77 % des décès chez les patients avec ISO sont directement attribuables à l’ISO.</a:t>
+            </a:r>
+          </a:p>
+          <a:p>
+            <a:pPr algn="l"/>
+            <a:endParaRPr lang="fr-FR" b="0" i="0" dirty="0">
+              <a:solidFill>
+                <a:srgbClr val="CECAC3"/>
+              </a:solidFill>
+              <a:effectLst/>
+              <a:latin typeface="Söhne"/>
+            </a:endParaRPr>
           </a:p>
         </p:txBody>
       </p:sp>
@@ -28144,7 +26342,7 @@
           <a:p>
             <a:fld id="{CAE1407F-8740-488D-B818-A4EDEFED28C5}" type="slidenum">
               <a:rPr lang="it-IT" smtClean="0"/>
-              <a:t>3</a:t>
+              <a:t>2</a:t>
             </a:fld>
             <a:endParaRPr lang="it-IT" dirty="0"/>
           </a:p>
@@ -28153,7 +26351,7 @@
     </p:spTree>
     <p:extLst>
       <p:ext uri="{BB962C8B-B14F-4D97-AF65-F5344CB8AC3E}">
-        <p14:creationId xmlns:p14="http://schemas.microsoft.com/office/powerpoint/2010/main" val="3005363171"/>
+        <p14:creationId xmlns:p14="http://schemas.microsoft.com/office/powerpoint/2010/main" val="4054951883"/>
       </p:ext>
     </p:extLst>
   </p:cSld>
@@ -28207,377 +26405,146 @@
           <a:bodyPr/>
           <a:lstStyle/>
           <a:p>
-            <a:pPr algn="l">
-              <a:lnSpc>
-                <a:spcPct val="150000"/>
-              </a:lnSpc>
-              <a:buFont typeface="Arial" panose="020B0604020202020204" pitchFamily="34" charset="0"/>
-              <a:buNone/>
-            </a:pPr>
+            <a:pPr algn="l"/>
             <a:r>
               <a:rPr lang="fr-FR" b="0" i="0" dirty="0">
+                <a:solidFill>
+                  <a:srgbClr val="CECAC3"/>
+                </a:solidFill>
                 <a:effectLst/>
-                <a:latin typeface="Roboto" panose="02000000000000000000" pitchFamily="2" charset="0"/>
-                <a:ea typeface="Roboto" panose="02000000000000000000" pitchFamily="2" charset="0"/>
+                <a:latin typeface="Söhne"/>
               </a:rPr>
-              <a:t>utiliser l'Entrepôt de Données du CHU de Rouen pour améliorer l’exhaustivité et réduire la charge de travail associée à la surveillance des infections du site opératoire (ISO) du rachis</a:t>
+              <a:t>Il en résulte qu'il est important de suivre ces événements</a:t>
             </a:r>
           </a:p>
           <a:p>
-            <a:pPr algn="l">
-              <a:lnSpc>
-                <a:spcPct val="150000"/>
-              </a:lnSpc>
-              <a:buFont typeface="Arial" panose="020B0604020202020204" pitchFamily="34" charset="0"/>
-              <a:buChar char="•"/>
-            </a:pPr>
-            <a:endParaRPr lang="fr-FR" dirty="0">
-              <a:latin typeface="Roboto" panose="02000000000000000000" pitchFamily="2" charset="0"/>
-              <a:ea typeface="Roboto" panose="02000000000000000000" pitchFamily="2" charset="0"/>
+            <a:pPr algn="l"/>
+            <a:endParaRPr lang="fr-FR" b="0" i="0" dirty="0">
+              <a:solidFill>
+                <a:srgbClr val="CECAC3"/>
+              </a:solidFill>
+              <a:effectLst/>
+              <a:latin typeface="Söhne"/>
             </a:endParaRPr>
           </a:p>
           <a:p>
-            <a:pPr algn="l">
-              <a:lnSpc>
-                <a:spcPct val="150000"/>
-              </a:lnSpc>
-              <a:buFont typeface="Arial" panose="020B0604020202020204" pitchFamily="34" charset="0"/>
-              <a:buChar char="•"/>
-            </a:pPr>
+            <a:pPr algn="l"/>
+            <a:r>
+              <a:rPr lang="fr-FR" b="0" i="0" dirty="0">
+                <a:solidFill>
+                  <a:srgbClr val="CECAC3"/>
+                </a:solidFill>
+                <a:effectLst/>
+                <a:latin typeface="Söhne"/>
+              </a:rPr>
+              <a:t>Aujourd'hui, la surveillance des ISO dans les rachis est effectuée manuellement par un infirmier qui consacre un après-midi par semaine à cette tâche. </a:t>
+            </a:r>
+          </a:p>
+          <a:p>
+            <a:pPr algn="l"/>
             <a:endParaRPr lang="fr-FR" b="0" i="0" dirty="0">
+              <a:solidFill>
+                <a:srgbClr val="CECAC3"/>
+              </a:solidFill>
               <a:effectLst/>
-              <a:latin typeface="Roboto" panose="02000000000000000000" pitchFamily="2" charset="0"/>
-              <a:ea typeface="Roboto" panose="02000000000000000000" pitchFamily="2" charset="0"/>
+              <a:latin typeface="Söhne"/>
             </a:endParaRPr>
           </a:p>
           <a:p>
-            <a:pPr algn="l">
-              <a:lnSpc>
-                <a:spcPct val="150000"/>
-              </a:lnSpc>
-              <a:buFont typeface="Arial" panose="020B0604020202020204" pitchFamily="34" charset="0"/>
-              <a:buChar char="•"/>
-            </a:pPr>
-            <a:r>
-              <a:rPr lang="fr-FR" b="1" i="0" dirty="0">
+            <a:pPr algn="l"/>
+            <a:r>
+              <a:rPr lang="fr-FR" b="0" i="0" dirty="0">
+                <a:solidFill>
+                  <a:srgbClr val="CECAC3"/>
+                </a:solidFill>
                 <a:effectLst/>
-                <a:latin typeface="Roboto" panose="02000000000000000000" pitchFamily="2" charset="0"/>
-                <a:ea typeface="Roboto" panose="02000000000000000000" pitchFamily="2" charset="0"/>
+                <a:latin typeface="Söhne"/>
               </a:rPr>
-              <a:t>Complémentarité avec le Travail Humain</a:t>
-            </a:r>
-            <a:r>
-              <a:rPr lang="fr-FR" b="0" i="0" dirty="0">
-                <a:effectLst/>
-                <a:latin typeface="Roboto" panose="02000000000000000000" pitchFamily="2" charset="0"/>
-                <a:ea typeface="Roboto" panose="02000000000000000000" pitchFamily="2" charset="0"/>
-              </a:rPr>
-              <a:t> : </a:t>
-            </a:r>
-            <a:r>
-              <a:rPr lang="fr-FR" b="0" i="0" dirty="0" err="1">
-                <a:effectLst/>
-                <a:latin typeface="Roboto" panose="02000000000000000000" pitchFamily="2" charset="0"/>
-                <a:ea typeface="Roboto" panose="02000000000000000000" pitchFamily="2" charset="0"/>
-              </a:rPr>
-              <a:t>EDSaN</a:t>
-            </a:r>
-            <a:r>
-              <a:rPr lang="fr-FR" b="0" i="0" dirty="0">
-                <a:effectLst/>
-                <a:latin typeface="Roboto" panose="02000000000000000000" pitchFamily="2" charset="0"/>
-                <a:ea typeface="Roboto" panose="02000000000000000000" pitchFamily="2" charset="0"/>
-              </a:rPr>
-              <a:t> n'est pas conçu pour remplacer le jugement clinique, mais pour fournir une interface permettant un accès rapide à des informations pertinentes, facilitant ainsi le travail de surveillance</a:t>
+              <a:t>Il se rend dans les unités orthopédiques, interagit avec le personnel et garde une trace des patients qui ont eu une ISO. </a:t>
             </a:r>
           </a:p>
           <a:p>
-            <a:pPr algn="l">
-              <a:lnSpc>
-                <a:spcPct val="150000"/>
-              </a:lnSpc>
-              <a:buFont typeface="Arial" panose="020B0604020202020204" pitchFamily="34" charset="0"/>
-              <a:buChar char="•"/>
-            </a:pPr>
+            <a:pPr algn="l"/>
             <a:endParaRPr lang="fr-FR" b="0" i="0" dirty="0">
+              <a:solidFill>
+                <a:srgbClr val="CECAC3"/>
+              </a:solidFill>
               <a:effectLst/>
-              <a:latin typeface="Roboto" panose="02000000000000000000" pitchFamily="2" charset="0"/>
-              <a:ea typeface="Roboto" panose="02000000000000000000" pitchFamily="2" charset="0"/>
+              <a:latin typeface="Söhne"/>
             </a:endParaRPr>
           </a:p>
           <a:p>
-            <a:pPr algn="l">
-              <a:lnSpc>
-                <a:spcPct val="150000"/>
-              </a:lnSpc>
-              <a:buFont typeface="Arial" panose="020B0604020202020204" pitchFamily="34" charset="0"/>
-              <a:buNone/>
-            </a:pPr>
+            <a:pPr algn="l"/>
+            <a:r>
+              <a:rPr lang="fr-FR" b="0" i="0" dirty="0">
+                <a:solidFill>
+                  <a:srgbClr val="CECAC3"/>
+                </a:solidFill>
+                <a:effectLst/>
+                <a:latin typeface="Söhne"/>
+              </a:rPr>
+              <a:t>Ce dépistage n'est pas efficace et en plus du temps que l'infirmier y consacre, on devrait également facturer le temps que les autres professionnels de la santé consacrent à l’</a:t>
+            </a:r>
             <a:r>
               <a:rPr lang="fr-FR" b="0" i="0" dirty="0" err="1">
+                <a:solidFill>
+                  <a:srgbClr val="CECAC3"/>
+                </a:solidFill>
                 <a:effectLst/>
-                <a:latin typeface="Roboto" panose="02000000000000000000" pitchFamily="2" charset="0"/>
-                <a:ea typeface="Roboto" panose="02000000000000000000" pitchFamily="2" charset="0"/>
+                <a:latin typeface="Söhne"/>
               </a:rPr>
-              <a:t>Migliorare</a:t>
+              <a:t>infermier</a:t>
             </a:r>
             <a:r>
               <a:rPr lang="fr-FR" b="0" i="0" dirty="0">
+                <a:solidFill>
+                  <a:srgbClr val="CECAC3"/>
+                </a:solidFill>
                 <a:effectLst/>
-                <a:latin typeface="Roboto" panose="02000000000000000000" pitchFamily="2" charset="0"/>
-                <a:ea typeface="Roboto" panose="02000000000000000000" pitchFamily="2" charset="0"/>
+                <a:latin typeface="Söhne"/>
               </a:rPr>
-              <a:t> l’</a:t>
-            </a:r>
-            <a:r>
-              <a:rPr lang="fr-FR" b="0" i="0" dirty="0" err="1">
-                <a:effectLst/>
-                <a:latin typeface="Roboto" panose="02000000000000000000" pitchFamily="2" charset="0"/>
-                <a:ea typeface="Roboto" panose="02000000000000000000" pitchFamily="2" charset="0"/>
-              </a:rPr>
-              <a:t>esaustività</a:t>
-            </a:r>
-            <a:r>
-              <a:rPr lang="fr-FR" b="0" i="0" dirty="0">
-                <a:effectLst/>
-                <a:latin typeface="Roboto" panose="02000000000000000000" pitchFamily="2" charset="0"/>
-                <a:ea typeface="Roboto" panose="02000000000000000000" pitchFamily="2" charset="0"/>
-              </a:rPr>
-              <a:t> </a:t>
-            </a:r>
-            <a:r>
-              <a:rPr lang="fr-FR" b="0" i="0" dirty="0" err="1">
-                <a:effectLst/>
-                <a:latin typeface="Roboto" panose="02000000000000000000" pitchFamily="2" charset="0"/>
-                <a:ea typeface="Roboto" panose="02000000000000000000" pitchFamily="2" charset="0"/>
-              </a:rPr>
-              <a:t>del</a:t>
-            </a:r>
-            <a:r>
-              <a:rPr lang="fr-FR" b="0" i="0" dirty="0">
-                <a:effectLst/>
-                <a:latin typeface="Roboto" panose="02000000000000000000" pitchFamily="2" charset="0"/>
-                <a:ea typeface="Roboto" panose="02000000000000000000" pitchFamily="2" charset="0"/>
-              </a:rPr>
-              <a:t> </a:t>
-            </a:r>
-            <a:r>
-              <a:rPr lang="fr-FR" b="0" i="0" dirty="0" err="1">
-                <a:effectLst/>
-                <a:latin typeface="Roboto" panose="02000000000000000000" pitchFamily="2" charset="0"/>
-                <a:ea typeface="Roboto" panose="02000000000000000000" pitchFamily="2" charset="0"/>
-              </a:rPr>
-              <a:t>lavoro</a:t>
-            </a:r>
-            <a:r>
-              <a:rPr lang="fr-FR" b="0" i="0" dirty="0">
-                <a:effectLst/>
-                <a:latin typeface="Roboto" panose="02000000000000000000" pitchFamily="2" charset="0"/>
-                <a:ea typeface="Roboto" panose="02000000000000000000" pitchFamily="2" charset="0"/>
-              </a:rPr>
-              <a:t> </a:t>
-            </a:r>
-            <a:r>
-              <a:rPr lang="fr-FR" b="0" i="0" dirty="0" err="1">
-                <a:effectLst/>
-                <a:latin typeface="Roboto" panose="02000000000000000000" pitchFamily="2" charset="0"/>
-                <a:ea typeface="Roboto" panose="02000000000000000000" pitchFamily="2" charset="0"/>
-              </a:rPr>
-              <a:t>svolto</a:t>
-            </a:r>
-            <a:r>
-              <a:rPr lang="fr-FR" b="0" i="0" dirty="0">
-                <a:effectLst/>
-                <a:latin typeface="Roboto" panose="02000000000000000000" pitchFamily="2" charset="0"/>
-                <a:ea typeface="Roboto" panose="02000000000000000000" pitchFamily="2" charset="0"/>
-              </a:rPr>
-              <a:t> </a:t>
-            </a:r>
-            <a:r>
-              <a:rPr lang="fr-FR" b="0" i="0" dirty="0" err="1">
-                <a:effectLst/>
-                <a:latin typeface="Roboto" panose="02000000000000000000" pitchFamily="2" charset="0"/>
-                <a:ea typeface="Roboto" panose="02000000000000000000" pitchFamily="2" charset="0"/>
-              </a:rPr>
-              <a:t>visto</a:t>
-            </a:r>
-            <a:r>
-              <a:rPr lang="fr-FR" b="0" i="0" dirty="0">
-                <a:effectLst/>
-                <a:latin typeface="Roboto" panose="02000000000000000000" pitchFamily="2" charset="0"/>
-                <a:ea typeface="Roboto" panose="02000000000000000000" pitchFamily="2" charset="0"/>
-              </a:rPr>
-              <a:t> </a:t>
-            </a:r>
-            <a:r>
-              <a:rPr lang="fr-FR" b="0" i="0" dirty="0" err="1">
-                <a:effectLst/>
-                <a:latin typeface="Roboto" panose="02000000000000000000" pitchFamily="2" charset="0"/>
-                <a:ea typeface="Roboto" panose="02000000000000000000" pitchFamily="2" charset="0"/>
-              </a:rPr>
-              <a:t>che</a:t>
-            </a:r>
-            <a:r>
-              <a:rPr lang="fr-FR" b="0" i="0" dirty="0">
-                <a:effectLst/>
-                <a:latin typeface="Roboto" panose="02000000000000000000" pitchFamily="2" charset="0"/>
-                <a:ea typeface="Roboto" panose="02000000000000000000" pitchFamily="2" charset="0"/>
-              </a:rPr>
-              <a:t> al </a:t>
-            </a:r>
-            <a:r>
-              <a:rPr lang="fr-FR" b="0" i="0" dirty="0" err="1">
-                <a:effectLst/>
-                <a:latin typeface="Roboto" panose="02000000000000000000" pitchFamily="2" charset="0"/>
-                <a:ea typeface="Roboto" panose="02000000000000000000" pitchFamily="2" charset="0"/>
-              </a:rPr>
-              <a:t>momento</a:t>
-            </a:r>
-            <a:r>
-              <a:rPr lang="fr-FR" b="0" i="0" dirty="0">
-                <a:effectLst/>
-                <a:latin typeface="Roboto" panose="02000000000000000000" pitchFamily="2" charset="0"/>
-                <a:ea typeface="Roboto" panose="02000000000000000000" pitchFamily="2" charset="0"/>
-              </a:rPr>
-              <a:t> </a:t>
-            </a:r>
-            <a:r>
-              <a:rPr lang="fr-FR" b="0" i="0" dirty="0" err="1">
-                <a:effectLst/>
-                <a:latin typeface="Roboto" panose="02000000000000000000" pitchFamily="2" charset="0"/>
-                <a:ea typeface="Roboto" panose="02000000000000000000" pitchFamily="2" charset="0"/>
-              </a:rPr>
-              <a:t>soltanto</a:t>
-            </a:r>
-            <a:r>
-              <a:rPr lang="fr-FR" b="0" i="0" dirty="0">
-                <a:effectLst/>
-                <a:latin typeface="Roboto" panose="02000000000000000000" pitchFamily="2" charset="0"/>
-                <a:ea typeface="Roboto" panose="02000000000000000000" pitchFamily="2" charset="0"/>
-              </a:rPr>
-              <a:t> </a:t>
-            </a:r>
-            <a:r>
-              <a:rPr lang="fr-FR" b="0" i="0" dirty="0" err="1">
-                <a:effectLst/>
-                <a:latin typeface="Roboto" panose="02000000000000000000" pitchFamily="2" charset="0"/>
-                <a:ea typeface="Roboto" panose="02000000000000000000" pitchFamily="2" charset="0"/>
-              </a:rPr>
-              <a:t>certi</a:t>
-            </a:r>
-            <a:r>
-              <a:rPr lang="fr-FR" b="0" i="0" dirty="0">
-                <a:effectLst/>
-                <a:latin typeface="Roboto" panose="02000000000000000000" pitchFamily="2" charset="0"/>
-                <a:ea typeface="Roboto" panose="02000000000000000000" pitchFamily="2" charset="0"/>
-              </a:rPr>
-              <a:t> </a:t>
-            </a:r>
-            <a:r>
-              <a:rPr lang="fr-FR" b="0" i="0" dirty="0" err="1">
-                <a:effectLst/>
-                <a:latin typeface="Roboto" panose="02000000000000000000" pitchFamily="2" charset="0"/>
-                <a:ea typeface="Roboto" panose="02000000000000000000" pitchFamily="2" charset="0"/>
-              </a:rPr>
-              <a:t>servizi</a:t>
-            </a:r>
-            <a:r>
-              <a:rPr lang="fr-FR" b="0" i="0" dirty="0">
-                <a:effectLst/>
-                <a:latin typeface="Roboto" panose="02000000000000000000" pitchFamily="2" charset="0"/>
-                <a:ea typeface="Roboto" panose="02000000000000000000" pitchFamily="2" charset="0"/>
-              </a:rPr>
-              <a:t> sono </a:t>
-            </a:r>
-            <a:r>
-              <a:rPr lang="fr-FR" b="0" i="0" dirty="0" err="1">
-                <a:effectLst/>
-                <a:latin typeface="Roboto" panose="02000000000000000000" pitchFamily="2" charset="0"/>
-                <a:ea typeface="Roboto" panose="02000000000000000000" pitchFamily="2" charset="0"/>
-              </a:rPr>
-              <a:t>seguiti</a:t>
-            </a:r>
-            <a:r>
-              <a:rPr lang="fr-FR" b="0" i="0" dirty="0">
-                <a:effectLst/>
-                <a:latin typeface="Roboto" panose="02000000000000000000" pitchFamily="2" charset="0"/>
-                <a:ea typeface="Roboto" panose="02000000000000000000" pitchFamily="2" charset="0"/>
-              </a:rPr>
-              <a:t>.</a:t>
+              <a:t> lui-même.</a:t>
             </a:r>
           </a:p>
           <a:p>
-            <a:pPr algn="l">
-              <a:lnSpc>
-                <a:spcPct val="150000"/>
-              </a:lnSpc>
-              <a:buFont typeface="Arial" panose="020B0604020202020204" pitchFamily="34" charset="0"/>
-              <a:buNone/>
-            </a:pPr>
+            <a:pPr algn="l"/>
+            <a:endParaRPr lang="fr-FR" b="0" i="0" dirty="0">
+              <a:solidFill>
+                <a:srgbClr val="CECAC3"/>
+              </a:solidFill>
+              <a:effectLst/>
+              <a:latin typeface="Söhne"/>
+            </a:endParaRPr>
+          </a:p>
+          <a:p>
+            <a:pPr algn="l"/>
             <a:r>
               <a:rPr lang="fr-FR" b="0" i="0" dirty="0" err="1">
+                <a:solidFill>
+                  <a:srgbClr val="CECAC3"/>
+                </a:solidFill>
                 <a:effectLst/>
-                <a:latin typeface="Roboto" panose="02000000000000000000" pitchFamily="2" charset="0"/>
-                <a:ea typeface="Roboto" panose="02000000000000000000" pitchFamily="2" charset="0"/>
+                <a:latin typeface="Söhne"/>
               </a:rPr>
-              <a:t>Ridurre</a:t>
-            </a:r>
-            <a:r>
-              <a:rPr lang="fr-FR" b="0" i="0" dirty="0">
+              <a:t>Inoltre</a:t>
+            </a:r>
+            <a:r>
+              <a:rPr lang="fr-FR" b="0" i="0">
+                <a:solidFill>
+                  <a:srgbClr val="CECAC3"/>
+                </a:solidFill>
                 <a:effectLst/>
-                <a:latin typeface="Roboto" panose="02000000000000000000" pitchFamily="2" charset="0"/>
-                <a:ea typeface="Roboto" panose="02000000000000000000" pitchFamily="2" charset="0"/>
+                <a:latin typeface="Söhne"/>
               </a:rPr>
-              <a:t> il </a:t>
-            </a:r>
-            <a:r>
-              <a:rPr lang="fr-FR" b="0" i="0" dirty="0" err="1">
-                <a:effectLst/>
-                <a:latin typeface="Roboto" panose="02000000000000000000" pitchFamily="2" charset="0"/>
-                <a:ea typeface="Roboto" panose="02000000000000000000" pitchFamily="2" charset="0"/>
-              </a:rPr>
-              <a:t>carico</a:t>
-            </a:r>
-            <a:r>
-              <a:rPr lang="fr-FR" b="0" i="0" dirty="0">
-                <a:effectLst/>
-                <a:latin typeface="Roboto" panose="02000000000000000000" pitchFamily="2" charset="0"/>
-                <a:ea typeface="Roboto" panose="02000000000000000000" pitchFamily="2" charset="0"/>
-              </a:rPr>
-              <a:t> di </a:t>
-            </a:r>
-            <a:r>
-              <a:rPr lang="fr-FR" b="0" i="0" dirty="0" err="1">
-                <a:effectLst/>
-                <a:latin typeface="Roboto" panose="02000000000000000000" pitchFamily="2" charset="0"/>
-                <a:ea typeface="Roboto" panose="02000000000000000000" pitchFamily="2" charset="0"/>
-              </a:rPr>
-              <a:t>lavoro</a:t>
-            </a:r>
-            <a:r>
-              <a:rPr lang="fr-FR" b="0" i="0" dirty="0">
-                <a:effectLst/>
-                <a:latin typeface="Roboto" panose="02000000000000000000" pitchFamily="2" charset="0"/>
-                <a:ea typeface="Roboto" panose="02000000000000000000" pitchFamily="2" charset="0"/>
-              </a:rPr>
-              <a:t> </a:t>
-            </a:r>
-            <a:r>
-              <a:rPr lang="fr-FR" b="0" i="0" dirty="0" err="1">
-                <a:effectLst/>
-                <a:latin typeface="Roboto" panose="02000000000000000000" pitchFamily="2" charset="0"/>
-                <a:ea typeface="Roboto" panose="02000000000000000000" pitchFamily="2" charset="0"/>
-              </a:rPr>
-              <a:t>associato</a:t>
-            </a:r>
-            <a:r>
-              <a:rPr lang="fr-FR" b="0" i="0" dirty="0">
-                <a:effectLst/>
-                <a:latin typeface="Roboto" panose="02000000000000000000" pitchFamily="2" charset="0"/>
-                <a:ea typeface="Roboto" panose="02000000000000000000" pitchFamily="2" charset="0"/>
-              </a:rPr>
-              <a:t>.</a:t>
-            </a:r>
+              <a:t>, </a:t>
+            </a:r>
+            <a:endParaRPr lang="fr-FR" b="0" i="0" dirty="0">
+              <a:solidFill>
+                <a:srgbClr val="CECAC3"/>
+              </a:solidFill>
+              <a:effectLst/>
+              <a:latin typeface="Söhne"/>
+            </a:endParaRPr>
           </a:p>
         </p:txBody>
       </p:sp>
@@ -28598,16 +26565,16 @@
           <a:p>
             <a:fld id="{CAE1407F-8740-488D-B818-A4EDEFED28C5}" type="slidenum">
               <a:rPr lang="it-IT" smtClean="0"/>
-              <a:t>4</a:t>
+              <a:t>3</a:t>
             </a:fld>
-            <a:endParaRPr lang="it-IT"/>
+            <a:endParaRPr lang="it-IT" dirty="0"/>
           </a:p>
         </p:txBody>
       </p:sp>
     </p:spTree>
     <p:extLst>
       <p:ext uri="{BB962C8B-B14F-4D97-AF65-F5344CB8AC3E}">
-        <p14:creationId xmlns:p14="http://schemas.microsoft.com/office/powerpoint/2010/main" val="1264456642"/>
+        <p14:creationId xmlns:p14="http://schemas.microsoft.com/office/powerpoint/2010/main" val="3005363171"/>
       </p:ext>
     </p:extLst>
   </p:cSld>
@@ -28666,31 +26633,15 @@
                 <a:spcPct val="150000"/>
               </a:lnSpc>
               <a:buFont typeface="Arial" panose="020B0604020202020204" pitchFamily="34" charset="0"/>
-              <a:buChar char="•"/>
+              <a:buNone/>
             </a:pPr>
             <a:r>
-              <a:rPr lang="fr-FR" sz="1200" b="1" i="0" dirty="0">
+              <a:rPr lang="fr-FR" b="0" i="0" dirty="0">
                 <a:effectLst/>
                 <a:latin typeface="Roboto" panose="02000000000000000000" pitchFamily="2" charset="0"/>
                 <a:ea typeface="Roboto" panose="02000000000000000000" pitchFamily="2" charset="0"/>
               </a:rPr>
-              <a:t>Superficielles ou </a:t>
-            </a:r>
-            <a:r>
-              <a:rPr lang="fr-FR" sz="1200" b="1" i="0" dirty="0" err="1">
-                <a:effectLst/>
-                <a:latin typeface="Roboto" panose="02000000000000000000" pitchFamily="2" charset="0"/>
-                <a:ea typeface="Roboto" panose="02000000000000000000" pitchFamily="2" charset="0"/>
-              </a:rPr>
-              <a:t>Incisionnelles</a:t>
-            </a:r>
-            <a:r>
-              <a:rPr lang="fr-FR" sz="1200" b="0" i="0" dirty="0">
-                <a:effectLst/>
-                <a:latin typeface="Roboto" panose="02000000000000000000" pitchFamily="2" charset="0"/>
-                <a:ea typeface="Roboto" panose="02000000000000000000" pitchFamily="2" charset="0"/>
-              </a:rPr>
-              <a:t> : Infection touchant seulement la peau et le tissu sous-cutané de l'incision.</a:t>
+              <a:t>utiliser l'Entrepôt de Données du CHU de Rouen pour améliorer l’exhaustivité et réduire la charge de travail associée à la surveillance des infections du site opératoire (ISO) du rachis</a:t>
             </a:r>
           </a:p>
           <a:p>
@@ -28701,73 +26652,7 @@
               <a:buFont typeface="Arial" panose="020B0604020202020204" pitchFamily="34" charset="0"/>
               <a:buChar char="•"/>
             </a:pPr>
-            <a:r>
-              <a:rPr lang="fr-FR" sz="1200" b="1" i="0" dirty="0">
-                <a:effectLst/>
-                <a:latin typeface="Roboto" panose="02000000000000000000" pitchFamily="2" charset="0"/>
-                <a:ea typeface="Roboto" panose="02000000000000000000" pitchFamily="2" charset="0"/>
-              </a:rPr>
-              <a:t>Profondes ou </a:t>
-            </a:r>
-            <a:r>
-              <a:rPr lang="fr-FR" sz="1200" b="1" i="0" dirty="0" err="1">
-                <a:effectLst/>
-                <a:latin typeface="Roboto" panose="02000000000000000000" pitchFamily="2" charset="0"/>
-                <a:ea typeface="Roboto" panose="02000000000000000000" pitchFamily="2" charset="0"/>
-              </a:rPr>
-              <a:t>Incisionnelles</a:t>
-            </a:r>
-            <a:r>
-              <a:rPr lang="fr-FR" sz="1200" b="1" i="0" dirty="0">
-                <a:effectLst/>
-                <a:latin typeface="Roboto" panose="02000000000000000000" pitchFamily="2" charset="0"/>
-                <a:ea typeface="Roboto" panose="02000000000000000000" pitchFamily="2" charset="0"/>
-              </a:rPr>
-              <a:t> Profondes</a:t>
-            </a:r>
-            <a:r>
-              <a:rPr lang="fr-FR" sz="1200" b="0" i="0" dirty="0">
-                <a:effectLst/>
-                <a:latin typeface="Roboto" panose="02000000000000000000" pitchFamily="2" charset="0"/>
-                <a:ea typeface="Roboto" panose="02000000000000000000" pitchFamily="2" charset="0"/>
-              </a:rPr>
-              <a:t> : Infection touchant les tissus profonds, comme la fascia et les couches musculaires.</a:t>
-            </a:r>
-          </a:p>
-          <a:p>
-            <a:pPr algn="l">
-              <a:lnSpc>
-                <a:spcPct val="150000"/>
-              </a:lnSpc>
-              <a:buFont typeface="Arial" panose="020B0604020202020204" pitchFamily="34" charset="0"/>
-              <a:buChar char="•"/>
-            </a:pPr>
-            <a:r>
-              <a:rPr lang="fr-FR" sz="1200" b="1" i="0" dirty="0">
-                <a:effectLst/>
-                <a:latin typeface="Roboto" panose="02000000000000000000" pitchFamily="2" charset="0"/>
-                <a:ea typeface="Roboto" panose="02000000000000000000" pitchFamily="2" charset="0"/>
-              </a:rPr>
-              <a:t>Organes/Espace</a:t>
-            </a:r>
-            <a:r>
-              <a:rPr lang="fr-FR" sz="1200" b="0" i="0" dirty="0">
-                <a:effectLst/>
-                <a:latin typeface="Roboto" panose="02000000000000000000" pitchFamily="2" charset="0"/>
-                <a:ea typeface="Roboto" panose="02000000000000000000" pitchFamily="2" charset="0"/>
-              </a:rPr>
-              <a:t> : Infection affectant une partie de l'anatomie autre que l'incision, qui a été ouverte ou manipulée pendant l'opération.</a:t>
-            </a:r>
-          </a:p>
-          <a:p>
-            <a:pPr algn="l">
-              <a:lnSpc>
-                <a:spcPct val="150000"/>
-              </a:lnSpc>
-              <a:buFont typeface="Arial" panose="020B0604020202020204" pitchFamily="34" charset="0"/>
-              <a:buChar char="•"/>
-            </a:pPr>
-            <a:endParaRPr lang="fr-FR" sz="1200" dirty="0">
+            <a:endParaRPr lang="fr-FR" dirty="0">
               <a:latin typeface="Roboto" panose="02000000000000000000" pitchFamily="2" charset="0"/>
               <a:ea typeface="Roboto" panose="02000000000000000000" pitchFamily="2" charset="0"/>
             </a:endParaRPr>
@@ -28780,22 +26665,11 @@
               <a:buFont typeface="Arial" panose="020B0604020202020204" pitchFamily="34" charset="0"/>
               <a:buChar char="•"/>
             </a:pPr>
-            <a:r>
-              <a:rPr lang="fr-FR" sz="1200" i="0" dirty="0" err="1">
-                <a:effectLst/>
-                <a:latin typeface="Roboto" panose="02000000000000000000" pitchFamily="2" charset="0"/>
-                <a:ea typeface="Roboto" panose="02000000000000000000" pitchFamily="2" charset="0"/>
-              </a:rPr>
-              <a:t>EDSaN</a:t>
-            </a:r>
-            <a:r>
-              <a:rPr lang="fr-FR" sz="1200" i="0" dirty="0">
-                <a:effectLst/>
-                <a:latin typeface="Roboto" panose="02000000000000000000" pitchFamily="2" charset="0"/>
-                <a:ea typeface="Roboto" panose="02000000000000000000" pitchFamily="2" charset="0"/>
-              </a:rPr>
-              <a:t> : Description de l'Entrepôt de Données de Santé utilisé et de ses capacités d'extraction de données.</a:t>
-            </a:r>
+            <a:endParaRPr lang="fr-FR" b="0" i="0" dirty="0">
+              <a:effectLst/>
+              <a:latin typeface="Roboto" panose="02000000000000000000" pitchFamily="2" charset="0"/>
+              <a:ea typeface="Roboto" panose="02000000000000000000" pitchFamily="2" charset="0"/>
+            </a:endParaRPr>
           </a:p>
           <a:p>
             <a:pPr algn="l">
@@ -28806,22 +26680,23 @@
               <a:buChar char="•"/>
             </a:pPr>
             <a:r>
-              <a:rPr lang="fr-FR" sz="1200" i="0" dirty="0">
+              <a:rPr lang="fr-FR" b="1" i="0" dirty="0">
                 <a:effectLst/>
                 <a:latin typeface="Roboto" panose="02000000000000000000" pitchFamily="2" charset="0"/>
                 <a:ea typeface="Roboto" panose="02000000000000000000" pitchFamily="2" charset="0"/>
               </a:rPr>
-              <a:t>Types de Données : Explication de l'utilisation de données à la fois structurées et non structurées, telles que les codes CIM-10 et les actes CCAM.</a:t>
-            </a:r>
-          </a:p>
-          <a:p>
-            <a:pPr algn="l">
-              <a:lnSpc>
-                <a:spcPct val="150000"/>
-              </a:lnSpc>
-            </a:pPr>
-            <a:r>
-              <a:rPr lang="fr-FR" sz="1200" i="0" dirty="0" err="1">
+              <a:t>Complémentarité avec le Travail Humain</a:t>
+            </a:r>
+            <a:r>
+              <a:rPr lang="fr-FR" b="0" i="0" dirty="0">
+                <a:effectLst/>
+                <a:latin typeface="Roboto" panose="02000000000000000000" pitchFamily="2" charset="0"/>
+                <a:ea typeface="Roboto" panose="02000000000000000000" pitchFamily="2" charset="0"/>
+              </a:rPr>
+              <a:t> : </a:t>
+            </a:r>
+            <a:r>
+              <a:rPr lang="fr-FR" b="0" i="0" dirty="0" err="1">
                 <a:effectLst/>
                 <a:latin typeface="Roboto" panose="02000000000000000000" pitchFamily="2" charset="0"/>
                 <a:ea typeface="Roboto" panose="02000000000000000000" pitchFamily="2" charset="0"/>
@@ -28829,12 +26704,12 @@
               <a:t>EDSaN</a:t>
             </a:r>
             <a:r>
-              <a:rPr lang="fr-FR" sz="1200" i="0" dirty="0">
+              <a:rPr lang="fr-FR" b="0" i="0" dirty="0">
                 <a:effectLst/>
                 <a:latin typeface="Roboto" panose="02000000000000000000" pitchFamily="2" charset="0"/>
                 <a:ea typeface="Roboto" panose="02000000000000000000" pitchFamily="2" charset="0"/>
               </a:rPr>
-              <a:t> Consult</a:t>
+              <a:t> n'est pas conçu pour remplacer le jugement clinique, mais pour fournir une interface permettant un accès rapide à des informations pertinentes, facilitant ainsi le travail de surveillance</a:t>
             </a:r>
           </a:p>
           <a:p>
@@ -28845,17 +26720,285 @@
               <a:buFont typeface="Arial" panose="020B0604020202020204" pitchFamily="34" charset="0"/>
               <a:buChar char="•"/>
             </a:pPr>
-            <a:r>
-              <a:rPr lang="fr-FR" sz="1200" i="0" dirty="0">
+            <a:endParaRPr lang="fr-FR" b="0" i="0" dirty="0">
+              <a:effectLst/>
+              <a:latin typeface="Roboto" panose="02000000000000000000" pitchFamily="2" charset="0"/>
+              <a:ea typeface="Roboto" panose="02000000000000000000" pitchFamily="2" charset="0"/>
+            </a:endParaRPr>
+          </a:p>
+          <a:p>
+            <a:pPr algn="l">
+              <a:lnSpc>
+                <a:spcPct val="150000"/>
+              </a:lnSpc>
+              <a:buFont typeface="Arial" panose="020B0604020202020204" pitchFamily="34" charset="0"/>
+              <a:buNone/>
+            </a:pPr>
+            <a:r>
+              <a:rPr lang="fr-FR" b="0" i="0" dirty="0" err="1">
                 <a:effectLst/>
                 <a:latin typeface="Roboto" panose="02000000000000000000" pitchFamily="2" charset="0"/>
                 <a:ea typeface="Roboto" panose="02000000000000000000" pitchFamily="2" charset="0"/>
               </a:rPr>
-              <a:t>Description de l'interface utilisateur qui permet une révision manuelle efficace des données.</a:t>
+              <a:t>Migliorare</a:t>
+            </a:r>
+            <a:r>
+              <a:rPr lang="fr-FR" b="0" i="0" dirty="0">
+                <a:effectLst/>
+                <a:latin typeface="Roboto" panose="02000000000000000000" pitchFamily="2" charset="0"/>
+                <a:ea typeface="Roboto" panose="02000000000000000000" pitchFamily="2" charset="0"/>
+              </a:rPr>
+              <a:t> l’</a:t>
+            </a:r>
+            <a:r>
+              <a:rPr lang="fr-FR" b="0" i="0" dirty="0" err="1">
+                <a:effectLst/>
+                <a:latin typeface="Roboto" panose="02000000000000000000" pitchFamily="2" charset="0"/>
+                <a:ea typeface="Roboto" panose="02000000000000000000" pitchFamily="2" charset="0"/>
+              </a:rPr>
+              <a:t>esaustività</a:t>
+            </a:r>
+            <a:r>
+              <a:rPr lang="fr-FR" b="0" i="0" dirty="0">
+                <a:effectLst/>
+                <a:latin typeface="Roboto" panose="02000000000000000000" pitchFamily="2" charset="0"/>
+                <a:ea typeface="Roboto" panose="02000000000000000000" pitchFamily="2" charset="0"/>
+              </a:rPr>
+              <a:t> </a:t>
+            </a:r>
+            <a:r>
+              <a:rPr lang="fr-FR" b="0" i="0" dirty="0" err="1">
+                <a:effectLst/>
+                <a:latin typeface="Roboto" panose="02000000000000000000" pitchFamily="2" charset="0"/>
+                <a:ea typeface="Roboto" panose="02000000000000000000" pitchFamily="2" charset="0"/>
+              </a:rPr>
+              <a:t>del</a:t>
+            </a:r>
+            <a:r>
+              <a:rPr lang="fr-FR" b="0" i="0" dirty="0">
+                <a:effectLst/>
+                <a:latin typeface="Roboto" panose="02000000000000000000" pitchFamily="2" charset="0"/>
+                <a:ea typeface="Roboto" panose="02000000000000000000" pitchFamily="2" charset="0"/>
+              </a:rPr>
+              <a:t> </a:t>
+            </a:r>
+            <a:r>
+              <a:rPr lang="fr-FR" b="0" i="0" dirty="0" err="1">
+                <a:effectLst/>
+                <a:latin typeface="Roboto" panose="02000000000000000000" pitchFamily="2" charset="0"/>
+                <a:ea typeface="Roboto" panose="02000000000000000000" pitchFamily="2" charset="0"/>
+              </a:rPr>
+              <a:t>lavoro</a:t>
+            </a:r>
+            <a:r>
+              <a:rPr lang="fr-FR" b="0" i="0" dirty="0">
+                <a:effectLst/>
+                <a:latin typeface="Roboto" panose="02000000000000000000" pitchFamily="2" charset="0"/>
+                <a:ea typeface="Roboto" panose="02000000000000000000" pitchFamily="2" charset="0"/>
+              </a:rPr>
+              <a:t> </a:t>
+            </a:r>
+            <a:r>
+              <a:rPr lang="fr-FR" b="0" i="0" dirty="0" err="1">
+                <a:effectLst/>
+                <a:latin typeface="Roboto" panose="02000000000000000000" pitchFamily="2" charset="0"/>
+                <a:ea typeface="Roboto" panose="02000000000000000000" pitchFamily="2" charset="0"/>
+              </a:rPr>
+              <a:t>svolto</a:t>
+            </a:r>
+            <a:r>
+              <a:rPr lang="fr-FR" b="0" i="0" dirty="0">
+                <a:effectLst/>
+                <a:latin typeface="Roboto" panose="02000000000000000000" pitchFamily="2" charset="0"/>
+                <a:ea typeface="Roboto" panose="02000000000000000000" pitchFamily="2" charset="0"/>
+              </a:rPr>
+              <a:t> </a:t>
+            </a:r>
+            <a:r>
+              <a:rPr lang="fr-FR" b="0" i="0" dirty="0" err="1">
+                <a:effectLst/>
+                <a:latin typeface="Roboto" panose="02000000000000000000" pitchFamily="2" charset="0"/>
+                <a:ea typeface="Roboto" panose="02000000000000000000" pitchFamily="2" charset="0"/>
+              </a:rPr>
+              <a:t>visto</a:t>
+            </a:r>
+            <a:r>
+              <a:rPr lang="fr-FR" b="0" i="0" dirty="0">
+                <a:effectLst/>
+                <a:latin typeface="Roboto" panose="02000000000000000000" pitchFamily="2" charset="0"/>
+                <a:ea typeface="Roboto" panose="02000000000000000000" pitchFamily="2" charset="0"/>
+              </a:rPr>
+              <a:t> </a:t>
+            </a:r>
+            <a:r>
+              <a:rPr lang="fr-FR" b="0" i="0" dirty="0" err="1">
+                <a:effectLst/>
+                <a:latin typeface="Roboto" panose="02000000000000000000" pitchFamily="2" charset="0"/>
+                <a:ea typeface="Roboto" panose="02000000000000000000" pitchFamily="2" charset="0"/>
+              </a:rPr>
+              <a:t>che</a:t>
+            </a:r>
+            <a:r>
+              <a:rPr lang="fr-FR" b="0" i="0" dirty="0">
+                <a:effectLst/>
+                <a:latin typeface="Roboto" panose="02000000000000000000" pitchFamily="2" charset="0"/>
+                <a:ea typeface="Roboto" panose="02000000000000000000" pitchFamily="2" charset="0"/>
+              </a:rPr>
+              <a:t> al </a:t>
+            </a:r>
+            <a:r>
+              <a:rPr lang="fr-FR" b="0" i="0" dirty="0" err="1">
+                <a:effectLst/>
+                <a:latin typeface="Roboto" panose="02000000000000000000" pitchFamily="2" charset="0"/>
+                <a:ea typeface="Roboto" panose="02000000000000000000" pitchFamily="2" charset="0"/>
+              </a:rPr>
+              <a:t>momento</a:t>
+            </a:r>
+            <a:r>
+              <a:rPr lang="fr-FR" b="0" i="0" dirty="0">
+                <a:effectLst/>
+                <a:latin typeface="Roboto" panose="02000000000000000000" pitchFamily="2" charset="0"/>
+                <a:ea typeface="Roboto" panose="02000000000000000000" pitchFamily="2" charset="0"/>
+              </a:rPr>
+              <a:t> </a:t>
+            </a:r>
+            <a:r>
+              <a:rPr lang="fr-FR" b="0" i="0" dirty="0" err="1">
+                <a:effectLst/>
+                <a:latin typeface="Roboto" panose="02000000000000000000" pitchFamily="2" charset="0"/>
+                <a:ea typeface="Roboto" panose="02000000000000000000" pitchFamily="2" charset="0"/>
+              </a:rPr>
+              <a:t>soltanto</a:t>
+            </a:r>
+            <a:r>
+              <a:rPr lang="fr-FR" b="0" i="0" dirty="0">
+                <a:effectLst/>
+                <a:latin typeface="Roboto" panose="02000000000000000000" pitchFamily="2" charset="0"/>
+                <a:ea typeface="Roboto" panose="02000000000000000000" pitchFamily="2" charset="0"/>
+              </a:rPr>
+              <a:t> </a:t>
+            </a:r>
+            <a:r>
+              <a:rPr lang="fr-FR" b="0" i="0" dirty="0" err="1">
+                <a:effectLst/>
+                <a:latin typeface="Roboto" panose="02000000000000000000" pitchFamily="2" charset="0"/>
+                <a:ea typeface="Roboto" panose="02000000000000000000" pitchFamily="2" charset="0"/>
+              </a:rPr>
+              <a:t>certi</a:t>
+            </a:r>
+            <a:r>
+              <a:rPr lang="fr-FR" b="0" i="0" dirty="0">
+                <a:effectLst/>
+                <a:latin typeface="Roboto" panose="02000000000000000000" pitchFamily="2" charset="0"/>
+                <a:ea typeface="Roboto" panose="02000000000000000000" pitchFamily="2" charset="0"/>
+              </a:rPr>
+              <a:t> </a:t>
+            </a:r>
+            <a:r>
+              <a:rPr lang="fr-FR" b="0" i="0" dirty="0" err="1">
+                <a:effectLst/>
+                <a:latin typeface="Roboto" panose="02000000000000000000" pitchFamily="2" charset="0"/>
+                <a:ea typeface="Roboto" panose="02000000000000000000" pitchFamily="2" charset="0"/>
+              </a:rPr>
+              <a:t>servizi</a:t>
+            </a:r>
+            <a:r>
+              <a:rPr lang="fr-FR" b="0" i="0" dirty="0">
+                <a:effectLst/>
+                <a:latin typeface="Roboto" panose="02000000000000000000" pitchFamily="2" charset="0"/>
+                <a:ea typeface="Roboto" panose="02000000000000000000" pitchFamily="2" charset="0"/>
+              </a:rPr>
+              <a:t> sono </a:t>
+            </a:r>
+            <a:r>
+              <a:rPr lang="fr-FR" b="0" i="0" dirty="0" err="1">
+                <a:effectLst/>
+                <a:latin typeface="Roboto" panose="02000000000000000000" pitchFamily="2" charset="0"/>
+                <a:ea typeface="Roboto" panose="02000000000000000000" pitchFamily="2" charset="0"/>
+              </a:rPr>
+              <a:t>seguiti</a:t>
+            </a:r>
+            <a:r>
+              <a:rPr lang="fr-FR" b="0" i="0" dirty="0">
+                <a:effectLst/>
+                <a:latin typeface="Roboto" panose="02000000000000000000" pitchFamily="2" charset="0"/>
+                <a:ea typeface="Roboto" panose="02000000000000000000" pitchFamily="2" charset="0"/>
+              </a:rPr>
+              <a:t>.</a:t>
             </a:r>
           </a:p>
           <a:p>
-            <a:endParaRPr lang="it-IT" dirty="0"/>
+            <a:pPr algn="l">
+              <a:lnSpc>
+                <a:spcPct val="150000"/>
+              </a:lnSpc>
+              <a:buFont typeface="Arial" panose="020B0604020202020204" pitchFamily="34" charset="0"/>
+              <a:buNone/>
+            </a:pPr>
+            <a:r>
+              <a:rPr lang="fr-FR" b="0" i="0" dirty="0" err="1">
+                <a:effectLst/>
+                <a:latin typeface="Roboto" panose="02000000000000000000" pitchFamily="2" charset="0"/>
+                <a:ea typeface="Roboto" panose="02000000000000000000" pitchFamily="2" charset="0"/>
+              </a:rPr>
+              <a:t>Ridurre</a:t>
+            </a:r>
+            <a:r>
+              <a:rPr lang="fr-FR" b="0" i="0" dirty="0">
+                <a:effectLst/>
+                <a:latin typeface="Roboto" panose="02000000000000000000" pitchFamily="2" charset="0"/>
+                <a:ea typeface="Roboto" panose="02000000000000000000" pitchFamily="2" charset="0"/>
+              </a:rPr>
+              <a:t> il </a:t>
+            </a:r>
+            <a:r>
+              <a:rPr lang="fr-FR" b="0" i="0" dirty="0" err="1">
+                <a:effectLst/>
+                <a:latin typeface="Roboto" panose="02000000000000000000" pitchFamily="2" charset="0"/>
+                <a:ea typeface="Roboto" panose="02000000000000000000" pitchFamily="2" charset="0"/>
+              </a:rPr>
+              <a:t>carico</a:t>
+            </a:r>
+            <a:r>
+              <a:rPr lang="fr-FR" b="0" i="0" dirty="0">
+                <a:effectLst/>
+                <a:latin typeface="Roboto" panose="02000000000000000000" pitchFamily="2" charset="0"/>
+                <a:ea typeface="Roboto" panose="02000000000000000000" pitchFamily="2" charset="0"/>
+              </a:rPr>
+              <a:t> di </a:t>
+            </a:r>
+            <a:r>
+              <a:rPr lang="fr-FR" b="0" i="0" dirty="0" err="1">
+                <a:effectLst/>
+                <a:latin typeface="Roboto" panose="02000000000000000000" pitchFamily="2" charset="0"/>
+                <a:ea typeface="Roboto" panose="02000000000000000000" pitchFamily="2" charset="0"/>
+              </a:rPr>
+              <a:t>lavoro</a:t>
+            </a:r>
+            <a:r>
+              <a:rPr lang="fr-FR" b="0" i="0" dirty="0">
+                <a:effectLst/>
+                <a:latin typeface="Roboto" panose="02000000000000000000" pitchFamily="2" charset="0"/>
+                <a:ea typeface="Roboto" panose="02000000000000000000" pitchFamily="2" charset="0"/>
+              </a:rPr>
+              <a:t> </a:t>
+            </a:r>
+            <a:r>
+              <a:rPr lang="fr-FR" b="0" i="0" dirty="0" err="1">
+                <a:effectLst/>
+                <a:latin typeface="Roboto" panose="02000000000000000000" pitchFamily="2" charset="0"/>
+                <a:ea typeface="Roboto" panose="02000000000000000000" pitchFamily="2" charset="0"/>
+              </a:rPr>
+              <a:t>associato</a:t>
+            </a:r>
+            <a:r>
+              <a:rPr lang="fr-FR" b="0" i="0" dirty="0">
+                <a:effectLst/>
+                <a:latin typeface="Roboto" panose="02000000000000000000" pitchFamily="2" charset="0"/>
+                <a:ea typeface="Roboto" panose="02000000000000000000" pitchFamily="2" charset="0"/>
+              </a:rPr>
+              <a:t>.</a:t>
+            </a:r>
           </a:p>
         </p:txBody>
       </p:sp>
@@ -28876,7 +27019,7 @@
           <a:p>
             <a:fld id="{CAE1407F-8740-488D-B818-A4EDEFED28C5}" type="slidenum">
               <a:rPr lang="it-IT" smtClean="0"/>
-              <a:t>6</a:t>
+              <a:t>4</a:t>
             </a:fld>
             <a:endParaRPr lang="it-IT"/>
           </a:p>
@@ -28885,7 +27028,7 @@
     </p:spTree>
     <p:extLst>
       <p:ext uri="{BB962C8B-B14F-4D97-AF65-F5344CB8AC3E}">
-        <p14:creationId xmlns:p14="http://schemas.microsoft.com/office/powerpoint/2010/main" val="2671783371"/>
+        <p14:creationId xmlns:p14="http://schemas.microsoft.com/office/powerpoint/2010/main" val="1264456642"/>
       </p:ext>
     </p:extLst>
   </p:cSld>
@@ -28940,137 +27083,200 @@
           <a:lstStyle/>
           <a:p>
             <a:pPr algn="l">
+              <a:lnSpc>
+                <a:spcPct val="150000"/>
+              </a:lnSpc>
               <a:buFont typeface="Arial" panose="020B0604020202020204" pitchFamily="34" charset="0"/>
               <a:buChar char="•"/>
             </a:pPr>
             <a:r>
-              <a:rPr lang="fr-FR" b="1" i="0" dirty="0">
+              <a:rPr lang="fr-FR" sz="1200" b="1" i="0" dirty="0">
                 <a:effectLst/>
-                <a:latin typeface="Verdana" panose="020B0604030504040204" pitchFamily="34" charset="0"/>
-                <a:ea typeface="Verdana" panose="020B0604030504040204" pitchFamily="34" charset="0"/>
+                <a:latin typeface="Roboto" panose="02000000000000000000" pitchFamily="2" charset="0"/>
+                <a:ea typeface="Roboto" panose="02000000000000000000" pitchFamily="2" charset="0"/>
               </a:rPr>
-              <a:t>Précision et Rappel</a:t>
-            </a:r>
-            <a:r>
-              <a:rPr lang="fr-FR" b="0" i="0" dirty="0">
+              <a:t>Superficielles ou </a:t>
+            </a:r>
+            <a:r>
+              <a:rPr lang="fr-FR" sz="1200" b="1" i="0" dirty="0" err="1">
                 <a:effectLst/>
-                <a:latin typeface="Verdana" panose="020B0604030504040204" pitchFamily="34" charset="0"/>
-                <a:ea typeface="Verdana" panose="020B0604030504040204" pitchFamily="34" charset="0"/>
+                <a:latin typeface="Roboto" panose="02000000000000000000" pitchFamily="2" charset="0"/>
+                <a:ea typeface="Roboto" panose="02000000000000000000" pitchFamily="2" charset="0"/>
               </a:rPr>
-              <a:t> : Explication de l'importance de ces deux métriques dans le contexte de la recherche d'information.</a:t>
+              <a:t>Incisionnelles</a:t>
+            </a:r>
+            <a:r>
+              <a:rPr lang="fr-FR" sz="1200" b="0" i="0" dirty="0">
+                <a:effectLst/>
+                <a:latin typeface="Roboto" panose="02000000000000000000" pitchFamily="2" charset="0"/>
+                <a:ea typeface="Roboto" panose="02000000000000000000" pitchFamily="2" charset="0"/>
+              </a:rPr>
+              <a:t> : Infection touchant seulement la peau et le tissu sous-cutané de l'incision.</a:t>
             </a:r>
           </a:p>
           <a:p>
             <a:pPr algn="l">
+              <a:lnSpc>
+                <a:spcPct val="150000"/>
+              </a:lnSpc>
               <a:buFont typeface="Arial" panose="020B0604020202020204" pitchFamily="34" charset="0"/>
               <a:buChar char="•"/>
             </a:pPr>
-            <a:endParaRPr lang="fr-FR" b="0" i="0" dirty="0">
-              <a:effectLst/>
-              <a:latin typeface="Verdana" panose="020B0604030504040204" pitchFamily="34" charset="0"/>
-              <a:ea typeface="Verdana" panose="020B0604030504040204" pitchFamily="34" charset="0"/>
+            <a:r>
+              <a:rPr lang="fr-FR" sz="1200" b="1" i="0" dirty="0">
+                <a:effectLst/>
+                <a:latin typeface="Roboto" panose="02000000000000000000" pitchFamily="2" charset="0"/>
+                <a:ea typeface="Roboto" panose="02000000000000000000" pitchFamily="2" charset="0"/>
+              </a:rPr>
+              <a:t>Profondes ou </a:t>
+            </a:r>
+            <a:r>
+              <a:rPr lang="fr-FR" sz="1200" b="1" i="0" dirty="0" err="1">
+                <a:effectLst/>
+                <a:latin typeface="Roboto" panose="02000000000000000000" pitchFamily="2" charset="0"/>
+                <a:ea typeface="Roboto" panose="02000000000000000000" pitchFamily="2" charset="0"/>
+              </a:rPr>
+              <a:t>Incisionnelles</a:t>
+            </a:r>
+            <a:r>
+              <a:rPr lang="fr-FR" sz="1200" b="1" i="0" dirty="0">
+                <a:effectLst/>
+                <a:latin typeface="Roboto" panose="02000000000000000000" pitchFamily="2" charset="0"/>
+                <a:ea typeface="Roboto" panose="02000000000000000000" pitchFamily="2" charset="0"/>
+              </a:rPr>
+              <a:t> Profondes</a:t>
+            </a:r>
+            <a:r>
+              <a:rPr lang="fr-FR" sz="1200" b="0" i="0" dirty="0">
+                <a:effectLst/>
+                <a:latin typeface="Roboto" panose="02000000000000000000" pitchFamily="2" charset="0"/>
+                <a:ea typeface="Roboto" panose="02000000000000000000" pitchFamily="2" charset="0"/>
+              </a:rPr>
+              <a:t> : Infection touchant les tissus profonds, comme la fascia et les couches musculaires.</a:t>
+            </a:r>
+          </a:p>
+          <a:p>
+            <a:pPr algn="l">
+              <a:lnSpc>
+                <a:spcPct val="150000"/>
+              </a:lnSpc>
+              <a:buFont typeface="Arial" panose="020B0604020202020204" pitchFamily="34" charset="0"/>
+              <a:buChar char="•"/>
+            </a:pPr>
+            <a:r>
+              <a:rPr lang="fr-FR" sz="1200" b="1" i="0" dirty="0">
+                <a:effectLst/>
+                <a:latin typeface="Roboto" panose="02000000000000000000" pitchFamily="2" charset="0"/>
+                <a:ea typeface="Roboto" panose="02000000000000000000" pitchFamily="2" charset="0"/>
+              </a:rPr>
+              <a:t>Organes/Espace</a:t>
+            </a:r>
+            <a:r>
+              <a:rPr lang="fr-FR" sz="1200" b="0" i="0" dirty="0">
+                <a:effectLst/>
+                <a:latin typeface="Roboto" panose="02000000000000000000" pitchFamily="2" charset="0"/>
+                <a:ea typeface="Roboto" panose="02000000000000000000" pitchFamily="2" charset="0"/>
+              </a:rPr>
+              <a:t> : Infection affectant une partie de l'anatomie autre que l'incision, qui a été ouverte ou manipulée pendant l'opération.</a:t>
+            </a:r>
+          </a:p>
+          <a:p>
+            <a:pPr algn="l">
+              <a:lnSpc>
+                <a:spcPct val="150000"/>
+              </a:lnSpc>
+              <a:buFont typeface="Arial" panose="020B0604020202020204" pitchFamily="34" charset="0"/>
+              <a:buChar char="•"/>
+            </a:pPr>
+            <a:endParaRPr lang="fr-FR" sz="1200" dirty="0">
+              <a:latin typeface="Roboto" panose="02000000000000000000" pitchFamily="2" charset="0"/>
+              <a:ea typeface="Roboto" panose="02000000000000000000" pitchFamily="2" charset="0"/>
             </a:endParaRPr>
           </a:p>
           <a:p>
             <a:pPr algn="l">
+              <a:lnSpc>
+                <a:spcPct val="150000"/>
+              </a:lnSpc>
               <a:buFont typeface="Arial" panose="020B0604020202020204" pitchFamily="34" charset="0"/>
               <a:buChar char="•"/>
             </a:pPr>
             <a:r>
-              <a:rPr lang="fr-FR" b="1" i="0" dirty="0">
+              <a:rPr lang="fr-FR" sz="1200" i="0" dirty="0" err="1">
                 <a:effectLst/>
-                <a:latin typeface="Verdana" panose="020B0604030504040204" pitchFamily="34" charset="0"/>
-                <a:ea typeface="Verdana" panose="020B0604030504040204" pitchFamily="34" charset="0"/>
+                <a:latin typeface="Roboto" panose="02000000000000000000" pitchFamily="2" charset="0"/>
+                <a:ea typeface="Roboto" panose="02000000000000000000" pitchFamily="2" charset="0"/>
               </a:rPr>
-              <a:t>Échantillon Aléatoire</a:t>
-            </a:r>
-            <a:r>
-              <a:rPr lang="fr-FR" b="0" i="0" dirty="0">
+              <a:t>EDSaN</a:t>
+            </a:r>
+            <a:r>
+              <a:rPr lang="fr-FR" sz="1200" i="0" dirty="0">
                 <a:effectLst/>
-                <a:latin typeface="Verdana" panose="020B0604030504040204" pitchFamily="34" charset="0"/>
-                <a:ea typeface="Verdana" panose="020B0604030504040204" pitchFamily="34" charset="0"/>
+                <a:latin typeface="Roboto" panose="02000000000000000000" pitchFamily="2" charset="0"/>
+                <a:ea typeface="Roboto" panose="02000000000000000000" pitchFamily="2" charset="0"/>
               </a:rPr>
-              <a:t> : Détail de la méthode utilisée pour sélectionner un échantillon aléatoire de 300 patients pour l'évaluation des performances.</a:t>
+              <a:t> : Description de l'Entrepôt de Données de Santé utilisé et de ses capacités d'extraction de données.</a:t>
             </a:r>
           </a:p>
           <a:p>
             <a:pPr algn="l">
+              <a:lnSpc>
+                <a:spcPct val="150000"/>
+              </a:lnSpc>
               <a:buFont typeface="Arial" panose="020B0604020202020204" pitchFamily="34" charset="0"/>
               <a:buChar char="•"/>
             </a:pPr>
-            <a:endParaRPr lang="fr-FR" b="1" i="0" dirty="0">
-              <a:effectLst/>
-              <a:latin typeface="Verdana" panose="020B0604030504040204" pitchFamily="34" charset="0"/>
-              <a:ea typeface="Verdana" panose="020B0604030504040204" pitchFamily="34" charset="0"/>
-            </a:endParaRPr>
+            <a:r>
+              <a:rPr lang="fr-FR" sz="1200" i="0" dirty="0">
+                <a:effectLst/>
+                <a:latin typeface="Roboto" panose="02000000000000000000" pitchFamily="2" charset="0"/>
+                <a:ea typeface="Roboto" panose="02000000000000000000" pitchFamily="2" charset="0"/>
+              </a:rPr>
+              <a:t>Types de Données : Explication de l'utilisation de données à la fois structurées et non structurées, telles que les codes CIM-10 et les actes CCAM.</a:t>
+            </a:r>
           </a:p>
           <a:p>
             <a:pPr algn="l">
+              <a:lnSpc>
+                <a:spcPct val="150000"/>
+              </a:lnSpc>
+            </a:pPr>
+            <a:r>
+              <a:rPr lang="fr-FR" sz="1200" i="0" dirty="0" err="1">
+                <a:effectLst/>
+                <a:latin typeface="Roboto" panose="02000000000000000000" pitchFamily="2" charset="0"/>
+                <a:ea typeface="Roboto" panose="02000000000000000000" pitchFamily="2" charset="0"/>
+              </a:rPr>
+              <a:t>EDSaN</a:t>
+            </a:r>
+            <a:r>
+              <a:rPr lang="fr-FR" sz="1200" i="0" dirty="0">
+                <a:effectLst/>
+                <a:latin typeface="Roboto" panose="02000000000000000000" pitchFamily="2" charset="0"/>
+                <a:ea typeface="Roboto" panose="02000000000000000000" pitchFamily="2" charset="0"/>
+              </a:rPr>
+              <a:t> Consult</a:t>
+            </a:r>
+          </a:p>
+          <a:p>
+            <a:pPr algn="l">
+              <a:lnSpc>
+                <a:spcPct val="150000"/>
+              </a:lnSpc>
               <a:buFont typeface="Arial" panose="020B0604020202020204" pitchFamily="34" charset="0"/>
               <a:buChar char="•"/>
             </a:pPr>
             <a:r>
-              <a:rPr lang="fr-FR" b="1" i="0" dirty="0">
+              <a:rPr lang="fr-FR" sz="1200" i="0" dirty="0">
                 <a:effectLst/>
-                <a:latin typeface="Verdana" panose="020B0604030504040204" pitchFamily="34" charset="0"/>
-                <a:ea typeface="Verdana" panose="020B0604030504040204" pitchFamily="34" charset="0"/>
+                <a:latin typeface="Roboto" panose="02000000000000000000" pitchFamily="2" charset="0"/>
+                <a:ea typeface="Roboto" panose="02000000000000000000" pitchFamily="2" charset="0"/>
               </a:rPr>
-              <a:t>Limitations et Biais</a:t>
-            </a:r>
-            <a:r>
-              <a:rPr lang="fr-FR" b="0" i="0" dirty="0">
-                <a:effectLst/>
-                <a:latin typeface="Verdana" panose="020B0604030504040204" pitchFamily="34" charset="0"/>
-                <a:ea typeface="Verdana" panose="020B0604030504040204" pitchFamily="34" charset="0"/>
-              </a:rPr>
-              <a:t> : Discussion sur la manière dont l'absence d'une liste complète de patients avec ISO pourrait influencer les résultats</a:t>
+              <a:t>Description de l'interface utilisateur qui permet une révision manuelle efficace des données.</a:t>
             </a:r>
           </a:p>
           <a:p>
             <a:endParaRPr lang="it-IT" dirty="0"/>
-          </a:p>
-          <a:p>
-            <a:r>
-              <a:rPr lang="it-IT" dirty="0" err="1"/>
-              <a:t>Echantillonage</a:t>
-            </a:r>
-            <a:r>
-              <a:rPr lang="it-IT" dirty="0"/>
-              <a:t> </a:t>
-            </a:r>
-            <a:r>
-              <a:rPr lang="it-IT" dirty="0" err="1"/>
-              <a:t>aleatoire</a:t>
-            </a:r>
-            <a:r>
-              <a:rPr lang="it-IT" dirty="0"/>
-              <a:t> di 300 dossier da rivedere, tra quelli trovati dall’algoritmo</a:t>
-            </a:r>
-          </a:p>
-          <a:p>
-            <a:r>
-              <a:rPr lang="it-IT" dirty="0"/>
-              <a:t>Calcolo di varie metriche classiche sensibilità </a:t>
-            </a:r>
-            <a:r>
-              <a:rPr lang="it-IT" dirty="0" err="1"/>
-              <a:t>etc</a:t>
-            </a:r>
-            <a:endParaRPr lang="it-IT" dirty="0"/>
-          </a:p>
-          <a:p>
-            <a:r>
-              <a:rPr lang="it-IT" dirty="0"/>
-              <a:t>Misura del tempo dedicato alla review dei dossier e comparazione con il tempo dedicato attualmente alla </a:t>
-            </a:r>
-            <a:r>
-              <a:rPr lang="it-IT" dirty="0" err="1"/>
-              <a:t>surveillance</a:t>
-            </a:r>
-            <a:r>
-              <a:rPr lang="it-IT" dirty="0"/>
-              <a:t>: stima al ribasso di tempo e $ risparmiabili</a:t>
-            </a:r>
           </a:p>
         </p:txBody>
       </p:sp>
@@ -29091,16 +27297,16 @@
           <a:p>
             <a:fld id="{CAE1407F-8740-488D-B818-A4EDEFED28C5}" type="slidenum">
               <a:rPr lang="it-IT" smtClean="0"/>
-              <a:t>7</a:t>
+              <a:t>6</a:t>
             </a:fld>
-            <a:endParaRPr lang="it-IT" dirty="0"/>
+            <a:endParaRPr lang="it-IT"/>
           </a:p>
         </p:txBody>
       </p:sp>
     </p:spTree>
     <p:extLst>
       <p:ext uri="{BB962C8B-B14F-4D97-AF65-F5344CB8AC3E}">
-        <p14:creationId xmlns:p14="http://schemas.microsoft.com/office/powerpoint/2010/main" val="344806747"/>
+        <p14:creationId xmlns:p14="http://schemas.microsoft.com/office/powerpoint/2010/main" val="2671783371"/>
       </p:ext>
     </p:extLst>
   </p:cSld>
@@ -29154,13 +27360,25 @@
           <a:bodyPr/>
           <a:lstStyle/>
           <a:p>
-            <a:pPr algn="l"/>
+            <a:pPr algn="l">
+              <a:buFont typeface="Arial" panose="020B0604020202020204" pitchFamily="34" charset="0"/>
+              <a:buChar char="•"/>
+            </a:pPr>
             <a:r>
               <a:rPr lang="fr-FR" b="1" i="0" dirty="0">
                 <a:effectLst/>
-                <a:latin typeface="Söhne"/>
+                <a:latin typeface="Verdana" panose="020B0604030504040204" pitchFamily="34" charset="0"/>
+                <a:ea typeface="Verdana" panose="020B0604030504040204" pitchFamily="34" charset="0"/>
               </a:rPr>
-              <a:t>Diapositive : Résultats - Aperçu et Principales Métriques</a:t>
+              <a:t>Précision et Rappel</a:t>
+            </a:r>
+            <a:r>
+              <a:rPr lang="fr-FR" b="0" i="0" dirty="0">
+                <a:effectLst/>
+                <a:latin typeface="Verdana" panose="020B0604030504040204" pitchFamily="34" charset="0"/>
+                <a:ea typeface="Verdana" panose="020B0604030504040204" pitchFamily="34" charset="0"/>
+              </a:rPr>
+              <a:t> : Explication de l'importance de ces deux métriques dans le contexte de la recherche d'information.</a:t>
             </a:r>
           </a:p>
           <a:p>
@@ -29168,165 +27386,10 @@
               <a:buFont typeface="Arial" panose="020B0604020202020204" pitchFamily="34" charset="0"/>
               <a:buChar char="•"/>
             </a:pPr>
-            <a:r>
-              <a:rPr lang="fr-FR" b="0" i="0" dirty="0">
-                <a:solidFill>
-                  <a:srgbClr val="CECAC3"/>
-                </a:solidFill>
-                <a:effectLst/>
-                <a:latin typeface="Söhne"/>
-              </a:rPr>
-              <a:t>En 2020, 652 patients ont subi une chirurgie spinale avec une prévalence de SSI de 12,11%.</a:t>
-            </a:r>
-          </a:p>
-          <a:p>
-            <a:pPr algn="l">
-              <a:buFont typeface="Arial" panose="020B0604020202020204" pitchFamily="34" charset="0"/>
-              <a:buChar char="•"/>
-            </a:pPr>
-            <a:r>
-              <a:rPr lang="fr-FR" b="0" i="0" dirty="0">
-                <a:solidFill>
-                  <a:srgbClr val="CECAC3"/>
-                </a:solidFill>
-                <a:effectLst/>
-                <a:latin typeface="Söhne"/>
-              </a:rPr>
-              <a:t>Sensibilité de l'algorithme : 82%, Spécificité : 98%, Score F1 : 0,841.</a:t>
-            </a:r>
-          </a:p>
-          <a:p>
-            <a:pPr algn="l">
-              <a:buFont typeface="Arial" panose="020B0604020202020204" pitchFamily="34" charset="0"/>
-              <a:buChar char="•"/>
-            </a:pPr>
-            <a:r>
-              <a:rPr lang="fr-FR" b="0" i="0" dirty="0">
-                <a:solidFill>
-                  <a:srgbClr val="CECAC3"/>
-                </a:solidFill>
-                <a:effectLst/>
-                <a:latin typeface="Söhne"/>
-              </a:rPr>
-              <a:t>Temps moyen par cas via </a:t>
-            </a:r>
-            <a:r>
-              <a:rPr lang="fr-FR" b="0" i="0" dirty="0" err="1">
-                <a:solidFill>
-                  <a:srgbClr val="CECAC3"/>
-                </a:solidFill>
-                <a:effectLst/>
-                <a:latin typeface="Söhne"/>
-              </a:rPr>
-              <a:t>EDSaN</a:t>
-            </a:r>
-            <a:r>
-              <a:rPr lang="fr-FR" b="0" i="0" dirty="0">
-                <a:solidFill>
-                  <a:srgbClr val="CECAC3"/>
-                </a:solidFill>
-                <a:effectLst/>
-                <a:latin typeface="Söhne"/>
-              </a:rPr>
-              <a:t> Consult : 5,75 minutes.</a:t>
-            </a:r>
-          </a:p>
-          <a:p>
-            <a:pPr algn="l"/>
-            <a:endParaRPr lang="fr-FR" b="1" i="0" dirty="0">
+            <a:endParaRPr lang="fr-FR" b="0" i="0" dirty="0">
               <a:effectLst/>
-              <a:latin typeface="Söhne"/>
-            </a:endParaRPr>
-          </a:p>
-          <a:p>
-            <a:pPr algn="l"/>
-            <a:endParaRPr lang="fr-FR" b="1" i="0" dirty="0">
-              <a:effectLst/>
-              <a:latin typeface="Söhne"/>
-            </a:endParaRPr>
-          </a:p>
-          <a:p>
-            <a:pPr algn="l"/>
-            <a:r>
-              <a:rPr lang="fr-FR" b="1" i="0" dirty="0">
-                <a:effectLst/>
-                <a:latin typeface="Söhne"/>
-              </a:rPr>
-              <a:t>Diapositive : Gains d'efficacité et Implications Économiques</a:t>
-            </a:r>
-          </a:p>
-          <a:p>
-            <a:pPr algn="l">
-              <a:buFont typeface="Arial" panose="020B0604020202020204" pitchFamily="34" charset="0"/>
-              <a:buChar char="•"/>
-            </a:pPr>
-            <a:r>
-              <a:rPr lang="fr-FR" b="0" i="0" dirty="0">
-                <a:solidFill>
-                  <a:srgbClr val="CECAC3"/>
-                </a:solidFill>
-                <a:effectLst/>
-                <a:latin typeface="Söhne"/>
-              </a:rPr>
-              <a:t>Gain de temps estimé : environ 6 811 minutes par an, soit environ 64,5% du temps actuellement alloué à cette tâche.</a:t>
-            </a:r>
-          </a:p>
-          <a:p>
-            <a:pPr marL="742950" lvl="1" indent="-285750" algn="l">
-              <a:buFont typeface="Arial" panose="020B0604020202020204" pitchFamily="34" charset="0"/>
-              <a:buChar char="•"/>
-            </a:pPr>
-            <a:r>
-              <a:rPr lang="fr-FR" b="0" i="0" dirty="0">
-                <a:solidFill>
-                  <a:srgbClr val="CECAC3"/>
-                </a:solidFill>
-                <a:effectLst/>
-                <a:latin typeface="Söhne"/>
-              </a:rPr>
-              <a:t>Calcul : </a:t>
-            </a:r>
-            <a:br>
-              <a:rPr lang="fr-FR" b="0" i="0" dirty="0">
-                <a:solidFill>
-                  <a:srgbClr val="CECAC3"/>
-                </a:solidFill>
-                <a:effectLst/>
-                <a:latin typeface="Söhne"/>
-              </a:rPr>
-            </a:br>
-            <a:r>
-              <a:rPr lang="fr-FR" b="0" i="0" dirty="0">
-                <a:solidFill>
-                  <a:srgbClr val="CECAC3"/>
-                </a:solidFill>
-                <a:effectLst/>
-                <a:latin typeface="KaTeX_Main"/>
-              </a:rPr>
-              <a:t>10560 m/y − 3749 m/y = 6811 m/y</a:t>
-            </a:r>
-          </a:p>
-          <a:p>
-            <a:pPr marL="742950" lvl="1" indent="-285750" algn="l">
-              <a:buFont typeface="Arial" panose="020B0604020202020204" pitchFamily="34" charset="0"/>
-              <a:buChar char="•"/>
-            </a:pPr>
-            <a:r>
-              <a:rPr lang="fr-FR" b="0" i="0" dirty="0">
-                <a:solidFill>
-                  <a:srgbClr val="CECAC3"/>
-                </a:solidFill>
-                <a:effectLst/>
-                <a:latin typeface="KaTeX_Main"/>
-              </a:rPr>
-              <a:t>6811/10560 = 64.5%</a:t>
-            </a:r>
-            <a:endParaRPr lang="fr-FR" b="0" i="0" dirty="0">
-              <a:solidFill>
-                <a:srgbClr val="CECAC3"/>
-              </a:solidFill>
-              <a:effectLst/>
-              <a:latin typeface="Söhne"/>
+              <a:latin typeface="Verdana" panose="020B0604030504040204" pitchFamily="34" charset="0"/>
+              <a:ea typeface="Verdana" panose="020B0604030504040204" pitchFamily="34" charset="0"/>
             </a:endParaRPr>
           </a:p>
           <a:p>
@@ -29335,354 +27398,31 @@
               <a:buChar char="•"/>
             </a:pPr>
             <a:r>
+              <a:rPr lang="fr-FR" b="1" i="0" dirty="0">
+                <a:effectLst/>
+                <a:latin typeface="Verdana" panose="020B0604030504040204" pitchFamily="34" charset="0"/>
+                <a:ea typeface="Verdana" panose="020B0604030504040204" pitchFamily="34" charset="0"/>
+              </a:rPr>
+              <a:t>Échantillon Aléatoire</a:t>
+            </a:r>
+            <a:r>
               <a:rPr lang="fr-FR" b="0" i="0" dirty="0">
-                <a:solidFill>
-                  <a:srgbClr val="CECAC3"/>
-                </a:solidFill>
                 <a:effectLst/>
-                <a:latin typeface="Söhne"/>
+                <a:latin typeface="Verdana" panose="020B0604030504040204" pitchFamily="34" charset="0"/>
+                <a:ea typeface="Verdana" panose="020B0604030504040204" pitchFamily="34" charset="0"/>
               </a:rPr>
-              <a:t>Économies financières estimées : environ 2 090 € par an par infirmière.</a:t>
-            </a:r>
-          </a:p>
-          <a:p>
-            <a:pPr marL="742950" lvl="1" indent="-285750" algn="l">
-              <a:buFont typeface="Arial" panose="020B0604020202020204" pitchFamily="34" charset="0"/>
-              <a:buChar char="•"/>
-            </a:pPr>
-            <a:r>
-              <a:rPr lang="fr-FR" b="0" i="0" dirty="0">
-                <a:solidFill>
-                  <a:srgbClr val="CECAC3"/>
-                </a:solidFill>
-                <a:effectLst/>
-                <a:latin typeface="Söhne"/>
-              </a:rPr>
-              <a:t>Calcul : </a:t>
-            </a:r>
-            <a:r>
-              <a:rPr lang="fr-FR" b="0" i="0" dirty="0">
-                <a:solidFill>
-                  <a:srgbClr val="CECAC3"/>
-                </a:solidFill>
-                <a:effectLst/>
-                <a:latin typeface="KaTeX_Main"/>
-              </a:rPr>
-              <a:t>32400 € × 0,645 = 2090 €</a:t>
-            </a:r>
-          </a:p>
-          <a:p>
-            <a:pPr marL="742950" lvl="1" indent="-285750" algn="l">
-              <a:buFont typeface="Arial" panose="020B0604020202020204" pitchFamily="34" charset="0"/>
-              <a:buChar char="•"/>
-            </a:pPr>
-            <a:endParaRPr lang="fr-FR" b="0" i="0" dirty="0">
-              <a:solidFill>
-                <a:srgbClr val="CECAC3"/>
-              </a:solidFill>
-              <a:effectLst/>
-              <a:latin typeface="KaTeX_Main"/>
-            </a:endParaRPr>
-          </a:p>
-          <a:p>
-            <a:pPr marL="0" lvl="0" indent="0" algn="l">
-              <a:buFont typeface="Arial" panose="020B0604020202020204" pitchFamily="34" charset="0"/>
-              <a:buNone/>
-            </a:pPr>
-            <a:r>
-              <a:rPr lang="fr-FR" b="0" i="0" dirty="0" err="1">
-                <a:solidFill>
-                  <a:srgbClr val="CECAC3"/>
-                </a:solidFill>
-                <a:effectLst/>
-                <a:latin typeface="KaTeX_Main"/>
-              </a:rPr>
-              <a:t>Questo</a:t>
-            </a:r>
-            <a:r>
-              <a:rPr lang="fr-FR" b="0" i="0" dirty="0">
-                <a:solidFill>
-                  <a:srgbClr val="CECAC3"/>
-                </a:solidFill>
-                <a:effectLst/>
-                <a:latin typeface="KaTeX_Main"/>
-              </a:rPr>
-              <a:t> senza </a:t>
-            </a:r>
-            <a:r>
-              <a:rPr lang="fr-FR" b="0" i="0" dirty="0" err="1">
-                <a:solidFill>
-                  <a:srgbClr val="CECAC3"/>
-                </a:solidFill>
-                <a:effectLst/>
-                <a:latin typeface="KaTeX_Main"/>
-              </a:rPr>
-              <a:t>contare</a:t>
-            </a:r>
-            <a:r>
-              <a:rPr lang="fr-FR" b="0" i="0" dirty="0">
-                <a:solidFill>
-                  <a:srgbClr val="CECAC3"/>
-                </a:solidFill>
-                <a:effectLst/>
-                <a:latin typeface="KaTeX_Main"/>
-              </a:rPr>
-              <a:t> il </a:t>
-            </a:r>
-            <a:r>
-              <a:rPr lang="fr-FR" b="0" i="0" dirty="0" err="1">
-                <a:solidFill>
-                  <a:srgbClr val="CECAC3"/>
-                </a:solidFill>
-                <a:effectLst/>
-                <a:latin typeface="KaTeX_Main"/>
-              </a:rPr>
-              <a:t>guadagno</a:t>
-            </a:r>
-            <a:r>
-              <a:rPr lang="fr-FR" b="0" i="0" dirty="0">
-                <a:solidFill>
-                  <a:srgbClr val="CECAC3"/>
-                </a:solidFill>
-                <a:effectLst/>
-                <a:latin typeface="KaTeX_Main"/>
-              </a:rPr>
-              <a:t> in tempo/</a:t>
-            </a:r>
-            <a:r>
-              <a:rPr lang="fr-FR" b="0" i="0" dirty="0" err="1">
-                <a:solidFill>
-                  <a:srgbClr val="CECAC3"/>
-                </a:solidFill>
-                <a:effectLst/>
-                <a:latin typeface="KaTeX_Main"/>
-              </a:rPr>
-              <a:t>denaro</a:t>
-            </a:r>
-            <a:r>
-              <a:rPr lang="fr-FR" b="0" i="0" dirty="0">
-                <a:solidFill>
-                  <a:srgbClr val="CECAC3"/>
-                </a:solidFill>
-                <a:effectLst/>
-                <a:latin typeface="KaTeX_Main"/>
-              </a:rPr>
-              <a:t> </a:t>
-            </a:r>
-            <a:r>
-              <a:rPr lang="fr-FR" b="0" i="0" dirty="0" err="1">
-                <a:solidFill>
-                  <a:srgbClr val="CECAC3"/>
-                </a:solidFill>
-                <a:effectLst/>
-                <a:latin typeface="KaTeX_Main"/>
-              </a:rPr>
-              <a:t>dovuto</a:t>
-            </a:r>
-            <a:r>
-              <a:rPr lang="fr-FR" b="0" i="0" dirty="0">
-                <a:solidFill>
-                  <a:srgbClr val="CECAC3"/>
-                </a:solidFill>
-                <a:effectLst/>
-                <a:latin typeface="KaTeX_Main"/>
-              </a:rPr>
-              <a:t> al </a:t>
-            </a:r>
-            <a:r>
-              <a:rPr lang="fr-FR" b="0" i="0" dirty="0" err="1">
-                <a:solidFill>
-                  <a:srgbClr val="CECAC3"/>
-                </a:solidFill>
-                <a:effectLst/>
-                <a:latin typeface="KaTeX_Main"/>
-              </a:rPr>
-              <a:t>fatto</a:t>
-            </a:r>
-            <a:r>
-              <a:rPr lang="fr-FR" b="0" i="0" dirty="0">
-                <a:solidFill>
-                  <a:srgbClr val="CECAC3"/>
-                </a:solidFill>
-                <a:effectLst/>
-                <a:latin typeface="KaTeX_Main"/>
-              </a:rPr>
-              <a:t> </a:t>
-            </a:r>
-            <a:r>
-              <a:rPr lang="fr-FR" b="0" i="0" dirty="0" err="1">
-                <a:solidFill>
-                  <a:srgbClr val="CECAC3"/>
-                </a:solidFill>
-                <a:effectLst/>
-                <a:latin typeface="KaTeX_Main"/>
-              </a:rPr>
-              <a:t>che</a:t>
-            </a:r>
-            <a:r>
-              <a:rPr lang="fr-FR" b="0" i="0" dirty="0">
-                <a:solidFill>
-                  <a:srgbClr val="CECAC3"/>
-                </a:solidFill>
-                <a:effectLst/>
-                <a:latin typeface="KaTeX_Main"/>
-              </a:rPr>
-              <a:t> non </a:t>
-            </a:r>
-            <a:r>
-              <a:rPr lang="fr-FR" b="0" i="0" dirty="0" err="1">
-                <a:solidFill>
-                  <a:srgbClr val="CECAC3"/>
-                </a:solidFill>
-                <a:effectLst/>
-                <a:latin typeface="KaTeX_Main"/>
-              </a:rPr>
-              <a:t>vai</a:t>
-            </a:r>
-            <a:r>
-              <a:rPr lang="fr-FR" b="0" i="0" dirty="0">
-                <a:solidFill>
-                  <a:srgbClr val="CECAC3"/>
-                </a:solidFill>
-                <a:effectLst/>
-                <a:latin typeface="KaTeX_Main"/>
-              </a:rPr>
-              <a:t> a </a:t>
-            </a:r>
-            <a:r>
-              <a:rPr lang="fr-FR" b="0" i="0" dirty="0" err="1">
-                <a:solidFill>
-                  <a:srgbClr val="CECAC3"/>
-                </a:solidFill>
-                <a:effectLst/>
-                <a:latin typeface="KaTeX_Main"/>
-              </a:rPr>
-              <a:t>disturbare</a:t>
-            </a:r>
-            <a:r>
-              <a:rPr lang="fr-FR" b="0" i="0" dirty="0">
-                <a:solidFill>
-                  <a:srgbClr val="CECAC3"/>
-                </a:solidFill>
-                <a:effectLst/>
-                <a:latin typeface="KaTeX_Main"/>
-              </a:rPr>
-              <a:t> </a:t>
-            </a:r>
-            <a:r>
-              <a:rPr lang="fr-FR" b="0" i="0" dirty="0" err="1">
-                <a:solidFill>
-                  <a:srgbClr val="CECAC3"/>
-                </a:solidFill>
-                <a:effectLst/>
-                <a:latin typeface="KaTeX_Main"/>
-              </a:rPr>
-              <a:t>altro</a:t>
-            </a:r>
-            <a:r>
-              <a:rPr lang="fr-FR" b="0" i="0" dirty="0">
-                <a:solidFill>
-                  <a:srgbClr val="CECAC3"/>
-                </a:solidFill>
-                <a:effectLst/>
-                <a:latin typeface="KaTeX_Main"/>
-              </a:rPr>
-              <a:t> personale per </a:t>
-            </a:r>
-            <a:r>
-              <a:rPr lang="fr-FR" b="0" i="0" dirty="0" err="1">
-                <a:solidFill>
-                  <a:srgbClr val="CECAC3"/>
-                </a:solidFill>
-                <a:effectLst/>
-                <a:latin typeface="KaTeX_Main"/>
-              </a:rPr>
-              <a:t>chiedere</a:t>
-            </a:r>
-            <a:r>
-              <a:rPr lang="fr-FR" b="0" i="0" dirty="0">
-                <a:solidFill>
-                  <a:srgbClr val="CECAC3"/>
-                </a:solidFill>
-                <a:effectLst/>
-                <a:latin typeface="KaTeX_Main"/>
-              </a:rPr>
-              <a:t> </a:t>
-            </a:r>
-            <a:r>
-              <a:rPr lang="fr-FR" b="0" i="0" dirty="0" err="1">
-                <a:solidFill>
-                  <a:srgbClr val="CECAC3"/>
-                </a:solidFill>
-                <a:effectLst/>
-                <a:latin typeface="KaTeX_Main"/>
-              </a:rPr>
-              <a:t>cose</a:t>
-            </a:r>
-            <a:endParaRPr lang="fr-FR" b="0" i="0" dirty="0">
-              <a:solidFill>
-                <a:srgbClr val="CECAC3"/>
-              </a:solidFill>
-              <a:effectLst/>
-              <a:latin typeface="Söhne"/>
-            </a:endParaRPr>
-          </a:p>
-          <a:p>
-            <a:endParaRPr lang="it-IT" dirty="0"/>
+              <a:t> : Détail de la méthode utilisée pour sélectionner un échantillon aléatoire de 300 patients pour l'évaluation des performances.</a:t>
+            </a:r>
           </a:p>
           <a:p>
             <a:pPr algn="l">
               <a:buFont typeface="Arial" panose="020B0604020202020204" pitchFamily="34" charset="0"/>
               <a:buChar char="•"/>
             </a:pPr>
-            <a:r>
-              <a:rPr lang="it-IT" b="0" i="0" dirty="0">
-                <a:solidFill>
-                  <a:srgbClr val="CECAC3"/>
-                </a:solidFill>
-                <a:effectLst/>
-                <a:latin typeface="Söhne"/>
-              </a:rPr>
-              <a:t>Nel 2020, l'algoritmo ha identificato 652 pazienti sottoposti a chirurgia spinale.</a:t>
-            </a:r>
-          </a:p>
-          <a:p>
-            <a:pPr algn="l">
-              <a:buFont typeface="Arial" panose="020B0604020202020204" pitchFamily="34" charset="0"/>
-              <a:buChar char="•"/>
-            </a:pPr>
-            <a:r>
-              <a:rPr lang="it-IT" b="0" i="0" dirty="0">
-                <a:solidFill>
-                  <a:srgbClr val="CECAC3"/>
-                </a:solidFill>
-                <a:effectLst/>
-                <a:latin typeface="Söhne"/>
-              </a:rPr>
-              <a:t>Di questi, 79 sono stati riammessi in ospedale per infezioni postoperatorie, con una prevalenza delle SSI stimata al ~12%.</a:t>
-            </a:r>
-          </a:p>
-          <a:p>
-            <a:pPr algn="l">
-              <a:buFont typeface="Arial" panose="020B0604020202020204" pitchFamily="34" charset="0"/>
-              <a:buChar char="•"/>
-            </a:pPr>
-            <a:r>
-              <a:rPr lang="it-IT" b="0" i="0" dirty="0">
-                <a:solidFill>
-                  <a:srgbClr val="CECAC3"/>
-                </a:solidFill>
-                <a:effectLst/>
-                <a:latin typeface="Söhne"/>
-              </a:rPr>
-              <a:t>Figura: Cronologia degli interventi chirurgici e degli eventi infettivi.</a:t>
-            </a:r>
-          </a:p>
-          <a:p>
-            <a:pPr algn="l"/>
-            <a:endParaRPr lang="it-IT" b="1" i="0" dirty="0">
+            <a:endParaRPr lang="fr-FR" b="1" i="0" dirty="0">
               <a:effectLst/>
-              <a:latin typeface="Söhne"/>
+              <a:latin typeface="Verdana" panose="020B0604030504040204" pitchFamily="34" charset="0"/>
+              <a:ea typeface="Verdana" panose="020B0604030504040204" pitchFamily="34" charset="0"/>
             </a:endParaRPr>
           </a:p>
           <a:p>
@@ -29691,206 +27431,67 @@
               <a:buChar char="•"/>
             </a:pPr>
             <a:r>
-              <a:rPr lang="it-IT" b="0" i="0" dirty="0">
-                <a:solidFill>
-                  <a:srgbClr val="CECAC3"/>
-                </a:solidFill>
+              <a:rPr lang="fr-FR" b="1" i="0" dirty="0">
                 <a:effectLst/>
-                <a:latin typeface="Söhne"/>
+                <a:latin typeface="Verdana" panose="020B0604030504040204" pitchFamily="34" charset="0"/>
+                <a:ea typeface="Verdana" panose="020B0604030504040204" pitchFamily="34" charset="0"/>
               </a:rPr>
-              <a:t>77 delle 79 infezioni identificate soddisfano i criteri di tempo e di impianto materiale come stipulato nella definizione di SSI.</a:t>
-            </a:r>
-          </a:p>
-          <a:p>
-            <a:pPr algn="l">
-              <a:buFont typeface="Arial" panose="020B0604020202020204" pitchFamily="34" charset="0"/>
-              <a:buChar char="•"/>
-            </a:pPr>
-            <a:r>
-              <a:rPr lang="it-IT" b="0" i="0" dirty="0">
-                <a:solidFill>
-                  <a:srgbClr val="CECAC3"/>
-                </a:solidFill>
+              <a:t>Limitations et Biais</a:t>
+            </a:r>
+            <a:r>
+              <a:rPr lang="fr-FR" b="0" i="0" dirty="0">
                 <a:effectLst/>
-                <a:latin typeface="Söhne"/>
+                <a:latin typeface="Verdana" panose="020B0604030504040204" pitchFamily="34" charset="0"/>
+                <a:ea typeface="Verdana" panose="020B0604030504040204" pitchFamily="34" charset="0"/>
               </a:rPr>
-              <a:t>Le infezioni si sono manifestate in media dopo un ritardo di 19,1 giorni.</a:t>
-            </a:r>
-          </a:p>
-          <a:p>
-            <a:pPr algn="l">
-              <a:buFont typeface="Arial" panose="020B0604020202020204" pitchFamily="34" charset="0"/>
-              <a:buChar char="•"/>
-            </a:pPr>
-            <a:r>
-              <a:rPr lang="it-IT" b="0" i="0" dirty="0">
-                <a:solidFill>
-                  <a:srgbClr val="CECAC3"/>
-                </a:solidFill>
-                <a:effectLst/>
-                <a:latin typeface="Söhne"/>
-              </a:rPr>
-              <a:t>Tabella: Misure di dispersione sull'insorgenza dell'infezione.</a:t>
-            </a:r>
-          </a:p>
-          <a:p>
-            <a:pPr algn="l"/>
-            <a:endParaRPr lang="it-IT" b="1" i="0" dirty="0">
-              <a:effectLst/>
-              <a:latin typeface="Söhne"/>
-            </a:endParaRPr>
-          </a:p>
-          <a:p>
-            <a:pPr algn="l">
-              <a:buFont typeface="Arial" panose="020B0604020202020204" pitchFamily="34" charset="0"/>
-              <a:buChar char="•"/>
-            </a:pPr>
-            <a:r>
-              <a:rPr lang="it-IT" b="0" i="0" dirty="0">
-                <a:solidFill>
-                  <a:srgbClr val="CECAC3"/>
-                </a:solidFill>
-                <a:effectLst/>
-                <a:latin typeface="Söhne"/>
-              </a:rPr>
-              <a:t>Un campione rappresentativo di 300 casi è stato selezionato per la revisione manuale.</a:t>
-            </a:r>
-          </a:p>
-          <a:p>
-            <a:pPr algn="l">
-              <a:buFont typeface="Arial" panose="020B0604020202020204" pitchFamily="34" charset="0"/>
-              <a:buChar char="•"/>
-            </a:pPr>
-            <a:r>
-              <a:rPr lang="it-IT" b="0" i="0" dirty="0">
-                <a:solidFill>
-                  <a:srgbClr val="CECAC3"/>
-                </a:solidFill>
-                <a:effectLst/>
-                <a:latin typeface="Söhne"/>
-              </a:rPr>
-              <a:t>Tabella: Risultati della classificazione.</a:t>
-            </a:r>
-          </a:p>
-          <a:p>
-            <a:pPr algn="l">
-              <a:buFont typeface="Arial" panose="020B0604020202020204" pitchFamily="34" charset="0"/>
-              <a:buChar char="•"/>
-            </a:pPr>
-            <a:r>
-              <a:rPr lang="it-IT" b="0" i="0" dirty="0">
-                <a:solidFill>
-                  <a:srgbClr val="CECAC3"/>
-                </a:solidFill>
-                <a:effectLst/>
-                <a:latin typeface="Söhne"/>
-              </a:rPr>
-              <a:t>Tabella: Metriche di valutazione (Sensibilità, Specificità, F1-score, ecc.)</a:t>
-            </a:r>
-          </a:p>
-          <a:p>
-            <a:pPr algn="l">
-              <a:buFont typeface="Arial" panose="020B0604020202020204" pitchFamily="34" charset="0"/>
-              <a:buChar char="•"/>
-            </a:pPr>
-            <a:endParaRPr lang="it-IT" b="0" i="0" dirty="0">
-              <a:solidFill>
-                <a:srgbClr val="CECAC3"/>
-              </a:solidFill>
-              <a:effectLst/>
-              <a:latin typeface="Söhne"/>
-            </a:endParaRPr>
-          </a:p>
-          <a:p>
-            <a:pPr algn="l">
-              <a:buFont typeface="Arial" panose="020B0604020202020204" pitchFamily="34" charset="0"/>
-              <a:buChar char="•"/>
-            </a:pPr>
-            <a:r>
-              <a:rPr lang="it-IT" b="0" i="0" dirty="0">
-                <a:solidFill>
-                  <a:srgbClr val="CECAC3"/>
-                </a:solidFill>
-                <a:effectLst/>
-                <a:latin typeface="Söhne"/>
-              </a:rPr>
-              <a:t>Tempo medio per caso tramite </a:t>
-            </a:r>
-            <a:r>
-              <a:rPr lang="it-IT" b="0" i="0" dirty="0" err="1">
-                <a:solidFill>
-                  <a:srgbClr val="CECAC3"/>
-                </a:solidFill>
-                <a:effectLst/>
-                <a:latin typeface="Söhne"/>
-              </a:rPr>
-              <a:t>EDSaN</a:t>
-            </a:r>
-            <a:r>
-              <a:rPr lang="it-IT" b="0" i="0" dirty="0">
-                <a:solidFill>
-                  <a:srgbClr val="CECAC3"/>
-                </a:solidFill>
-                <a:effectLst/>
-                <a:latin typeface="Söhne"/>
-              </a:rPr>
-              <a:t> </a:t>
-            </a:r>
-            <a:r>
-              <a:rPr lang="it-IT" b="0" i="0" dirty="0" err="1">
-                <a:solidFill>
-                  <a:srgbClr val="CECAC3"/>
-                </a:solidFill>
-                <a:effectLst/>
-                <a:latin typeface="Söhne"/>
-              </a:rPr>
-              <a:t>Consult</a:t>
-            </a:r>
-            <a:r>
-              <a:rPr lang="it-IT" b="0" i="0" dirty="0">
-                <a:solidFill>
-                  <a:srgbClr val="CECAC3"/>
-                </a:solidFill>
-                <a:effectLst/>
-                <a:latin typeface="Söhne"/>
-              </a:rPr>
-              <a:t>: 5,75 minuti.</a:t>
-            </a:r>
-          </a:p>
-          <a:p>
-            <a:pPr algn="l">
-              <a:buFont typeface="Arial" panose="020B0604020202020204" pitchFamily="34" charset="0"/>
-              <a:buChar char="•"/>
-            </a:pPr>
-            <a:r>
-              <a:rPr lang="it-IT" b="0" i="0" dirty="0">
-                <a:solidFill>
-                  <a:srgbClr val="CECAC3"/>
-                </a:solidFill>
-                <a:effectLst/>
-                <a:latin typeface="Söhne"/>
-              </a:rPr>
-              <a:t>Risparmio di tempo potenziale: circa 6.811 minuti all'anno.</a:t>
-            </a:r>
-          </a:p>
-          <a:p>
-            <a:pPr algn="l">
-              <a:buFont typeface="Arial" panose="020B0604020202020204" pitchFamily="34" charset="0"/>
-              <a:buChar char="•"/>
-            </a:pPr>
-            <a:r>
-              <a:rPr lang="it-IT" b="0" i="0" dirty="0">
-                <a:solidFill>
-                  <a:srgbClr val="CECAC3"/>
-                </a:solidFill>
-                <a:effectLst/>
-                <a:latin typeface="Söhne"/>
-              </a:rPr>
-              <a:t>Risparmio finanziario stimato: circa €2.090 all'anno per infermiere.</a:t>
+              <a:t> : Discussion sur la manière dont l'absence d'une liste complète de patients avec ISO pourrait influencer les résultats</a:t>
             </a:r>
           </a:p>
           <a:p>
             <a:endParaRPr lang="it-IT" dirty="0"/>
+          </a:p>
+          <a:p>
+            <a:r>
+              <a:rPr lang="it-IT" dirty="0" err="1"/>
+              <a:t>Echantillonage</a:t>
+            </a:r>
+            <a:r>
+              <a:rPr lang="it-IT" dirty="0"/>
+              <a:t> </a:t>
+            </a:r>
+            <a:r>
+              <a:rPr lang="it-IT" dirty="0" err="1"/>
+              <a:t>aleatoire</a:t>
+            </a:r>
+            <a:r>
+              <a:rPr lang="it-IT" dirty="0"/>
+              <a:t> di 300 dossier da rivedere, tra quelli trovati dall’algoritmo</a:t>
+            </a:r>
+          </a:p>
+          <a:p>
+            <a:r>
+              <a:rPr lang="it-IT" dirty="0"/>
+              <a:t>Calcolo di varie metriche classiche sensibilità </a:t>
+            </a:r>
+            <a:r>
+              <a:rPr lang="it-IT" dirty="0" err="1"/>
+              <a:t>etc</a:t>
+            </a:r>
+            <a:endParaRPr lang="it-IT" dirty="0"/>
+          </a:p>
+          <a:p>
+            <a:r>
+              <a:rPr lang="it-IT" dirty="0"/>
+              <a:t>Misura del tempo dedicato alla review dei dossier e comparazione con il tempo dedicato attualmente alla </a:t>
+            </a:r>
+            <a:r>
+              <a:rPr lang="it-IT" dirty="0" err="1"/>
+              <a:t>surveillance</a:t>
+            </a:r>
+            <a:r>
+              <a:rPr lang="it-IT" dirty="0"/>
+              <a:t>: stima al ribasso di tempo e $ risparmiabili</a:t>
+            </a:r>
           </a:p>
         </p:txBody>
       </p:sp>
@@ -29911,16 +27512,16 @@
           <a:p>
             <a:fld id="{CAE1407F-8740-488D-B818-A4EDEFED28C5}" type="slidenum">
               <a:rPr lang="it-IT" smtClean="0"/>
-              <a:t>8</a:t>
+              <a:t>7</a:t>
             </a:fld>
-            <a:endParaRPr lang="it-IT"/>
+            <a:endParaRPr lang="it-IT" dirty="0"/>
           </a:p>
         </p:txBody>
       </p:sp>
     </p:spTree>
     <p:extLst>
       <p:ext uri="{BB962C8B-B14F-4D97-AF65-F5344CB8AC3E}">
-        <p14:creationId xmlns:p14="http://schemas.microsoft.com/office/powerpoint/2010/main" val="1816933879"/>
+        <p14:creationId xmlns:p14="http://schemas.microsoft.com/office/powerpoint/2010/main" val="344806747"/>
       </p:ext>
     </p:extLst>
   </p:cSld>
@@ -29980,6 +27581,826 @@
                 <a:effectLst/>
                 <a:latin typeface="Söhne"/>
               </a:rPr>
+              <a:t>Diapositive : Résultats - Aperçu et Principales Métriques</a:t>
+            </a:r>
+          </a:p>
+          <a:p>
+            <a:pPr algn="l">
+              <a:buFont typeface="Arial" panose="020B0604020202020204" pitchFamily="34" charset="0"/>
+              <a:buChar char="•"/>
+            </a:pPr>
+            <a:r>
+              <a:rPr lang="fr-FR" b="0" i="0" dirty="0">
+                <a:solidFill>
+                  <a:srgbClr val="CECAC3"/>
+                </a:solidFill>
+                <a:effectLst/>
+                <a:latin typeface="Söhne"/>
+              </a:rPr>
+              <a:t>En 2020, 652 patients ont subi une chirurgie spinale avec une prévalence de SSI de 12,11%.</a:t>
+            </a:r>
+          </a:p>
+          <a:p>
+            <a:pPr algn="l">
+              <a:buFont typeface="Arial" panose="020B0604020202020204" pitchFamily="34" charset="0"/>
+              <a:buChar char="•"/>
+            </a:pPr>
+            <a:r>
+              <a:rPr lang="fr-FR" b="0" i="0" dirty="0">
+                <a:solidFill>
+                  <a:srgbClr val="CECAC3"/>
+                </a:solidFill>
+                <a:effectLst/>
+                <a:latin typeface="Söhne"/>
+              </a:rPr>
+              <a:t>Sensibilité de l'algorithme : 82%, Spécificité : 98%, Score F1 : 0,841.</a:t>
+            </a:r>
+          </a:p>
+          <a:p>
+            <a:pPr algn="l">
+              <a:buFont typeface="Arial" panose="020B0604020202020204" pitchFamily="34" charset="0"/>
+              <a:buChar char="•"/>
+            </a:pPr>
+            <a:r>
+              <a:rPr lang="fr-FR" b="0" i="0" dirty="0">
+                <a:solidFill>
+                  <a:srgbClr val="CECAC3"/>
+                </a:solidFill>
+                <a:effectLst/>
+                <a:latin typeface="Söhne"/>
+              </a:rPr>
+              <a:t>Temps moyen par cas via </a:t>
+            </a:r>
+            <a:r>
+              <a:rPr lang="fr-FR" b="0" i="0" dirty="0" err="1">
+                <a:solidFill>
+                  <a:srgbClr val="CECAC3"/>
+                </a:solidFill>
+                <a:effectLst/>
+                <a:latin typeface="Söhne"/>
+              </a:rPr>
+              <a:t>EDSaN</a:t>
+            </a:r>
+            <a:r>
+              <a:rPr lang="fr-FR" b="0" i="0" dirty="0">
+                <a:solidFill>
+                  <a:srgbClr val="CECAC3"/>
+                </a:solidFill>
+                <a:effectLst/>
+                <a:latin typeface="Söhne"/>
+              </a:rPr>
+              <a:t> Consult : 5,75 minutes.</a:t>
+            </a:r>
+          </a:p>
+          <a:p>
+            <a:pPr algn="l"/>
+            <a:endParaRPr lang="fr-FR" b="1" i="0" dirty="0">
+              <a:effectLst/>
+              <a:latin typeface="Söhne"/>
+            </a:endParaRPr>
+          </a:p>
+          <a:p>
+            <a:pPr algn="l"/>
+            <a:endParaRPr lang="fr-FR" b="1" i="0" dirty="0">
+              <a:effectLst/>
+              <a:latin typeface="Söhne"/>
+            </a:endParaRPr>
+          </a:p>
+          <a:p>
+            <a:pPr algn="l"/>
+            <a:r>
+              <a:rPr lang="fr-FR" b="1" i="0" dirty="0">
+                <a:effectLst/>
+                <a:latin typeface="Söhne"/>
+              </a:rPr>
+              <a:t>Diapositive : Gains d'efficacité et Implications Économiques</a:t>
+            </a:r>
+          </a:p>
+          <a:p>
+            <a:pPr algn="l">
+              <a:buFont typeface="Arial" panose="020B0604020202020204" pitchFamily="34" charset="0"/>
+              <a:buChar char="•"/>
+            </a:pPr>
+            <a:r>
+              <a:rPr lang="fr-FR" b="0" i="0" dirty="0">
+                <a:solidFill>
+                  <a:srgbClr val="CECAC3"/>
+                </a:solidFill>
+                <a:effectLst/>
+                <a:latin typeface="Söhne"/>
+              </a:rPr>
+              <a:t>Gain de temps estimé : environ 6 811 minutes par an, soit environ 64,5% du temps actuellement alloué à cette tâche.</a:t>
+            </a:r>
+          </a:p>
+          <a:p>
+            <a:pPr marL="742950" lvl="1" indent="-285750" algn="l">
+              <a:buFont typeface="Arial" panose="020B0604020202020204" pitchFamily="34" charset="0"/>
+              <a:buChar char="•"/>
+            </a:pPr>
+            <a:r>
+              <a:rPr lang="fr-FR" b="0" i="0" dirty="0">
+                <a:solidFill>
+                  <a:srgbClr val="CECAC3"/>
+                </a:solidFill>
+                <a:effectLst/>
+                <a:latin typeface="Söhne"/>
+              </a:rPr>
+              <a:t>Calcul : </a:t>
+            </a:r>
+            <a:br>
+              <a:rPr lang="fr-FR" b="0" i="0" dirty="0">
+                <a:solidFill>
+                  <a:srgbClr val="CECAC3"/>
+                </a:solidFill>
+                <a:effectLst/>
+                <a:latin typeface="Söhne"/>
+              </a:rPr>
+            </a:br>
+            <a:r>
+              <a:rPr lang="fr-FR" b="0" i="0" dirty="0">
+                <a:solidFill>
+                  <a:srgbClr val="CECAC3"/>
+                </a:solidFill>
+                <a:effectLst/>
+                <a:latin typeface="KaTeX_Main"/>
+              </a:rPr>
+              <a:t>10560 m/y − 3749 m/y = 6811 m/y</a:t>
+            </a:r>
+          </a:p>
+          <a:p>
+            <a:pPr marL="742950" lvl="1" indent="-285750" algn="l">
+              <a:buFont typeface="Arial" panose="020B0604020202020204" pitchFamily="34" charset="0"/>
+              <a:buChar char="•"/>
+            </a:pPr>
+            <a:r>
+              <a:rPr lang="fr-FR" b="0" i="0" dirty="0">
+                <a:solidFill>
+                  <a:srgbClr val="CECAC3"/>
+                </a:solidFill>
+                <a:effectLst/>
+                <a:latin typeface="KaTeX_Main"/>
+              </a:rPr>
+              <a:t>6811/10560 = 64.5%</a:t>
+            </a:r>
+            <a:endParaRPr lang="fr-FR" b="0" i="0" dirty="0">
+              <a:solidFill>
+                <a:srgbClr val="CECAC3"/>
+              </a:solidFill>
+              <a:effectLst/>
+              <a:latin typeface="Söhne"/>
+            </a:endParaRPr>
+          </a:p>
+          <a:p>
+            <a:pPr algn="l">
+              <a:buFont typeface="Arial" panose="020B0604020202020204" pitchFamily="34" charset="0"/>
+              <a:buChar char="•"/>
+            </a:pPr>
+            <a:r>
+              <a:rPr lang="fr-FR" b="0" i="0" dirty="0">
+                <a:solidFill>
+                  <a:srgbClr val="CECAC3"/>
+                </a:solidFill>
+                <a:effectLst/>
+                <a:latin typeface="Söhne"/>
+              </a:rPr>
+              <a:t>Économies financières estimées : environ 2 090 € par an par infirmière.</a:t>
+            </a:r>
+          </a:p>
+          <a:p>
+            <a:pPr marL="742950" lvl="1" indent="-285750" algn="l">
+              <a:buFont typeface="Arial" panose="020B0604020202020204" pitchFamily="34" charset="0"/>
+              <a:buChar char="•"/>
+            </a:pPr>
+            <a:r>
+              <a:rPr lang="fr-FR" b="0" i="0" dirty="0">
+                <a:solidFill>
+                  <a:srgbClr val="CECAC3"/>
+                </a:solidFill>
+                <a:effectLst/>
+                <a:latin typeface="Söhne"/>
+              </a:rPr>
+              <a:t>Calcul : </a:t>
+            </a:r>
+            <a:r>
+              <a:rPr lang="fr-FR" b="0" i="0" dirty="0">
+                <a:solidFill>
+                  <a:srgbClr val="CECAC3"/>
+                </a:solidFill>
+                <a:effectLst/>
+                <a:latin typeface="KaTeX_Main"/>
+              </a:rPr>
+              <a:t>32400 € × 0,645 = 2090 €</a:t>
+            </a:r>
+          </a:p>
+          <a:p>
+            <a:pPr marL="742950" lvl="1" indent="-285750" algn="l">
+              <a:buFont typeface="Arial" panose="020B0604020202020204" pitchFamily="34" charset="0"/>
+              <a:buChar char="•"/>
+            </a:pPr>
+            <a:endParaRPr lang="fr-FR" b="0" i="0" dirty="0">
+              <a:solidFill>
+                <a:srgbClr val="CECAC3"/>
+              </a:solidFill>
+              <a:effectLst/>
+              <a:latin typeface="KaTeX_Main"/>
+            </a:endParaRPr>
+          </a:p>
+          <a:p>
+            <a:pPr marL="0" lvl="0" indent="0" algn="l">
+              <a:buFont typeface="Arial" panose="020B0604020202020204" pitchFamily="34" charset="0"/>
+              <a:buNone/>
+            </a:pPr>
+            <a:r>
+              <a:rPr lang="fr-FR" b="0" i="0" dirty="0" err="1">
+                <a:solidFill>
+                  <a:srgbClr val="CECAC3"/>
+                </a:solidFill>
+                <a:effectLst/>
+                <a:latin typeface="KaTeX_Main"/>
+              </a:rPr>
+              <a:t>Questo</a:t>
+            </a:r>
+            <a:r>
+              <a:rPr lang="fr-FR" b="0" i="0" dirty="0">
+                <a:solidFill>
+                  <a:srgbClr val="CECAC3"/>
+                </a:solidFill>
+                <a:effectLst/>
+                <a:latin typeface="KaTeX_Main"/>
+              </a:rPr>
+              <a:t> senza </a:t>
+            </a:r>
+            <a:r>
+              <a:rPr lang="fr-FR" b="0" i="0" dirty="0" err="1">
+                <a:solidFill>
+                  <a:srgbClr val="CECAC3"/>
+                </a:solidFill>
+                <a:effectLst/>
+                <a:latin typeface="KaTeX_Main"/>
+              </a:rPr>
+              <a:t>contare</a:t>
+            </a:r>
+            <a:r>
+              <a:rPr lang="fr-FR" b="0" i="0" dirty="0">
+                <a:solidFill>
+                  <a:srgbClr val="CECAC3"/>
+                </a:solidFill>
+                <a:effectLst/>
+                <a:latin typeface="KaTeX_Main"/>
+              </a:rPr>
+              <a:t> il </a:t>
+            </a:r>
+            <a:r>
+              <a:rPr lang="fr-FR" b="0" i="0" dirty="0" err="1">
+                <a:solidFill>
+                  <a:srgbClr val="CECAC3"/>
+                </a:solidFill>
+                <a:effectLst/>
+                <a:latin typeface="KaTeX_Main"/>
+              </a:rPr>
+              <a:t>guadagno</a:t>
+            </a:r>
+            <a:r>
+              <a:rPr lang="fr-FR" b="0" i="0" dirty="0">
+                <a:solidFill>
+                  <a:srgbClr val="CECAC3"/>
+                </a:solidFill>
+                <a:effectLst/>
+                <a:latin typeface="KaTeX_Main"/>
+              </a:rPr>
+              <a:t> in tempo/</a:t>
+            </a:r>
+            <a:r>
+              <a:rPr lang="fr-FR" b="0" i="0" dirty="0" err="1">
+                <a:solidFill>
+                  <a:srgbClr val="CECAC3"/>
+                </a:solidFill>
+                <a:effectLst/>
+                <a:latin typeface="KaTeX_Main"/>
+              </a:rPr>
+              <a:t>denaro</a:t>
+            </a:r>
+            <a:r>
+              <a:rPr lang="fr-FR" b="0" i="0" dirty="0">
+                <a:solidFill>
+                  <a:srgbClr val="CECAC3"/>
+                </a:solidFill>
+                <a:effectLst/>
+                <a:latin typeface="KaTeX_Main"/>
+              </a:rPr>
+              <a:t> </a:t>
+            </a:r>
+            <a:r>
+              <a:rPr lang="fr-FR" b="0" i="0" dirty="0" err="1">
+                <a:solidFill>
+                  <a:srgbClr val="CECAC3"/>
+                </a:solidFill>
+                <a:effectLst/>
+                <a:latin typeface="KaTeX_Main"/>
+              </a:rPr>
+              <a:t>dovuto</a:t>
+            </a:r>
+            <a:r>
+              <a:rPr lang="fr-FR" b="0" i="0" dirty="0">
+                <a:solidFill>
+                  <a:srgbClr val="CECAC3"/>
+                </a:solidFill>
+                <a:effectLst/>
+                <a:latin typeface="KaTeX_Main"/>
+              </a:rPr>
+              <a:t> al </a:t>
+            </a:r>
+            <a:r>
+              <a:rPr lang="fr-FR" b="0" i="0" dirty="0" err="1">
+                <a:solidFill>
+                  <a:srgbClr val="CECAC3"/>
+                </a:solidFill>
+                <a:effectLst/>
+                <a:latin typeface="KaTeX_Main"/>
+              </a:rPr>
+              <a:t>fatto</a:t>
+            </a:r>
+            <a:r>
+              <a:rPr lang="fr-FR" b="0" i="0" dirty="0">
+                <a:solidFill>
+                  <a:srgbClr val="CECAC3"/>
+                </a:solidFill>
+                <a:effectLst/>
+                <a:latin typeface="KaTeX_Main"/>
+              </a:rPr>
+              <a:t> </a:t>
+            </a:r>
+            <a:r>
+              <a:rPr lang="fr-FR" b="0" i="0" dirty="0" err="1">
+                <a:solidFill>
+                  <a:srgbClr val="CECAC3"/>
+                </a:solidFill>
+                <a:effectLst/>
+                <a:latin typeface="KaTeX_Main"/>
+              </a:rPr>
+              <a:t>che</a:t>
+            </a:r>
+            <a:r>
+              <a:rPr lang="fr-FR" b="0" i="0" dirty="0">
+                <a:solidFill>
+                  <a:srgbClr val="CECAC3"/>
+                </a:solidFill>
+                <a:effectLst/>
+                <a:latin typeface="KaTeX_Main"/>
+              </a:rPr>
+              <a:t> non </a:t>
+            </a:r>
+            <a:r>
+              <a:rPr lang="fr-FR" b="0" i="0" dirty="0" err="1">
+                <a:solidFill>
+                  <a:srgbClr val="CECAC3"/>
+                </a:solidFill>
+                <a:effectLst/>
+                <a:latin typeface="KaTeX_Main"/>
+              </a:rPr>
+              <a:t>vai</a:t>
+            </a:r>
+            <a:r>
+              <a:rPr lang="fr-FR" b="0" i="0" dirty="0">
+                <a:solidFill>
+                  <a:srgbClr val="CECAC3"/>
+                </a:solidFill>
+                <a:effectLst/>
+                <a:latin typeface="KaTeX_Main"/>
+              </a:rPr>
+              <a:t> a </a:t>
+            </a:r>
+            <a:r>
+              <a:rPr lang="fr-FR" b="0" i="0" dirty="0" err="1">
+                <a:solidFill>
+                  <a:srgbClr val="CECAC3"/>
+                </a:solidFill>
+                <a:effectLst/>
+                <a:latin typeface="KaTeX_Main"/>
+              </a:rPr>
+              <a:t>disturbare</a:t>
+            </a:r>
+            <a:r>
+              <a:rPr lang="fr-FR" b="0" i="0" dirty="0">
+                <a:solidFill>
+                  <a:srgbClr val="CECAC3"/>
+                </a:solidFill>
+                <a:effectLst/>
+                <a:latin typeface="KaTeX_Main"/>
+              </a:rPr>
+              <a:t> </a:t>
+            </a:r>
+            <a:r>
+              <a:rPr lang="fr-FR" b="0" i="0" dirty="0" err="1">
+                <a:solidFill>
+                  <a:srgbClr val="CECAC3"/>
+                </a:solidFill>
+                <a:effectLst/>
+                <a:latin typeface="KaTeX_Main"/>
+              </a:rPr>
+              <a:t>altro</a:t>
+            </a:r>
+            <a:r>
+              <a:rPr lang="fr-FR" b="0" i="0" dirty="0">
+                <a:solidFill>
+                  <a:srgbClr val="CECAC3"/>
+                </a:solidFill>
+                <a:effectLst/>
+                <a:latin typeface="KaTeX_Main"/>
+              </a:rPr>
+              <a:t> personale per </a:t>
+            </a:r>
+            <a:r>
+              <a:rPr lang="fr-FR" b="0" i="0" dirty="0" err="1">
+                <a:solidFill>
+                  <a:srgbClr val="CECAC3"/>
+                </a:solidFill>
+                <a:effectLst/>
+                <a:latin typeface="KaTeX_Main"/>
+              </a:rPr>
+              <a:t>chiedere</a:t>
+            </a:r>
+            <a:r>
+              <a:rPr lang="fr-FR" b="0" i="0" dirty="0">
+                <a:solidFill>
+                  <a:srgbClr val="CECAC3"/>
+                </a:solidFill>
+                <a:effectLst/>
+                <a:latin typeface="KaTeX_Main"/>
+              </a:rPr>
+              <a:t> </a:t>
+            </a:r>
+            <a:r>
+              <a:rPr lang="fr-FR" b="0" i="0" dirty="0" err="1">
+                <a:solidFill>
+                  <a:srgbClr val="CECAC3"/>
+                </a:solidFill>
+                <a:effectLst/>
+                <a:latin typeface="KaTeX_Main"/>
+              </a:rPr>
+              <a:t>cose</a:t>
+            </a:r>
+            <a:endParaRPr lang="fr-FR" b="0" i="0" dirty="0">
+              <a:solidFill>
+                <a:srgbClr val="CECAC3"/>
+              </a:solidFill>
+              <a:effectLst/>
+              <a:latin typeface="Söhne"/>
+            </a:endParaRPr>
+          </a:p>
+          <a:p>
+            <a:endParaRPr lang="it-IT" dirty="0"/>
+          </a:p>
+          <a:p>
+            <a:pPr algn="l">
+              <a:buFont typeface="Arial" panose="020B0604020202020204" pitchFamily="34" charset="0"/>
+              <a:buChar char="•"/>
+            </a:pPr>
+            <a:r>
+              <a:rPr lang="it-IT" b="0" i="0" dirty="0">
+                <a:solidFill>
+                  <a:srgbClr val="CECAC3"/>
+                </a:solidFill>
+                <a:effectLst/>
+                <a:latin typeface="Söhne"/>
+              </a:rPr>
+              <a:t>Nel 2020, l'algoritmo ha identificato 652 pazienti sottoposti a chirurgia spinale.</a:t>
+            </a:r>
+          </a:p>
+          <a:p>
+            <a:pPr algn="l">
+              <a:buFont typeface="Arial" panose="020B0604020202020204" pitchFamily="34" charset="0"/>
+              <a:buChar char="•"/>
+            </a:pPr>
+            <a:r>
+              <a:rPr lang="it-IT" b="0" i="0" dirty="0">
+                <a:solidFill>
+                  <a:srgbClr val="CECAC3"/>
+                </a:solidFill>
+                <a:effectLst/>
+                <a:latin typeface="Söhne"/>
+              </a:rPr>
+              <a:t>Di questi, 79 sono stati riammessi in ospedale per infezioni postoperatorie, con una prevalenza delle SSI stimata al ~12%.</a:t>
+            </a:r>
+          </a:p>
+          <a:p>
+            <a:pPr algn="l">
+              <a:buFont typeface="Arial" panose="020B0604020202020204" pitchFamily="34" charset="0"/>
+              <a:buChar char="•"/>
+            </a:pPr>
+            <a:r>
+              <a:rPr lang="it-IT" b="0" i="0" dirty="0">
+                <a:solidFill>
+                  <a:srgbClr val="CECAC3"/>
+                </a:solidFill>
+                <a:effectLst/>
+                <a:latin typeface="Söhne"/>
+              </a:rPr>
+              <a:t>Figura: Cronologia degli interventi chirurgici e degli eventi infettivi.</a:t>
+            </a:r>
+          </a:p>
+          <a:p>
+            <a:pPr algn="l"/>
+            <a:endParaRPr lang="it-IT" b="1" i="0" dirty="0">
+              <a:effectLst/>
+              <a:latin typeface="Söhne"/>
+            </a:endParaRPr>
+          </a:p>
+          <a:p>
+            <a:pPr algn="l">
+              <a:buFont typeface="Arial" panose="020B0604020202020204" pitchFamily="34" charset="0"/>
+              <a:buChar char="•"/>
+            </a:pPr>
+            <a:r>
+              <a:rPr lang="it-IT" b="0" i="0" dirty="0">
+                <a:solidFill>
+                  <a:srgbClr val="CECAC3"/>
+                </a:solidFill>
+                <a:effectLst/>
+                <a:latin typeface="Söhne"/>
+              </a:rPr>
+              <a:t>77 delle 79 infezioni identificate soddisfano i criteri di tempo e di impianto materiale come stipulato nella definizione di SSI.</a:t>
+            </a:r>
+          </a:p>
+          <a:p>
+            <a:pPr algn="l">
+              <a:buFont typeface="Arial" panose="020B0604020202020204" pitchFamily="34" charset="0"/>
+              <a:buChar char="•"/>
+            </a:pPr>
+            <a:r>
+              <a:rPr lang="it-IT" b="0" i="0" dirty="0">
+                <a:solidFill>
+                  <a:srgbClr val="CECAC3"/>
+                </a:solidFill>
+                <a:effectLst/>
+                <a:latin typeface="Söhne"/>
+              </a:rPr>
+              <a:t>Le infezioni si sono manifestate in media dopo un ritardo di 19,1 giorni.</a:t>
+            </a:r>
+          </a:p>
+          <a:p>
+            <a:pPr algn="l">
+              <a:buFont typeface="Arial" panose="020B0604020202020204" pitchFamily="34" charset="0"/>
+              <a:buChar char="•"/>
+            </a:pPr>
+            <a:r>
+              <a:rPr lang="it-IT" b="0" i="0" dirty="0">
+                <a:solidFill>
+                  <a:srgbClr val="CECAC3"/>
+                </a:solidFill>
+                <a:effectLst/>
+                <a:latin typeface="Söhne"/>
+              </a:rPr>
+              <a:t>Tabella: Misure di dispersione sull'insorgenza dell'infezione.</a:t>
+            </a:r>
+          </a:p>
+          <a:p>
+            <a:pPr algn="l"/>
+            <a:endParaRPr lang="it-IT" b="1" i="0" dirty="0">
+              <a:effectLst/>
+              <a:latin typeface="Söhne"/>
+            </a:endParaRPr>
+          </a:p>
+          <a:p>
+            <a:pPr algn="l">
+              <a:buFont typeface="Arial" panose="020B0604020202020204" pitchFamily="34" charset="0"/>
+              <a:buChar char="•"/>
+            </a:pPr>
+            <a:r>
+              <a:rPr lang="it-IT" b="0" i="0" dirty="0">
+                <a:solidFill>
+                  <a:srgbClr val="CECAC3"/>
+                </a:solidFill>
+                <a:effectLst/>
+                <a:latin typeface="Söhne"/>
+              </a:rPr>
+              <a:t>Un campione rappresentativo di 300 casi è stato selezionato per la revisione manuale.</a:t>
+            </a:r>
+          </a:p>
+          <a:p>
+            <a:pPr algn="l">
+              <a:buFont typeface="Arial" panose="020B0604020202020204" pitchFamily="34" charset="0"/>
+              <a:buChar char="•"/>
+            </a:pPr>
+            <a:r>
+              <a:rPr lang="it-IT" b="0" i="0" dirty="0">
+                <a:solidFill>
+                  <a:srgbClr val="CECAC3"/>
+                </a:solidFill>
+                <a:effectLst/>
+                <a:latin typeface="Söhne"/>
+              </a:rPr>
+              <a:t>Tabella: Risultati della classificazione.</a:t>
+            </a:r>
+          </a:p>
+          <a:p>
+            <a:pPr algn="l">
+              <a:buFont typeface="Arial" panose="020B0604020202020204" pitchFamily="34" charset="0"/>
+              <a:buChar char="•"/>
+            </a:pPr>
+            <a:r>
+              <a:rPr lang="it-IT" b="0" i="0" dirty="0">
+                <a:solidFill>
+                  <a:srgbClr val="CECAC3"/>
+                </a:solidFill>
+                <a:effectLst/>
+                <a:latin typeface="Söhne"/>
+              </a:rPr>
+              <a:t>Tabella: Metriche di valutazione (Sensibilità, Specificità, F1-score, ecc.)</a:t>
+            </a:r>
+          </a:p>
+          <a:p>
+            <a:pPr algn="l">
+              <a:buFont typeface="Arial" panose="020B0604020202020204" pitchFamily="34" charset="0"/>
+              <a:buChar char="•"/>
+            </a:pPr>
+            <a:endParaRPr lang="it-IT" b="0" i="0" dirty="0">
+              <a:solidFill>
+                <a:srgbClr val="CECAC3"/>
+              </a:solidFill>
+              <a:effectLst/>
+              <a:latin typeface="Söhne"/>
+            </a:endParaRPr>
+          </a:p>
+          <a:p>
+            <a:pPr algn="l">
+              <a:buFont typeface="Arial" panose="020B0604020202020204" pitchFamily="34" charset="0"/>
+              <a:buChar char="•"/>
+            </a:pPr>
+            <a:r>
+              <a:rPr lang="it-IT" b="0" i="0" dirty="0">
+                <a:solidFill>
+                  <a:srgbClr val="CECAC3"/>
+                </a:solidFill>
+                <a:effectLst/>
+                <a:latin typeface="Söhne"/>
+              </a:rPr>
+              <a:t>Tempo medio per caso tramite </a:t>
+            </a:r>
+            <a:r>
+              <a:rPr lang="it-IT" b="0" i="0" dirty="0" err="1">
+                <a:solidFill>
+                  <a:srgbClr val="CECAC3"/>
+                </a:solidFill>
+                <a:effectLst/>
+                <a:latin typeface="Söhne"/>
+              </a:rPr>
+              <a:t>EDSaN</a:t>
+            </a:r>
+            <a:r>
+              <a:rPr lang="it-IT" b="0" i="0" dirty="0">
+                <a:solidFill>
+                  <a:srgbClr val="CECAC3"/>
+                </a:solidFill>
+                <a:effectLst/>
+                <a:latin typeface="Söhne"/>
+              </a:rPr>
+              <a:t> </a:t>
+            </a:r>
+            <a:r>
+              <a:rPr lang="it-IT" b="0" i="0" dirty="0" err="1">
+                <a:solidFill>
+                  <a:srgbClr val="CECAC3"/>
+                </a:solidFill>
+                <a:effectLst/>
+                <a:latin typeface="Söhne"/>
+              </a:rPr>
+              <a:t>Consult</a:t>
+            </a:r>
+            <a:r>
+              <a:rPr lang="it-IT" b="0" i="0" dirty="0">
+                <a:solidFill>
+                  <a:srgbClr val="CECAC3"/>
+                </a:solidFill>
+                <a:effectLst/>
+                <a:latin typeface="Söhne"/>
+              </a:rPr>
+              <a:t>: 5,75 minuti.</a:t>
+            </a:r>
+          </a:p>
+          <a:p>
+            <a:pPr algn="l">
+              <a:buFont typeface="Arial" panose="020B0604020202020204" pitchFamily="34" charset="0"/>
+              <a:buChar char="•"/>
+            </a:pPr>
+            <a:r>
+              <a:rPr lang="it-IT" b="0" i="0" dirty="0">
+                <a:solidFill>
+                  <a:srgbClr val="CECAC3"/>
+                </a:solidFill>
+                <a:effectLst/>
+                <a:latin typeface="Söhne"/>
+              </a:rPr>
+              <a:t>Risparmio di tempo potenziale: circa 6.811 minuti all'anno.</a:t>
+            </a:r>
+          </a:p>
+          <a:p>
+            <a:pPr algn="l">
+              <a:buFont typeface="Arial" panose="020B0604020202020204" pitchFamily="34" charset="0"/>
+              <a:buChar char="•"/>
+            </a:pPr>
+            <a:r>
+              <a:rPr lang="it-IT" b="0" i="0" dirty="0">
+                <a:solidFill>
+                  <a:srgbClr val="CECAC3"/>
+                </a:solidFill>
+                <a:effectLst/>
+                <a:latin typeface="Söhne"/>
+              </a:rPr>
+              <a:t>Risparmio finanziario stimato: circa €2.090 all'anno per infermiere.</a:t>
+            </a:r>
+          </a:p>
+          <a:p>
+            <a:endParaRPr lang="it-IT" dirty="0"/>
+          </a:p>
+        </p:txBody>
+      </p:sp>
+      <p:sp>
+        <p:nvSpPr>
+          <p:cNvPr id="4" name="Segnaposto numero diapositiva 3"/>
+          <p:cNvSpPr>
+            <a:spLocks noGrp="1"/>
+          </p:cNvSpPr>
+          <p:nvPr>
+            <p:ph type="sldNum" sz="quarter" idx="5"/>
+          </p:nvPr>
+        </p:nvSpPr>
+        <p:spPr/>
+        <p:txBody>
+          <a:bodyPr/>
+          <a:lstStyle/>
+          <a:p>
+            <a:fld id="{CAE1407F-8740-488D-B818-A4EDEFED28C5}" type="slidenum">
+              <a:rPr lang="it-IT" smtClean="0"/>
+              <a:t>8</a:t>
+            </a:fld>
+            <a:endParaRPr lang="it-IT"/>
+          </a:p>
+        </p:txBody>
+      </p:sp>
+    </p:spTree>
+    <p:extLst>
+      <p:ext uri="{BB962C8B-B14F-4D97-AF65-F5344CB8AC3E}">
+        <p14:creationId xmlns:p14="http://schemas.microsoft.com/office/powerpoint/2010/main" val="1816933879"/>
+      </p:ext>
+    </p:extLst>
+  </p:cSld>
+  <p:clrMapOvr>
+    <a:masterClrMapping/>
+  </p:clrMapOvr>
+</p:notes>
+</file>
+
+<file path=ppt/notesSlides/notesSlide8.xml><?xml version="1.0" encoding="utf-8"?>
+<p:notes xmlns:a="http://schemas.openxmlformats.org/drawingml/2006/main" xmlns:r="http://schemas.openxmlformats.org/officeDocument/2006/relationships" xmlns:p="http://schemas.openxmlformats.org/presentationml/2006/main">
+  <p:cSld>
+    <p:spTree>
+      <p:nvGrpSpPr>
+        <p:cNvPr id="1" name=""/>
+        <p:cNvGrpSpPr/>
+        <p:nvPr/>
+      </p:nvGrpSpPr>
+      <p:grpSpPr>
+        <a:xfrm>
+          <a:off x="0" y="0"/>
+          <a:ext cx="0" cy="0"/>
+          <a:chOff x="0" y="0"/>
+          <a:chExt cx="0" cy="0"/>
+        </a:xfrm>
+      </p:grpSpPr>
+      <p:sp>
+        <p:nvSpPr>
+          <p:cNvPr id="2" name="Segnaposto immagine diapositiva 1"/>
+          <p:cNvSpPr>
+            <a:spLocks noGrp="1" noRot="1" noChangeAspect="1"/>
+          </p:cNvSpPr>
+          <p:nvPr>
+            <p:ph type="sldImg"/>
+          </p:nvPr>
+        </p:nvSpPr>
+        <p:spPr/>
+      </p:sp>
+      <p:sp>
+        <p:nvSpPr>
+          <p:cNvPr id="3" name="Segnaposto note 2"/>
+          <p:cNvSpPr>
+            <a:spLocks noGrp="1"/>
+          </p:cNvSpPr>
+          <p:nvPr>
+            <p:ph type="body" idx="1"/>
+          </p:nvPr>
+        </p:nvSpPr>
+        <p:spPr/>
+        <p:txBody>
+          <a:bodyPr/>
+          <a:lstStyle/>
+          <a:p>
+            <a:pPr algn="l"/>
+            <a:r>
+              <a:rPr lang="fr-FR" b="1" i="0" dirty="0">
+                <a:effectLst/>
+                <a:latin typeface="Söhne"/>
+              </a:rPr>
               <a:t>Diapositive : Limitations et Défis</a:t>
             </a:r>
           </a:p>
@@ -30592,7 +29013,7 @@
 </p:notes>
 </file>
 
-<file path=ppt/notesSlides/notesSlide8.xml><?xml version="1.0" encoding="utf-8"?>
+<file path=ppt/notesSlides/notesSlide9.xml><?xml version="1.0" encoding="utf-8"?>
 <p:notes xmlns:a="http://schemas.openxmlformats.org/drawingml/2006/main" xmlns:r="http://schemas.openxmlformats.org/officeDocument/2006/relationships" xmlns:p="http://schemas.openxmlformats.org/presentationml/2006/main">
   <p:cSld>
     <p:spTree>
@@ -30951,7 +29372,7 @@
           <a:p>
             <a:fld id="{EE844DC7-CF8F-4D5A-820F-ACA25B650136}" type="slidenum">
               <a:rPr lang="it-IT" smtClean="0"/>
-              <a:t>‹N°›</a:t>
+              <a:t>‹N›</a:t>
             </a:fld>
             <a:endParaRPr lang="it-IT" dirty="0"/>
           </a:p>
@@ -31149,7 +29570,7 @@
           <a:p>
             <a:fld id="{EE844DC7-CF8F-4D5A-820F-ACA25B650136}" type="slidenum">
               <a:rPr lang="it-IT" smtClean="0"/>
-              <a:t>‹N°›</a:t>
+              <a:t>‹N›</a:t>
             </a:fld>
             <a:endParaRPr lang="it-IT" dirty="0"/>
           </a:p>
@@ -31357,7 +29778,7 @@
           <a:p>
             <a:fld id="{EE844DC7-CF8F-4D5A-820F-ACA25B650136}" type="slidenum">
               <a:rPr lang="it-IT" smtClean="0"/>
-              <a:t>‹N°›</a:t>
+              <a:t>‹N›</a:t>
             </a:fld>
             <a:endParaRPr lang="it-IT" dirty="0"/>
           </a:p>
@@ -31555,7 +29976,7 @@
           <a:p>
             <a:fld id="{EE844DC7-CF8F-4D5A-820F-ACA25B650136}" type="slidenum">
               <a:rPr lang="it-IT" smtClean="0"/>
-              <a:t>‹N°›</a:t>
+              <a:t>‹N›</a:t>
             </a:fld>
             <a:endParaRPr lang="it-IT" dirty="0"/>
           </a:p>
@@ -31830,7 +30251,7 @@
           <a:p>
             <a:fld id="{EE844DC7-CF8F-4D5A-820F-ACA25B650136}" type="slidenum">
               <a:rPr lang="it-IT" smtClean="0"/>
-              <a:t>‹N°›</a:t>
+              <a:t>‹N›</a:t>
             </a:fld>
             <a:endParaRPr lang="it-IT" dirty="0"/>
           </a:p>
@@ -32095,7 +30516,7 @@
           <a:p>
             <a:fld id="{EE844DC7-CF8F-4D5A-820F-ACA25B650136}" type="slidenum">
               <a:rPr lang="it-IT" smtClean="0"/>
-              <a:t>‹N°›</a:t>
+              <a:t>‹N›</a:t>
             </a:fld>
             <a:endParaRPr lang="it-IT" dirty="0"/>
           </a:p>
@@ -32507,7 +30928,7 @@
           <a:p>
             <a:fld id="{EE844DC7-CF8F-4D5A-820F-ACA25B650136}" type="slidenum">
               <a:rPr lang="it-IT" smtClean="0"/>
-              <a:t>‹N°›</a:t>
+              <a:t>‹N›</a:t>
             </a:fld>
             <a:endParaRPr lang="it-IT" dirty="0"/>
           </a:p>
@@ -32648,7 +31069,7 @@
           <a:p>
             <a:fld id="{EE844DC7-CF8F-4D5A-820F-ACA25B650136}" type="slidenum">
               <a:rPr lang="it-IT" smtClean="0"/>
-              <a:t>‹N°›</a:t>
+              <a:t>‹N›</a:t>
             </a:fld>
             <a:endParaRPr lang="it-IT" dirty="0"/>
           </a:p>
@@ -32761,7 +31182,7 @@
           <a:p>
             <a:fld id="{EE844DC7-CF8F-4D5A-820F-ACA25B650136}" type="slidenum">
               <a:rPr lang="it-IT" smtClean="0"/>
-              <a:t>‹N°›</a:t>
+              <a:t>‹N›</a:t>
             </a:fld>
             <a:endParaRPr lang="it-IT" dirty="0"/>
           </a:p>
@@ -33072,7 +31493,7 @@
           <a:p>
             <a:fld id="{EE844DC7-CF8F-4D5A-820F-ACA25B650136}" type="slidenum">
               <a:rPr lang="it-IT" smtClean="0"/>
-              <a:t>‹N°›</a:t>
+              <a:t>‹N›</a:t>
             </a:fld>
             <a:endParaRPr lang="it-IT" dirty="0"/>
           </a:p>
@@ -33360,7 +31781,7 @@
           <a:p>
             <a:fld id="{EE844DC7-CF8F-4D5A-820F-ACA25B650136}" type="slidenum">
               <a:rPr lang="it-IT" smtClean="0"/>
-              <a:t>‹N°›</a:t>
+              <a:t>‹N›</a:t>
             </a:fld>
             <a:endParaRPr lang="it-IT" dirty="0"/>
           </a:p>
@@ -33637,7 +32058,7 @@
           <a:p>
             <a:fld id="{EE844DC7-CF8F-4D5A-820F-ACA25B650136}" type="slidenum">
               <a:rPr lang="it-IT" smtClean="0"/>
-              <a:t>‹N°›</a:t>
+              <a:t>‹N›</a:t>
             </a:fld>
             <a:endParaRPr lang="it-IT" dirty="0"/>
           </a:p>
@@ -34001,7 +32422,28 @@
                 <a:latin typeface="Roboto Black" panose="02000000000000000000" pitchFamily="2" charset="0"/>
                 <a:ea typeface="Roboto Black" panose="02000000000000000000" pitchFamily="2" charset="0"/>
               </a:rPr>
-              <a:t>DÉTECTION SEMI-AUTOMATISÉE DES INFECTIONS POST-OPÉRATOIRES :</a:t>
+              <a:t>DÉTECTION SEMI-AUTOMATISÉE DES INFECTIONS </a:t>
+            </a:r>
+            <a:r>
+              <a:rPr lang="fr-FR" sz="2800" b="1" dirty="0">
+                <a:solidFill>
+                  <a:srgbClr val="000000"/>
+                </a:solidFill>
+                <a:latin typeface="Roboto Black" panose="02000000000000000000" pitchFamily="2" charset="0"/>
+                <a:ea typeface="Roboto Black" panose="02000000000000000000" pitchFamily="2" charset="0"/>
+              </a:rPr>
+              <a:t>DU SITE OPERATOIRE</a:t>
+            </a:r>
+            <a:r>
+              <a:rPr lang="fr-FR" sz="2800" b="1" dirty="0">
+                <a:solidFill>
+                  <a:srgbClr val="000000"/>
+                </a:solidFill>
+                <a:effectLst/>
+                <a:latin typeface="Roboto Black" panose="02000000000000000000" pitchFamily="2" charset="0"/>
+                <a:ea typeface="Roboto Black" panose="02000000000000000000" pitchFamily="2" charset="0"/>
+              </a:rPr>
+              <a:t> :</a:t>
             </a:r>
             <a:endParaRPr lang="it-IT" sz="8000" dirty="0">
               <a:latin typeface="Roboto Black" panose="02000000000000000000" pitchFamily="2" charset="0"/>
@@ -34525,7 +32967,7 @@
         <p:spPr>
           <a:xfrm>
             <a:off x="534894" y="2048339"/>
-            <a:ext cx="10818906" cy="4201150"/>
+            <a:ext cx="10818906" cy="3785652"/>
           </a:xfrm>
           <a:prstGeom prst="rect">
             <a:avLst/>
@@ -34544,34 +32986,40 @@
               </a:lnSpc>
             </a:pPr>
             <a:r>
+              <a:rPr lang="fr-FR" b="1" dirty="0">
+                <a:latin typeface="Roboto" panose="02000000000000000000" pitchFamily="2" charset="0"/>
+                <a:ea typeface="Roboto" panose="02000000000000000000" pitchFamily="2" charset="0"/>
+              </a:rPr>
+              <a:t>Volume:</a:t>
+            </a:r>
+            <a:r>
+              <a:rPr lang="fr-FR" dirty="0">
+                <a:latin typeface="Roboto" panose="02000000000000000000" pitchFamily="2" charset="0"/>
+                <a:ea typeface="Roboto" panose="02000000000000000000" pitchFamily="2" charset="0"/>
+              </a:rPr>
+              <a:t>		2</a:t>
+            </a:r>
+            <a:r>
+              <a:rPr lang="fr-FR" baseline="30000" dirty="0">
+                <a:latin typeface="Roboto" panose="02000000000000000000" pitchFamily="2" charset="0"/>
+                <a:ea typeface="Roboto" panose="02000000000000000000" pitchFamily="2" charset="0"/>
+              </a:rPr>
+              <a:t>ème</a:t>
+            </a:r>
+            <a:r>
+              <a:rPr lang="fr-FR" dirty="0">
+                <a:latin typeface="Roboto" panose="02000000000000000000" pitchFamily="2" charset="0"/>
+                <a:ea typeface="Roboto" panose="02000000000000000000" pitchFamily="2" charset="0"/>
+              </a:rPr>
+              <a:t> </a:t>
+            </a:r>
+            <a:r>
               <a:rPr lang="fr-FR" b="0" i="0" dirty="0">
                 <a:effectLst/>
                 <a:latin typeface="Roboto" panose="02000000000000000000" pitchFamily="2" charset="0"/>
                 <a:ea typeface="Roboto" panose="02000000000000000000" pitchFamily="2" charset="0"/>
               </a:rPr>
-              <a:t>Fréquentes en raison du volume élevé d'interventions effectuées </a:t>
-            </a:r>
-          </a:p>
-          <a:p>
-            <a:pPr algn="l">
-              <a:lnSpc>
-                <a:spcPct val="150000"/>
-              </a:lnSpc>
-            </a:pPr>
-            <a:r>
-              <a:rPr lang="fr-FR" dirty="0">
-                <a:latin typeface="Roboto" panose="02000000000000000000" pitchFamily="2" charset="0"/>
-                <a:ea typeface="Roboto" panose="02000000000000000000" pitchFamily="2" charset="0"/>
-              </a:rPr>
-              <a:t>Parmi les top 3 </a:t>
-            </a:r>
-            <a:r>
-              <a:rPr lang="fr-FR" b="0" i="0" dirty="0">
-                <a:effectLst/>
-                <a:latin typeface="Roboto" panose="02000000000000000000" pitchFamily="2" charset="0"/>
-                <a:ea typeface="Roboto" panose="02000000000000000000" pitchFamily="2" charset="0"/>
-              </a:rPr>
-              <a:t>causes d’infections nosocomiales</a:t>
+              <a:t>cause d’infections nosocomiales</a:t>
             </a:r>
             <a:endParaRPr lang="fr-FR" dirty="0">
               <a:latin typeface="Roboto" panose="02000000000000000000" pitchFamily="2" charset="0"/>
@@ -34610,22 +33058,14 @@
                 <a:latin typeface="Roboto" panose="02000000000000000000" pitchFamily="2" charset="0"/>
                 <a:ea typeface="Roboto" panose="02000000000000000000" pitchFamily="2" charset="0"/>
               </a:rPr>
-              <a:t> : 	2% à 5% des patients </a:t>
-            </a:r>
-            <a:r>
-              <a:rPr lang="fr-FR" b="0" i="0" dirty="0" err="1">
-                <a:effectLst/>
-                <a:latin typeface="Roboto" panose="02000000000000000000" pitchFamily="2" charset="0"/>
-                <a:ea typeface="Roboto" panose="02000000000000000000" pitchFamily="2" charset="0"/>
-              </a:rPr>
-              <a:t>chir</a:t>
+              <a:t> : 	2% à 5% </a:t>
             </a:r>
             <a:r>
               <a:rPr lang="fr-FR" dirty="0">
                 <a:latin typeface="Roboto" panose="02000000000000000000" pitchFamily="2" charset="0"/>
                 <a:ea typeface="Roboto" panose="02000000000000000000" pitchFamily="2" charset="0"/>
               </a:rPr>
-              <a:t> (</a:t>
+              <a:t>(</a:t>
             </a:r>
             <a:r>
               <a:rPr lang="fr-FR" b="0" i="0" dirty="0">
@@ -34674,14 +33114,14 @@
                 <a:latin typeface="Roboto" panose="02000000000000000000" pitchFamily="2" charset="0"/>
                 <a:ea typeface="Roboto" panose="02000000000000000000" pitchFamily="2" charset="0"/>
               </a:rPr>
-              <a:t>Morbidité</a:t>
+              <a:t>Morbidité et $: </a:t>
             </a:r>
             <a:r>
               <a:rPr lang="fr-FR" dirty="0">
                 <a:latin typeface="Roboto" panose="02000000000000000000" pitchFamily="2" charset="0"/>
                 <a:ea typeface="Roboto" panose="02000000000000000000" pitchFamily="2" charset="0"/>
               </a:rPr>
-              <a:t> : 	</a:t>
+              <a:t>	</a:t>
             </a:r>
             <a:r>
               <a:rPr lang="fr-FR" b="0" i="0" dirty="0">
@@ -34689,23 +33129,7 @@
                 <a:latin typeface="Roboto" panose="02000000000000000000" pitchFamily="2" charset="0"/>
                 <a:ea typeface="Roboto" panose="02000000000000000000" pitchFamily="2" charset="0"/>
               </a:rPr>
-              <a:t>7 à 11J d'</a:t>
-            </a:r>
-            <a:r>
-              <a:rPr lang="fr-FR" b="0" i="0" dirty="0" err="1">
-                <a:effectLst/>
-                <a:latin typeface="Roboto" panose="02000000000000000000" pitchFamily="2" charset="0"/>
-                <a:ea typeface="Roboto" panose="02000000000000000000" pitchFamily="2" charset="0"/>
-              </a:rPr>
-              <a:t>hospitalization</a:t>
-            </a:r>
-            <a:r>
-              <a:rPr lang="fr-FR" b="0" i="0" dirty="0">
-                <a:effectLst/>
-                <a:latin typeface="Roboto" panose="02000000000000000000" pitchFamily="2" charset="0"/>
-                <a:ea typeface="Roboto" panose="02000000000000000000" pitchFamily="2" charset="0"/>
-              </a:rPr>
-              <a:t> supplémentaires</a:t>
+              <a:t>7 à 11J d'hospitalisation supplémentaires</a:t>
             </a:r>
             <a:r>
               <a:rPr lang="fr-FR" dirty="0">
@@ -34790,7 +33214,7 @@
                 <a:latin typeface="Roboto" panose="02000000000000000000" pitchFamily="2" charset="0"/>
                 <a:ea typeface="Roboto" panose="02000000000000000000" pitchFamily="2" charset="0"/>
               </a:rPr>
-              <a:t>, responsabilité imputable à l’ISO dans </a:t>
+              <a:t>, responsabilité ISO dans </a:t>
             </a:r>
             <a:r>
               <a:rPr lang="fr-FR" b="0" i="0" dirty="0">
@@ -36179,7 +34603,7 @@
               <a:buChar char="•"/>
             </a:pPr>
             <a:r>
-              <a:rPr lang="it-IT" sz="1600" dirty="0" smtClean="0">
+              <a:rPr lang="it-IT" sz="1600" dirty="0">
                 <a:latin typeface="Roboto" panose="02000000000000000000" pitchFamily="2" charset="0"/>
                 <a:ea typeface="Roboto" panose="02000000000000000000" pitchFamily="2" charset="0"/>
               </a:rPr>
@@ -36195,7 +34619,7 @@
               <a:buChar char="•"/>
             </a:pPr>
             <a:r>
-              <a:rPr lang="it-IT" sz="1600" dirty="0" smtClean="0">
+              <a:rPr lang="it-IT" sz="1600" dirty="0">
                 <a:latin typeface="Roboto" panose="02000000000000000000" pitchFamily="2" charset="0"/>
                 <a:ea typeface="Roboto" panose="02000000000000000000" pitchFamily="2" charset="0"/>
               </a:rPr>
@@ -36211,7 +34635,7 @@
               <a:buChar char="•"/>
             </a:pPr>
             <a:r>
-              <a:rPr lang="it-IT" sz="1600" dirty="0" smtClean="0">
+              <a:rPr lang="it-IT" sz="1600" dirty="0">
                 <a:latin typeface="Roboto" panose="02000000000000000000" pitchFamily="2" charset="0"/>
                 <a:ea typeface="Roboto" panose="02000000000000000000" pitchFamily="2" charset="0"/>
               </a:rPr>
@@ -36227,7 +34651,7 @@
               <a:buChar char="•"/>
             </a:pPr>
             <a:r>
-              <a:rPr lang="it-IT" sz="1600" dirty="0" smtClean="0">
+              <a:rPr lang="it-IT" sz="1600" dirty="0">
                 <a:latin typeface="Roboto" panose="02000000000000000000" pitchFamily="2" charset="0"/>
                 <a:ea typeface="Roboto" panose="02000000000000000000" pitchFamily="2" charset="0"/>
               </a:rPr>
@@ -39341,7 +37765,7 @@
               <a:buChar char="•"/>
             </a:pPr>
             <a:r>
-              <a:rPr lang="fr-FR" dirty="0" err="1" smtClean="0">
+              <a:rPr lang="fr-FR" dirty="0" err="1">
                 <a:solidFill>
                   <a:srgbClr val="CECAC3"/>
                 </a:solidFill>
@@ -39350,7 +37774,7 @@
               <a:t>Consideré</a:t>
             </a:r>
             <a:r>
-              <a:rPr lang="fr-FR" dirty="0" smtClean="0">
+              <a:rPr lang="fr-FR" dirty="0">
                 <a:solidFill>
                   <a:srgbClr val="CECAC3"/>
                 </a:solidFill>
@@ -39359,7 +37783,7 @@
               <a:t> que l'</a:t>
             </a:r>
             <a:r>
-              <a:rPr lang="fr-FR" dirty="0" err="1" smtClean="0">
+              <a:rPr lang="fr-FR" dirty="0" err="1">
                 <a:solidFill>
                   <a:srgbClr val="CECAC3"/>
                 </a:solidFill>
@@ -39368,34 +37792,16 @@
               <a:t>algo</a:t>
             </a:r>
             <a:r>
-              <a:rPr lang="fr-FR" dirty="0" smtClean="0">
-                <a:solidFill>
-                  <a:srgbClr val="CECAC3"/>
-                </a:solidFill>
-                <a:latin typeface="Söhne"/>
-              </a:rPr>
-              <a:t> est sensé être un appui, il présente </a:t>
-            </a:r>
-            <a:r>
               <a:rPr lang="fr-FR" dirty="0">
                 <a:solidFill>
                   <a:srgbClr val="CECAC3"/>
                 </a:solidFill>
                 <a:latin typeface="Söhne"/>
               </a:rPr>
-              <a:t>un bon équilibre entre sensibilité et </a:t>
-            </a:r>
-            <a:r>
-              <a:rPr lang="fr-FR" dirty="0" smtClean="0">
-                <a:solidFill>
-                  <a:srgbClr val="CECAC3"/>
-                </a:solidFill>
-                <a:latin typeface="Söhne"/>
-              </a:rPr>
-              <a:t>spécificité. Il identifie la </a:t>
-            </a:r>
-            <a:r>
-              <a:rPr lang="fr-FR" dirty="0" err="1" smtClean="0">
+              <a:t> est sensé être un appui, il présente un bon équilibre entre sensibilité et spécificité. Il identifie la </a:t>
+            </a:r>
+            <a:r>
+              <a:rPr lang="fr-FR" dirty="0" err="1">
                 <a:solidFill>
                   <a:srgbClr val="CECAC3"/>
                 </a:solidFill>
@@ -39404,13 +37810,166 @@
               <a:t>pluspart</a:t>
             </a:r>
             <a:r>
-              <a:rPr lang="fr-FR" dirty="0" smtClean="0">
+              <a:rPr lang="fr-FR" dirty="0">
                 <a:solidFill>
                   <a:srgbClr val="CECAC3"/>
                 </a:solidFill>
                 <a:latin typeface="Söhne"/>
               </a:rPr>
               <a:t> des ISO qui peuvent en suite être confirmées très rapidement</a:t>
+            </a:r>
+          </a:p>
+          <a:p>
+            <a:pPr marL="285750" indent="-285750">
+              <a:buFont typeface="Arial" panose="020B0604020202020204" pitchFamily="34" charset="0"/>
+              <a:buChar char="•"/>
+            </a:pPr>
+            <a:r>
+              <a:rPr lang="fr-FR" dirty="0">
+                <a:solidFill>
+                  <a:srgbClr val="CECAC3"/>
+                </a:solidFill>
+                <a:latin typeface="Söhne"/>
+              </a:rPr>
+              <a:t>Les gains en temps estimés sont </a:t>
+            </a:r>
+            <a:r>
+              <a:rPr lang="fr-FR" dirty="0" err="1">
+                <a:solidFill>
+                  <a:srgbClr val="CECAC3"/>
+                </a:solidFill>
+                <a:latin typeface="Söhne"/>
+              </a:rPr>
+              <a:t>sont</a:t>
+            </a:r>
+            <a:r>
+              <a:rPr lang="fr-FR" dirty="0">
+                <a:solidFill>
+                  <a:srgbClr val="CECAC3"/>
+                </a:solidFill>
+                <a:latin typeface="Söhne"/>
+              </a:rPr>
+              <a:t> substantiels:</a:t>
+            </a:r>
+          </a:p>
+          <a:p>
+            <a:pPr marL="742950" lvl="1" indent="-285750">
+              <a:buFont typeface="Arial" panose="020B0604020202020204" pitchFamily="34" charset="0"/>
+              <a:buChar char="•"/>
+            </a:pPr>
+            <a:r>
+              <a:rPr lang="fr-FR" dirty="0">
+                <a:solidFill>
+                  <a:srgbClr val="CECAC3"/>
+                </a:solidFill>
+                <a:latin typeface="Söhne"/>
+              </a:rPr>
+              <a:t>~63.5h par an, par infirmier + le temps </a:t>
+            </a:r>
+            <a:r>
+              <a:rPr lang="fr-FR" dirty="0" err="1">
+                <a:solidFill>
+                  <a:srgbClr val="CECAC3"/>
+                </a:solidFill>
+                <a:latin typeface="Söhne"/>
+              </a:rPr>
+              <a:t>che</a:t>
+            </a:r>
+            <a:r>
+              <a:rPr lang="fr-FR" dirty="0">
+                <a:solidFill>
+                  <a:srgbClr val="CECAC3"/>
+                </a:solidFill>
+                <a:latin typeface="Söhne"/>
+              </a:rPr>
+              <a:t> </a:t>
+            </a:r>
+            <a:r>
+              <a:rPr lang="fr-FR" dirty="0" err="1">
+                <a:solidFill>
+                  <a:srgbClr val="CECAC3"/>
+                </a:solidFill>
+                <a:latin typeface="Söhne"/>
+              </a:rPr>
+              <a:t>gli</a:t>
+            </a:r>
+            <a:r>
+              <a:rPr lang="fr-FR" dirty="0">
+                <a:solidFill>
+                  <a:srgbClr val="CECAC3"/>
+                </a:solidFill>
+                <a:latin typeface="Söhne"/>
+              </a:rPr>
+              <a:t> </a:t>
+            </a:r>
+            <a:r>
+              <a:rPr lang="fr-FR" dirty="0" err="1">
+                <a:solidFill>
+                  <a:srgbClr val="CECAC3"/>
+                </a:solidFill>
+                <a:latin typeface="Söhne"/>
+              </a:rPr>
+              <a:t>altri</a:t>
+            </a:r>
+            <a:r>
+              <a:rPr lang="fr-FR" dirty="0">
+                <a:solidFill>
+                  <a:srgbClr val="CECAC3"/>
+                </a:solidFill>
+                <a:latin typeface="Söhne"/>
+              </a:rPr>
+              <a:t> non </a:t>
+            </a:r>
+            <a:r>
+              <a:rPr lang="fr-FR" dirty="0" err="1">
+                <a:solidFill>
+                  <a:srgbClr val="CECAC3"/>
+                </a:solidFill>
+                <a:latin typeface="Söhne"/>
+              </a:rPr>
+              <a:t>glid</a:t>
+            </a:r>
+            <a:r>
+              <a:rPr lang="fr-FR" dirty="0">
+                <a:solidFill>
+                  <a:srgbClr val="CECAC3"/>
+                </a:solidFill>
+                <a:latin typeface="Söhne"/>
+              </a:rPr>
+              <a:t> </a:t>
+            </a:r>
+            <a:r>
+              <a:rPr lang="fr-FR" dirty="0" err="1">
+                <a:solidFill>
+                  <a:srgbClr val="CECAC3"/>
+                </a:solidFill>
+                <a:latin typeface="Söhne"/>
+              </a:rPr>
+              <a:t>edicano</a:t>
+            </a:r>
+            <a:r>
+              <a:rPr lang="fr-FR" dirty="0">
+                <a:solidFill>
+                  <a:srgbClr val="CECAC3"/>
+                </a:solidFill>
+                <a:latin typeface="Söhne"/>
+              </a:rPr>
+              <a:t> più</a:t>
+            </a:r>
+          </a:p>
+          <a:p>
+            <a:pPr marL="285750" indent="-285750">
+              <a:buFont typeface="Arial" panose="020B0604020202020204" pitchFamily="34" charset="0"/>
+              <a:buChar char="•"/>
+            </a:pPr>
+            <a:r>
+              <a:rPr lang="it-IT" dirty="0">
+                <a:solidFill>
+                  <a:srgbClr val="CECAC3"/>
+                </a:solidFill>
+                <a:latin typeface="Söhne"/>
+              </a:rPr>
+              <a:t>Il guadagno in cash è poca roba nel contesto dell’ospedale ma ogni cosa conta</a:t>
             </a:r>
             <a:endParaRPr lang="fr-FR" dirty="0">
               <a:solidFill>
@@ -39431,196 +37990,10 @@
                 </a:solidFill>
                 <a:latin typeface="Söhne"/>
               </a:rPr>
-              <a:t>Les gains </a:t>
-            </a:r>
-            <a:r>
-              <a:rPr lang="fr-FR" dirty="0" smtClean="0">
-                <a:solidFill>
-                  <a:srgbClr val="CECAC3"/>
-                </a:solidFill>
-                <a:latin typeface="Söhne"/>
-              </a:rPr>
-              <a:t>en </a:t>
-            </a:r>
-            <a:r>
-              <a:rPr lang="fr-FR" dirty="0">
-                <a:solidFill>
-                  <a:srgbClr val="CECAC3"/>
-                </a:solidFill>
-                <a:latin typeface="Söhne"/>
-              </a:rPr>
-              <a:t>temps </a:t>
-            </a:r>
-            <a:r>
-              <a:rPr lang="fr-FR" dirty="0" smtClean="0">
-                <a:solidFill>
-                  <a:srgbClr val="CECAC3"/>
-                </a:solidFill>
-                <a:latin typeface="Söhne"/>
-              </a:rPr>
-              <a:t>estimés sont </a:t>
-            </a:r>
-            <a:r>
-              <a:rPr lang="fr-FR" dirty="0" err="1" smtClean="0">
-                <a:solidFill>
-                  <a:srgbClr val="CECAC3"/>
-                </a:solidFill>
-                <a:latin typeface="Söhne"/>
-              </a:rPr>
-              <a:t>sont</a:t>
-            </a:r>
-            <a:r>
-              <a:rPr lang="fr-FR" dirty="0" smtClean="0">
-                <a:solidFill>
-                  <a:srgbClr val="CECAC3"/>
-                </a:solidFill>
-                <a:latin typeface="Söhne"/>
-              </a:rPr>
-              <a:t> substantiels:</a:t>
-            </a:r>
-          </a:p>
-          <a:p>
-            <a:pPr marL="742950" lvl="1" indent="-285750">
-              <a:buFont typeface="Arial" panose="020B0604020202020204" pitchFamily="34" charset="0"/>
-              <a:buChar char="•"/>
-            </a:pPr>
-            <a:r>
-              <a:rPr lang="fr-FR" dirty="0" smtClean="0">
-                <a:solidFill>
-                  <a:srgbClr val="CECAC3"/>
-                </a:solidFill>
-                <a:latin typeface="Söhne"/>
-              </a:rPr>
-              <a:t>~63.5h par an, par infirmier + le temps </a:t>
-            </a:r>
-            <a:r>
-              <a:rPr lang="fr-FR" dirty="0" err="1" smtClean="0">
-                <a:solidFill>
-                  <a:srgbClr val="CECAC3"/>
-                </a:solidFill>
-                <a:latin typeface="Söhne"/>
-              </a:rPr>
-              <a:t>che</a:t>
-            </a:r>
-            <a:r>
-              <a:rPr lang="fr-FR" dirty="0" smtClean="0">
-                <a:solidFill>
-                  <a:srgbClr val="CECAC3"/>
-                </a:solidFill>
-                <a:latin typeface="Söhne"/>
-              </a:rPr>
-              <a:t> </a:t>
-            </a:r>
-            <a:r>
-              <a:rPr lang="fr-FR" dirty="0" err="1" smtClean="0">
-                <a:solidFill>
-                  <a:srgbClr val="CECAC3"/>
-                </a:solidFill>
-                <a:latin typeface="Söhne"/>
-              </a:rPr>
-              <a:t>gli</a:t>
-            </a:r>
-            <a:r>
-              <a:rPr lang="fr-FR" dirty="0" smtClean="0">
-                <a:solidFill>
-                  <a:srgbClr val="CECAC3"/>
-                </a:solidFill>
-                <a:latin typeface="Söhne"/>
-              </a:rPr>
-              <a:t> </a:t>
-            </a:r>
-            <a:r>
-              <a:rPr lang="fr-FR" dirty="0" err="1" smtClean="0">
-                <a:solidFill>
-                  <a:srgbClr val="CECAC3"/>
-                </a:solidFill>
-                <a:latin typeface="Söhne"/>
-              </a:rPr>
-              <a:t>altri</a:t>
-            </a:r>
-            <a:r>
-              <a:rPr lang="fr-FR" dirty="0" smtClean="0">
-                <a:solidFill>
-                  <a:srgbClr val="CECAC3"/>
-                </a:solidFill>
-                <a:latin typeface="Söhne"/>
-              </a:rPr>
-              <a:t> non </a:t>
-            </a:r>
-            <a:r>
-              <a:rPr lang="fr-FR" dirty="0" err="1" smtClean="0">
-                <a:solidFill>
-                  <a:srgbClr val="CECAC3"/>
-                </a:solidFill>
-                <a:latin typeface="Söhne"/>
-              </a:rPr>
-              <a:t>glid</a:t>
-            </a:r>
-            <a:r>
-              <a:rPr lang="fr-FR" dirty="0" smtClean="0">
-                <a:solidFill>
-                  <a:srgbClr val="CECAC3"/>
-                </a:solidFill>
-                <a:latin typeface="Söhne"/>
-              </a:rPr>
-              <a:t> </a:t>
-            </a:r>
-            <a:r>
-              <a:rPr lang="fr-FR" dirty="0" err="1" smtClean="0">
-                <a:solidFill>
-                  <a:srgbClr val="CECAC3"/>
-                </a:solidFill>
-                <a:latin typeface="Söhne"/>
-              </a:rPr>
-              <a:t>edicano</a:t>
-            </a:r>
-            <a:r>
-              <a:rPr lang="fr-FR" dirty="0" smtClean="0">
-                <a:solidFill>
-                  <a:srgbClr val="CECAC3"/>
-                </a:solidFill>
-                <a:latin typeface="Söhne"/>
-              </a:rPr>
-              <a:t> più</a:t>
-            </a:r>
-          </a:p>
-          <a:p>
-            <a:pPr marL="285750" indent="-285750">
-              <a:buFont typeface="Arial" panose="020B0604020202020204" pitchFamily="34" charset="0"/>
-              <a:buChar char="•"/>
-            </a:pPr>
-            <a:r>
-              <a:rPr lang="it-IT" dirty="0" smtClean="0">
-                <a:solidFill>
-                  <a:srgbClr val="CECAC3"/>
-                </a:solidFill>
-                <a:latin typeface="Söhne"/>
-              </a:rPr>
-              <a:t>Il guadagno in cash è poca roba nel contesto dell’ospedale ma ogni cosa conta</a:t>
-            </a:r>
-            <a:endParaRPr lang="fr-FR" dirty="0">
-              <a:solidFill>
-                <a:srgbClr val="CECAC3"/>
-              </a:solidFill>
-              <a:latin typeface="Söhne"/>
-            </a:endParaRPr>
-          </a:p>
-          <a:p>
-            <a:pPr marL="285750" indent="-285750">
-              <a:buFont typeface="Arial" panose="020B0604020202020204" pitchFamily="34" charset="0"/>
-              <a:buChar char="•"/>
-            </a:pPr>
-            <a:r>
-              <a:rPr lang="fr-FR" dirty="0" smtClean="0">
-                <a:solidFill>
-                  <a:srgbClr val="CECAC3"/>
-                </a:solidFill>
-                <a:latin typeface="Söhne"/>
-              </a:rPr>
               <a:t>L’</a:t>
             </a:r>
             <a:r>
-              <a:rPr lang="fr-FR" dirty="0" err="1" smtClean="0">
+              <a:rPr lang="fr-FR" dirty="0" err="1">
                 <a:solidFill>
                   <a:srgbClr val="CECAC3"/>
                 </a:solidFill>
@@ -39629,7 +38002,7 @@
               <a:t>algoritmo</a:t>
             </a:r>
             <a:r>
-              <a:rPr lang="fr-FR" dirty="0" smtClean="0">
+              <a:rPr lang="fr-FR" dirty="0">
                 <a:solidFill>
                   <a:srgbClr val="CECAC3"/>
                 </a:solidFill>
@@ -39674,7 +38047,7 @@
               <a:t> a tutti i </a:t>
             </a:r>
             <a:r>
-              <a:rPr lang="fr-FR" dirty="0" err="1" smtClean="0">
+              <a:rPr lang="fr-FR" dirty="0" err="1">
                 <a:solidFill>
                   <a:srgbClr val="CECAC3"/>
                 </a:solidFill>
@@ -39682,7 +38055,7 @@
               </a:rPr>
               <a:t>servizi</a:t>
             </a:r>
-            <a:endParaRPr lang="fr-FR" dirty="0" smtClean="0">
+            <a:endParaRPr lang="fr-FR" dirty="0">
               <a:solidFill>
                 <a:srgbClr val="CECAC3"/>
               </a:solidFill>
@@ -39706,7 +38079,7 @@
               <a:buFont typeface="Arial" panose="020B0604020202020204" pitchFamily="34" charset="0"/>
               <a:buChar char="•"/>
             </a:pPr>
-            <a:endParaRPr lang="it-IT" dirty="0" smtClean="0">
+            <a:endParaRPr lang="it-IT" dirty="0">
               <a:solidFill>
                 <a:srgbClr val="CECAC3"/>
               </a:solidFill>
@@ -39719,7 +38092,7 @@
               <a:buChar char="•"/>
             </a:pPr>
             <a:r>
-              <a:rPr lang="it-IT" dirty="0" smtClean="0">
+              <a:rPr lang="it-IT" dirty="0">
                 <a:solidFill>
                   <a:srgbClr val="CECAC3"/>
                 </a:solidFill>
@@ -39735,19 +38108,7 @@
             </a:pPr>
             <a:r>
               <a:rPr lang="en-US" dirty="0"/>
-              <a:t>clinicians </a:t>
-            </a:r>
-            <a:r>
-              <a:rPr lang="en-US" dirty="0" smtClean="0"/>
-              <a:t>may </a:t>
-            </a:r>
-            <a:r>
-              <a:rPr lang="en-US" dirty="0"/>
-              <a:t>use </a:t>
-            </a:r>
-            <a:r>
-              <a:rPr lang="en-US" dirty="0" smtClean="0"/>
-              <a:t>vague terminology, either inadvertently or being reluctant to document complications</a:t>
+              <a:t>clinicians may use vague terminology, either inadvertently or being reluctant to document complications</a:t>
             </a:r>
           </a:p>
           <a:p>
@@ -39756,16 +38117,8 @@
               <a:buChar char="•"/>
             </a:pPr>
             <a:r>
-              <a:rPr lang="en-US" dirty="0" smtClean="0"/>
-              <a:t>NO </a:t>
-            </a:r>
-            <a:r>
               <a:rPr lang="en-US" dirty="0"/>
-              <a:t>gold standard </a:t>
-            </a:r>
-            <a:r>
-              <a:rPr lang="en-US" dirty="0" smtClean="0"/>
-              <a:t>from the hygiene department for year 2020 to compare to</a:t>
+              <a:t>NO gold standard from the hygiene department for year 2020 to compare to</a:t>
             </a:r>
             <a:endParaRPr lang="fr-FR" dirty="0">
               <a:solidFill>

--- a/memoire/reports/DÉTECTION SEMI-AUTOMATISÉE DES INFECTIONS POST-OPÉRATOIRES.pptx
+++ b/memoire/reports/DÉTECTION SEMI-AUTOMATISÉE DES INFECTIONS POST-OPÉRATOIRES.pptx
@@ -5,7 +5,7 @@
     <p:sldMasterId id="2147483913" r:id="rId1"/>
   </p:sldMasterIdLst>
   <p:notesMasterIdLst>
-    <p:notesMasterId r:id="rId13"/>
+    <p:notesMasterId r:id="rId12"/>
   </p:notesMasterIdLst>
   <p:sldIdLst>
     <p:sldId id="256" r:id="rId2"/>
@@ -18,7 +18,6 @@
     <p:sldId id="262" r:id="rId9"/>
     <p:sldId id="263" r:id="rId10"/>
     <p:sldId id="264" r:id="rId11"/>
-    <p:sldId id="270" r:id="rId12"/>
   </p:sldIdLst>
   <p:sldSz cx="12192000" cy="6858000"/>
   <p:notesSz cx="6858000" cy="9144000"/>
@@ -22820,7 +22819,7 @@
           <a:p>
             <a:fld id="{5856F955-25EA-4F90-B99D-7BDF15AA1216}" type="datetimeFigureOut">
               <a:rPr lang="it-IT" smtClean="0"/>
-              <a:t>25/09/2023</a:t>
+              <a:t>26/09/2023</a:t>
             </a:fld>
             <a:endParaRPr lang="it-IT"/>
           </a:p>
@@ -24632,265 +24631,6 @@
             <a:endParaRPr lang="it-IT" dirty="0"/>
           </a:p>
           <a:p>
-            <a:pPr algn="l">
-              <a:buFont typeface="Arial" panose="020B0604020202020204" pitchFamily="34" charset="0"/>
-              <a:buChar char="•"/>
-            </a:pPr>
-            <a:r>
-              <a:rPr lang="it-IT" b="0" i="0" dirty="0">
-                <a:solidFill>
-                  <a:srgbClr val="CECAC3"/>
-                </a:solidFill>
-                <a:effectLst/>
-                <a:latin typeface="Söhne"/>
-              </a:rPr>
-              <a:t>Nel 2020, l'algoritmo ha identificato 652 pazienti sottoposti a chirurgia spinale.</a:t>
-            </a:r>
-          </a:p>
-          <a:p>
-            <a:pPr algn="l">
-              <a:buFont typeface="Arial" panose="020B0604020202020204" pitchFamily="34" charset="0"/>
-              <a:buChar char="•"/>
-            </a:pPr>
-            <a:r>
-              <a:rPr lang="it-IT" b="0" i="0" dirty="0">
-                <a:solidFill>
-                  <a:srgbClr val="CECAC3"/>
-                </a:solidFill>
-                <a:effectLst/>
-                <a:latin typeface="Söhne"/>
-              </a:rPr>
-              <a:t>Di questi, 79 sono stati riammessi in ospedale per infezioni postoperatorie, con una prevalenza delle SSI stimata al ~12%.</a:t>
-            </a:r>
-          </a:p>
-          <a:p>
-            <a:pPr algn="l">
-              <a:buFont typeface="Arial" panose="020B0604020202020204" pitchFamily="34" charset="0"/>
-              <a:buChar char="•"/>
-            </a:pPr>
-            <a:r>
-              <a:rPr lang="it-IT" b="0" i="0" dirty="0">
-                <a:solidFill>
-                  <a:srgbClr val="CECAC3"/>
-                </a:solidFill>
-                <a:effectLst/>
-                <a:latin typeface="Söhne"/>
-              </a:rPr>
-              <a:t>Figura: Cronologia degli interventi chirurgici e degli eventi infettivi.</a:t>
-            </a:r>
-          </a:p>
-          <a:p>
-            <a:pPr algn="l"/>
-            <a:endParaRPr lang="it-IT" b="1" i="0" dirty="0">
-              <a:effectLst/>
-              <a:latin typeface="Söhne"/>
-            </a:endParaRPr>
-          </a:p>
-          <a:p>
-            <a:pPr algn="l">
-              <a:buFont typeface="Arial" panose="020B0604020202020204" pitchFamily="34" charset="0"/>
-              <a:buChar char="•"/>
-            </a:pPr>
-            <a:r>
-              <a:rPr lang="it-IT" b="0" i="0" dirty="0">
-                <a:solidFill>
-                  <a:srgbClr val="CECAC3"/>
-                </a:solidFill>
-                <a:effectLst/>
-                <a:latin typeface="Söhne"/>
-              </a:rPr>
-              <a:t>77 delle 79 infezioni identificate soddisfano i criteri di tempo e di impianto materiale come stipulato nella definizione di SSI.</a:t>
-            </a:r>
-          </a:p>
-          <a:p>
-            <a:pPr algn="l">
-              <a:buFont typeface="Arial" panose="020B0604020202020204" pitchFamily="34" charset="0"/>
-              <a:buChar char="•"/>
-            </a:pPr>
-            <a:r>
-              <a:rPr lang="it-IT" b="0" i="0" dirty="0">
-                <a:solidFill>
-                  <a:srgbClr val="CECAC3"/>
-                </a:solidFill>
-                <a:effectLst/>
-                <a:latin typeface="Söhne"/>
-              </a:rPr>
-              <a:t>Le infezioni si sono manifestate in media dopo un ritardo di 19,1 giorni.</a:t>
-            </a:r>
-          </a:p>
-          <a:p>
-            <a:pPr algn="l">
-              <a:buFont typeface="Arial" panose="020B0604020202020204" pitchFamily="34" charset="0"/>
-              <a:buChar char="•"/>
-            </a:pPr>
-            <a:r>
-              <a:rPr lang="it-IT" b="0" i="0" dirty="0">
-                <a:solidFill>
-                  <a:srgbClr val="CECAC3"/>
-                </a:solidFill>
-                <a:effectLst/>
-                <a:latin typeface="Söhne"/>
-              </a:rPr>
-              <a:t>Tabella: Misure di dispersione sull'insorgenza dell'infezione.</a:t>
-            </a:r>
-          </a:p>
-          <a:p>
-            <a:pPr algn="l"/>
-            <a:endParaRPr lang="it-IT" b="1" i="0" dirty="0">
-              <a:effectLst/>
-              <a:latin typeface="Söhne"/>
-            </a:endParaRPr>
-          </a:p>
-          <a:p>
-            <a:pPr algn="l">
-              <a:buFont typeface="Arial" panose="020B0604020202020204" pitchFamily="34" charset="0"/>
-              <a:buChar char="•"/>
-            </a:pPr>
-            <a:r>
-              <a:rPr lang="it-IT" b="0" i="0" dirty="0">
-                <a:solidFill>
-                  <a:srgbClr val="CECAC3"/>
-                </a:solidFill>
-                <a:effectLst/>
-                <a:latin typeface="Söhne"/>
-              </a:rPr>
-              <a:t>Un campione rappresentativo di 300 casi è stato selezionato per la revisione manuale.</a:t>
-            </a:r>
-          </a:p>
-          <a:p>
-            <a:pPr algn="l">
-              <a:buFont typeface="Arial" panose="020B0604020202020204" pitchFamily="34" charset="0"/>
-              <a:buChar char="•"/>
-            </a:pPr>
-            <a:r>
-              <a:rPr lang="it-IT" b="0" i="0" dirty="0">
-                <a:solidFill>
-                  <a:srgbClr val="CECAC3"/>
-                </a:solidFill>
-                <a:effectLst/>
-                <a:latin typeface="Söhne"/>
-              </a:rPr>
-              <a:t>Tabella: Risultati della classificazione.</a:t>
-            </a:r>
-          </a:p>
-          <a:p>
-            <a:pPr algn="l">
-              <a:buFont typeface="Arial" panose="020B0604020202020204" pitchFamily="34" charset="0"/>
-              <a:buChar char="•"/>
-            </a:pPr>
-            <a:r>
-              <a:rPr lang="it-IT" b="0" i="0" dirty="0">
-                <a:solidFill>
-                  <a:srgbClr val="CECAC3"/>
-                </a:solidFill>
-                <a:effectLst/>
-                <a:latin typeface="Söhne"/>
-              </a:rPr>
-              <a:t>Tabella: Metriche di valutazione (Sensibilità, Specificità, F1-score, ecc.)</a:t>
-            </a:r>
-          </a:p>
-          <a:p>
-            <a:pPr algn="l">
-              <a:buFont typeface="Arial" panose="020B0604020202020204" pitchFamily="34" charset="0"/>
-              <a:buChar char="•"/>
-            </a:pPr>
-            <a:endParaRPr lang="it-IT" b="0" i="0" dirty="0">
-              <a:solidFill>
-                <a:srgbClr val="CECAC3"/>
-              </a:solidFill>
-              <a:effectLst/>
-              <a:latin typeface="Söhne"/>
-            </a:endParaRPr>
-          </a:p>
-          <a:p>
-            <a:pPr algn="l">
-              <a:buFont typeface="Arial" panose="020B0604020202020204" pitchFamily="34" charset="0"/>
-              <a:buChar char="•"/>
-            </a:pPr>
-            <a:r>
-              <a:rPr lang="it-IT" b="0" i="0" dirty="0">
-                <a:solidFill>
-                  <a:srgbClr val="CECAC3"/>
-                </a:solidFill>
-                <a:effectLst/>
-                <a:latin typeface="Söhne"/>
-              </a:rPr>
-              <a:t>Tempo medio per caso tramite </a:t>
-            </a:r>
-            <a:r>
-              <a:rPr lang="it-IT" b="0" i="0" dirty="0" err="1">
-                <a:solidFill>
-                  <a:srgbClr val="CECAC3"/>
-                </a:solidFill>
-                <a:effectLst/>
-                <a:latin typeface="Söhne"/>
-              </a:rPr>
-              <a:t>EDSaN</a:t>
-            </a:r>
-            <a:r>
-              <a:rPr lang="it-IT" b="0" i="0" dirty="0">
-                <a:solidFill>
-                  <a:srgbClr val="CECAC3"/>
-                </a:solidFill>
-                <a:effectLst/>
-                <a:latin typeface="Söhne"/>
-              </a:rPr>
-              <a:t> </a:t>
-            </a:r>
-            <a:r>
-              <a:rPr lang="it-IT" b="0" i="0" dirty="0" err="1">
-                <a:solidFill>
-                  <a:srgbClr val="CECAC3"/>
-                </a:solidFill>
-                <a:effectLst/>
-                <a:latin typeface="Söhne"/>
-              </a:rPr>
-              <a:t>Consult</a:t>
-            </a:r>
-            <a:r>
-              <a:rPr lang="it-IT" b="0" i="0" dirty="0">
-                <a:solidFill>
-                  <a:srgbClr val="CECAC3"/>
-                </a:solidFill>
-                <a:effectLst/>
-                <a:latin typeface="Söhne"/>
-              </a:rPr>
-              <a:t>: 5,75 minuti.</a:t>
-            </a:r>
-          </a:p>
-          <a:p>
-            <a:pPr algn="l">
-              <a:buFont typeface="Arial" panose="020B0604020202020204" pitchFamily="34" charset="0"/>
-              <a:buChar char="•"/>
-            </a:pPr>
-            <a:r>
-              <a:rPr lang="it-IT" b="0" i="0" dirty="0">
-                <a:solidFill>
-                  <a:srgbClr val="CECAC3"/>
-                </a:solidFill>
-                <a:effectLst/>
-                <a:latin typeface="Söhne"/>
-              </a:rPr>
-              <a:t>Risparmio di tempo potenziale: circa 6.811 minuti all'anno.</a:t>
-            </a:r>
-          </a:p>
-          <a:p>
-            <a:pPr algn="l">
-              <a:buFont typeface="Arial" panose="020B0604020202020204" pitchFamily="34" charset="0"/>
-              <a:buChar char="•"/>
-            </a:pPr>
-            <a:r>
-              <a:rPr lang="it-IT" b="0" i="0" dirty="0">
-                <a:solidFill>
-                  <a:srgbClr val="CECAC3"/>
-                </a:solidFill>
-                <a:effectLst/>
-                <a:latin typeface="Söhne"/>
-              </a:rPr>
-              <a:t>Risparmio finanziario stimato: circa €2.090 all'anno per infermiere.</a:t>
-            </a:r>
-          </a:p>
-          <a:p>
             <a:endParaRPr lang="it-IT" dirty="0"/>
           </a:p>
         </p:txBody>
@@ -24981,7 +24721,7 @@
                 <a:effectLst/>
                 <a:latin typeface="Söhne"/>
               </a:rPr>
-              <a:t>Diapositive : Limitations et Défis</a:t>
+              <a:t>Diapositive : Interprétation des Résultats</a:t>
             </a:r>
           </a:p>
           <a:p>
@@ -24997,7 +24737,7 @@
                 <a:effectLst/>
                 <a:latin typeface="Söhne"/>
               </a:rPr>
-              <a:t>Sensibilité plus faible due à des notes cliniques vagues et à une réticence à documenter les complications.</a:t>
+              <a:t>L'algorithme présente un bon équilibre entre sensibilité et spécificité, suggérant une application robuste et fiable pour le suivi des SSI.</a:t>
             </a:r>
           </a:p>
           <a:p>
@@ -25013,7 +24753,7 @@
                 <a:effectLst/>
                 <a:latin typeface="Söhne"/>
               </a:rPr>
-              <a:t>Absence d’un gold standard.</a:t>
+              <a:t>Les gains d'efficacité en temps et en coûts sont substantiels, ce qui permet une meilleure allocation des ressources humaines.</a:t>
             </a:r>
           </a:p>
           <a:p>
@@ -25029,7 +24769,7 @@
                 <a:effectLst/>
                 <a:latin typeface="Söhne"/>
               </a:rPr>
-              <a:t>"</a:t>
+              <a:t> L’</a:t>
             </a:r>
             <a:r>
               <a:rPr lang="fr-FR" b="0" i="0" u="sng" dirty="0" err="1">
@@ -25039,7 +24779,7 @@
                 <a:effectLst/>
                 <a:latin typeface="Söhne"/>
               </a:rPr>
-              <a:t>Unknown</a:t>
+              <a:t>algoritmo</a:t>
             </a:r>
             <a:r>
               <a:rPr lang="fr-FR" b="0" i="0" u="sng" dirty="0">
@@ -25059,7 +24799,7 @@
                 <a:effectLst/>
                 <a:latin typeface="Söhne"/>
               </a:rPr>
-              <a:t>Unknowns</a:t>
+              <a:t>estende</a:t>
             </a:r>
             <a:r>
               <a:rPr lang="fr-FR" b="0" i="0" u="sng" dirty="0">
@@ -25069,14 +24809,318 @@
                 <a:effectLst/>
                 <a:latin typeface="Söhne"/>
               </a:rPr>
-              <a:t>" : si les patients ne reviennent pas à l'hôpital, les cas ne seront jamais capturés</a:t>
-            </a:r>
-          </a:p>
-          <a:p>
-            <a:pPr algn="l">
-              <a:buFont typeface="Arial" panose="020B0604020202020204" pitchFamily="34" charset="0"/>
-              <a:buChar char="•"/>
-            </a:pPr>
+              <a:t> la </a:t>
+            </a:r>
+            <a:r>
+              <a:rPr lang="fr-FR" b="0" i="0" u="sng" dirty="0" err="1">
+                <a:solidFill>
+                  <a:srgbClr val="CECAC3"/>
+                </a:solidFill>
+                <a:effectLst/>
+                <a:latin typeface="Söhne"/>
+              </a:rPr>
+              <a:t>sorveglianza</a:t>
+            </a:r>
+            <a:r>
+              <a:rPr lang="fr-FR" b="0" i="0" u="sng" dirty="0">
+                <a:solidFill>
+                  <a:srgbClr val="CECAC3"/>
+                </a:solidFill>
+                <a:effectLst/>
+                <a:latin typeface="Söhne"/>
+              </a:rPr>
+              <a:t> a tutti i </a:t>
+            </a:r>
+            <a:r>
+              <a:rPr lang="fr-FR" b="0" i="0" u="sng" dirty="0" err="1">
+                <a:solidFill>
+                  <a:srgbClr val="CECAC3"/>
+                </a:solidFill>
+                <a:effectLst/>
+                <a:latin typeface="Söhne"/>
+              </a:rPr>
+              <a:t>servizi</a:t>
+            </a:r>
+            <a:r>
+              <a:rPr lang="fr-FR" b="0" i="0" u="sng" dirty="0">
+                <a:solidFill>
+                  <a:srgbClr val="CECAC3"/>
+                </a:solidFill>
+                <a:effectLst/>
+                <a:latin typeface="Söhne"/>
+              </a:rPr>
+              <a:t> </a:t>
+            </a:r>
+            <a:r>
+              <a:rPr lang="fr-FR" b="0" i="0" u="sng" dirty="0" err="1">
+                <a:solidFill>
+                  <a:srgbClr val="CECAC3"/>
+                </a:solidFill>
+                <a:effectLst/>
+                <a:latin typeface="Söhne"/>
+              </a:rPr>
+              <a:t>mentre</a:t>
+            </a:r>
+            <a:r>
+              <a:rPr lang="fr-FR" b="0" i="0" u="sng" dirty="0">
+                <a:solidFill>
+                  <a:srgbClr val="CECAC3"/>
+                </a:solidFill>
+                <a:effectLst/>
+                <a:latin typeface="Söhne"/>
+              </a:rPr>
+              <a:t> </a:t>
+            </a:r>
+            <a:r>
+              <a:rPr lang="fr-FR" b="0" i="0" u="sng" dirty="0" err="1">
+                <a:solidFill>
+                  <a:srgbClr val="CECAC3"/>
+                </a:solidFill>
+                <a:effectLst/>
+                <a:latin typeface="Söhne"/>
+              </a:rPr>
+              <a:t>adesso</a:t>
+            </a:r>
+            <a:r>
+              <a:rPr lang="fr-FR" b="0" i="0" u="sng" dirty="0">
+                <a:solidFill>
+                  <a:srgbClr val="CECAC3"/>
+                </a:solidFill>
+                <a:effectLst/>
+                <a:latin typeface="Söhne"/>
+              </a:rPr>
+              <a:t> solo </a:t>
+            </a:r>
+            <a:r>
+              <a:rPr lang="fr-FR" b="0" i="0" u="sng" dirty="0" err="1">
+                <a:solidFill>
+                  <a:srgbClr val="CECAC3"/>
+                </a:solidFill>
+                <a:effectLst/>
+                <a:latin typeface="Söhne"/>
+              </a:rPr>
+              <a:t>ortopedia</a:t>
+            </a:r>
+            <a:r>
+              <a:rPr lang="fr-FR" b="0" i="0" u="sng" dirty="0">
+                <a:solidFill>
+                  <a:srgbClr val="CECAC3"/>
+                </a:solidFill>
+                <a:effectLst/>
+                <a:latin typeface="Söhne"/>
+              </a:rPr>
+              <a:t> e </a:t>
+            </a:r>
+            <a:r>
+              <a:rPr lang="fr-FR" b="0" i="0" u="sng" dirty="0" err="1">
+                <a:solidFill>
+                  <a:srgbClr val="CECAC3"/>
+                </a:solidFill>
+                <a:effectLst/>
+                <a:latin typeface="Söhne"/>
+              </a:rPr>
+              <a:t>neurologia</a:t>
+            </a:r>
+            <a:r>
+              <a:rPr lang="fr-FR" b="0" i="0" u="sng" dirty="0">
+                <a:solidFill>
+                  <a:srgbClr val="CECAC3"/>
+                </a:solidFill>
+                <a:effectLst/>
+                <a:latin typeface="Söhne"/>
+              </a:rPr>
+              <a:t> sono </a:t>
+            </a:r>
+            <a:r>
+              <a:rPr lang="fr-FR" b="0" i="0" u="sng" dirty="0" err="1">
+                <a:solidFill>
+                  <a:srgbClr val="CECAC3"/>
+                </a:solidFill>
+                <a:effectLst/>
+                <a:latin typeface="Söhne"/>
+              </a:rPr>
+              <a:t>sorvegliati</a:t>
+            </a:r>
+            <a:r>
+              <a:rPr lang="fr-FR" b="0" i="0" u="sng" dirty="0">
+                <a:solidFill>
+                  <a:srgbClr val="CECAC3"/>
+                </a:solidFill>
+                <a:effectLst/>
+                <a:latin typeface="Söhne"/>
+              </a:rPr>
+              <a:t> </a:t>
+            </a:r>
+            <a:r>
+              <a:rPr lang="fr-FR" b="0" i="0" u="sng" dirty="0" err="1">
+                <a:solidFill>
+                  <a:srgbClr val="CECAC3"/>
+                </a:solidFill>
+                <a:effectLst/>
+                <a:latin typeface="Söhne"/>
+              </a:rPr>
+              <a:t>allorché</a:t>
+            </a:r>
+            <a:r>
+              <a:rPr lang="fr-FR" b="0" i="0" u="sng" dirty="0">
+                <a:solidFill>
+                  <a:srgbClr val="CECAC3"/>
+                </a:solidFill>
+                <a:effectLst/>
+                <a:latin typeface="Söhne"/>
+              </a:rPr>
+              <a:t> </a:t>
+            </a:r>
+            <a:r>
+              <a:rPr lang="fr-FR" b="0" i="0" u="sng" dirty="0" err="1">
+                <a:solidFill>
+                  <a:srgbClr val="CECAC3"/>
+                </a:solidFill>
+                <a:effectLst/>
+                <a:latin typeface="Söhne"/>
+              </a:rPr>
+              <a:t>questi</a:t>
+            </a:r>
+            <a:r>
+              <a:rPr lang="fr-FR" b="0" i="0" u="sng" dirty="0">
+                <a:solidFill>
+                  <a:srgbClr val="CECAC3"/>
+                </a:solidFill>
+                <a:effectLst/>
+                <a:latin typeface="Söhne"/>
+              </a:rPr>
+              <a:t> </a:t>
+            </a:r>
+            <a:r>
+              <a:rPr lang="fr-FR" b="0" i="0" u="sng" dirty="0" err="1">
+                <a:solidFill>
+                  <a:srgbClr val="CECAC3"/>
+                </a:solidFill>
+                <a:effectLst/>
+                <a:latin typeface="Söhne"/>
+              </a:rPr>
+              <a:t>pazienti</a:t>
+            </a:r>
+            <a:r>
+              <a:rPr lang="fr-FR" b="0" i="0" u="sng" dirty="0">
+                <a:solidFill>
+                  <a:srgbClr val="CECAC3"/>
+                </a:solidFill>
+                <a:effectLst/>
+                <a:latin typeface="Söhne"/>
+              </a:rPr>
+              <a:t> sono </a:t>
+            </a:r>
+            <a:r>
+              <a:rPr lang="fr-FR" b="0" i="0" u="sng" dirty="0" err="1">
+                <a:solidFill>
+                  <a:srgbClr val="CECAC3"/>
+                </a:solidFill>
+                <a:effectLst/>
+                <a:latin typeface="Söhne"/>
+              </a:rPr>
+              <a:t>presi</a:t>
+            </a:r>
+            <a:r>
+              <a:rPr lang="fr-FR" b="0" i="0" u="sng" dirty="0">
+                <a:solidFill>
+                  <a:srgbClr val="CECAC3"/>
+                </a:solidFill>
+                <a:effectLst/>
+                <a:latin typeface="Söhne"/>
+              </a:rPr>
+              <a:t> in </a:t>
+            </a:r>
+            <a:r>
+              <a:rPr lang="fr-FR" b="0" i="0" u="sng" dirty="0" err="1">
+                <a:solidFill>
+                  <a:srgbClr val="CECAC3"/>
+                </a:solidFill>
+                <a:effectLst/>
+                <a:latin typeface="Söhne"/>
+              </a:rPr>
+              <a:t>carico</a:t>
+            </a:r>
+            <a:r>
+              <a:rPr lang="fr-FR" b="0" i="0" u="sng" dirty="0">
+                <a:solidFill>
+                  <a:srgbClr val="CECAC3"/>
+                </a:solidFill>
+                <a:effectLst/>
+                <a:latin typeface="Söhne"/>
+              </a:rPr>
+              <a:t> anche </a:t>
+            </a:r>
+            <a:r>
+              <a:rPr lang="fr-FR" b="0" i="0" u="sng" dirty="0" err="1">
+                <a:solidFill>
+                  <a:srgbClr val="CECAC3"/>
+                </a:solidFill>
+                <a:effectLst/>
+                <a:latin typeface="Söhne"/>
+              </a:rPr>
+              <a:t>altrove</a:t>
+            </a:r>
+            <a:r>
+              <a:rPr lang="fr-FR" b="0" i="0" u="sng" dirty="0">
+                <a:solidFill>
+                  <a:srgbClr val="CECAC3"/>
+                </a:solidFill>
+                <a:effectLst/>
+                <a:latin typeface="Söhne"/>
+              </a:rPr>
+              <a:t> e la </a:t>
+            </a:r>
+            <a:r>
+              <a:rPr lang="fr-FR" b="0" i="0" u="sng" dirty="0" err="1">
+                <a:solidFill>
+                  <a:srgbClr val="CECAC3"/>
+                </a:solidFill>
+                <a:effectLst/>
+                <a:latin typeface="Söhne"/>
+              </a:rPr>
+              <a:t>sorveglianza</a:t>
+            </a:r>
+            <a:r>
+              <a:rPr lang="fr-FR" b="0" i="0" u="sng" dirty="0">
+                <a:solidFill>
+                  <a:srgbClr val="CECAC3"/>
+                </a:solidFill>
+                <a:effectLst/>
+                <a:latin typeface="Söhne"/>
+              </a:rPr>
+              <a:t> </a:t>
+            </a:r>
+            <a:r>
+              <a:rPr lang="fr-FR" b="0" i="0" u="sng" dirty="0" err="1">
+                <a:solidFill>
+                  <a:srgbClr val="CECAC3"/>
+                </a:solidFill>
+                <a:effectLst/>
+                <a:latin typeface="Söhne"/>
+              </a:rPr>
+              <a:t>attuale</a:t>
+            </a:r>
+            <a:r>
+              <a:rPr lang="fr-FR" b="0" i="0" u="sng" dirty="0">
+                <a:solidFill>
+                  <a:srgbClr val="CECAC3"/>
+                </a:solidFill>
+                <a:effectLst/>
+                <a:latin typeface="Söhne"/>
+              </a:rPr>
+              <a:t> ignora la </a:t>
+            </a:r>
+            <a:r>
+              <a:rPr lang="fr-FR" b="0" i="0" u="sng" dirty="0" err="1">
+                <a:solidFill>
+                  <a:srgbClr val="CECAC3"/>
+                </a:solidFill>
+                <a:effectLst/>
+                <a:latin typeface="Söhne"/>
+              </a:rPr>
+              <a:t>pediatria</a:t>
+            </a:r>
             <a:endParaRPr lang="fr-FR" b="0" i="0" u="sng" dirty="0">
               <a:solidFill>
                 <a:srgbClr val="CECAC3"/>
@@ -25087,12 +25131,26 @@
           </a:p>
           <a:p>
             <a:pPr algn="l"/>
+            <a:endParaRPr lang="fr-FR" b="1" i="0" u="sng" dirty="0">
+              <a:effectLst/>
+              <a:latin typeface="Söhne"/>
+            </a:endParaRPr>
+          </a:p>
+          <a:p>
+            <a:pPr algn="l"/>
+            <a:endParaRPr lang="fr-FR" b="1" i="0" u="sng" dirty="0">
+              <a:effectLst/>
+              <a:latin typeface="Söhne"/>
+            </a:endParaRPr>
+          </a:p>
+          <a:p>
+            <a:pPr algn="l"/>
             <a:r>
               <a:rPr lang="fr-FR" b="1" i="0" u="sng" dirty="0">
                 <a:effectLst/>
                 <a:latin typeface="Söhne"/>
               </a:rPr>
-              <a:t>Diapositive : Interprétation des Résultats</a:t>
+              <a:t>Diapositive : Limitations et Défis</a:t>
             </a:r>
           </a:p>
           <a:p>
@@ -25108,7 +25166,7 @@
                 <a:effectLst/>
                 <a:latin typeface="Söhne"/>
               </a:rPr>
-              <a:t>L'algorithme présente un bon équilibre entre sensibilité et spécificité, suggérant une application robuste et fiable pour le suivi des SSI.</a:t>
+              <a:t>Sensibilité plus faible due à des notes cliniques vagues et à une réticence à documenter les complications.</a:t>
             </a:r>
           </a:p>
           <a:p>
@@ -25124,7 +25182,7 @@
                 <a:effectLst/>
                 <a:latin typeface="Söhne"/>
               </a:rPr>
-              <a:t>Les gains d'efficacité en temps et en coûts sont substantiels, ce qui permet une meilleure allocation des ressources humaines.</a:t>
+              <a:t>Absence d’un gold standard.</a:t>
             </a:r>
           </a:p>
           <a:p>
@@ -25140,7 +25198,7 @@
                 <a:effectLst/>
                 <a:latin typeface="Söhne"/>
               </a:rPr>
-              <a:t> L’</a:t>
+              <a:t>"</a:t>
             </a:r>
             <a:r>
               <a:rPr lang="fr-FR" b="0" i="0" u="sng" dirty="0" err="1">
@@ -25150,7 +25208,7 @@
                 <a:effectLst/>
                 <a:latin typeface="Söhne"/>
               </a:rPr>
-              <a:t>algoritmo</a:t>
+              <a:t>Unknown</a:t>
             </a:r>
             <a:r>
               <a:rPr lang="fr-FR" b="0" i="0" u="sng" dirty="0">
@@ -25170,7 +25228,7 @@
                 <a:effectLst/>
                 <a:latin typeface="Söhne"/>
               </a:rPr>
-              <a:t>estende</a:t>
+              <a:t>Unknowns</a:t>
             </a:r>
             <a:r>
               <a:rPr lang="fr-FR" b="0" i="0" u="sng" dirty="0">
@@ -25180,318 +25238,14 @@
                 <a:effectLst/>
                 <a:latin typeface="Söhne"/>
               </a:rPr>
-              <a:t> la </a:t>
-            </a:r>
-            <a:r>
-              <a:rPr lang="fr-FR" b="0" i="0" u="sng" dirty="0" err="1">
-                <a:solidFill>
-                  <a:srgbClr val="CECAC3"/>
-                </a:solidFill>
-                <a:effectLst/>
-                <a:latin typeface="Söhne"/>
-              </a:rPr>
-              <a:t>sorveglianza</a:t>
-            </a:r>
-            <a:r>
-              <a:rPr lang="fr-FR" b="0" i="0" u="sng" dirty="0">
-                <a:solidFill>
-                  <a:srgbClr val="CECAC3"/>
-                </a:solidFill>
-                <a:effectLst/>
-                <a:latin typeface="Söhne"/>
-              </a:rPr>
-              <a:t> a tutti i </a:t>
-            </a:r>
-            <a:r>
-              <a:rPr lang="fr-FR" b="0" i="0" u="sng" dirty="0" err="1">
-                <a:solidFill>
-                  <a:srgbClr val="CECAC3"/>
-                </a:solidFill>
-                <a:effectLst/>
-                <a:latin typeface="Söhne"/>
-              </a:rPr>
-              <a:t>servizi</a:t>
-            </a:r>
-            <a:r>
-              <a:rPr lang="fr-FR" b="0" i="0" u="sng" dirty="0">
-                <a:solidFill>
-                  <a:srgbClr val="CECAC3"/>
-                </a:solidFill>
-                <a:effectLst/>
-                <a:latin typeface="Söhne"/>
-              </a:rPr>
-              <a:t> </a:t>
-            </a:r>
-            <a:r>
-              <a:rPr lang="fr-FR" b="0" i="0" u="sng" dirty="0" err="1">
-                <a:solidFill>
-                  <a:srgbClr val="CECAC3"/>
-                </a:solidFill>
-                <a:effectLst/>
-                <a:latin typeface="Söhne"/>
-              </a:rPr>
-              <a:t>mentre</a:t>
-            </a:r>
-            <a:r>
-              <a:rPr lang="fr-FR" b="0" i="0" u="sng" dirty="0">
-                <a:solidFill>
-                  <a:srgbClr val="CECAC3"/>
-                </a:solidFill>
-                <a:effectLst/>
-                <a:latin typeface="Söhne"/>
-              </a:rPr>
-              <a:t> </a:t>
-            </a:r>
-            <a:r>
-              <a:rPr lang="fr-FR" b="0" i="0" u="sng" dirty="0" err="1">
-                <a:solidFill>
-                  <a:srgbClr val="CECAC3"/>
-                </a:solidFill>
-                <a:effectLst/>
-                <a:latin typeface="Söhne"/>
-              </a:rPr>
-              <a:t>adesso</a:t>
-            </a:r>
-            <a:r>
-              <a:rPr lang="fr-FR" b="0" i="0" u="sng" dirty="0">
-                <a:solidFill>
-                  <a:srgbClr val="CECAC3"/>
-                </a:solidFill>
-                <a:effectLst/>
-                <a:latin typeface="Söhne"/>
-              </a:rPr>
-              <a:t> solo </a:t>
-            </a:r>
-            <a:r>
-              <a:rPr lang="fr-FR" b="0" i="0" u="sng" dirty="0" err="1">
-                <a:solidFill>
-                  <a:srgbClr val="CECAC3"/>
-                </a:solidFill>
-                <a:effectLst/>
-                <a:latin typeface="Söhne"/>
-              </a:rPr>
-              <a:t>ortopedia</a:t>
-            </a:r>
-            <a:r>
-              <a:rPr lang="fr-FR" b="0" i="0" u="sng" dirty="0">
-                <a:solidFill>
-                  <a:srgbClr val="CECAC3"/>
-                </a:solidFill>
-                <a:effectLst/>
-                <a:latin typeface="Söhne"/>
-              </a:rPr>
-              <a:t> e </a:t>
-            </a:r>
-            <a:r>
-              <a:rPr lang="fr-FR" b="0" i="0" u="sng" dirty="0" err="1">
-                <a:solidFill>
-                  <a:srgbClr val="CECAC3"/>
-                </a:solidFill>
-                <a:effectLst/>
-                <a:latin typeface="Söhne"/>
-              </a:rPr>
-              <a:t>neurologia</a:t>
-            </a:r>
-            <a:r>
-              <a:rPr lang="fr-FR" b="0" i="0" u="sng" dirty="0">
-                <a:solidFill>
-                  <a:srgbClr val="CECAC3"/>
-                </a:solidFill>
-                <a:effectLst/>
-                <a:latin typeface="Söhne"/>
-              </a:rPr>
-              <a:t> sono </a:t>
-            </a:r>
-            <a:r>
-              <a:rPr lang="fr-FR" b="0" i="0" u="sng" dirty="0" err="1">
-                <a:solidFill>
-                  <a:srgbClr val="CECAC3"/>
-                </a:solidFill>
-                <a:effectLst/>
-                <a:latin typeface="Söhne"/>
-              </a:rPr>
-              <a:t>sorvegliati</a:t>
-            </a:r>
-            <a:r>
-              <a:rPr lang="fr-FR" b="0" i="0" u="sng" dirty="0">
-                <a:solidFill>
-                  <a:srgbClr val="CECAC3"/>
-                </a:solidFill>
-                <a:effectLst/>
-                <a:latin typeface="Söhne"/>
-              </a:rPr>
-              <a:t> </a:t>
-            </a:r>
-            <a:r>
-              <a:rPr lang="fr-FR" b="0" i="0" u="sng" dirty="0" err="1">
-                <a:solidFill>
-                  <a:srgbClr val="CECAC3"/>
-                </a:solidFill>
-                <a:effectLst/>
-                <a:latin typeface="Söhne"/>
-              </a:rPr>
-              <a:t>allorché</a:t>
-            </a:r>
-            <a:r>
-              <a:rPr lang="fr-FR" b="0" i="0" u="sng" dirty="0">
-                <a:solidFill>
-                  <a:srgbClr val="CECAC3"/>
-                </a:solidFill>
-                <a:effectLst/>
-                <a:latin typeface="Söhne"/>
-              </a:rPr>
-              <a:t> </a:t>
-            </a:r>
-            <a:r>
-              <a:rPr lang="fr-FR" b="0" i="0" u="sng" dirty="0" err="1">
-                <a:solidFill>
-                  <a:srgbClr val="CECAC3"/>
-                </a:solidFill>
-                <a:effectLst/>
-                <a:latin typeface="Söhne"/>
-              </a:rPr>
-              <a:t>questi</a:t>
-            </a:r>
-            <a:r>
-              <a:rPr lang="fr-FR" b="0" i="0" u="sng" dirty="0">
-                <a:solidFill>
-                  <a:srgbClr val="CECAC3"/>
-                </a:solidFill>
-                <a:effectLst/>
-                <a:latin typeface="Söhne"/>
-              </a:rPr>
-              <a:t> </a:t>
-            </a:r>
-            <a:r>
-              <a:rPr lang="fr-FR" b="0" i="0" u="sng" dirty="0" err="1">
-                <a:solidFill>
-                  <a:srgbClr val="CECAC3"/>
-                </a:solidFill>
-                <a:effectLst/>
-                <a:latin typeface="Söhne"/>
-              </a:rPr>
-              <a:t>pazienti</a:t>
-            </a:r>
-            <a:r>
-              <a:rPr lang="fr-FR" b="0" i="0" u="sng" dirty="0">
-                <a:solidFill>
-                  <a:srgbClr val="CECAC3"/>
-                </a:solidFill>
-                <a:effectLst/>
-                <a:latin typeface="Söhne"/>
-              </a:rPr>
-              <a:t> sono </a:t>
-            </a:r>
-            <a:r>
-              <a:rPr lang="fr-FR" b="0" i="0" u="sng" dirty="0" err="1">
-                <a:solidFill>
-                  <a:srgbClr val="CECAC3"/>
-                </a:solidFill>
-                <a:effectLst/>
-                <a:latin typeface="Söhne"/>
-              </a:rPr>
-              <a:t>presi</a:t>
-            </a:r>
-            <a:r>
-              <a:rPr lang="fr-FR" b="0" i="0" u="sng" dirty="0">
-                <a:solidFill>
-                  <a:srgbClr val="CECAC3"/>
-                </a:solidFill>
-                <a:effectLst/>
-                <a:latin typeface="Söhne"/>
-              </a:rPr>
-              <a:t> in </a:t>
-            </a:r>
-            <a:r>
-              <a:rPr lang="fr-FR" b="0" i="0" u="sng" dirty="0" err="1">
-                <a:solidFill>
-                  <a:srgbClr val="CECAC3"/>
-                </a:solidFill>
-                <a:effectLst/>
-                <a:latin typeface="Söhne"/>
-              </a:rPr>
-              <a:t>carico</a:t>
-            </a:r>
-            <a:r>
-              <a:rPr lang="fr-FR" b="0" i="0" u="sng" dirty="0">
-                <a:solidFill>
-                  <a:srgbClr val="CECAC3"/>
-                </a:solidFill>
-                <a:effectLst/>
-                <a:latin typeface="Söhne"/>
-              </a:rPr>
-              <a:t> anche </a:t>
-            </a:r>
-            <a:r>
-              <a:rPr lang="fr-FR" b="0" i="0" u="sng" dirty="0" err="1">
-                <a:solidFill>
-                  <a:srgbClr val="CECAC3"/>
-                </a:solidFill>
-                <a:effectLst/>
-                <a:latin typeface="Söhne"/>
-              </a:rPr>
-              <a:t>altrove</a:t>
-            </a:r>
-            <a:r>
-              <a:rPr lang="fr-FR" b="0" i="0" u="sng" dirty="0">
-                <a:solidFill>
-                  <a:srgbClr val="CECAC3"/>
-                </a:solidFill>
-                <a:effectLst/>
-                <a:latin typeface="Söhne"/>
-              </a:rPr>
-              <a:t> e la </a:t>
-            </a:r>
-            <a:r>
-              <a:rPr lang="fr-FR" b="0" i="0" u="sng" dirty="0" err="1">
-                <a:solidFill>
-                  <a:srgbClr val="CECAC3"/>
-                </a:solidFill>
-                <a:effectLst/>
-                <a:latin typeface="Söhne"/>
-              </a:rPr>
-              <a:t>sorveglianza</a:t>
-            </a:r>
-            <a:r>
-              <a:rPr lang="fr-FR" b="0" i="0" u="sng" dirty="0">
-                <a:solidFill>
-                  <a:srgbClr val="CECAC3"/>
-                </a:solidFill>
-                <a:effectLst/>
-                <a:latin typeface="Söhne"/>
-              </a:rPr>
-              <a:t> </a:t>
-            </a:r>
-            <a:r>
-              <a:rPr lang="fr-FR" b="0" i="0" u="sng" dirty="0" err="1">
-                <a:solidFill>
-                  <a:srgbClr val="CECAC3"/>
-                </a:solidFill>
-                <a:effectLst/>
-                <a:latin typeface="Söhne"/>
-              </a:rPr>
-              <a:t>attuale</a:t>
-            </a:r>
-            <a:r>
-              <a:rPr lang="fr-FR" b="0" i="0" u="sng" dirty="0">
-                <a:solidFill>
-                  <a:srgbClr val="CECAC3"/>
-                </a:solidFill>
-                <a:effectLst/>
-                <a:latin typeface="Söhne"/>
-              </a:rPr>
-              <a:t> ignora la </a:t>
-            </a:r>
-            <a:r>
-              <a:rPr lang="fr-FR" b="0" i="0" u="sng" dirty="0" err="1">
-                <a:solidFill>
-                  <a:srgbClr val="CECAC3"/>
-                </a:solidFill>
-                <a:effectLst/>
-                <a:latin typeface="Söhne"/>
-              </a:rPr>
-              <a:t>pediatria</a:t>
-            </a:r>
+              <a:t>" : si les patients ne reviennent pas à l'hôpital, les cas ne seront jamais capturés</a:t>
+            </a:r>
+          </a:p>
+          <a:p>
+            <a:pPr algn="l">
+              <a:buFont typeface="Arial" panose="020B0604020202020204" pitchFamily="34" charset="0"/>
+              <a:buChar char="•"/>
+            </a:pPr>
             <a:endParaRPr lang="fr-FR" b="0" i="0" u="sng" dirty="0">
               <a:solidFill>
                 <a:srgbClr val="CECAC3"/>
@@ -25512,48 +25266,6 @@
               <a:effectLst/>
               <a:latin typeface="Söhne"/>
             </a:endParaRPr>
-          </a:p>
-          <a:p>
-            <a:pPr algn="l"/>
-            <a:r>
-              <a:rPr lang="fr-FR" b="1" i="0" u="sng" dirty="0">
-                <a:effectLst/>
-                <a:latin typeface="Söhne"/>
-              </a:rPr>
-              <a:t>Diapositive : Implications et Directions Futures</a:t>
-            </a:r>
-          </a:p>
-          <a:p>
-            <a:pPr algn="l">
-              <a:buFont typeface="Arial" panose="020B0604020202020204" pitchFamily="34" charset="0"/>
-              <a:buChar char="•"/>
-            </a:pPr>
-            <a:r>
-              <a:rPr lang="fr-FR" b="0" i="0" u="sng" dirty="0">
-                <a:solidFill>
-                  <a:srgbClr val="CECAC3"/>
-                </a:solidFill>
-                <a:effectLst/>
-                <a:latin typeface="Söhne"/>
-              </a:rPr>
-              <a:t>Possibilité d'adapter l'algorithme pour d'autres types de chirurgies et complications.</a:t>
-            </a:r>
-          </a:p>
-          <a:p>
-            <a:pPr algn="l">
-              <a:buFont typeface="Arial" panose="020B0604020202020204" pitchFamily="34" charset="0"/>
-              <a:buChar char="•"/>
-            </a:pPr>
-            <a:r>
-              <a:rPr lang="fr-FR" b="0" i="0" u="sng" dirty="0">
-                <a:solidFill>
-                  <a:srgbClr val="CECAC3"/>
-                </a:solidFill>
-                <a:effectLst/>
-                <a:latin typeface="Söhne"/>
-              </a:rPr>
-              <a:t>Création d'une boucle de rétroaction plus transparente et immédiate, qui pourrait être instrumentale pour améliorer les procédures chirurgicales et les soins postopératoires.</a:t>
-            </a:r>
           </a:p>
         </p:txBody>
       </p:sp>
@@ -25708,6 +25420,54 @@
                 <a:latin typeface="Söhne"/>
               </a:rPr>
               <a:t>Des travaux futurs sont nécessaires pour affiner l'algorithme et pour explorer son applicabilité à d'autres domaines chirurgicaux.</a:t>
+            </a:r>
+          </a:p>
+          <a:p>
+            <a:endParaRPr lang="it-IT" dirty="0"/>
+          </a:p>
+          <a:p>
+            <a:endParaRPr lang="it-IT" dirty="0"/>
+          </a:p>
+          <a:p>
+            <a:pPr algn="l"/>
+            <a:r>
+              <a:rPr lang="fr-FR" b="1" i="0" u="sng" dirty="0">
+                <a:effectLst/>
+                <a:latin typeface="Söhne"/>
+              </a:rPr>
+              <a:t>Diapositive : Implications et Directions Futures</a:t>
+            </a:r>
+          </a:p>
+          <a:p>
+            <a:pPr algn="l">
+              <a:buFont typeface="Arial" panose="020B0604020202020204" pitchFamily="34" charset="0"/>
+              <a:buChar char="•"/>
+            </a:pPr>
+            <a:r>
+              <a:rPr lang="fr-FR" b="0" i="0" u="sng" dirty="0">
+                <a:solidFill>
+                  <a:srgbClr val="CECAC3"/>
+                </a:solidFill>
+                <a:effectLst/>
+                <a:latin typeface="Söhne"/>
+              </a:rPr>
+              <a:t>Possibilité d'adapter l'algorithme pour d'autres types de chirurgies et complications.</a:t>
+            </a:r>
+          </a:p>
+          <a:p>
+            <a:pPr algn="l">
+              <a:buFont typeface="Arial" panose="020B0604020202020204" pitchFamily="34" charset="0"/>
+              <a:buChar char="•"/>
+            </a:pPr>
+            <a:r>
+              <a:rPr lang="fr-FR" b="0" i="0" u="sng" dirty="0">
+                <a:solidFill>
+                  <a:srgbClr val="CECAC3"/>
+                </a:solidFill>
+                <a:effectLst/>
+                <a:latin typeface="Söhne"/>
+              </a:rPr>
+              <a:t>Création d'une boucle de rétroaction plus transparente et immédiate, qui pourrait être instrumentale pour améliorer les procédures chirurgicales et les soins postopératoires.</a:t>
             </a:r>
           </a:p>
           <a:p>
@@ -25898,7 +25658,7 @@
           <a:p>
             <a:fld id="{290879BB-EB53-48BE-94EC-8CEA99C9E6F9}" type="datetimeFigureOut">
               <a:rPr lang="it-IT" smtClean="0"/>
-              <a:t>25/09/2023</a:t>
+              <a:t>26/09/2023</a:t>
             </a:fld>
             <a:endParaRPr lang="it-IT" dirty="0"/>
           </a:p>
@@ -26096,7 +25856,7 @@
           <a:p>
             <a:fld id="{290879BB-EB53-48BE-94EC-8CEA99C9E6F9}" type="datetimeFigureOut">
               <a:rPr lang="it-IT" smtClean="0"/>
-              <a:t>25/09/2023</a:t>
+              <a:t>26/09/2023</a:t>
             </a:fld>
             <a:endParaRPr lang="it-IT" dirty="0"/>
           </a:p>
@@ -26304,7 +26064,7 @@
           <a:p>
             <a:fld id="{290879BB-EB53-48BE-94EC-8CEA99C9E6F9}" type="datetimeFigureOut">
               <a:rPr lang="it-IT" smtClean="0"/>
-              <a:t>25/09/2023</a:t>
+              <a:t>26/09/2023</a:t>
             </a:fld>
             <a:endParaRPr lang="it-IT" dirty="0"/>
           </a:p>
@@ -26502,7 +26262,7 @@
           <a:p>
             <a:fld id="{290879BB-EB53-48BE-94EC-8CEA99C9E6F9}" type="datetimeFigureOut">
               <a:rPr lang="it-IT" smtClean="0"/>
-              <a:t>25/09/2023</a:t>
+              <a:t>26/09/2023</a:t>
             </a:fld>
             <a:endParaRPr lang="it-IT" dirty="0"/>
           </a:p>
@@ -26777,7 +26537,7 @@
           <a:p>
             <a:fld id="{290879BB-EB53-48BE-94EC-8CEA99C9E6F9}" type="datetimeFigureOut">
               <a:rPr lang="it-IT" smtClean="0"/>
-              <a:t>25/09/2023</a:t>
+              <a:t>26/09/2023</a:t>
             </a:fld>
             <a:endParaRPr lang="it-IT" dirty="0"/>
           </a:p>
@@ -27042,7 +26802,7 @@
           <a:p>
             <a:fld id="{290879BB-EB53-48BE-94EC-8CEA99C9E6F9}" type="datetimeFigureOut">
               <a:rPr lang="it-IT" smtClean="0"/>
-              <a:t>25/09/2023</a:t>
+              <a:t>26/09/2023</a:t>
             </a:fld>
             <a:endParaRPr lang="it-IT" dirty="0"/>
           </a:p>
@@ -27454,7 +27214,7 @@
           <a:p>
             <a:fld id="{290879BB-EB53-48BE-94EC-8CEA99C9E6F9}" type="datetimeFigureOut">
               <a:rPr lang="it-IT" smtClean="0"/>
-              <a:t>25/09/2023</a:t>
+              <a:t>26/09/2023</a:t>
             </a:fld>
             <a:endParaRPr lang="it-IT" dirty="0"/>
           </a:p>
@@ -27595,7 +27355,7 @@
           <a:p>
             <a:fld id="{290879BB-EB53-48BE-94EC-8CEA99C9E6F9}" type="datetimeFigureOut">
               <a:rPr lang="it-IT" smtClean="0"/>
-              <a:t>25/09/2023</a:t>
+              <a:t>26/09/2023</a:t>
             </a:fld>
             <a:endParaRPr lang="it-IT" dirty="0"/>
           </a:p>
@@ -27708,7 +27468,7 @@
           <a:p>
             <a:fld id="{290879BB-EB53-48BE-94EC-8CEA99C9E6F9}" type="datetimeFigureOut">
               <a:rPr lang="it-IT" smtClean="0"/>
-              <a:t>25/09/2023</a:t>
+              <a:t>26/09/2023</a:t>
             </a:fld>
             <a:endParaRPr lang="it-IT" dirty="0"/>
           </a:p>
@@ -28019,7 +27779,7 @@
           <a:p>
             <a:fld id="{290879BB-EB53-48BE-94EC-8CEA99C9E6F9}" type="datetimeFigureOut">
               <a:rPr lang="it-IT" smtClean="0"/>
-              <a:t>25/09/2023</a:t>
+              <a:t>26/09/2023</a:t>
             </a:fld>
             <a:endParaRPr lang="it-IT" dirty="0"/>
           </a:p>
@@ -28307,7 +28067,7 @@
           <a:p>
             <a:fld id="{290879BB-EB53-48BE-94EC-8CEA99C9E6F9}" type="datetimeFigureOut">
               <a:rPr lang="it-IT" smtClean="0"/>
-              <a:t>25/09/2023</a:t>
+              <a:t>26/09/2023</a:t>
             </a:fld>
             <a:endParaRPr lang="it-IT" dirty="0"/>
           </a:p>
@@ -28548,7 +28308,7 @@
           <a:p>
             <a:fld id="{290879BB-EB53-48BE-94EC-8CEA99C9E6F9}" type="datetimeFigureOut">
               <a:rPr lang="it-IT" smtClean="0"/>
-              <a:t>25/09/2023</a:t>
+              <a:t>26/09/2023</a:t>
             </a:fld>
             <a:endParaRPr lang="it-IT" dirty="0"/>
           </a:p>
@@ -29230,10 +28990,27 @@
               </a:rPr>
               <a:t>Conclusions</a:t>
             </a:r>
-            <a:endParaRPr lang="it-IT" dirty="0">
-              <a:latin typeface="Roboto Black" panose="02000000000000000000" pitchFamily="2" charset="0"/>
-              <a:ea typeface="Roboto Black" panose="02000000000000000000" pitchFamily="2" charset="0"/>
-            </a:endParaRPr>
+            <a:r>
+              <a:rPr lang="it-IT" dirty="0">
+                <a:latin typeface="Roboto Black" panose="02000000000000000000" pitchFamily="2" charset="0"/>
+                <a:ea typeface="Roboto Black" panose="02000000000000000000" pitchFamily="2" charset="0"/>
+              </a:rPr>
+              <a:t> et </a:t>
+            </a:r>
+            <a:r>
+              <a:rPr lang="it-IT" dirty="0" err="1">
+                <a:latin typeface="Roboto Black" panose="02000000000000000000" pitchFamily="2" charset="0"/>
+                <a:ea typeface="Roboto Black" panose="02000000000000000000" pitchFamily="2" charset="0"/>
+              </a:rPr>
+              <a:t>directions</a:t>
+            </a:r>
+            <a:r>
+              <a:rPr lang="it-IT" dirty="0">
+                <a:latin typeface="Roboto Black" panose="02000000000000000000" pitchFamily="2" charset="0"/>
+                <a:ea typeface="Roboto Black" panose="02000000000000000000" pitchFamily="2" charset="0"/>
+              </a:rPr>
+              <a:t> futures</a:t>
+            </a:r>
           </a:p>
         </p:txBody>
       </p:sp>
@@ -29607,144 +29384,6 @@
     <p:extLst>
       <p:ext uri="{BB962C8B-B14F-4D97-AF65-F5344CB8AC3E}">
         <p14:creationId xmlns:p14="http://schemas.microsoft.com/office/powerpoint/2010/main" val="1172203281"/>
-      </p:ext>
-    </p:extLst>
-  </p:cSld>
-  <p:clrMapOvr>
-    <a:masterClrMapping/>
-  </p:clrMapOvr>
-</p:sld>
-</file>
-
-<file path=ppt/slides/slide11.xml><?xml version="1.0" encoding="utf-8"?>
-<p:sld xmlns:a="http://schemas.openxmlformats.org/drawingml/2006/main" xmlns:r="http://schemas.openxmlformats.org/officeDocument/2006/relationships" xmlns:p="http://schemas.openxmlformats.org/presentationml/2006/main">
-  <p:cSld>
-    <p:spTree>
-      <p:nvGrpSpPr>
-        <p:cNvPr id="1" name=""/>
-        <p:cNvGrpSpPr/>
-        <p:nvPr/>
-      </p:nvGrpSpPr>
-      <p:grpSpPr>
-        <a:xfrm>
-          <a:off x="0" y="0"/>
-          <a:ext cx="0" cy="0"/>
-          <a:chOff x="0" y="0"/>
-          <a:chExt cx="0" cy="0"/>
-        </a:xfrm>
-      </p:grpSpPr>
-      <p:sp>
-        <p:nvSpPr>
-          <p:cNvPr id="2" name="Titolo 1">
-            <a:extLst>
-              <a:ext uri="{FF2B5EF4-FFF2-40B4-BE49-F238E27FC236}">
-                <a16:creationId xmlns:a16="http://schemas.microsoft.com/office/drawing/2014/main" id="{EA201E6B-2804-4DE8-65DF-C1C71A384484}"/>
-              </a:ext>
-            </a:extLst>
-          </p:cNvPr>
-          <p:cNvSpPr>
-            <a:spLocks noGrp="1"/>
-          </p:cNvSpPr>
-          <p:nvPr>
-            <p:ph type="title"/>
-          </p:nvPr>
-        </p:nvSpPr>
-        <p:spPr>
-          <a:xfrm>
-            <a:off x="838199" y="0"/>
-            <a:ext cx="10515600" cy="1325563"/>
-          </a:xfrm>
-        </p:spPr>
-        <p:txBody>
-          <a:bodyPr/>
-          <a:lstStyle/>
-          <a:p>
-            <a:pPr algn="ctr"/>
-            <a:r>
-              <a:rPr lang="it-IT" dirty="0">
-                <a:latin typeface="Roboto Medium" panose="02000000000000000000" pitchFamily="2" charset="0"/>
-                <a:ea typeface="Roboto Medium" panose="02000000000000000000" pitchFamily="2" charset="0"/>
-              </a:rPr>
-              <a:t>Grazie</a:t>
-            </a:r>
-            <a:r>
-              <a:rPr lang="it-IT" dirty="0"/>
-              <a:t> </a:t>
-            </a:r>
-            <a:r>
-              <a:rPr lang="it-IT" dirty="0">
-                <a:latin typeface="Roboto Medium" panose="02000000000000000000" pitchFamily="2" charset="0"/>
-                <a:ea typeface="Roboto Medium" panose="02000000000000000000" pitchFamily="2" charset="0"/>
-              </a:rPr>
-              <a:t>per</a:t>
-            </a:r>
-            <a:r>
-              <a:rPr lang="it-IT" dirty="0"/>
-              <a:t> </a:t>
-            </a:r>
-            <a:r>
-              <a:rPr lang="it-IT" dirty="0">
-                <a:latin typeface="Roboto Medium" panose="02000000000000000000" pitchFamily="2" charset="0"/>
-                <a:ea typeface="Roboto Medium" panose="02000000000000000000" pitchFamily="2" charset="0"/>
-              </a:rPr>
-              <a:t>l’attenzione</a:t>
-            </a:r>
-          </a:p>
-        </p:txBody>
-      </p:sp>
-      <p:pic>
-        <p:nvPicPr>
-          <p:cNvPr id="2050" name="Picture 2" descr="Un supercomputer malvagio, adornato come un hippie">
-            <a:extLst>
-              <a:ext uri="{FF2B5EF4-FFF2-40B4-BE49-F238E27FC236}">
-                <a16:creationId xmlns:a16="http://schemas.microsoft.com/office/drawing/2014/main" id="{1F75C9C7-BEE7-F32F-69D2-2B75FE0F9070}"/>
-              </a:ext>
-            </a:extLst>
-          </p:cNvPr>
-          <p:cNvPicPr>
-            <a:picLocks noGrp="1" noChangeAspect="1" noChangeArrowheads="1"/>
-          </p:cNvPicPr>
-          <p:nvPr>
-            <p:ph idx="1"/>
-          </p:nvPr>
-        </p:nvPicPr>
-        <p:blipFill>
-          <a:blip r:embed="rId2">
-            <a:extLst>
-              <a:ext uri="{28A0092B-C50C-407E-A947-70E740481C1C}">
-                <a14:useLocalDpi xmlns:a14="http://schemas.microsoft.com/office/drawing/2010/main" val="0"/>
-              </a:ext>
-            </a:extLst>
-          </a:blip>
-          <a:srcRect/>
-          <a:stretch>
-            <a:fillRect/>
-          </a:stretch>
-        </p:blipFill>
-        <p:spPr bwMode="auto">
-          <a:xfrm>
-            <a:off x="3234229" y="1134459"/>
-            <a:ext cx="5723541" cy="5723541"/>
-          </a:xfrm>
-          <a:prstGeom prst="rect">
-            <a:avLst/>
-          </a:prstGeom>
-          <a:noFill/>
-          <a:extLst>
-            <a:ext uri="{909E8E84-426E-40DD-AFC4-6F175D3DCCD1}">
-              <a14:hiddenFill xmlns:a14="http://schemas.microsoft.com/office/drawing/2010/main">
-                <a:solidFill>
-                  <a:srgbClr val="FFFFFF"/>
-                </a:solidFill>
-              </a14:hiddenFill>
-            </a:ext>
-          </a:extLst>
-        </p:spPr>
-      </p:pic>
-    </p:spTree>
-    <p:extLst>
-      <p:ext uri="{BB962C8B-B14F-4D97-AF65-F5344CB8AC3E}">
-        <p14:creationId xmlns:p14="http://schemas.microsoft.com/office/powerpoint/2010/main" val="1138446184"/>
       </p:ext>
     </p:extLst>
   </p:cSld>
@@ -32057,8 +31696,8 @@
         </p:nvSpPr>
         <p:spPr>
           <a:xfrm>
-            <a:off x="534894" y="3013570"/>
-            <a:ext cx="10818905" cy="2784737"/>
+            <a:off x="534894" y="2235043"/>
+            <a:ext cx="5750855" cy="5000728"/>
           </a:xfrm>
           <a:prstGeom prst="rect">
             <a:avLst/>
@@ -32079,24 +31718,20 @@
               <a:buChar char="•"/>
             </a:pPr>
             <a:r>
+              <a:rPr lang="it-IT" b="1" dirty="0" err="1"/>
+              <a:t>Patients</a:t>
+            </a:r>
+            <a:r>
+              <a:rPr lang="it-IT" b="1" dirty="0"/>
+              <a:t> </a:t>
+            </a:r>
+            <a:r>
+              <a:rPr lang="it-IT" b="1" dirty="0" err="1"/>
+              <a:t>operés</a:t>
+            </a:r>
+            <a:r>
               <a:rPr lang="it-IT" dirty="0"/>
-              <a:t>652 </a:t>
-            </a:r>
-            <a:r>
-              <a:rPr lang="fr-BE" dirty="0"/>
-              <a:t>patients</a:t>
-            </a:r>
-            <a:r>
-              <a:rPr lang="it-IT" dirty="0"/>
-              <a:t> </a:t>
-            </a:r>
-            <a:r>
-              <a:rPr lang="it-IT" dirty="0" err="1"/>
-              <a:t>operés</a:t>
-            </a:r>
-            <a:r>
-              <a:rPr lang="it-IT" dirty="0"/>
-              <a:t> en 2020</a:t>
+              <a:t>: 652 en 2020</a:t>
             </a:r>
           </a:p>
           <a:p>
@@ -32108,12 +31743,20 @@
               <a:buChar char="•"/>
             </a:pPr>
             <a:r>
+              <a:rPr lang="it-IT" b="1" dirty="0" err="1"/>
+              <a:t>Infections</a:t>
+            </a:r>
+            <a:r>
+              <a:rPr lang="it-IT" b="1" dirty="0"/>
+              <a:t> : </a:t>
+            </a:r>
+            <a:r>
               <a:rPr lang="it-IT" dirty="0"/>
               <a:t>79 </a:t>
             </a:r>
             <a:r>
               <a:rPr lang="it-IT" dirty="0" err="1"/>
-              <a:t>infections</a:t>
+              <a:t>cas</a:t>
             </a:r>
             <a:r>
               <a:rPr lang="it-IT" dirty="0"/>
@@ -32121,28 +31764,9 @@
             </a:r>
             <a:r>
               <a:rPr lang="it-IT" dirty="0" err="1"/>
-              <a:t>correspondant</a:t>
-            </a:r>
-            <a:r>
-              <a:rPr lang="it-IT" dirty="0"/>
-              <a:t> </a:t>
-            </a:r>
-            <a:r>
-              <a:rPr lang="it-IT" dirty="0" err="1"/>
-              <a:t>aux</a:t>
-            </a:r>
-            <a:r>
-              <a:rPr lang="it-IT" dirty="0"/>
-              <a:t> </a:t>
-            </a:r>
-            <a:r>
-              <a:rPr lang="it-IT" dirty="0" err="1"/>
-              <a:t>critères</a:t>
-            </a:r>
-            <a:r>
-              <a:rPr lang="it-IT" dirty="0"/>
-              <a:t> d’ISO</a:t>
-            </a:r>
+              <a:t>pertinents</a:t>
+            </a:r>
+            <a:endParaRPr lang="it-IT" dirty="0"/>
           </a:p>
           <a:p>
             <a:pPr marL="285750" indent="-285750">
@@ -32153,12 +31777,20 @@
               <a:buChar char="•"/>
             </a:pPr>
             <a:r>
-              <a:rPr lang="it-IT" dirty="0" err="1"/>
+              <a:rPr lang="it-IT" b="1" dirty="0" err="1"/>
               <a:t>Prévalence</a:t>
             </a:r>
             <a:r>
               <a:rPr lang="it-IT" dirty="0"/>
-              <a:t> 12.1%</a:t>
+              <a:t> </a:t>
+            </a:r>
+            <a:r>
+              <a:rPr lang="it-IT" b="1" dirty="0"/>
+              <a:t>ISO</a:t>
+            </a:r>
+            <a:r>
+              <a:rPr lang="it-IT" dirty="0"/>
+              <a:t> : ~12.1%</a:t>
             </a:r>
           </a:p>
           <a:p>
@@ -32170,11 +31802,18 @@
               <a:buChar char="•"/>
             </a:pPr>
             <a:r>
+              <a:rPr lang="fr-FR" b="1" i="0" dirty="0">
+                <a:effectLst/>
+                <a:latin typeface="Söhne"/>
+              </a:rPr>
+              <a:t>Temps moyen </a:t>
+            </a:r>
+            <a:r>
               <a:rPr lang="fr-FR" b="0" i="0" dirty="0">
                 <a:effectLst/>
                 <a:latin typeface="Söhne"/>
               </a:rPr>
-              <a:t>Temps moyen par cas via </a:t>
+              <a:t>via </a:t>
             </a:r>
             <a:r>
               <a:rPr lang="fr-FR" b="0" i="0" dirty="0" err="1">
@@ -32188,8 +31827,77 @@
                 <a:effectLst/>
                 <a:latin typeface="Söhne"/>
               </a:rPr>
-              <a:t> Consult : 5,75 minutes.</a:t>
-            </a:r>
+              <a:t> Consult : 5,75 minutes</a:t>
+            </a:r>
+          </a:p>
+          <a:p>
+            <a:pPr marL="285750" indent="-285750">
+              <a:lnSpc>
+                <a:spcPct val="200000"/>
+              </a:lnSpc>
+              <a:buFont typeface="Arial" panose="020B0604020202020204" pitchFamily="34" charset="0"/>
+              <a:buChar char="•"/>
+            </a:pPr>
+            <a:r>
+              <a:rPr lang="fr-FR" b="1" dirty="0">
+                <a:latin typeface="Söhne"/>
+              </a:rPr>
+              <a:t>Economies</a:t>
+            </a:r>
+            <a:r>
+              <a:rPr lang="fr-FR" dirty="0">
+                <a:latin typeface="Söhne"/>
+              </a:rPr>
+              <a:t> potentielles:</a:t>
+            </a:r>
+          </a:p>
+          <a:p>
+            <a:pPr marL="742950" lvl="1" indent="-285750">
+              <a:lnSpc>
+                <a:spcPct val="200000"/>
+              </a:lnSpc>
+              <a:buFont typeface="Courier New" panose="02070309020205020404" pitchFamily="49" charset="0"/>
+              <a:buChar char="o"/>
+            </a:pPr>
+            <a:r>
+              <a:rPr lang="fr-FR" b="0" i="0" dirty="0">
+                <a:effectLst/>
+                <a:latin typeface="Söhne"/>
+              </a:rPr>
+              <a:t> 	            ~63.5h / an / infirmier</a:t>
+            </a:r>
+          </a:p>
+          <a:p>
+            <a:pPr marL="742950" lvl="1" indent="-285750">
+              <a:lnSpc>
+                <a:spcPct val="200000"/>
+              </a:lnSpc>
+              <a:buFont typeface="Courier New" panose="02070309020205020404" pitchFamily="49" charset="0"/>
+              <a:buChar char="o"/>
+            </a:pPr>
+            <a:r>
+              <a:rPr lang="fr-FR" dirty="0">
+                <a:latin typeface="Söhne"/>
+              </a:rPr>
+              <a:t> 	            2090€ / an / infirmier</a:t>
+            </a:r>
+            <a:endParaRPr lang="fr-FR" b="0" i="0" dirty="0">
+              <a:effectLst/>
+              <a:latin typeface="Söhne"/>
+            </a:endParaRPr>
+          </a:p>
+          <a:p>
+            <a:pPr marL="742950" lvl="1" indent="-285750">
+              <a:lnSpc>
+                <a:spcPct val="200000"/>
+              </a:lnSpc>
+              <a:buFont typeface="Arial" panose="020B0604020202020204" pitchFamily="34" charset="0"/>
+              <a:buChar char="•"/>
+            </a:pPr>
+            <a:endParaRPr lang="fr-FR" b="0" i="0" dirty="0">
+              <a:effectLst/>
+              <a:latin typeface="Söhne"/>
+            </a:endParaRPr>
           </a:p>
           <a:p>
             <a:pPr>
@@ -32216,13 +31924,13 @@
           <p:nvPr>
             <p:extLst>
               <p:ext uri="{D42A27DB-BD31-4B8C-83A1-F6EECF244321}">
-                <p14:modId xmlns:p14="http://schemas.microsoft.com/office/powerpoint/2010/main" val="741136899"/>
+                <p14:modId xmlns:p14="http://schemas.microsoft.com/office/powerpoint/2010/main" val="3703389276"/>
               </p:ext>
             </p:extLst>
           </p:nvPr>
         </p:nvGraphicFramePr>
         <p:xfrm>
-          <a:off x="6268819" y="1359219"/>
+          <a:off x="5944347" y="1690688"/>
           <a:ext cx="5396753" cy="4439088"/>
         </p:xfrm>
         <a:graphic>
@@ -32271,7 +31979,49 @@
                           <a:spcPts val="0"/>
                         </a:spcAft>
                       </a:pPr>
-                      <a:endParaRPr lang="it-IT" sz="1600" dirty="0">
+                      <a:endParaRPr lang="it-IT" sz="1600" u="none" dirty="0">
+                        <a:solidFill>
+                          <a:srgbClr val="000000"/>
+                        </a:solidFill>
+                        <a:effectLst/>
+                        <a:latin typeface="Arial" panose="020B0604020202020204" pitchFamily="34" charset="0"/>
+                        <a:ea typeface="Times New Roman" panose="02020603050405020304" pitchFamily="18" charset="0"/>
+                        <a:cs typeface="Times New Roman" panose="02020603050405020304" pitchFamily="18" charset="0"/>
+                      </a:endParaRPr>
+                    </a:p>
+                  </a:txBody>
+                  <a:tcPr marL="56232" marR="56232" marT="0" marB="0" anchor="ctr">
+                    <a:solidFill>
+                      <a:schemeClr val="accent1">
+                        <a:lumMod val="40000"/>
+                        <a:lumOff val="60000"/>
+                      </a:schemeClr>
+                    </a:solidFill>
+                  </a:tcPr>
+                </a:tc>
+                <a:tc>
+                  <a:txBody>
+                    <a:bodyPr/>
+                    <a:lstStyle/>
+                    <a:p>
+                      <a:pPr algn="ctr">
+                        <a:lnSpc>
+                          <a:spcPct val="100000"/>
+                        </a:lnSpc>
+                        <a:spcBef>
+                          <a:spcPts val="0"/>
+                        </a:spcBef>
+                        <a:spcAft>
+                          <a:spcPts val="0"/>
+                        </a:spcAft>
+                      </a:pPr>
+                      <a:r>
+                        <a:rPr lang="en-US" sz="1400" b="1" u="none">
+                          <a:effectLst/>
+                        </a:rPr>
+                        <a:t>Estimate</a:t>
+                      </a:r>
+                      <a:endParaRPr lang="it-IT" sz="1600" b="1" u="none">
                         <a:solidFill>
                           <a:srgbClr val="000000"/>
                         </a:solidFill>
@@ -32301,47 +32051,12 @@
                         </a:spcAft>
                       </a:pPr>
                       <a:r>
-                        <a:rPr lang="en-US" sz="1400">
-                          <a:effectLst/>
-                        </a:rPr>
-                        <a:t>Estimate</a:t>
-                      </a:r>
-                      <a:endParaRPr lang="it-IT" sz="1600">
-                        <a:solidFill>
-                          <a:srgbClr val="000000"/>
-                        </a:solidFill>
-                        <a:effectLst/>
-                        <a:latin typeface="Arial" panose="020B0604020202020204" pitchFamily="34" charset="0"/>
-                        <a:ea typeface="Times New Roman" panose="02020603050405020304" pitchFamily="18" charset="0"/>
-                        <a:cs typeface="Times New Roman" panose="02020603050405020304" pitchFamily="18" charset="0"/>
-                      </a:endParaRPr>
-                    </a:p>
-                  </a:txBody>
-                  <a:tcPr marL="56232" marR="56232" marT="0" marB="0" anchor="ctr"/>
-                </a:tc>
-                <a:tc>
-                  <a:txBody>
-                    <a:bodyPr/>
-                    <a:lstStyle/>
-                    <a:p>
-                      <a:pPr algn="ctr">
-                        <a:lnSpc>
-                          <a:spcPct val="100000"/>
-                        </a:lnSpc>
-                        <a:spcBef>
-                          <a:spcPts val="0"/>
-                        </a:spcBef>
-                        <a:spcAft>
-                          <a:spcPts val="0"/>
-                        </a:spcAft>
-                      </a:pPr>
-                      <a:r>
-                        <a:rPr lang="en-US" sz="1400">
+                        <a:rPr lang="en-US" sz="1400" b="0" u="none">
                           <a:effectLst/>
                         </a:rPr>
                         <a:t>95% CI</a:t>
                       </a:r>
-                      <a:endParaRPr lang="it-IT" sz="1600">
+                      <a:endParaRPr lang="it-IT" sz="1600" b="0" u="none">
                         <a:solidFill>
                           <a:srgbClr val="000000"/>
                         </a:solidFill>
@@ -32378,18 +32093,18 @@
                         </a:spcAft>
                       </a:pPr>
                       <a:r>
-                        <a:rPr lang="en-US" sz="1400" dirty="0" err="1">
+                        <a:rPr lang="en-US" sz="1400" u="none" dirty="0" err="1">
                           <a:effectLst/>
                         </a:rPr>
                         <a:t>Sénsibilité</a:t>
                       </a:r>
                       <a:r>
-                        <a:rPr lang="en-US" sz="1400" dirty="0">
+                        <a:rPr lang="en-US" sz="1400" u="none" dirty="0">
                           <a:effectLst/>
                         </a:rPr>
                         <a:t> (recall)</a:t>
                       </a:r>
-                      <a:endParaRPr lang="it-IT" sz="1600" dirty="0">
+                      <a:endParaRPr lang="it-IT" sz="1600" u="none" dirty="0">
                         <a:solidFill>
                           <a:srgbClr val="000000"/>
                         </a:solidFill>
@@ -32419,12 +32134,12 @@
                         </a:spcAft>
                       </a:pPr>
                       <a:r>
-                        <a:rPr lang="en-US" sz="1400" b="1" dirty="0">
+                        <a:rPr lang="en-US" sz="1400" b="1" u="none" dirty="0">
                           <a:effectLst/>
                         </a:rPr>
                         <a:t>0.82</a:t>
                       </a:r>
-                      <a:endParaRPr lang="it-IT" sz="1600" b="1" dirty="0">
+                      <a:endParaRPr lang="it-IT" sz="1600" b="1" u="none" dirty="0">
                         <a:solidFill>
                           <a:srgbClr val="000000"/>
                         </a:solidFill>
@@ -32454,12 +32169,12 @@
                         </a:spcAft>
                       </a:pPr>
                       <a:r>
-                        <a:rPr lang="en-US" sz="1400" dirty="0">
+                        <a:rPr lang="en-US" sz="1400" b="0" u="none" dirty="0">
                           <a:effectLst/>
                         </a:rPr>
                         <a:t>0.68, 0.92</a:t>
                       </a:r>
-                      <a:endParaRPr lang="it-IT" sz="1600" dirty="0">
+                      <a:endParaRPr lang="it-IT" sz="1600" b="0" u="none" dirty="0">
                         <a:solidFill>
                           <a:srgbClr val="000000"/>
                         </a:solidFill>
@@ -32496,12 +32211,12 @@
                         </a:spcAft>
                       </a:pPr>
                       <a:r>
-                        <a:rPr lang="en-US" sz="1400" dirty="0" err="1">
+                        <a:rPr lang="en-US" sz="1400" u="none" dirty="0" err="1">
                           <a:effectLst/>
                         </a:rPr>
                         <a:t>Spécificité</a:t>
                       </a:r>
-                      <a:endParaRPr lang="it-IT" sz="1600" dirty="0">
+                      <a:endParaRPr lang="it-IT" sz="1600" u="none" dirty="0">
                         <a:solidFill>
                           <a:srgbClr val="000000"/>
                         </a:solidFill>
@@ -32531,12 +32246,12 @@
                         </a:spcAft>
                       </a:pPr>
                       <a:r>
-                        <a:rPr lang="en-US" sz="1400" b="1" dirty="0">
+                        <a:rPr lang="en-US" sz="1600" b="1" u="none" dirty="0">
                           <a:effectLst/>
                         </a:rPr>
                         <a:t>0.98</a:t>
                       </a:r>
-                      <a:endParaRPr lang="it-IT" sz="1600" b="1" dirty="0">
+                      <a:endParaRPr lang="it-IT" sz="1600" b="1" u="none" dirty="0">
                         <a:solidFill>
                           <a:srgbClr val="000000"/>
                         </a:solidFill>
@@ -32566,12 +32281,12 @@
                         </a:spcAft>
                       </a:pPr>
                       <a:r>
-                        <a:rPr lang="en-US" sz="1400">
+                        <a:rPr lang="en-US" sz="1400" b="0" u="none">
                           <a:effectLst/>
                         </a:rPr>
                         <a:t>0.95, 0.99</a:t>
                       </a:r>
-                      <a:endParaRPr lang="it-IT" sz="1600">
+                      <a:endParaRPr lang="it-IT" sz="1600" b="0" u="none">
                         <a:solidFill>
                           <a:srgbClr val="000000"/>
                         </a:solidFill>
@@ -32608,12 +32323,12 @@
                         </a:spcAft>
                       </a:pPr>
                       <a:r>
-                        <a:rPr lang="en-US" sz="1400" dirty="0">
+                        <a:rPr lang="en-US" sz="1400" u="none" dirty="0">
                           <a:effectLst/>
                         </a:rPr>
                         <a:t>PPV (precision)</a:t>
                       </a:r>
-                      <a:endParaRPr lang="it-IT" sz="1600" dirty="0">
+                      <a:endParaRPr lang="it-IT" sz="1600" u="none" dirty="0">
                         <a:solidFill>
                           <a:srgbClr val="000000"/>
                         </a:solidFill>
@@ -32643,12 +32358,12 @@
                         </a:spcAft>
                       </a:pPr>
                       <a:r>
-                        <a:rPr lang="en-US" sz="1400">
+                        <a:rPr lang="en-US" sz="1400" b="1" u="none">
                           <a:effectLst/>
                         </a:rPr>
                         <a:t>0.86</a:t>
                       </a:r>
-                      <a:endParaRPr lang="it-IT" sz="1600">
+                      <a:endParaRPr lang="it-IT" sz="1600" b="1" u="none">
                         <a:solidFill>
                           <a:srgbClr val="000000"/>
                         </a:solidFill>
@@ -32678,12 +32393,12 @@
                         </a:spcAft>
                       </a:pPr>
                       <a:r>
-                        <a:rPr lang="en-US" sz="1400">
+                        <a:rPr lang="en-US" sz="1400" b="0" u="none">
                           <a:effectLst/>
                         </a:rPr>
                         <a:t>0.72, 0.95</a:t>
                       </a:r>
-                      <a:endParaRPr lang="it-IT" sz="1600">
+                      <a:endParaRPr lang="it-IT" sz="1600" b="0" u="none">
                         <a:solidFill>
                           <a:srgbClr val="000000"/>
                         </a:solidFill>
@@ -32720,12 +32435,12 @@
                         </a:spcAft>
                       </a:pPr>
                       <a:r>
-                        <a:rPr lang="en-US" sz="1400" dirty="0">
+                        <a:rPr lang="en-US" sz="1400" u="none" dirty="0">
                           <a:effectLst/>
                         </a:rPr>
                         <a:t>NPV</a:t>
                       </a:r>
-                      <a:endParaRPr lang="it-IT" sz="1600" dirty="0">
+                      <a:endParaRPr lang="it-IT" sz="1600" u="none" dirty="0">
                         <a:solidFill>
                           <a:srgbClr val="000000"/>
                         </a:solidFill>
@@ -32755,12 +32470,12 @@
                         </a:spcAft>
                       </a:pPr>
                       <a:r>
-                        <a:rPr lang="en-US" sz="1400">
+                        <a:rPr lang="en-US" sz="1600" b="1" u="none" dirty="0">
                           <a:effectLst/>
                         </a:rPr>
                         <a:t>0.97</a:t>
                       </a:r>
-                      <a:endParaRPr lang="it-IT" sz="1600">
+                      <a:endParaRPr lang="it-IT" sz="1600" b="1" u="none" dirty="0">
                         <a:solidFill>
                           <a:srgbClr val="000000"/>
                         </a:solidFill>
@@ -32790,12 +32505,12 @@
                         </a:spcAft>
                       </a:pPr>
                       <a:r>
-                        <a:rPr lang="en-US" sz="1400">
+                        <a:rPr lang="en-US" sz="1400" b="0" u="none">
                           <a:effectLst/>
                         </a:rPr>
                         <a:t>0.94, 0.99</a:t>
                       </a:r>
-                      <a:endParaRPr lang="it-IT" sz="1600">
+                      <a:endParaRPr lang="it-IT" sz="1600" b="0" u="none">
                         <a:solidFill>
                           <a:srgbClr val="000000"/>
                         </a:solidFill>
@@ -32832,12 +32547,30 @@
                         </a:spcAft>
                       </a:pPr>
                       <a:r>
-                        <a:rPr lang="en-US" sz="1400">
+                        <a:rPr lang="en-US" sz="1400" u="none" dirty="0">
                           <a:effectLst/>
                         </a:rPr>
-                        <a:t>F1-score</a:t>
+                        <a:t>Proportion </a:t>
                       </a:r>
-                      <a:endParaRPr lang="it-IT" sz="1600">
+                      <a:r>
+                        <a:rPr lang="en-US" sz="1400" u="none" dirty="0" err="1">
+                          <a:effectLst/>
+                        </a:rPr>
+                        <a:t>correctement</a:t>
+                      </a:r>
+                      <a:r>
+                        <a:rPr lang="en-US" sz="1400" u="none" dirty="0">
+                          <a:effectLst/>
+                        </a:rPr>
+                        <a:t> </a:t>
+                      </a:r>
+                      <a:r>
+                        <a:rPr lang="en-US" sz="1400" u="none" dirty="0" err="1">
+                          <a:effectLst/>
+                        </a:rPr>
+                        <a:t>classé</a:t>
+                      </a:r>
+                      <a:endParaRPr lang="it-IT" sz="1600" u="none" dirty="0">
                         <a:solidFill>
                           <a:srgbClr val="000000"/>
                         </a:solidFill>
@@ -32867,12 +32600,12 @@
                         </a:spcAft>
                       </a:pPr>
                       <a:r>
-                        <a:rPr lang="en-US" sz="1400" b="1" dirty="0">
+                        <a:rPr lang="en-US" sz="1600" b="1" u="none" dirty="0">
                           <a:effectLst/>
                         </a:rPr>
-                        <a:t>0.841</a:t>
+                        <a:t>0.95</a:t>
                       </a:r>
-                      <a:endParaRPr lang="it-IT" sz="1600" b="1" dirty="0">
+                      <a:endParaRPr lang="it-IT" sz="1600" b="1" u="none" dirty="0">
                         <a:solidFill>
                           <a:srgbClr val="000000"/>
                         </a:solidFill>
@@ -32902,12 +32635,124 @@
                         </a:spcAft>
                       </a:pPr>
                       <a:r>
-                        <a:rPr lang="en-US" sz="1600">
+                        <a:rPr lang="en-US" sz="1400" b="0" u="none" dirty="0">
+                          <a:effectLst/>
+                        </a:rPr>
+                        <a:t>0.92, 0.97</a:t>
+                      </a:r>
+                      <a:endParaRPr lang="it-IT" sz="1600" b="0" u="none" dirty="0">
+                        <a:solidFill>
+                          <a:srgbClr val="000000"/>
+                        </a:solidFill>
+                        <a:effectLst/>
+                        <a:latin typeface="Arial" panose="020B0604020202020204" pitchFamily="34" charset="0"/>
+                        <a:ea typeface="Times New Roman" panose="02020603050405020304" pitchFamily="18" charset="0"/>
+                        <a:cs typeface="Times New Roman" panose="02020603050405020304" pitchFamily="18" charset="0"/>
+                      </a:endParaRPr>
+                    </a:p>
+                  </a:txBody>
+                  <a:tcPr marL="56232" marR="56232" marT="0" marB="0" anchor="ctr"/>
+                </a:tc>
+                <a:extLst>
+                  <a:ext uri="{0D108BD9-81ED-4DB2-BD59-A6C34878D82A}">
+                    <a16:rowId xmlns:a16="http://schemas.microsoft.com/office/drawing/2014/main" val="4158317698"/>
+                  </a:ext>
+                </a:extLst>
+              </a:tr>
+              <a:tr h="554886">
+                <a:tc>
+                  <a:txBody>
+                    <a:bodyPr/>
+                    <a:lstStyle/>
+                    <a:p>
+                      <a:pPr algn="l">
+                        <a:lnSpc>
+                          <a:spcPct val="100000"/>
+                        </a:lnSpc>
+                        <a:spcBef>
+                          <a:spcPts val="0"/>
+                        </a:spcBef>
+                        <a:spcAft>
+                          <a:spcPts val="0"/>
+                        </a:spcAft>
+                      </a:pPr>
+                      <a:r>
+                        <a:rPr lang="en-US" sz="1400" u="none" dirty="0">
+                          <a:effectLst/>
+                        </a:rPr>
+                        <a:t>F1-score</a:t>
+                      </a:r>
+                      <a:endParaRPr lang="it-IT" sz="1600" u="none" dirty="0">
+                        <a:solidFill>
+                          <a:srgbClr val="000000"/>
+                        </a:solidFill>
+                        <a:effectLst/>
+                        <a:latin typeface="Arial" panose="020B0604020202020204" pitchFamily="34" charset="0"/>
+                        <a:ea typeface="Times New Roman" panose="02020603050405020304" pitchFamily="18" charset="0"/>
+                        <a:cs typeface="Times New Roman" panose="02020603050405020304" pitchFamily="18" charset="0"/>
+                      </a:endParaRPr>
+                    </a:p>
+                  </a:txBody>
+                  <a:tcPr marL="56232" marR="56232" marT="0" marB="0" anchor="ctr"/>
+                </a:tc>
+                <a:tc>
+                  <a:txBody>
+                    <a:bodyPr/>
+                    <a:lstStyle/>
+                    <a:p>
+                      <a:pPr algn="ctr">
+                        <a:lnSpc>
+                          <a:spcPct val="100000"/>
+                        </a:lnSpc>
+                        <a:spcBef>
+                          <a:spcPts val="0"/>
+                        </a:spcBef>
+                        <a:spcAft>
+                          <a:spcPts val="0"/>
+                        </a:spcAft>
+                      </a:pPr>
+                      <a:r>
+                        <a:rPr lang="en-US" sz="1400" b="1" u="none" dirty="0">
+                          <a:effectLst/>
+                        </a:rPr>
+                        <a:t>0.841</a:t>
+                      </a:r>
+                      <a:endParaRPr lang="it-IT" sz="1600" b="1" u="none" dirty="0">
+                        <a:solidFill>
+                          <a:srgbClr val="000000"/>
+                        </a:solidFill>
+                        <a:effectLst/>
+                        <a:latin typeface="Arial" panose="020B0604020202020204" pitchFamily="34" charset="0"/>
+                        <a:ea typeface="Times New Roman" panose="02020603050405020304" pitchFamily="18" charset="0"/>
+                        <a:cs typeface="Times New Roman" panose="02020603050405020304" pitchFamily="18" charset="0"/>
+                      </a:endParaRPr>
+                    </a:p>
+                  </a:txBody>
+                  <a:tcPr marL="56232" marR="56232" marT="0" marB="0" anchor="ctr"/>
+                </a:tc>
+                <a:tc>
+                  <a:txBody>
+                    <a:bodyPr/>
+                    <a:lstStyle/>
+                    <a:p>
+                      <a:pPr algn="ctr">
+                        <a:lnSpc>
+                          <a:spcPct val="100000"/>
+                        </a:lnSpc>
+                        <a:spcBef>
+                          <a:spcPts val="0"/>
+                        </a:spcBef>
+                        <a:spcAft>
+                          <a:spcPts val="0"/>
+                        </a:spcAft>
+                      </a:pPr>
+                      <a:r>
+                        <a:rPr lang="en-US" sz="1600" b="0" u="none">
                           <a:effectLst/>
                         </a:rPr>
                         <a:t> </a:t>
                       </a:r>
-                      <a:endParaRPr lang="it-IT" sz="1600">
+                      <a:endParaRPr lang="it-IT" sz="1600" b="0" u="none">
                         <a:solidFill>
                           <a:srgbClr val="000000"/>
                         </a:solidFill>
@@ -32944,12 +32789,12 @@
                         </a:spcAft>
                       </a:pPr>
                       <a:r>
-                        <a:rPr lang="en-US" sz="1400">
+                        <a:rPr lang="en-US" sz="1400" u="none" dirty="0">
                           <a:effectLst/>
                         </a:rPr>
                         <a:t>Matthews coefficient correlation</a:t>
                       </a:r>
-                      <a:endParaRPr lang="it-IT" sz="1600">
+                      <a:endParaRPr lang="it-IT" sz="1600" u="none" dirty="0">
                         <a:solidFill>
                           <a:srgbClr val="000000"/>
                         </a:solidFill>
@@ -32979,12 +32824,12 @@
                         </a:spcAft>
                       </a:pPr>
                       <a:r>
-                        <a:rPr lang="en-US" sz="1400" b="1" dirty="0">
+                        <a:rPr lang="en-US" sz="1400" b="1" u="none" dirty="0">
                           <a:effectLst/>
                         </a:rPr>
                         <a:t>0.814</a:t>
                       </a:r>
-                      <a:endParaRPr lang="it-IT" sz="1600" b="1" dirty="0">
+                      <a:endParaRPr lang="it-IT" sz="1600" b="1" u="none" dirty="0">
                         <a:solidFill>
                           <a:srgbClr val="000000"/>
                         </a:solidFill>
@@ -33014,12 +32859,12 @@
                         </a:spcAft>
                       </a:pPr>
                       <a:r>
-                        <a:rPr lang="en-US" sz="1600">
+                        <a:rPr lang="en-US" sz="1600" b="0" u="none" dirty="0">
                           <a:effectLst/>
                         </a:rPr>
                         <a:t> </a:t>
                       </a:r>
-                      <a:endParaRPr lang="it-IT" sz="1600">
+                      <a:endParaRPr lang="it-IT" sz="1600" b="0" u="none" dirty="0">
                         <a:solidFill>
                           <a:srgbClr val="000000"/>
                         </a:solidFill>
@@ -33038,330 +32883,87 @@
                   </a:ext>
                 </a:extLst>
               </a:tr>
-              <a:tr h="554886">
-                <a:tc>
-                  <a:txBody>
-                    <a:bodyPr/>
-                    <a:lstStyle/>
-                    <a:p>
-                      <a:pPr algn="l">
-                        <a:lnSpc>
-                          <a:spcPct val="100000"/>
-                        </a:lnSpc>
-                        <a:spcBef>
-                          <a:spcPts val="0"/>
-                        </a:spcBef>
-                        <a:spcAft>
-                          <a:spcPts val="0"/>
-                        </a:spcAft>
-                      </a:pPr>
-                      <a:r>
-                        <a:rPr lang="en-US" sz="1400" dirty="0">
-                          <a:effectLst/>
-                        </a:rPr>
-                        <a:t>Correctly classified proportion</a:t>
-                      </a:r>
-                      <a:endParaRPr lang="it-IT" sz="1600" dirty="0">
-                        <a:solidFill>
-                          <a:srgbClr val="000000"/>
-                        </a:solidFill>
-                        <a:effectLst/>
-                        <a:latin typeface="Arial" panose="020B0604020202020204" pitchFamily="34" charset="0"/>
-                        <a:ea typeface="Times New Roman" panose="02020603050405020304" pitchFamily="18" charset="0"/>
-                        <a:cs typeface="Times New Roman" panose="02020603050405020304" pitchFamily="18" charset="0"/>
-                      </a:endParaRPr>
-                    </a:p>
-                  </a:txBody>
-                  <a:tcPr marL="56232" marR="56232" marT="0" marB="0" anchor="ctr"/>
-                </a:tc>
-                <a:tc>
-                  <a:txBody>
-                    <a:bodyPr/>
-                    <a:lstStyle/>
-                    <a:p>
-                      <a:pPr algn="ctr">
-                        <a:lnSpc>
-                          <a:spcPct val="100000"/>
-                        </a:lnSpc>
-                        <a:spcBef>
-                          <a:spcPts val="0"/>
-                        </a:spcBef>
-                        <a:spcAft>
-                          <a:spcPts val="0"/>
-                        </a:spcAft>
-                      </a:pPr>
-                      <a:r>
-                        <a:rPr lang="en-US" sz="1400" dirty="0">
-                          <a:effectLst/>
-                        </a:rPr>
-                        <a:t>0.95</a:t>
-                      </a:r>
-                      <a:endParaRPr lang="it-IT" sz="1600" dirty="0">
-                        <a:solidFill>
-                          <a:srgbClr val="000000"/>
-                        </a:solidFill>
-                        <a:effectLst/>
-                        <a:latin typeface="Arial" panose="020B0604020202020204" pitchFamily="34" charset="0"/>
-                        <a:ea typeface="Times New Roman" panose="02020603050405020304" pitchFamily="18" charset="0"/>
-                        <a:cs typeface="Times New Roman" panose="02020603050405020304" pitchFamily="18" charset="0"/>
-                      </a:endParaRPr>
-                    </a:p>
-                  </a:txBody>
-                  <a:tcPr marL="56232" marR="56232" marT="0" marB="0" anchor="ctr"/>
-                </a:tc>
-                <a:tc>
-                  <a:txBody>
-                    <a:bodyPr/>
-                    <a:lstStyle/>
-                    <a:p>
-                      <a:pPr algn="ctr">
-                        <a:lnSpc>
-                          <a:spcPct val="100000"/>
-                        </a:lnSpc>
-                        <a:spcBef>
-                          <a:spcPts val="0"/>
-                        </a:spcBef>
-                        <a:spcAft>
-                          <a:spcPts val="0"/>
-                        </a:spcAft>
-                      </a:pPr>
-                      <a:r>
-                        <a:rPr lang="en-US" sz="1400" dirty="0">
-                          <a:effectLst/>
-                        </a:rPr>
-                        <a:t>0.92, 0.97</a:t>
-                      </a:r>
-                      <a:endParaRPr lang="it-IT" sz="1600" dirty="0">
-                        <a:solidFill>
-                          <a:srgbClr val="000000"/>
-                        </a:solidFill>
-                        <a:effectLst/>
-                        <a:latin typeface="Arial" panose="020B0604020202020204" pitchFamily="34" charset="0"/>
-                        <a:ea typeface="Times New Roman" panose="02020603050405020304" pitchFamily="18" charset="0"/>
-                        <a:cs typeface="Times New Roman" panose="02020603050405020304" pitchFamily="18" charset="0"/>
-                      </a:endParaRPr>
-                    </a:p>
-                  </a:txBody>
-                  <a:tcPr marL="56232" marR="56232" marT="0" marB="0" anchor="ctr"/>
-                </a:tc>
-                <a:extLst>
-                  <a:ext uri="{0D108BD9-81ED-4DB2-BD59-A6C34878D82A}">
-                    <a16:rowId xmlns:a16="http://schemas.microsoft.com/office/drawing/2014/main" val="1185660172"/>
-                  </a:ext>
-                </a:extLst>
-              </a:tr>
             </a:tbl>
           </a:graphicData>
         </a:graphic>
       </p:graphicFrame>
-      <p:sp>
-        <p:nvSpPr>
-          <p:cNvPr id="4" name="Rettangolo 3">
+      <p:pic>
+        <p:nvPicPr>
+          <p:cNvPr id="6" name="Segnaposto contenuto 4" descr="Cronometro">
             <a:extLst>
               <a:ext uri="{FF2B5EF4-FFF2-40B4-BE49-F238E27FC236}">
-                <a16:creationId xmlns:a16="http://schemas.microsoft.com/office/drawing/2014/main" id="{44BFD55A-2B9D-3D1F-DADA-D7BE7667B434}"/>
+                <a16:creationId xmlns:a16="http://schemas.microsoft.com/office/drawing/2014/main" id="{95D30E8B-AA74-FFCA-3762-34B1E6D4F00D}"/>
               </a:ext>
             </a:extLst>
           </p:cNvPr>
-          <p:cNvSpPr/>
-          <p:nvPr/>
-        </p:nvSpPr>
+          <p:cNvPicPr>
+            <a:picLocks noGrp="1" noChangeAspect="1"/>
+          </p:cNvPicPr>
+          <p:nvPr>
+            <p:ph idx="1"/>
+          </p:nvPr>
+        </p:nvPicPr>
+        <p:blipFill>
+          <a:blip r:embed="rId8">
+            <a:extLst>
+              <a:ext uri="{28A0092B-C50C-407E-A947-70E740481C1C}">
+                <a14:useLocalDpi xmlns:a14="http://schemas.microsoft.com/office/drawing/2010/main" val="0"/>
+              </a:ext>
+              <a:ext uri="{96DAC541-7B7A-43D3-8B79-37D633B846F1}">
+                <asvg:svgBlip xmlns:asvg="http://schemas.microsoft.com/office/drawing/2016/SVG/main" r:embed="rId9"/>
+              </a:ext>
+            </a:extLst>
+          </a:blip>
+          <a:stretch>
+            <a:fillRect/>
+          </a:stretch>
+        </p:blipFill>
         <p:spPr>
           <a:xfrm>
-            <a:off x="6285749" y="1915350"/>
-            <a:ext cx="4007723" cy="524496"/>
+            <a:off x="1468564" y="5061131"/>
+            <a:ext cx="565317" cy="565317"/>
+          </a:xfrm>
+        </p:spPr>
+      </p:pic>
+      <p:pic>
+        <p:nvPicPr>
+          <p:cNvPr id="9" name="Elemento grafico 8" descr="Monete">
+            <a:extLst>
+              <a:ext uri="{FF2B5EF4-FFF2-40B4-BE49-F238E27FC236}">
+                <a16:creationId xmlns:a16="http://schemas.microsoft.com/office/drawing/2014/main" id="{78959A47-9BAE-E285-1ACA-4755AD5ADC4E}"/>
+              </a:ext>
+            </a:extLst>
+          </p:cNvPr>
+          <p:cNvPicPr>
+            <a:picLocks noChangeAspect="1"/>
+          </p:cNvPicPr>
+          <p:nvPr/>
+        </p:nvPicPr>
+        <p:blipFill>
+          <a:blip r:embed="rId10">
+            <a:extLst>
+              <a:ext uri="{28A0092B-C50C-407E-A947-70E740481C1C}">
+                <a14:useLocalDpi xmlns:a14="http://schemas.microsoft.com/office/drawing/2010/main" val="0"/>
+              </a:ext>
+              <a:ext uri="{96DAC541-7B7A-43D3-8B79-37D633B846F1}">
+                <asvg:svgBlip xmlns:asvg="http://schemas.microsoft.com/office/drawing/2016/SVG/main" r:embed="rId11"/>
+              </a:ext>
+            </a:extLst>
+          </a:blip>
+          <a:stretch>
+            <a:fillRect/>
+          </a:stretch>
+        </p:blipFill>
+        <p:spPr>
+          <a:xfrm>
+            <a:off x="1471906" y="5626448"/>
+            <a:ext cx="561975" cy="561975"/>
           </a:xfrm>
           <a:prstGeom prst="rect">
             <a:avLst/>
           </a:prstGeom>
-          <a:noFill/>
-          <a:ln w="28575">
-            <a:solidFill>
-              <a:srgbClr val="FF0000"/>
-            </a:solidFill>
-          </a:ln>
         </p:spPr>
-        <p:style>
-          <a:lnRef idx="2">
-            <a:schemeClr val="accent1">
-              <a:shade val="15000"/>
-            </a:schemeClr>
-          </a:lnRef>
-          <a:fillRef idx="1">
-            <a:schemeClr val="accent1"/>
-          </a:fillRef>
-          <a:effectRef idx="0">
-            <a:schemeClr val="accent1"/>
-          </a:effectRef>
-          <a:fontRef idx="minor">
-            <a:schemeClr val="lt1"/>
-          </a:fontRef>
-        </p:style>
-        <p:txBody>
-          <a:bodyPr rtlCol="0" anchor="ctr"/>
-          <a:lstStyle/>
-          <a:p>
-            <a:pPr algn="ctr"/>
-            <a:endParaRPr lang="it-IT"/>
-          </a:p>
-        </p:txBody>
-      </p:sp>
-      <p:sp>
-        <p:nvSpPr>
-          <p:cNvPr id="11" name="Rettangolo 10">
-            <a:extLst>
-              <a:ext uri="{FF2B5EF4-FFF2-40B4-BE49-F238E27FC236}">
-                <a16:creationId xmlns:a16="http://schemas.microsoft.com/office/drawing/2014/main" id="{E9E35416-B4A4-B878-A0EE-7F80098A9AC9}"/>
-              </a:ext>
-            </a:extLst>
-          </p:cNvPr>
-          <p:cNvSpPr/>
-          <p:nvPr/>
-        </p:nvSpPr>
-        <p:spPr>
-          <a:xfrm>
-            <a:off x="6285749" y="2456255"/>
-            <a:ext cx="4007723" cy="557315"/>
-          </a:xfrm>
-          <a:prstGeom prst="rect">
-            <a:avLst/>
-          </a:prstGeom>
-          <a:noFill/>
-          <a:ln w="28575">
-            <a:solidFill>
-              <a:srgbClr val="FF0000"/>
-            </a:solidFill>
-          </a:ln>
-        </p:spPr>
-        <p:style>
-          <a:lnRef idx="2">
-            <a:schemeClr val="accent1">
-              <a:shade val="15000"/>
-            </a:schemeClr>
-          </a:lnRef>
-          <a:fillRef idx="1">
-            <a:schemeClr val="accent1"/>
-          </a:fillRef>
-          <a:effectRef idx="0">
-            <a:schemeClr val="accent1"/>
-          </a:effectRef>
-          <a:fontRef idx="minor">
-            <a:schemeClr val="lt1"/>
-          </a:fontRef>
-        </p:style>
-        <p:txBody>
-          <a:bodyPr rtlCol="0" anchor="ctr"/>
-          <a:lstStyle/>
-          <a:p>
-            <a:pPr algn="ctr"/>
-            <a:endParaRPr lang="it-IT"/>
-          </a:p>
-        </p:txBody>
-      </p:sp>
-      <p:sp>
-        <p:nvSpPr>
-          <p:cNvPr id="12" name="Rettangolo 11">
-            <a:extLst>
-              <a:ext uri="{FF2B5EF4-FFF2-40B4-BE49-F238E27FC236}">
-                <a16:creationId xmlns:a16="http://schemas.microsoft.com/office/drawing/2014/main" id="{7ABA320C-5A7C-353D-3D5F-FC9A94CEE414}"/>
-              </a:ext>
-            </a:extLst>
-          </p:cNvPr>
-          <p:cNvSpPr/>
-          <p:nvPr/>
-        </p:nvSpPr>
-        <p:spPr>
-          <a:xfrm>
-            <a:off x="6285749" y="4123352"/>
-            <a:ext cx="4007723" cy="557315"/>
-          </a:xfrm>
-          <a:prstGeom prst="rect">
-            <a:avLst/>
-          </a:prstGeom>
-          <a:noFill/>
-          <a:ln w="28575">
-            <a:solidFill>
-              <a:srgbClr val="FF0000"/>
-            </a:solidFill>
-          </a:ln>
-        </p:spPr>
-        <p:style>
-          <a:lnRef idx="2">
-            <a:schemeClr val="accent1">
-              <a:shade val="15000"/>
-            </a:schemeClr>
-          </a:lnRef>
-          <a:fillRef idx="1">
-            <a:schemeClr val="accent1"/>
-          </a:fillRef>
-          <a:effectRef idx="0">
-            <a:schemeClr val="accent1"/>
-          </a:effectRef>
-          <a:fontRef idx="minor">
-            <a:schemeClr val="lt1"/>
-          </a:fontRef>
-        </p:style>
-        <p:txBody>
-          <a:bodyPr rtlCol="0" anchor="ctr"/>
-          <a:lstStyle/>
-          <a:p>
-            <a:pPr algn="ctr"/>
-            <a:endParaRPr lang="it-IT"/>
-          </a:p>
-        </p:txBody>
-      </p:sp>
-      <p:sp>
-        <p:nvSpPr>
-          <p:cNvPr id="13" name="Rettangolo 12">
-            <a:extLst>
-              <a:ext uri="{FF2B5EF4-FFF2-40B4-BE49-F238E27FC236}">
-                <a16:creationId xmlns:a16="http://schemas.microsoft.com/office/drawing/2014/main" id="{88B5D77B-E2D6-2183-367F-57C9429F7A65}"/>
-              </a:ext>
-            </a:extLst>
-          </p:cNvPr>
-          <p:cNvSpPr/>
-          <p:nvPr/>
-        </p:nvSpPr>
-        <p:spPr>
-          <a:xfrm>
-            <a:off x="6285749" y="4680667"/>
-            <a:ext cx="4007723" cy="557315"/>
-          </a:xfrm>
-          <a:prstGeom prst="rect">
-            <a:avLst/>
-          </a:prstGeom>
-          <a:noFill/>
-          <a:ln w="28575">
-            <a:solidFill>
-              <a:srgbClr val="FF0000"/>
-            </a:solidFill>
-          </a:ln>
-        </p:spPr>
-        <p:style>
-          <a:lnRef idx="2">
-            <a:schemeClr val="accent1">
-              <a:shade val="15000"/>
-            </a:schemeClr>
-          </a:lnRef>
-          <a:fillRef idx="1">
-            <a:schemeClr val="accent1"/>
-          </a:fillRef>
-          <a:effectRef idx="0">
-            <a:schemeClr val="accent1"/>
-          </a:effectRef>
-          <a:fontRef idx="minor">
-            <a:schemeClr val="lt1"/>
-          </a:fontRef>
-        </p:style>
-        <p:txBody>
-          <a:bodyPr rtlCol="0" anchor="ctr"/>
-          <a:lstStyle/>
-          <a:p>
-            <a:pPr algn="ctr"/>
-            <a:endParaRPr lang="it-IT"/>
-          </a:p>
-        </p:txBody>
-      </p:sp>
+      </p:pic>
     </p:spTree>
     <p:extLst>
       <p:ext uri="{BB962C8B-B14F-4D97-AF65-F5344CB8AC3E}">
@@ -33458,297 +33060,6 @@
       </p:graphicFrame>
       <p:sp>
         <p:nvSpPr>
-          <p:cNvPr id="3" name="Rectangle 2"/>
-          <p:cNvSpPr/>
-          <p:nvPr/>
-        </p:nvSpPr>
-        <p:spPr>
-          <a:xfrm>
-            <a:off x="11037047" y="-1448633"/>
-            <a:ext cx="10818906" cy="3139321"/>
-          </a:xfrm>
-          <a:prstGeom prst="rect">
-            <a:avLst/>
-          </a:prstGeom>
-        </p:spPr>
-        <p:txBody>
-          <a:bodyPr wrap="square">
-            <a:spAutoFit/>
-          </a:bodyPr>
-          <a:lstStyle/>
-          <a:p>
-            <a:pPr marL="285750" indent="-285750">
-              <a:buFont typeface="Arial" panose="020B0604020202020204" pitchFamily="34" charset="0"/>
-              <a:buChar char="•"/>
-            </a:pPr>
-            <a:r>
-              <a:rPr lang="fr-FR" dirty="0">
-                <a:latin typeface="Söhne"/>
-                <a:ea typeface="Roboto" panose="02000000000000000000" pitchFamily="2" charset="0"/>
-              </a:rPr>
-              <a:t>Considéré que l'algo est sensé être un appui, il présente un bon équilibre entre sensibilité et spécificité. Il identifie la plus part des ISO qui peuvent en suite être confirmées très rapidement</a:t>
-            </a:r>
-          </a:p>
-          <a:p>
-            <a:pPr marL="285750" indent="-285750">
-              <a:buFont typeface="Arial" panose="020B0604020202020204" pitchFamily="34" charset="0"/>
-              <a:buChar char="•"/>
-            </a:pPr>
-            <a:r>
-              <a:rPr lang="fr-FR" dirty="0">
-                <a:latin typeface="Söhne"/>
-                <a:ea typeface="Roboto" panose="02000000000000000000" pitchFamily="2" charset="0"/>
-              </a:rPr>
-              <a:t>Les gains en temps estimés sont </a:t>
-            </a:r>
-            <a:r>
-              <a:rPr lang="fr-FR" dirty="0" err="1">
-                <a:latin typeface="Söhne"/>
-                <a:ea typeface="Roboto" panose="02000000000000000000" pitchFamily="2" charset="0"/>
-              </a:rPr>
-              <a:t>sont</a:t>
-            </a:r>
-            <a:r>
-              <a:rPr lang="fr-FR" dirty="0">
-                <a:latin typeface="Söhne"/>
-                <a:ea typeface="Roboto" panose="02000000000000000000" pitchFamily="2" charset="0"/>
-              </a:rPr>
-              <a:t> substantiels:</a:t>
-            </a:r>
-          </a:p>
-          <a:p>
-            <a:pPr marL="742950" lvl="1" indent="-285750">
-              <a:buFont typeface="Arial" panose="020B0604020202020204" pitchFamily="34" charset="0"/>
-              <a:buChar char="•"/>
-            </a:pPr>
-            <a:r>
-              <a:rPr lang="fr-FR" dirty="0">
-                <a:latin typeface="Söhne"/>
-                <a:ea typeface="Roboto" panose="02000000000000000000" pitchFamily="2" charset="0"/>
-              </a:rPr>
-              <a:t>~63.5h par an, par infirmier + le temps </a:t>
-            </a:r>
-            <a:r>
-              <a:rPr lang="fr-FR" dirty="0" err="1">
-                <a:latin typeface="Söhne"/>
-                <a:ea typeface="Roboto" panose="02000000000000000000" pitchFamily="2" charset="0"/>
-              </a:rPr>
-              <a:t>che</a:t>
-            </a:r>
-            <a:r>
-              <a:rPr lang="fr-FR" dirty="0">
-                <a:latin typeface="Söhne"/>
-                <a:ea typeface="Roboto" panose="02000000000000000000" pitchFamily="2" charset="0"/>
-              </a:rPr>
-              <a:t> </a:t>
-            </a:r>
-            <a:r>
-              <a:rPr lang="fr-FR" dirty="0" err="1">
-                <a:latin typeface="Söhne"/>
-                <a:ea typeface="Roboto" panose="02000000000000000000" pitchFamily="2" charset="0"/>
-              </a:rPr>
-              <a:t>gli</a:t>
-            </a:r>
-            <a:r>
-              <a:rPr lang="fr-FR" dirty="0">
-                <a:latin typeface="Söhne"/>
-                <a:ea typeface="Roboto" panose="02000000000000000000" pitchFamily="2" charset="0"/>
-              </a:rPr>
-              <a:t> </a:t>
-            </a:r>
-            <a:r>
-              <a:rPr lang="fr-FR" dirty="0" err="1">
-                <a:latin typeface="Söhne"/>
-                <a:ea typeface="Roboto" panose="02000000000000000000" pitchFamily="2" charset="0"/>
-              </a:rPr>
-              <a:t>altri</a:t>
-            </a:r>
-            <a:r>
-              <a:rPr lang="fr-FR" dirty="0">
-                <a:latin typeface="Söhne"/>
-                <a:ea typeface="Roboto" panose="02000000000000000000" pitchFamily="2" charset="0"/>
-              </a:rPr>
-              <a:t> non </a:t>
-            </a:r>
-            <a:r>
-              <a:rPr lang="fr-FR" dirty="0" err="1">
-                <a:latin typeface="Söhne"/>
-                <a:ea typeface="Roboto" panose="02000000000000000000" pitchFamily="2" charset="0"/>
-              </a:rPr>
-              <a:t>glid</a:t>
-            </a:r>
-            <a:r>
-              <a:rPr lang="fr-FR" dirty="0">
-                <a:latin typeface="Söhne"/>
-                <a:ea typeface="Roboto" panose="02000000000000000000" pitchFamily="2" charset="0"/>
-              </a:rPr>
-              <a:t> </a:t>
-            </a:r>
-            <a:r>
-              <a:rPr lang="fr-FR" dirty="0" err="1">
-                <a:latin typeface="Söhne"/>
-                <a:ea typeface="Roboto" panose="02000000000000000000" pitchFamily="2" charset="0"/>
-              </a:rPr>
-              <a:t>edicano</a:t>
-            </a:r>
-            <a:r>
-              <a:rPr lang="fr-FR" dirty="0">
-                <a:latin typeface="Söhne"/>
-                <a:ea typeface="Roboto" panose="02000000000000000000" pitchFamily="2" charset="0"/>
-              </a:rPr>
-              <a:t> più</a:t>
-            </a:r>
-          </a:p>
-          <a:p>
-            <a:pPr marL="285750" indent="-285750">
-              <a:buFont typeface="Arial" panose="020B0604020202020204" pitchFamily="34" charset="0"/>
-              <a:buChar char="•"/>
-            </a:pPr>
-            <a:r>
-              <a:rPr lang="it-IT" dirty="0">
-                <a:latin typeface="Söhne"/>
-                <a:ea typeface="Roboto" panose="02000000000000000000" pitchFamily="2" charset="0"/>
-              </a:rPr>
-              <a:t>Il guadagno in cash è poca roba nel contesto dell’ospedale ma ogni cosa conta</a:t>
-            </a:r>
-            <a:endParaRPr lang="fr-FR" dirty="0">
-              <a:latin typeface="Söhne"/>
-              <a:ea typeface="Roboto" panose="02000000000000000000" pitchFamily="2" charset="0"/>
-            </a:endParaRPr>
-          </a:p>
-          <a:p>
-            <a:pPr marL="285750" indent="-285750">
-              <a:buFont typeface="Arial" panose="020B0604020202020204" pitchFamily="34" charset="0"/>
-              <a:buChar char="•"/>
-            </a:pPr>
-            <a:r>
-              <a:rPr lang="fr-FR" dirty="0">
-                <a:latin typeface="Söhne"/>
-                <a:ea typeface="Roboto" panose="02000000000000000000" pitchFamily="2" charset="0"/>
-              </a:rPr>
-              <a:t>L’</a:t>
-            </a:r>
-            <a:r>
-              <a:rPr lang="fr-FR" dirty="0" err="1">
-                <a:latin typeface="Söhne"/>
-                <a:ea typeface="Roboto" panose="02000000000000000000" pitchFamily="2" charset="0"/>
-              </a:rPr>
-              <a:t>algoritmo</a:t>
-            </a:r>
-            <a:r>
-              <a:rPr lang="fr-FR" dirty="0">
-                <a:latin typeface="Söhne"/>
-                <a:ea typeface="Roboto" panose="02000000000000000000" pitchFamily="2" charset="0"/>
-              </a:rPr>
-              <a:t> </a:t>
-            </a:r>
-            <a:r>
-              <a:rPr lang="fr-FR" dirty="0" err="1">
-                <a:latin typeface="Söhne"/>
-                <a:ea typeface="Roboto" panose="02000000000000000000" pitchFamily="2" charset="0"/>
-              </a:rPr>
-              <a:t>estende</a:t>
-            </a:r>
-            <a:r>
-              <a:rPr lang="fr-FR" dirty="0">
-                <a:latin typeface="Söhne"/>
-                <a:ea typeface="Roboto" panose="02000000000000000000" pitchFamily="2" charset="0"/>
-              </a:rPr>
-              <a:t> la </a:t>
-            </a:r>
-            <a:r>
-              <a:rPr lang="fr-FR" dirty="0" err="1">
-                <a:latin typeface="Söhne"/>
-                <a:ea typeface="Roboto" panose="02000000000000000000" pitchFamily="2" charset="0"/>
-              </a:rPr>
-              <a:t>sorveglianza</a:t>
-            </a:r>
-            <a:r>
-              <a:rPr lang="fr-FR" dirty="0">
-                <a:latin typeface="Söhne"/>
-                <a:ea typeface="Roboto" panose="02000000000000000000" pitchFamily="2" charset="0"/>
-              </a:rPr>
-              <a:t> a tutti i </a:t>
-            </a:r>
-            <a:r>
-              <a:rPr lang="fr-FR" dirty="0" err="1">
-                <a:latin typeface="Söhne"/>
-                <a:ea typeface="Roboto" panose="02000000000000000000" pitchFamily="2" charset="0"/>
-              </a:rPr>
-              <a:t>servizi</a:t>
-            </a:r>
-            <a:endParaRPr lang="fr-FR" dirty="0">
-              <a:latin typeface="Söhne"/>
-              <a:ea typeface="Roboto" panose="02000000000000000000" pitchFamily="2" charset="0"/>
-            </a:endParaRPr>
-          </a:p>
-          <a:p>
-            <a:pPr marL="285750" indent="-285750">
-              <a:buFont typeface="Arial" panose="020B0604020202020204" pitchFamily="34" charset="0"/>
-              <a:buChar char="•"/>
-            </a:pPr>
-            <a:endParaRPr lang="it-IT" dirty="0">
-              <a:latin typeface="Söhne"/>
-              <a:ea typeface="Roboto" panose="02000000000000000000" pitchFamily="2" charset="0"/>
-            </a:endParaRPr>
-          </a:p>
-          <a:p>
-            <a:pPr marL="285750" indent="-285750">
-              <a:buFont typeface="Arial" panose="020B0604020202020204" pitchFamily="34" charset="0"/>
-              <a:buChar char="•"/>
-            </a:pPr>
-            <a:endParaRPr lang="it-IT" dirty="0">
-              <a:latin typeface="Söhne"/>
-              <a:ea typeface="Roboto" panose="02000000000000000000" pitchFamily="2" charset="0"/>
-            </a:endParaRPr>
-          </a:p>
-          <a:p>
-            <a:pPr marL="285750" indent="-285750">
-              <a:buFont typeface="Arial" panose="020B0604020202020204" pitchFamily="34" charset="0"/>
-              <a:buChar char="•"/>
-            </a:pPr>
-            <a:r>
-              <a:rPr lang="it-IT" dirty="0">
-                <a:latin typeface="Söhne"/>
-                <a:ea typeface="Roboto" panose="02000000000000000000" pitchFamily="2" charset="0"/>
-              </a:rPr>
-              <a:t>Sensibilità buona ma non ottima:</a:t>
-            </a:r>
-          </a:p>
-          <a:p>
-            <a:pPr marL="742950" lvl="1" indent="-285750">
-              <a:buFont typeface="Arial" panose="020B0604020202020204" pitchFamily="34" charset="0"/>
-              <a:buChar char="•"/>
-            </a:pPr>
-            <a:r>
-              <a:rPr lang="en-US" dirty="0">
-                <a:latin typeface="Söhne"/>
-                <a:ea typeface="Roboto" panose="02000000000000000000" pitchFamily="2" charset="0"/>
-              </a:rPr>
-              <a:t>clinicians may use vague terminology, either inadvertently or being reluctant to document complications</a:t>
-            </a:r>
-          </a:p>
-          <a:p>
-            <a:pPr marL="742950" lvl="1" indent="-285750">
-              <a:buFont typeface="Arial" panose="020B0604020202020204" pitchFamily="34" charset="0"/>
-              <a:buChar char="•"/>
-            </a:pPr>
-            <a:r>
-              <a:rPr lang="en-US" dirty="0">
-                <a:latin typeface="Söhne"/>
-                <a:ea typeface="Roboto" panose="02000000000000000000" pitchFamily="2" charset="0"/>
-              </a:rPr>
-              <a:t>NO gold standard from the hygiene department for year 2020 to compare to</a:t>
-            </a:r>
-            <a:endParaRPr lang="fr-FR" dirty="0">
-              <a:latin typeface="Söhne"/>
-              <a:ea typeface="Roboto" panose="02000000000000000000" pitchFamily="2" charset="0"/>
-            </a:endParaRPr>
-          </a:p>
-        </p:txBody>
-      </p:sp>
-      <p:sp>
-        <p:nvSpPr>
           <p:cNvPr id="5" name="CasellaDiTesto 4">
             <a:extLst>
               <a:ext uri="{FF2B5EF4-FFF2-40B4-BE49-F238E27FC236}">
@@ -33761,8 +33072,8 @@
         </p:nvSpPr>
         <p:spPr>
           <a:xfrm>
-            <a:off x="534894" y="1916817"/>
-            <a:ext cx="10818906" cy="4204356"/>
+            <a:off x="534894" y="1828643"/>
+            <a:ext cx="5561106" cy="4508285"/>
           </a:xfrm>
           <a:prstGeom prst="rect">
             <a:avLst/>
@@ -33777,195 +33088,322 @@
           <a:p>
             <a:pPr algn="l">
               <a:lnSpc>
-                <a:spcPct val="150000"/>
+                <a:spcPct val="200000"/>
               </a:lnSpc>
+            </a:pPr>
+            <a:r>
+              <a:rPr lang="fr-FR" sz="2000" b="1" i="0" dirty="0">
+                <a:effectLst/>
+                <a:latin typeface="Söhne"/>
+              </a:rPr>
+              <a:t>Points Forts</a:t>
+            </a:r>
+          </a:p>
+          <a:p>
+            <a:pPr marL="285750" indent="-285750" algn="l">
+              <a:lnSpc>
+                <a:spcPct val="200000"/>
+              </a:lnSpc>
+              <a:buFont typeface="Arial" panose="020B0604020202020204" pitchFamily="34" charset="0"/>
+              <a:buChar char="•"/>
+            </a:pPr>
+            <a:r>
+              <a:rPr lang="fr-FR" i="0" dirty="0">
+                <a:effectLst/>
+                <a:latin typeface="Söhne"/>
+              </a:rPr>
+              <a:t>Bonne performance globale</a:t>
+            </a:r>
+          </a:p>
+          <a:p>
+            <a:pPr marL="285750" indent="-285750" algn="l">
+              <a:lnSpc>
+                <a:spcPct val="200000"/>
+              </a:lnSpc>
+              <a:buFont typeface="Arial" panose="020B0604020202020204" pitchFamily="34" charset="0"/>
+              <a:buChar char="•"/>
             </a:pPr>
             <a:r>
               <a:rPr lang="fr-FR" b="1" i="0" dirty="0">
                 <a:effectLst/>
                 <a:latin typeface="Söhne"/>
               </a:rPr>
-              <a:t>Points Forts</a:t>
+              <a:t> 	-</a:t>
+            </a:r>
+            <a:r>
+              <a:rPr lang="fr-FR" b="0" i="0" dirty="0">
+                <a:effectLst/>
+                <a:latin typeface="Söhne"/>
+              </a:rPr>
+              <a:t>64,5% 		</a:t>
             </a:r>
           </a:p>
           <a:p>
             <a:pPr marL="285750" indent="-285750" algn="l">
               <a:lnSpc>
-                <a:spcPct val="150000"/>
+                <a:spcPct val="200000"/>
               </a:lnSpc>
               <a:buFont typeface="Arial" panose="020B0604020202020204" pitchFamily="34" charset="0"/>
               <a:buChar char="•"/>
             </a:pPr>
             <a:r>
+              <a:rPr lang="fr-FR" b="0" i="0" dirty="0">
+                <a:effectLst/>
+                <a:latin typeface="Söhne"/>
+              </a:rPr>
+              <a:t>	</a:t>
+            </a:r>
+            <a:r>
               <a:rPr lang="fr-FR" b="1" i="0" dirty="0">
                 <a:effectLst/>
                 <a:latin typeface="Söhne"/>
               </a:rPr>
-              <a:t>Efficacité et Précision</a:t>
+              <a:t>-</a:t>
             </a:r>
             <a:r>
               <a:rPr lang="fr-FR" b="0" i="0" dirty="0">
                 <a:effectLst/>
                 <a:latin typeface="Söhne"/>
               </a:rPr>
-              <a:t>: L'algorithme a une spécificité de 98% et une sensibilité de 82%.</a:t>
+              <a:t>2090€ / an / infirmier dédié</a:t>
             </a:r>
           </a:p>
           <a:p>
             <a:pPr marL="285750" indent="-285750" algn="l">
               <a:lnSpc>
-                <a:spcPct val="150000"/>
+                <a:spcPct val="200000"/>
               </a:lnSpc>
               <a:buFont typeface="Arial" panose="020B0604020202020204" pitchFamily="34" charset="0"/>
               <a:buChar char="•"/>
             </a:pPr>
             <a:r>
-              <a:rPr lang="fr-FR" b="1" i="0" dirty="0">
-                <a:effectLst/>
-                <a:latin typeface="Söhne"/>
-              </a:rPr>
-              <a:t>Gain de Temps</a:t>
-            </a:r>
-            <a:r>
               <a:rPr lang="fr-FR" b="0" i="0" dirty="0">
                 <a:effectLst/>
                 <a:latin typeface="Söhne"/>
               </a:rPr>
-              <a:t>: Réduction du temps de surveillance des ISI de 64,5% par infirmier par an.</a:t>
-            </a:r>
+              <a:t>Surveillance élargie à toutes les UM</a:t>
+            </a:r>
+          </a:p>
+          <a:p>
+            <a:pPr marL="285750" indent="-285750">
+              <a:lnSpc>
+                <a:spcPct val="200000"/>
+              </a:lnSpc>
+              <a:buFont typeface="Arial" panose="020B0604020202020204" pitchFamily="34" charset="0"/>
+              <a:buChar char="•"/>
+            </a:pPr>
+            <a:r>
+              <a:rPr lang="fr-FR" b="0" i="0" dirty="0">
+                <a:effectLst/>
+                <a:latin typeface="Söhne"/>
+              </a:rPr>
+              <a:t>Facilement adaptable à d’autres contextes</a:t>
+            </a:r>
+          </a:p>
+          <a:p>
+            <a:pPr marL="285750" indent="-285750">
+              <a:lnSpc>
+                <a:spcPct val="200000"/>
+              </a:lnSpc>
+              <a:buFont typeface="Arial" panose="020B0604020202020204" pitchFamily="34" charset="0"/>
+              <a:buChar char="•"/>
+            </a:pPr>
+            <a:r>
+              <a:rPr lang="fr-FR" dirty="0">
+                <a:latin typeface="Söhne"/>
+              </a:rPr>
+              <a:t>↑ </a:t>
+            </a:r>
+            <a:r>
+              <a:rPr lang="fr-FR" dirty="0" err="1">
+                <a:latin typeface="Söhne"/>
+              </a:rPr>
+              <a:t>QoL</a:t>
+            </a:r>
+            <a:r>
+              <a:rPr lang="fr-FR" dirty="0">
+                <a:latin typeface="Söhne"/>
+              </a:rPr>
+              <a:t> : NO déplacement, NO </a:t>
+            </a:r>
+            <a:r>
+              <a:rPr lang="fr-FR" dirty="0" err="1">
+                <a:latin typeface="Söhne"/>
+              </a:rPr>
+              <a:t>dépendence</a:t>
+            </a:r>
+            <a:r>
+              <a:rPr lang="fr-FR" dirty="0">
+                <a:latin typeface="Söhne"/>
+              </a:rPr>
+              <a:t> des autres</a:t>
+            </a:r>
+          </a:p>
+          <a:p>
+            <a:pPr marL="285750" indent="-285750">
+              <a:lnSpc>
+                <a:spcPct val="200000"/>
+              </a:lnSpc>
+              <a:buFont typeface="Arial" panose="020B0604020202020204" pitchFamily="34" charset="0"/>
+              <a:buChar char="•"/>
+            </a:pPr>
+            <a:r>
+              <a:rPr lang="fr-FR" dirty="0">
+                <a:latin typeface="Söhne"/>
+              </a:rPr>
+              <a:t>↑ transparence </a:t>
+            </a:r>
+            <a:endParaRPr lang="fr-FR" b="0" i="0" dirty="0">
+              <a:effectLst/>
+              <a:latin typeface="Söhne"/>
+            </a:endParaRPr>
+          </a:p>
+        </p:txBody>
+      </p:sp>
+      <p:pic>
+        <p:nvPicPr>
+          <p:cNvPr id="4" name="Segnaposto contenuto 4" descr="Cronometro">
+            <a:extLst>
+              <a:ext uri="{FF2B5EF4-FFF2-40B4-BE49-F238E27FC236}">
+                <a16:creationId xmlns:a16="http://schemas.microsoft.com/office/drawing/2014/main" id="{FE214D64-E35E-7A00-825B-C25774E8B461}"/>
+              </a:ext>
+            </a:extLst>
+          </p:cNvPr>
+          <p:cNvPicPr>
+            <a:picLocks noGrp="1" noChangeAspect="1"/>
+          </p:cNvPicPr>
+          <p:nvPr>
+            <p:ph idx="1"/>
+          </p:nvPr>
+        </p:nvPicPr>
+        <p:blipFill>
+          <a:blip r:embed="rId8">
+            <a:extLst>
+              <a:ext uri="{28A0092B-C50C-407E-A947-70E740481C1C}">
+                <a14:useLocalDpi xmlns:a14="http://schemas.microsoft.com/office/drawing/2010/main" val="0"/>
+              </a:ext>
+              <a:ext uri="{96DAC541-7B7A-43D3-8B79-37D633B846F1}">
+                <asvg:svgBlip xmlns:asvg="http://schemas.microsoft.com/office/drawing/2016/SVG/main" r:embed="rId9"/>
+              </a:ext>
+            </a:extLst>
+          </a:blip>
+          <a:stretch>
+            <a:fillRect/>
+          </a:stretch>
+        </p:blipFill>
+        <p:spPr>
+          <a:xfrm>
+            <a:off x="977901" y="3118519"/>
+            <a:ext cx="469900" cy="469900"/>
+          </a:xfrm>
+        </p:spPr>
+      </p:pic>
+      <p:pic>
+        <p:nvPicPr>
+          <p:cNvPr id="6" name="Elemento grafico 5" descr="Monete">
+            <a:extLst>
+              <a:ext uri="{FF2B5EF4-FFF2-40B4-BE49-F238E27FC236}">
+                <a16:creationId xmlns:a16="http://schemas.microsoft.com/office/drawing/2014/main" id="{6D761A88-E484-5200-754C-E0EFEEC00209}"/>
+              </a:ext>
+            </a:extLst>
+          </p:cNvPr>
+          <p:cNvPicPr>
+            <a:picLocks noChangeAspect="1"/>
+          </p:cNvPicPr>
+          <p:nvPr/>
+        </p:nvPicPr>
+        <p:blipFill>
+          <a:blip r:embed="rId10">
+            <a:extLst>
+              <a:ext uri="{28A0092B-C50C-407E-A947-70E740481C1C}">
+                <a14:useLocalDpi xmlns:a14="http://schemas.microsoft.com/office/drawing/2010/main" val="0"/>
+              </a:ext>
+              <a:ext uri="{96DAC541-7B7A-43D3-8B79-37D633B846F1}">
+                <asvg:svgBlip xmlns:asvg="http://schemas.microsoft.com/office/drawing/2016/SVG/main" r:embed="rId11"/>
+              </a:ext>
+            </a:extLst>
+          </a:blip>
+          <a:stretch>
+            <a:fillRect/>
+          </a:stretch>
+        </p:blipFill>
+        <p:spPr>
+          <a:xfrm>
+            <a:off x="977901" y="3726374"/>
+            <a:ext cx="469900" cy="469900"/>
+          </a:xfrm>
+          <a:prstGeom prst="rect">
+            <a:avLst/>
+          </a:prstGeom>
+        </p:spPr>
+      </p:pic>
+      <p:sp>
+        <p:nvSpPr>
+          <p:cNvPr id="9" name="CasellaDiTesto 8">
+            <a:extLst>
+              <a:ext uri="{FF2B5EF4-FFF2-40B4-BE49-F238E27FC236}">
+                <a16:creationId xmlns:a16="http://schemas.microsoft.com/office/drawing/2014/main" id="{A2E1F166-4AA8-DE4D-3E51-E0106A52DA53}"/>
+              </a:ext>
+            </a:extLst>
+          </p:cNvPr>
+          <p:cNvSpPr txBox="1"/>
+          <p:nvPr/>
+        </p:nvSpPr>
+        <p:spPr>
+          <a:xfrm>
+            <a:off x="5792694" y="1828643"/>
+            <a:ext cx="5864412" cy="3519553"/>
+          </a:xfrm>
+          <a:prstGeom prst="rect">
+            <a:avLst/>
+          </a:prstGeom>
+          <a:noFill/>
+        </p:spPr>
+        <p:txBody>
+          <a:bodyPr wrap="square">
+            <a:spAutoFit/>
+          </a:bodyPr>
+          <a:lstStyle/>
+          <a:p>
+            <a:pPr algn="l">
+              <a:lnSpc>
+                <a:spcPct val="250000"/>
+              </a:lnSpc>
+            </a:pPr>
+            <a:r>
+              <a:rPr lang="fr-FR" sz="2000" b="1" i="0" dirty="0">
+                <a:effectLst/>
+                <a:latin typeface="Söhne"/>
+              </a:rPr>
+              <a:t>Limitations</a:t>
+            </a:r>
+            <a:endParaRPr lang="fr-FR" b="1" i="0" dirty="0">
+              <a:effectLst/>
+              <a:latin typeface="Söhne"/>
+            </a:endParaRPr>
           </a:p>
           <a:p>
             <a:pPr marL="285750" indent="-285750" algn="l">
               <a:lnSpc>
-                <a:spcPct val="150000"/>
+                <a:spcPct val="250000"/>
               </a:lnSpc>
               <a:buFont typeface="Arial" panose="020B0604020202020204" pitchFamily="34" charset="0"/>
               <a:buChar char="•"/>
             </a:pPr>
             <a:r>
-              <a:rPr lang="fr-FR" b="1" i="0" dirty="0">
-                <a:effectLst/>
-                <a:latin typeface="Söhne"/>
-              </a:rPr>
-              <a:t>Versatilité</a:t>
-            </a:r>
-            <a:r>
               <a:rPr lang="fr-FR" b="0" i="0" dirty="0">
                 <a:effectLst/>
                 <a:latin typeface="Söhne"/>
               </a:rPr>
-              <a:t>: Adaptable à différents types de chirurgies et de complications.</a:t>
-            </a:r>
-          </a:p>
-          <a:p>
-            <a:pPr marL="285750" indent="-285750" algn="l">
-              <a:lnSpc>
-                <a:spcPct val="150000"/>
-              </a:lnSpc>
-              <a:buFont typeface="Arial" panose="020B0604020202020204" pitchFamily="34" charset="0"/>
-              <a:buChar char="•"/>
-            </a:pPr>
-            <a:r>
-              <a:rPr lang="fr-FR" b="1" i="0" dirty="0">
-                <a:effectLst/>
-                <a:latin typeface="Söhne"/>
-              </a:rPr>
-              <a:t>Économies Financières</a:t>
+              <a:t>terminologie clinique vague </a:t>
             </a:r>
             <a:r>
               <a:rPr lang="fr-FR" b="0" i="0" dirty="0">
                 <a:effectLst/>
                 <a:latin typeface="Söhne"/>
+                <a:sym typeface="Wingdings" panose="05000000000000000000" pitchFamily="2" charset="2"/>
               </a:rPr>
-              <a:t>: Économie financière estimée à €2,090 par infirmier par an.</a:t>
-            </a:r>
-          </a:p>
-          <a:p>
-            <a:pPr algn="l">
-              <a:lnSpc>
-                <a:spcPct val="150000"/>
-              </a:lnSpc>
-            </a:pPr>
-            <a:r>
-              <a:rPr lang="fr-FR" b="1" i="0" dirty="0">
-                <a:effectLst/>
-                <a:latin typeface="Söhne"/>
-              </a:rPr>
-              <a:t>Limitations</a:t>
-            </a:r>
-          </a:p>
-          <a:p>
-            <a:pPr marL="285750" indent="-285750" algn="l">
-              <a:lnSpc>
-                <a:spcPct val="150000"/>
-              </a:lnSpc>
-              <a:buFont typeface="Arial" panose="020B0604020202020204" pitchFamily="34" charset="0"/>
-              <a:buChar char="•"/>
-            </a:pPr>
-            <a:r>
-              <a:rPr lang="fr-FR" b="1" i="0" dirty="0">
-                <a:effectLst/>
-                <a:latin typeface="Söhne"/>
-              </a:rPr>
-              <a:t>Sensibilité</a:t>
-            </a:r>
-            <a:r>
-              <a:rPr lang="fr-FR" dirty="0">
-                <a:latin typeface="Söhne"/>
-              </a:rPr>
-              <a:t> l</a:t>
-            </a:r>
-            <a:r>
-              <a:rPr lang="fr-FR" b="0" i="0" dirty="0">
-                <a:effectLst/>
-                <a:latin typeface="Söhne"/>
-              </a:rPr>
-              <a:t>imitée par une terminologie clinique vague et une documentation incomplète.</a:t>
-            </a:r>
-          </a:p>
-          <a:p>
-            <a:pPr marL="285750" indent="-285750" algn="l">
-              <a:lnSpc>
-                <a:spcPct val="150000"/>
-              </a:lnSpc>
-              <a:buFont typeface="Arial" panose="020B0604020202020204" pitchFamily="34" charset="0"/>
-              <a:buChar char="•"/>
-            </a:pPr>
-            <a:r>
-              <a:rPr lang="fr-FR" b="0" i="0" dirty="0">
-                <a:effectLst/>
-                <a:latin typeface="Söhne"/>
-              </a:rPr>
-              <a:t>Absence d’un</a:t>
-            </a:r>
-            <a:r>
-              <a:rPr lang="fr-FR" b="0" i="1" dirty="0">
-                <a:effectLst/>
-                <a:latin typeface="Söhne"/>
-              </a:rPr>
-              <a:t> </a:t>
-            </a:r>
-            <a:r>
-              <a:rPr lang="fr-FR" b="1" dirty="0">
-                <a:effectLst/>
-                <a:latin typeface="Söhne"/>
-              </a:rPr>
-              <a:t>Gold Standard</a:t>
-            </a:r>
-          </a:p>
-          <a:p>
-            <a:pPr marL="285750" indent="-285750" algn="l">
-              <a:lnSpc>
-                <a:spcPct val="150000"/>
-              </a:lnSpc>
-              <a:buFont typeface="Arial" panose="020B0604020202020204" pitchFamily="34" charset="0"/>
-              <a:buChar char="•"/>
-            </a:pPr>
-            <a:r>
-              <a:rPr lang="fr-FR" dirty="0">
-                <a:latin typeface="Söhne"/>
-              </a:rPr>
-              <a:t>Limité aux données informatisées</a:t>
+              <a:t> impacte sur la sensibilité</a:t>
             </a:r>
             <a:endParaRPr lang="fr-FR" b="0" i="0" dirty="0">
               <a:effectLst/>
@@ -33975,7 +33413,7 @@
           <a:p>
             <a:pPr marL="285750" indent="-285750" algn="l">
               <a:lnSpc>
-                <a:spcPct val="150000"/>
+                <a:spcPct val="250000"/>
               </a:lnSpc>
               <a:buFont typeface="Arial" panose="020B0604020202020204" pitchFamily="34" charset="0"/>
               <a:buChar char="•"/>
@@ -33985,8 +33423,60 @@
                 <a:effectLst/>
                 <a:latin typeface="Söhne"/>
               </a:rPr>
-              <a:t>Ne capture pas les cas de patients qui ne reviennent pas à l'hôpital pour leurs infections.</a:t>
-            </a:r>
+              <a:t>Absence d’un</a:t>
+            </a:r>
+            <a:r>
+              <a:rPr lang="fr-FR" b="0" i="1" dirty="0">
+                <a:effectLst/>
+                <a:latin typeface="Söhne"/>
+              </a:rPr>
+              <a:t> </a:t>
+            </a:r>
+            <a:r>
+              <a:rPr lang="fr-FR" dirty="0">
+                <a:effectLst/>
+                <a:latin typeface="Söhne"/>
+              </a:rPr>
+              <a:t>Gold Standard</a:t>
+            </a:r>
+          </a:p>
+          <a:p>
+            <a:pPr marL="285750" indent="-285750" algn="l">
+              <a:lnSpc>
+                <a:spcPct val="250000"/>
+              </a:lnSpc>
+              <a:buFont typeface="Arial" panose="020B0604020202020204" pitchFamily="34" charset="0"/>
+              <a:buChar char="•"/>
+            </a:pPr>
+            <a:r>
+              <a:rPr lang="fr-FR" dirty="0">
+                <a:latin typeface="Söhne"/>
+              </a:rPr>
+              <a:t>Limité aux données informatisées</a:t>
+            </a:r>
+            <a:endParaRPr lang="fr-FR" b="0" i="0" dirty="0">
+              <a:effectLst/>
+              <a:latin typeface="Söhne"/>
+            </a:endParaRPr>
+          </a:p>
+          <a:p>
+            <a:pPr marL="285750" indent="-285750" algn="l">
+              <a:lnSpc>
+                <a:spcPct val="250000"/>
+              </a:lnSpc>
+              <a:buFont typeface="Arial" panose="020B0604020202020204" pitchFamily="34" charset="0"/>
+              <a:buChar char="•"/>
+            </a:pPr>
+            <a:r>
+              <a:rPr lang="fr-FR" dirty="0">
+                <a:latin typeface="Söhne"/>
+              </a:rPr>
+              <a:t>Absence de lien avec la médecine de ville / autres H</a:t>
+            </a:r>
+            <a:endParaRPr lang="fr-FR" b="0" i="0" dirty="0">
+              <a:effectLst/>
+              <a:latin typeface="Söhne"/>
+            </a:endParaRPr>
           </a:p>
         </p:txBody>
       </p:sp>
